--- a/Emotion Tracker App Project.pptx
+++ b/Emotion Tracker App Project.pptx
@@ -5,27 +5,29 @@
     <p:sldMasterId id="2147483648" r:id="rId4"/>
   </p:sldMasterIdLst>
   <p:notesMasterIdLst>
-    <p:notesMasterId r:id="rId20"/>
+    <p:notesMasterId r:id="rId22"/>
   </p:notesMasterIdLst>
   <p:handoutMasterIdLst>
-    <p:handoutMasterId r:id="rId21"/>
+    <p:handoutMasterId r:id="rId23"/>
   </p:handoutMasterIdLst>
   <p:sldIdLst>
     <p:sldId id="256" r:id="rId5"/>
-    <p:sldId id="257" r:id="rId6"/>
-    <p:sldId id="260" r:id="rId7"/>
-    <p:sldId id="258" r:id="rId8"/>
-    <p:sldId id="286" r:id="rId9"/>
-    <p:sldId id="261" r:id="rId10"/>
-    <p:sldId id="262" r:id="rId11"/>
-    <p:sldId id="283" r:id="rId12"/>
-    <p:sldId id="264" r:id="rId13"/>
-    <p:sldId id="266" r:id="rId14"/>
-    <p:sldId id="284" r:id="rId15"/>
-    <p:sldId id="267" r:id="rId16"/>
-    <p:sldId id="269" r:id="rId17"/>
-    <p:sldId id="268" r:id="rId18"/>
-    <p:sldId id="285" r:id="rId19"/>
+    <p:sldId id="258" r:id="rId6"/>
+    <p:sldId id="286" r:id="rId7"/>
+    <p:sldId id="288" r:id="rId8"/>
+    <p:sldId id="287" r:id="rId9"/>
+    <p:sldId id="257" r:id="rId10"/>
+    <p:sldId id="260" r:id="rId11"/>
+    <p:sldId id="261" r:id="rId12"/>
+    <p:sldId id="262" r:id="rId13"/>
+    <p:sldId id="283" r:id="rId14"/>
+    <p:sldId id="264" r:id="rId15"/>
+    <p:sldId id="266" r:id="rId16"/>
+    <p:sldId id="284" r:id="rId17"/>
+    <p:sldId id="267" r:id="rId18"/>
+    <p:sldId id="269" r:id="rId19"/>
+    <p:sldId id="268" r:id="rId20"/>
+    <p:sldId id="285" r:id="rId21"/>
   </p:sldIdLst>
   <p:sldSz cx="12192000" cy="6858000"/>
   <p:notesSz cx="6858000" cy="9144000"/>
@@ -1151,7 +1153,7 @@
           <a:p>
             <a:fld id="{1CA5457B-CDAE-4DEB-AEC8-C82DE2312E37}" type="datetimeFigureOut">
               <a:rPr lang="en-US" smtClean="0"/>
-              <a:t>3/11/2024</a:t>
+              <a:t>3/21/2024</a:t>
             </a:fld>
             <a:endParaRPr lang="en-US" dirty="0"/>
           </a:p>
@@ -1328,7 +1330,7 @@
           <a:p>
             <a:fld id="{090B78EA-28CE-41D8-9043-90E391E5F567}" type="datetimeFigureOut">
               <a:rPr lang="en-US" noProof="0" smtClean="0"/>
-              <a:t>3/11/2024</a:t>
+              <a:t>3/21/2024</a:t>
             </a:fld>
             <a:endParaRPr lang="en-US" noProof="0" dirty="0"/>
           </a:p>
@@ -26472,6 +26474,389 @@
 </file>
 
 <file path=ppt/slides/slide10.xml><?xml version="1.0" encoding="utf-8"?>
+<p:sld xmlns:a="http://schemas.openxmlformats.org/drawingml/2006/main" xmlns:r="http://schemas.openxmlformats.org/officeDocument/2006/relationships" xmlns:p="http://schemas.openxmlformats.org/presentationml/2006/main">
+  <p:cSld>
+    <p:spTree>
+      <p:nvGrpSpPr>
+        <p:cNvPr id="1" name=""/>
+        <p:cNvGrpSpPr/>
+        <p:nvPr/>
+      </p:nvGrpSpPr>
+      <p:grpSpPr>
+        <a:xfrm>
+          <a:off x="0" y="0"/>
+          <a:ext cx="0" cy="0"/>
+          <a:chOff x="0" y="0"/>
+          <a:chExt cx="0" cy="0"/>
+        </a:xfrm>
+      </p:grpSpPr>
+      <p:sp>
+        <p:nvSpPr>
+          <p:cNvPr id="4" name="Title 3">
+            <a:extLst>
+              <a:ext uri="{FF2B5EF4-FFF2-40B4-BE49-F238E27FC236}">
+                <a16:creationId xmlns:a16="http://schemas.microsoft.com/office/drawing/2014/main" id="{315E3981-F0D7-482C-A8E0-6A57700BECA7}"/>
+              </a:ext>
+            </a:extLst>
+          </p:cNvPr>
+          <p:cNvSpPr>
+            <a:spLocks noGrp="1"/>
+          </p:cNvSpPr>
+          <p:nvPr>
+            <p:ph type="title"/>
+          </p:nvPr>
+        </p:nvSpPr>
+        <p:spPr/>
+        <p:txBody>
+          <a:bodyPr/>
+          <a:lstStyle/>
+          <a:p>
+            <a:r>
+              <a:rPr lang="en-US" dirty="0"/>
+              <a:t>Content Title 03</a:t>
+            </a:r>
+          </a:p>
+        </p:txBody>
+      </p:sp>
+      <p:pic>
+        <p:nvPicPr>
+          <p:cNvPr id="20" name="Picture Placeholder 19" descr="Triangular pattern design with dimension">
+            <a:extLst>
+              <a:ext uri="{FF2B5EF4-FFF2-40B4-BE49-F238E27FC236}">
+                <a16:creationId xmlns:a16="http://schemas.microsoft.com/office/drawing/2014/main" id="{3DCA2B8E-64D3-7645-8DEB-688ED5756F52}"/>
+              </a:ext>
+            </a:extLst>
+          </p:cNvPr>
+          <p:cNvPicPr>
+            <a:picLocks noGrp="1" noChangeAspect="1"/>
+          </p:cNvPicPr>
+          <p:nvPr>
+            <p:ph type="pic" sz="quarter" idx="19"/>
+          </p:nvPr>
+        </p:nvPicPr>
+        <p:blipFill>
+          <a:blip r:embed="rId2">
+            <a:extLst>
+              <a:ext uri="{28A0092B-C50C-407E-A947-70E740481C1C}">
+                <a14:useLocalDpi xmlns:a14="http://schemas.microsoft.com/office/drawing/2010/main" val="0"/>
+              </a:ext>
+            </a:extLst>
+          </a:blip>
+          <a:srcRect/>
+          <a:stretch>
+            <a:fillRect/>
+          </a:stretch>
+        </p:blipFill>
+        <p:spPr/>
+      </p:pic>
+      <p:sp>
+        <p:nvSpPr>
+          <p:cNvPr id="19" name="Text Placeholder 18">
+            <a:extLst>
+              <a:ext uri="{FF2B5EF4-FFF2-40B4-BE49-F238E27FC236}">
+                <a16:creationId xmlns:a16="http://schemas.microsoft.com/office/drawing/2014/main" id="{782206B1-586F-4254-9B36-D06C4E294ACF}"/>
+              </a:ext>
+            </a:extLst>
+          </p:cNvPr>
+          <p:cNvSpPr>
+            <a:spLocks noGrp="1"/>
+          </p:cNvSpPr>
+          <p:nvPr>
+            <p:ph type="body" sz="quarter" idx="18"/>
+          </p:nvPr>
+        </p:nvSpPr>
+        <p:spPr/>
+        <p:txBody>
+          <a:bodyPr/>
+          <a:lstStyle/>
+          <a:p>
+            <a:r>
+              <a:rPr lang="en-US" dirty="0"/>
+              <a:t>Caption01 appears here</a:t>
+            </a:r>
+          </a:p>
+        </p:txBody>
+      </p:sp>
+      <p:sp>
+        <p:nvSpPr>
+          <p:cNvPr id="21" name="Text Placeholder 20">
+            <a:extLst>
+              <a:ext uri="{FF2B5EF4-FFF2-40B4-BE49-F238E27FC236}">
+                <a16:creationId xmlns:a16="http://schemas.microsoft.com/office/drawing/2014/main" id="{1B8F0371-4F69-4131-91BF-9AB99E6EE89B}"/>
+              </a:ext>
+            </a:extLst>
+          </p:cNvPr>
+          <p:cNvSpPr>
+            <a:spLocks noGrp="1"/>
+          </p:cNvSpPr>
+          <p:nvPr>
+            <p:ph type="body" sz="quarter" idx="20"/>
+          </p:nvPr>
+        </p:nvSpPr>
+        <p:spPr/>
+        <p:txBody>
+          <a:bodyPr/>
+          <a:lstStyle/>
+          <a:p>
+            <a:r>
+              <a:rPr lang="en-US" dirty="0"/>
+              <a:t>Caption03 appears here</a:t>
+            </a:r>
+          </a:p>
+        </p:txBody>
+      </p:sp>
+      <p:sp>
+        <p:nvSpPr>
+          <p:cNvPr id="22" name="Text Placeholder 21">
+            <a:extLst>
+              <a:ext uri="{FF2B5EF4-FFF2-40B4-BE49-F238E27FC236}">
+                <a16:creationId xmlns:a16="http://schemas.microsoft.com/office/drawing/2014/main" id="{78CACAF1-61EA-4605-A8FE-2EEE752B49FF}"/>
+              </a:ext>
+            </a:extLst>
+          </p:cNvPr>
+          <p:cNvSpPr>
+            <a:spLocks noGrp="1"/>
+          </p:cNvSpPr>
+          <p:nvPr>
+            <p:ph type="body" sz="quarter" idx="21"/>
+          </p:nvPr>
+        </p:nvSpPr>
+        <p:spPr/>
+        <p:txBody>
+          <a:bodyPr/>
+          <a:lstStyle/>
+          <a:p>
+            <a:r>
+              <a:rPr lang="en-US" dirty="0"/>
+              <a:t>Caption04 appears here</a:t>
+            </a:r>
+          </a:p>
+        </p:txBody>
+      </p:sp>
+      <p:sp>
+        <p:nvSpPr>
+          <p:cNvPr id="2" name="Slide Number Placeholder 1">
+            <a:extLst>
+              <a:ext uri="{FF2B5EF4-FFF2-40B4-BE49-F238E27FC236}">
+                <a16:creationId xmlns:a16="http://schemas.microsoft.com/office/drawing/2014/main" id="{2F478C69-0A1D-45FF-8600-ED903803FFE1}"/>
+              </a:ext>
+            </a:extLst>
+          </p:cNvPr>
+          <p:cNvSpPr>
+            <a:spLocks noGrp="1"/>
+          </p:cNvSpPr>
+          <p:nvPr>
+            <p:ph type="sldNum" sz="quarter" idx="12"/>
+          </p:nvPr>
+        </p:nvSpPr>
+        <p:spPr/>
+        <p:txBody>
+          <a:bodyPr/>
+          <a:lstStyle/>
+          <a:p>
+            <a:fld id="{C263D6C4-4840-40CC-AC84-17E24B3B7BDE}" type="slidenum">
+              <a:rPr lang="en-US" smtClean="0"/>
+              <a:pPr/>
+              <a:t>10</a:t>
+            </a:fld>
+            <a:endParaRPr lang="en-US" dirty="0"/>
+          </a:p>
+        </p:txBody>
+      </p:sp>
+    </p:spTree>
+    <p:extLst>
+      <p:ext uri="{BB962C8B-B14F-4D97-AF65-F5344CB8AC3E}">
+        <p14:creationId xmlns:p14="http://schemas.microsoft.com/office/powerpoint/2010/main" val="451187730"/>
+      </p:ext>
+    </p:extLst>
+  </p:cSld>
+  <p:clrMapOvr>
+    <a:masterClrMapping/>
+  </p:clrMapOvr>
+  <mc:AlternateContent xmlns:mc="http://schemas.openxmlformats.org/markup-compatibility/2006" xmlns:p14="http://schemas.microsoft.com/office/powerpoint/2010/main">
+    <mc:Choice Requires="p14">
+      <p:transition spd="med" p14:dur="700">
+        <p:fade/>
+      </p:transition>
+    </mc:Choice>
+    <mc:Fallback xmlns="">
+      <p:transition spd="med">
+        <p:fade/>
+      </p:transition>
+    </mc:Fallback>
+  </mc:AlternateContent>
+</p:sld>
+</file>
+
+<file path=ppt/slides/slide11.xml><?xml version="1.0" encoding="utf-8"?>
+<p:sld xmlns:a="http://schemas.openxmlformats.org/drawingml/2006/main" xmlns:r="http://schemas.openxmlformats.org/officeDocument/2006/relationships" xmlns:p="http://schemas.openxmlformats.org/presentationml/2006/main">
+  <p:cSld>
+    <p:spTree>
+      <p:nvGrpSpPr>
+        <p:cNvPr id="1" name=""/>
+        <p:cNvGrpSpPr/>
+        <p:nvPr/>
+      </p:nvGrpSpPr>
+      <p:grpSpPr>
+        <a:xfrm>
+          <a:off x="0" y="0"/>
+          <a:ext cx="0" cy="0"/>
+          <a:chOff x="0" y="0"/>
+          <a:chExt cx="0" cy="0"/>
+        </a:xfrm>
+      </p:grpSpPr>
+      <p:sp>
+        <p:nvSpPr>
+          <p:cNvPr id="4" name="Title 3">
+            <a:extLst>
+              <a:ext uri="{FF2B5EF4-FFF2-40B4-BE49-F238E27FC236}">
+                <a16:creationId xmlns:a16="http://schemas.microsoft.com/office/drawing/2014/main" id="{315E3981-F0D7-482C-A8E0-6A57700BECA7}"/>
+              </a:ext>
+            </a:extLst>
+          </p:cNvPr>
+          <p:cNvSpPr>
+            <a:spLocks noGrp="1"/>
+          </p:cNvSpPr>
+          <p:nvPr>
+            <p:ph type="title"/>
+          </p:nvPr>
+        </p:nvSpPr>
+        <p:spPr/>
+        <p:txBody>
+          <a:bodyPr/>
+          <a:lstStyle/>
+          <a:p>
+            <a:r>
+              <a:rPr lang="en-US" dirty="0"/>
+              <a:t>Content Title 04</a:t>
+            </a:r>
+          </a:p>
+        </p:txBody>
+      </p:sp>
+      <p:pic>
+        <p:nvPicPr>
+          <p:cNvPr id="8" name="Picture Placeholder 7" descr="Triangular pattern design with dimension">
+            <a:extLst>
+              <a:ext uri="{FF2B5EF4-FFF2-40B4-BE49-F238E27FC236}">
+                <a16:creationId xmlns:a16="http://schemas.microsoft.com/office/drawing/2014/main" id="{2301248D-7370-7643-9BE6-F8CDCFF4D460}"/>
+              </a:ext>
+            </a:extLst>
+          </p:cNvPr>
+          <p:cNvPicPr>
+            <a:picLocks noGrp="1" noChangeAspect="1"/>
+          </p:cNvPicPr>
+          <p:nvPr>
+            <p:ph type="pic" sz="quarter" idx="19"/>
+          </p:nvPr>
+        </p:nvPicPr>
+        <p:blipFill rotWithShape="1">
+          <a:blip r:embed="rId2">
+            <a:extLst>
+              <a:ext uri="{28A0092B-C50C-407E-A947-70E740481C1C}">
+                <a14:useLocalDpi xmlns:a14="http://schemas.microsoft.com/office/drawing/2010/main" val="0"/>
+              </a:ext>
+            </a:extLst>
+          </a:blip>
+          <a:srcRect/>
+          <a:stretch/>
+        </p:blipFill>
+        <p:spPr>
+          <a:xfrm>
+            <a:off x="-2" y="1352575"/>
+            <a:ext cx="12192002" cy="2289897"/>
+          </a:xfrm>
+        </p:spPr>
+      </p:pic>
+      <p:sp>
+        <p:nvSpPr>
+          <p:cNvPr id="19" name="Text Placeholder 18">
+            <a:extLst>
+              <a:ext uri="{FF2B5EF4-FFF2-40B4-BE49-F238E27FC236}">
+                <a16:creationId xmlns:a16="http://schemas.microsoft.com/office/drawing/2014/main" id="{782206B1-586F-4254-9B36-D06C4E294ACF}"/>
+              </a:ext>
+            </a:extLst>
+          </p:cNvPr>
+          <p:cNvSpPr>
+            <a:spLocks noGrp="1"/>
+          </p:cNvSpPr>
+          <p:nvPr>
+            <p:ph type="body" sz="quarter" idx="18"/>
+          </p:nvPr>
+        </p:nvSpPr>
+        <p:spPr/>
+        <p:txBody>
+          <a:bodyPr/>
+          <a:lstStyle/>
+          <a:p>
+            <a:r>
+              <a:rPr lang="en-US" dirty="0"/>
+              <a:t>Lorem ipsum dolor sit amet, consectetuer adipiscing elit. Maecenas porttitor congue massa. Fusce posuere, magna sed pulvinar ultricies, purus lectus malesuada libero, sit amet commodo magna eros quis urna. Nunc viverra imperdiet enim. Fusce est. Vivamus a tellus.</a:t>
+            </a:r>
+          </a:p>
+          <a:p>
+            <a:r>
+              <a:rPr lang="en-US" dirty="0"/>
+              <a:t>Pellentesque habitant morbi tristique senectus et netus et malesuada fames ac turpis egestas. Proin pharetra nonummy pede. Mauris et orci.</a:t>
+            </a:r>
+          </a:p>
+        </p:txBody>
+      </p:sp>
+      <p:sp>
+        <p:nvSpPr>
+          <p:cNvPr id="2" name="Slide Number Placeholder 1">
+            <a:extLst>
+              <a:ext uri="{FF2B5EF4-FFF2-40B4-BE49-F238E27FC236}">
+                <a16:creationId xmlns:a16="http://schemas.microsoft.com/office/drawing/2014/main" id="{FAC2D367-2A6E-41FE-A9EA-24FF17BCAA97}"/>
+              </a:ext>
+            </a:extLst>
+          </p:cNvPr>
+          <p:cNvSpPr>
+            <a:spLocks noGrp="1"/>
+          </p:cNvSpPr>
+          <p:nvPr>
+            <p:ph type="sldNum" sz="quarter" idx="12"/>
+          </p:nvPr>
+        </p:nvSpPr>
+        <p:spPr/>
+        <p:txBody>
+          <a:bodyPr/>
+          <a:lstStyle/>
+          <a:p>
+            <a:fld id="{C263D6C4-4840-40CC-AC84-17E24B3B7BDE}" type="slidenum">
+              <a:rPr lang="en-US" smtClean="0"/>
+              <a:pPr/>
+              <a:t>11</a:t>
+            </a:fld>
+            <a:endParaRPr lang="en-US" dirty="0"/>
+          </a:p>
+        </p:txBody>
+      </p:sp>
+    </p:spTree>
+    <p:extLst>
+      <p:ext uri="{BB962C8B-B14F-4D97-AF65-F5344CB8AC3E}">
+        <p14:creationId xmlns:p14="http://schemas.microsoft.com/office/powerpoint/2010/main" val="663103393"/>
+      </p:ext>
+    </p:extLst>
+  </p:cSld>
+  <p:clrMapOvr>
+    <a:masterClrMapping/>
+  </p:clrMapOvr>
+  <mc:AlternateContent xmlns:mc="http://schemas.openxmlformats.org/markup-compatibility/2006" xmlns:p14="http://schemas.microsoft.com/office/powerpoint/2010/main">
+    <mc:Choice Requires="p14">
+      <p:transition spd="med" p14:dur="700">
+        <p:fade/>
+      </p:transition>
+    </mc:Choice>
+    <mc:Fallback xmlns="">
+      <p:transition spd="med">
+        <p:fade/>
+      </p:transition>
+    </mc:Fallback>
+  </mc:AlternateContent>
+</p:sld>
+</file>
+
+<file path=ppt/slides/slide12.xml><?xml version="1.0" encoding="utf-8"?>
 <p:sld xmlns:a="http://schemas.openxmlformats.org/drawingml/2006/main" xmlns:r="http://schemas.openxmlformats.org/officeDocument/2006/relationships" xmlns:p="http://schemas.openxmlformats.org/presentationml/2006/main">
   <p:cSld>
     <p:spTree>
@@ -28361,7 +28746,7 @@
             <a:fld id="{C263D6C4-4840-40CC-AC84-17E24B3B7BDE}" type="slidenum">
               <a:rPr lang="en-US" smtClean="0"/>
               <a:pPr/>
-              <a:t>10</a:t>
+              <a:t>12</a:t>
             </a:fld>
             <a:endParaRPr lang="en-US" dirty="0"/>
           </a:p>
@@ -28392,7 +28777,7 @@
 </p:sld>
 </file>
 
-<file path=ppt/slides/slide11.xml><?xml version="1.0" encoding="utf-8"?>
+<file path=ppt/slides/slide13.xml><?xml version="1.0" encoding="utf-8"?>
 <p:sld xmlns:a="http://schemas.openxmlformats.org/drawingml/2006/main" xmlns:r="http://schemas.openxmlformats.org/officeDocument/2006/relationships" xmlns:p="http://schemas.openxmlformats.org/presentationml/2006/main">
   <p:cSld>
     <p:spTree>
@@ -28489,7 +28874,7 @@
             <a:fld id="{C263D6C4-4840-40CC-AC84-17E24B3B7BDE}" type="slidenum">
               <a:rPr lang="en-US" smtClean="0"/>
               <a:pPr/>
-              <a:t>11</a:t>
+              <a:t>13</a:t>
             </a:fld>
             <a:endParaRPr lang="en-US" dirty="0"/>
           </a:p>
@@ -28520,7 +28905,7 @@
 </p:sld>
 </file>
 
-<file path=ppt/slides/slide12.xml><?xml version="1.0" encoding="utf-8"?>
+<file path=ppt/slides/slide14.xml><?xml version="1.0" encoding="utf-8"?>
 <p:sld xmlns:a="http://schemas.openxmlformats.org/drawingml/2006/main" xmlns:r="http://schemas.openxmlformats.org/officeDocument/2006/relationships" xmlns:p="http://schemas.openxmlformats.org/presentationml/2006/main">
   <p:cSld>
     <p:spTree>
@@ -28609,7 +28994,7 @@
             <a:fld id="{C263D6C4-4840-40CC-AC84-17E24B3B7BDE}" type="slidenum">
               <a:rPr lang="en-US" smtClean="0"/>
               <a:pPr/>
-              <a:t>12</a:t>
+              <a:t>14</a:t>
             </a:fld>
             <a:endParaRPr lang="en-US" dirty="0"/>
           </a:p>
@@ -28640,7 +29025,7 @@
 </p:sld>
 </file>
 
-<file path=ppt/slides/slide13.xml><?xml version="1.0" encoding="utf-8"?>
+<file path=ppt/slides/slide15.xml><?xml version="1.0" encoding="utf-8"?>
 <p:sld xmlns:a="http://schemas.openxmlformats.org/drawingml/2006/main" xmlns:r="http://schemas.openxmlformats.org/officeDocument/2006/relationships" xmlns:p="http://schemas.openxmlformats.org/presentationml/2006/main">
   <p:cSld>
     <p:spTree>
@@ -28702,7 +29087,7 @@
 </p:sld>
 </file>
 
-<file path=ppt/slides/slide14.xml><?xml version="1.0" encoding="utf-8"?>
+<file path=ppt/slides/slide16.xml><?xml version="1.0" encoding="utf-8"?>
 <p:sld xmlns:a="http://schemas.openxmlformats.org/drawingml/2006/main" xmlns:r="http://schemas.openxmlformats.org/officeDocument/2006/relationships" xmlns:p="http://schemas.openxmlformats.org/presentationml/2006/main">
   <p:cSld>
     <p:spTree>
@@ -28764,7 +29149,7 @@
 </p:sld>
 </file>
 
-<file path=ppt/slides/slide15.xml><?xml version="1.0" encoding="utf-8"?>
+<file path=ppt/slides/slide17.xml><?xml version="1.0" encoding="utf-8"?>
 <p:sld xmlns:a="http://schemas.openxmlformats.org/drawingml/2006/main" xmlns:r="http://schemas.openxmlformats.org/officeDocument/2006/relationships" xmlns:p="http://schemas.openxmlformats.org/presentationml/2006/main">
   <p:cSld>
     <p:spTree>
@@ -28833,7 +29218,7 @@
             <a:fld id="{C263D6C4-4840-40CC-AC84-17E24B3B7BDE}" type="slidenum">
               <a:rPr lang="en-US" smtClean="0"/>
               <a:pPr/>
-              <a:t>15</a:t>
+              <a:t>17</a:t>
             </a:fld>
             <a:endParaRPr lang="en-US" dirty="0"/>
           </a:p>
@@ -28890,262 +29275,6 @@
 </file>
 
 <file path=ppt/slides/slide2.xml><?xml version="1.0" encoding="utf-8"?>
-<p:sld xmlns:a="http://schemas.openxmlformats.org/drawingml/2006/main" xmlns:r="http://schemas.openxmlformats.org/officeDocument/2006/relationships" xmlns:p="http://schemas.openxmlformats.org/presentationml/2006/main">
-  <p:cSld>
-    <p:spTree>
-      <p:nvGrpSpPr>
-        <p:cNvPr id="1" name=""/>
-        <p:cNvGrpSpPr/>
-        <p:nvPr/>
-      </p:nvGrpSpPr>
-      <p:grpSpPr>
-        <a:xfrm>
-          <a:off x="0" y="0"/>
-          <a:ext cx="0" cy="0"/>
-          <a:chOff x="0" y="0"/>
-          <a:chExt cx="0" cy="0"/>
-        </a:xfrm>
-      </p:grpSpPr>
-      <p:sp>
-        <p:nvSpPr>
-          <p:cNvPr id="4" name="Title 3">
-            <a:extLst>
-              <a:ext uri="{FF2B5EF4-FFF2-40B4-BE49-F238E27FC236}">
-                <a16:creationId xmlns:a16="http://schemas.microsoft.com/office/drawing/2014/main" id="{E3BD8413-C238-49D7-A4E1-E8FEF1811A0E}"/>
-              </a:ext>
-            </a:extLst>
-          </p:cNvPr>
-          <p:cNvSpPr>
-            <a:spLocks noGrp="1"/>
-          </p:cNvSpPr>
-          <p:nvPr>
-            <p:ph type="title"/>
-          </p:nvPr>
-        </p:nvSpPr>
-        <p:spPr/>
-        <p:txBody>
-          <a:bodyPr/>
-          <a:lstStyle/>
-          <a:p>
-            <a:r>
-              <a:rPr lang="en-US" dirty="0"/>
-              <a:t>Section Header01</a:t>
-            </a:r>
-          </a:p>
-        </p:txBody>
-      </p:sp>
-      <p:sp>
-        <p:nvSpPr>
-          <p:cNvPr id="5" name="Text Placeholder 4">
-            <a:extLst>
-              <a:ext uri="{FF2B5EF4-FFF2-40B4-BE49-F238E27FC236}">
-                <a16:creationId xmlns:a16="http://schemas.microsoft.com/office/drawing/2014/main" id="{0A95F4DE-39B7-4CE2-BC1E-8B8AE662A895}"/>
-              </a:ext>
-            </a:extLst>
-          </p:cNvPr>
-          <p:cNvSpPr>
-            <a:spLocks noGrp="1"/>
-          </p:cNvSpPr>
-          <p:nvPr>
-            <p:ph type="body" idx="1"/>
-          </p:nvPr>
-        </p:nvSpPr>
-        <p:spPr/>
-        <p:txBody>
-          <a:bodyPr/>
-          <a:lstStyle/>
-          <a:p>
-            <a:r>
-              <a:rPr lang="en-US" dirty="0"/>
-              <a:t>Subtitle</a:t>
-            </a:r>
-          </a:p>
-        </p:txBody>
-      </p:sp>
-      <p:sp>
-        <p:nvSpPr>
-          <p:cNvPr id="2" name="Slide Number Placeholder 1">
-            <a:extLst>
-              <a:ext uri="{FF2B5EF4-FFF2-40B4-BE49-F238E27FC236}">
-                <a16:creationId xmlns:a16="http://schemas.microsoft.com/office/drawing/2014/main" id="{0B24BF10-2B55-43AB-9F77-F1A1410384A9}"/>
-              </a:ext>
-            </a:extLst>
-          </p:cNvPr>
-          <p:cNvSpPr>
-            <a:spLocks noGrp="1"/>
-          </p:cNvSpPr>
-          <p:nvPr>
-            <p:ph type="sldNum" sz="quarter" idx="12"/>
-          </p:nvPr>
-        </p:nvSpPr>
-        <p:spPr/>
-        <p:txBody>
-          <a:bodyPr/>
-          <a:lstStyle/>
-          <a:p>
-            <a:fld id="{C263D6C4-4840-40CC-AC84-17E24B3B7BDE}" type="slidenum">
-              <a:rPr lang="en-US" smtClean="0"/>
-              <a:pPr/>
-              <a:t>2</a:t>
-            </a:fld>
-            <a:endParaRPr lang="en-US" dirty="0"/>
-          </a:p>
-        </p:txBody>
-      </p:sp>
-    </p:spTree>
-    <p:extLst>
-      <p:ext uri="{BB962C8B-B14F-4D97-AF65-F5344CB8AC3E}">
-        <p14:creationId xmlns:p14="http://schemas.microsoft.com/office/powerpoint/2010/main" val="2902794312"/>
-      </p:ext>
-    </p:extLst>
-  </p:cSld>
-  <p:clrMapOvr>
-    <a:masterClrMapping/>
-  </p:clrMapOvr>
-  <mc:AlternateContent xmlns:mc="http://schemas.openxmlformats.org/markup-compatibility/2006" xmlns:p14="http://schemas.microsoft.com/office/powerpoint/2010/main">
-    <mc:Choice Requires="p14">
-      <p:transition spd="med" p14:dur="700">
-        <p:fade/>
-      </p:transition>
-    </mc:Choice>
-    <mc:Fallback xmlns="">
-      <p:transition spd="med">
-        <p:fade/>
-      </p:transition>
-    </mc:Fallback>
-  </mc:AlternateContent>
-</p:sld>
-</file>
-
-<file path=ppt/slides/slide3.xml><?xml version="1.0" encoding="utf-8"?>
-<p:sld xmlns:a="http://schemas.openxmlformats.org/drawingml/2006/main" xmlns:r="http://schemas.openxmlformats.org/officeDocument/2006/relationships" xmlns:p="http://schemas.openxmlformats.org/presentationml/2006/main">
-  <p:cSld>
-    <p:spTree>
-      <p:nvGrpSpPr>
-        <p:cNvPr id="1" name=""/>
-        <p:cNvGrpSpPr/>
-        <p:nvPr/>
-      </p:nvGrpSpPr>
-      <p:grpSpPr>
-        <a:xfrm>
-          <a:off x="0" y="0"/>
-          <a:ext cx="0" cy="0"/>
-          <a:chOff x="0" y="0"/>
-          <a:chExt cx="0" cy="0"/>
-        </a:xfrm>
-      </p:grpSpPr>
-      <p:sp>
-        <p:nvSpPr>
-          <p:cNvPr id="4" name="Title 3">
-            <a:extLst>
-              <a:ext uri="{FF2B5EF4-FFF2-40B4-BE49-F238E27FC236}">
-                <a16:creationId xmlns:a16="http://schemas.microsoft.com/office/drawing/2014/main" id="{BD179B88-D43C-4A31-9A52-3498E9430782}"/>
-              </a:ext>
-            </a:extLst>
-          </p:cNvPr>
-          <p:cNvSpPr>
-            <a:spLocks noGrp="1"/>
-          </p:cNvSpPr>
-          <p:nvPr>
-            <p:ph type="title"/>
-          </p:nvPr>
-        </p:nvSpPr>
-        <p:spPr/>
-        <p:txBody>
-          <a:bodyPr/>
-          <a:lstStyle/>
-          <a:p>
-            <a:r>
-              <a:rPr lang="en-US" dirty="0"/>
-              <a:t>Section Header02</a:t>
-            </a:r>
-          </a:p>
-        </p:txBody>
-      </p:sp>
-      <p:sp>
-        <p:nvSpPr>
-          <p:cNvPr id="5" name="Text Placeholder 4">
-            <a:extLst>
-              <a:ext uri="{FF2B5EF4-FFF2-40B4-BE49-F238E27FC236}">
-                <a16:creationId xmlns:a16="http://schemas.microsoft.com/office/drawing/2014/main" id="{DCDDBE65-9AB1-4989-AF86-726591A6A128}"/>
-              </a:ext>
-            </a:extLst>
-          </p:cNvPr>
-          <p:cNvSpPr>
-            <a:spLocks noGrp="1"/>
-          </p:cNvSpPr>
-          <p:nvPr>
-            <p:ph type="body" idx="1"/>
-          </p:nvPr>
-        </p:nvSpPr>
-        <p:spPr/>
-        <p:txBody>
-          <a:bodyPr/>
-          <a:lstStyle/>
-          <a:p>
-            <a:r>
-              <a:rPr lang="en-US" dirty="0"/>
-              <a:t>Subtitle</a:t>
-            </a:r>
-          </a:p>
-        </p:txBody>
-      </p:sp>
-      <p:sp>
-        <p:nvSpPr>
-          <p:cNvPr id="2" name="Slide Number Placeholder 1">
-            <a:extLst>
-              <a:ext uri="{FF2B5EF4-FFF2-40B4-BE49-F238E27FC236}">
-                <a16:creationId xmlns:a16="http://schemas.microsoft.com/office/drawing/2014/main" id="{8B065C75-272B-4BB5-BA23-D80E8654D621}"/>
-              </a:ext>
-            </a:extLst>
-          </p:cNvPr>
-          <p:cNvSpPr>
-            <a:spLocks noGrp="1"/>
-          </p:cNvSpPr>
-          <p:nvPr>
-            <p:ph type="sldNum" sz="quarter" idx="12"/>
-          </p:nvPr>
-        </p:nvSpPr>
-        <p:spPr/>
-        <p:txBody>
-          <a:bodyPr/>
-          <a:lstStyle/>
-          <a:p>
-            <a:fld id="{C263D6C4-4840-40CC-AC84-17E24B3B7BDE}" type="slidenum">
-              <a:rPr lang="en-US" smtClean="0"/>
-              <a:pPr/>
-              <a:t>3</a:t>
-            </a:fld>
-            <a:endParaRPr lang="en-US" dirty="0"/>
-          </a:p>
-        </p:txBody>
-      </p:sp>
-    </p:spTree>
-    <p:extLst>
-      <p:ext uri="{BB962C8B-B14F-4D97-AF65-F5344CB8AC3E}">
-        <p14:creationId xmlns:p14="http://schemas.microsoft.com/office/powerpoint/2010/main" val="709828751"/>
-      </p:ext>
-    </p:extLst>
-  </p:cSld>
-  <p:clrMapOvr>
-    <a:masterClrMapping/>
-  </p:clrMapOvr>
-  <mc:AlternateContent xmlns:mc="http://schemas.openxmlformats.org/markup-compatibility/2006" xmlns:p14="http://schemas.microsoft.com/office/powerpoint/2010/main">
-    <mc:Choice Requires="p14">
-      <p:transition spd="med" p14:dur="700">
-        <p:fade/>
-      </p:transition>
-    </mc:Choice>
-    <mc:Fallback xmlns="">
-      <p:transition spd="med">
-        <p:fade/>
-      </p:transition>
-    </mc:Fallback>
-  </mc:AlternateContent>
-</p:sld>
-</file>
-
-<file path=ppt/slides/slide4.xml><?xml version="1.0" encoding="utf-8"?>
 <p:sld xmlns:a="http://schemas.openxmlformats.org/drawingml/2006/main" xmlns:r="http://schemas.openxmlformats.org/officeDocument/2006/relationships" xmlns:p="http://schemas.openxmlformats.org/presentationml/2006/main">
   <p:cSld>
     <p:spTree>
@@ -29308,7 +29437,7 @@
             <a:fld id="{C263D6C4-4840-40CC-AC84-17E24B3B7BDE}" type="slidenum">
               <a:rPr lang="en-US" smtClean="0"/>
               <a:pPr/>
-              <a:t>4</a:t>
+              <a:t>2</a:t>
             </a:fld>
             <a:endParaRPr lang="en-US" dirty="0"/>
           </a:p>
@@ -29339,7 +29468,7 @@
 </p:sld>
 </file>
 
-<file path=ppt/slides/slide5.xml><?xml version="1.0" encoding="utf-8"?>
+<file path=ppt/slides/slide3.xml><?xml version="1.0" encoding="utf-8"?>
 <p:sld xmlns:a="http://schemas.openxmlformats.org/drawingml/2006/main" xmlns:r="http://schemas.openxmlformats.org/officeDocument/2006/relationships" xmlns:p="http://schemas.openxmlformats.org/presentationml/2006/main">
   <p:cSld>
     <p:spTree>
@@ -29481,7 +29610,7 @@
             <a:fld id="{C263D6C4-4840-40CC-AC84-17E24B3B7BDE}" type="slidenum">
               <a:rPr lang="en-US" smtClean="0"/>
               <a:pPr/>
-              <a:t>5</a:t>
+              <a:t>3</a:t>
             </a:fld>
             <a:endParaRPr lang="en-US" dirty="0"/>
           </a:p>
@@ -29512,7 +29641,523 @@
 </p:sld>
 </file>
 
+<file path=ppt/slides/slide4.xml><?xml version="1.0" encoding="utf-8"?>
+<p:sld xmlns:a="http://schemas.openxmlformats.org/drawingml/2006/main" xmlns:r="http://schemas.openxmlformats.org/officeDocument/2006/relationships" xmlns:p="http://schemas.openxmlformats.org/presentationml/2006/main">
+  <p:cSld>
+    <p:spTree>
+      <p:nvGrpSpPr>
+        <p:cNvPr id="1" name=""/>
+        <p:cNvGrpSpPr/>
+        <p:nvPr/>
+      </p:nvGrpSpPr>
+      <p:grpSpPr>
+        <a:xfrm>
+          <a:off x="0" y="0"/>
+          <a:ext cx="0" cy="0"/>
+          <a:chOff x="0" y="0"/>
+          <a:chExt cx="0" cy="0"/>
+        </a:xfrm>
+      </p:grpSpPr>
+      <p:sp>
+        <p:nvSpPr>
+          <p:cNvPr id="7" name="Title 6">
+            <a:extLst>
+              <a:ext uri="{FF2B5EF4-FFF2-40B4-BE49-F238E27FC236}">
+                <a16:creationId xmlns:a16="http://schemas.microsoft.com/office/drawing/2014/main" id="{7875C19A-1AAE-476A-A316-A2CF92D763D3}"/>
+              </a:ext>
+            </a:extLst>
+          </p:cNvPr>
+          <p:cNvSpPr>
+            <a:spLocks noGrp="1"/>
+          </p:cNvSpPr>
+          <p:nvPr>
+            <p:ph type="title"/>
+          </p:nvPr>
+        </p:nvSpPr>
+        <p:spPr/>
+        <p:txBody>
+          <a:bodyPr/>
+          <a:lstStyle/>
+          <a:p>
+            <a:r>
+              <a:rPr lang="en-US" dirty="0"/>
+              <a:t>Project Structure</a:t>
+            </a:r>
+          </a:p>
+        </p:txBody>
+      </p:sp>
+      <p:sp>
+        <p:nvSpPr>
+          <p:cNvPr id="2" name="Slide Number Placeholder 1">
+            <a:extLst>
+              <a:ext uri="{FF2B5EF4-FFF2-40B4-BE49-F238E27FC236}">
+                <a16:creationId xmlns:a16="http://schemas.microsoft.com/office/drawing/2014/main" id="{BE9800F6-D571-48C4-8466-12AA1ADB6599}"/>
+              </a:ext>
+            </a:extLst>
+          </p:cNvPr>
+          <p:cNvSpPr>
+            <a:spLocks noGrp="1"/>
+          </p:cNvSpPr>
+          <p:nvPr>
+            <p:ph type="sldNum" sz="quarter" idx="12"/>
+          </p:nvPr>
+        </p:nvSpPr>
+        <p:spPr/>
+        <p:txBody>
+          <a:bodyPr/>
+          <a:lstStyle/>
+          <a:p>
+            <a:fld id="{C263D6C4-4840-40CC-AC84-17E24B3B7BDE}" type="slidenum">
+              <a:rPr lang="en-US" smtClean="0"/>
+              <a:pPr/>
+              <a:t>4</a:t>
+            </a:fld>
+            <a:endParaRPr lang="en-US" dirty="0"/>
+          </a:p>
+        </p:txBody>
+      </p:sp>
+      <p:pic>
+        <p:nvPicPr>
+          <p:cNvPr id="6" name="Picture 5" descr="A diagram of a computer network&#10;&#10;Description automatically generated">
+            <a:extLst>
+              <a:ext uri="{FF2B5EF4-FFF2-40B4-BE49-F238E27FC236}">
+                <a16:creationId xmlns:a16="http://schemas.microsoft.com/office/drawing/2014/main" id="{B26C75ED-3941-5985-D545-611BACA95BB7}"/>
+              </a:ext>
+            </a:extLst>
+          </p:cNvPr>
+          <p:cNvPicPr>
+            <a:picLocks noChangeAspect="1"/>
+          </p:cNvPicPr>
+          <p:nvPr/>
+        </p:nvPicPr>
+        <p:blipFill>
+          <a:blip r:embed="rId2"/>
+          <a:stretch>
+            <a:fillRect/>
+          </a:stretch>
+        </p:blipFill>
+        <p:spPr>
+          <a:xfrm>
+            <a:off x="1433512" y="1181100"/>
+            <a:ext cx="9324975" cy="4495800"/>
+          </a:xfrm>
+          <a:prstGeom prst="rect">
+            <a:avLst/>
+          </a:prstGeom>
+        </p:spPr>
+      </p:pic>
+    </p:spTree>
+    <p:extLst>
+      <p:ext uri="{BB962C8B-B14F-4D97-AF65-F5344CB8AC3E}">
+        <p14:creationId xmlns:p14="http://schemas.microsoft.com/office/powerpoint/2010/main" val="690193934"/>
+      </p:ext>
+    </p:extLst>
+  </p:cSld>
+  <p:clrMapOvr>
+    <a:masterClrMapping/>
+  </p:clrMapOvr>
+  <mc:AlternateContent xmlns:mc="http://schemas.openxmlformats.org/markup-compatibility/2006" xmlns:p14="http://schemas.microsoft.com/office/powerpoint/2010/main">
+    <mc:Choice Requires="p14">
+      <p:transition spd="med" p14:dur="700">
+        <p:fade/>
+      </p:transition>
+    </mc:Choice>
+    <mc:Fallback xmlns="">
+      <p:transition spd="med">
+        <p:fade/>
+      </p:transition>
+    </mc:Fallback>
+  </mc:AlternateContent>
+</p:sld>
+</file>
+
+<file path=ppt/slides/slide5.xml><?xml version="1.0" encoding="utf-8"?>
+<p:sld xmlns:a="http://schemas.openxmlformats.org/drawingml/2006/main" xmlns:r="http://schemas.openxmlformats.org/officeDocument/2006/relationships" xmlns:p="http://schemas.openxmlformats.org/presentationml/2006/main">
+  <p:cSld>
+    <p:spTree>
+      <p:nvGrpSpPr>
+        <p:cNvPr id="1" name=""/>
+        <p:cNvGrpSpPr/>
+        <p:nvPr/>
+      </p:nvGrpSpPr>
+      <p:grpSpPr>
+        <a:xfrm>
+          <a:off x="0" y="0"/>
+          <a:ext cx="0" cy="0"/>
+          <a:chOff x="0" y="0"/>
+          <a:chExt cx="0" cy="0"/>
+        </a:xfrm>
+      </p:grpSpPr>
+      <p:sp>
+        <p:nvSpPr>
+          <p:cNvPr id="7" name="Title 6">
+            <a:extLst>
+              <a:ext uri="{FF2B5EF4-FFF2-40B4-BE49-F238E27FC236}">
+                <a16:creationId xmlns:a16="http://schemas.microsoft.com/office/drawing/2014/main" id="{7875C19A-1AAE-476A-A316-A2CF92D763D3}"/>
+              </a:ext>
+            </a:extLst>
+          </p:cNvPr>
+          <p:cNvSpPr>
+            <a:spLocks noGrp="1"/>
+          </p:cNvSpPr>
+          <p:nvPr>
+            <p:ph type="title"/>
+          </p:nvPr>
+        </p:nvSpPr>
+        <p:spPr/>
+        <p:txBody>
+          <a:bodyPr/>
+          <a:lstStyle/>
+          <a:p>
+            <a:r>
+              <a:rPr lang="en-US" dirty="0"/>
+              <a:t>Database Structure</a:t>
+            </a:r>
+          </a:p>
+        </p:txBody>
+      </p:sp>
+      <p:sp>
+        <p:nvSpPr>
+          <p:cNvPr id="2" name="Slide Number Placeholder 1">
+            <a:extLst>
+              <a:ext uri="{FF2B5EF4-FFF2-40B4-BE49-F238E27FC236}">
+                <a16:creationId xmlns:a16="http://schemas.microsoft.com/office/drawing/2014/main" id="{BE9800F6-D571-48C4-8466-12AA1ADB6599}"/>
+              </a:ext>
+            </a:extLst>
+          </p:cNvPr>
+          <p:cNvSpPr>
+            <a:spLocks noGrp="1"/>
+          </p:cNvSpPr>
+          <p:nvPr>
+            <p:ph type="sldNum" sz="quarter" idx="12"/>
+          </p:nvPr>
+        </p:nvSpPr>
+        <p:spPr/>
+        <p:txBody>
+          <a:bodyPr/>
+          <a:lstStyle/>
+          <a:p>
+            <a:fld id="{C263D6C4-4840-40CC-AC84-17E24B3B7BDE}" type="slidenum">
+              <a:rPr lang="en-US" smtClean="0"/>
+              <a:pPr/>
+              <a:t>5</a:t>
+            </a:fld>
+            <a:endParaRPr lang="en-US" dirty="0"/>
+          </a:p>
+        </p:txBody>
+      </p:sp>
+      <p:pic>
+        <p:nvPicPr>
+          <p:cNvPr id="6" name="Picture 5" descr="A screenshot of a computer&#10;&#10;Description automatically generated">
+            <a:extLst>
+              <a:ext uri="{FF2B5EF4-FFF2-40B4-BE49-F238E27FC236}">
+                <a16:creationId xmlns:a16="http://schemas.microsoft.com/office/drawing/2014/main" id="{F31E0E02-733C-13E0-1D91-D7620F984A0A}"/>
+              </a:ext>
+            </a:extLst>
+          </p:cNvPr>
+          <p:cNvPicPr>
+            <a:picLocks noChangeAspect="1"/>
+          </p:cNvPicPr>
+          <p:nvPr/>
+        </p:nvPicPr>
+        <p:blipFill>
+          <a:blip r:embed="rId2"/>
+          <a:stretch>
+            <a:fillRect/>
+          </a:stretch>
+        </p:blipFill>
+        <p:spPr>
+          <a:xfrm>
+            <a:off x="4868718" y="1094438"/>
+            <a:ext cx="6670128" cy="5204654"/>
+          </a:xfrm>
+          <a:prstGeom prst="rect">
+            <a:avLst/>
+          </a:prstGeom>
+        </p:spPr>
+      </p:pic>
+    </p:spTree>
+    <p:extLst>
+      <p:ext uri="{BB962C8B-B14F-4D97-AF65-F5344CB8AC3E}">
+        <p14:creationId xmlns:p14="http://schemas.microsoft.com/office/powerpoint/2010/main" val="1408203661"/>
+      </p:ext>
+    </p:extLst>
+  </p:cSld>
+  <p:clrMapOvr>
+    <a:masterClrMapping/>
+  </p:clrMapOvr>
+  <mc:AlternateContent xmlns:mc="http://schemas.openxmlformats.org/markup-compatibility/2006" xmlns:p14="http://schemas.microsoft.com/office/powerpoint/2010/main">
+    <mc:Choice Requires="p14">
+      <p:transition spd="med" p14:dur="700">
+        <p:fade/>
+      </p:transition>
+    </mc:Choice>
+    <mc:Fallback xmlns="">
+      <p:transition spd="med">
+        <p:fade/>
+      </p:transition>
+    </mc:Fallback>
+  </mc:AlternateContent>
+</p:sld>
+</file>
+
 <file path=ppt/slides/slide6.xml><?xml version="1.0" encoding="utf-8"?>
+<p:sld xmlns:a="http://schemas.openxmlformats.org/drawingml/2006/main" xmlns:r="http://schemas.openxmlformats.org/officeDocument/2006/relationships" xmlns:p="http://schemas.openxmlformats.org/presentationml/2006/main">
+  <p:cSld>
+    <p:spTree>
+      <p:nvGrpSpPr>
+        <p:cNvPr id="1" name=""/>
+        <p:cNvGrpSpPr/>
+        <p:nvPr/>
+      </p:nvGrpSpPr>
+      <p:grpSpPr>
+        <a:xfrm>
+          <a:off x="0" y="0"/>
+          <a:ext cx="0" cy="0"/>
+          <a:chOff x="0" y="0"/>
+          <a:chExt cx="0" cy="0"/>
+        </a:xfrm>
+      </p:grpSpPr>
+      <p:sp>
+        <p:nvSpPr>
+          <p:cNvPr id="4" name="Title 3">
+            <a:extLst>
+              <a:ext uri="{FF2B5EF4-FFF2-40B4-BE49-F238E27FC236}">
+                <a16:creationId xmlns:a16="http://schemas.microsoft.com/office/drawing/2014/main" id="{E3BD8413-C238-49D7-A4E1-E8FEF1811A0E}"/>
+              </a:ext>
+            </a:extLst>
+          </p:cNvPr>
+          <p:cNvSpPr>
+            <a:spLocks noGrp="1"/>
+          </p:cNvSpPr>
+          <p:nvPr>
+            <p:ph type="title"/>
+          </p:nvPr>
+        </p:nvSpPr>
+        <p:spPr/>
+        <p:txBody>
+          <a:bodyPr/>
+          <a:lstStyle/>
+          <a:p>
+            <a:r>
+              <a:rPr lang="en-US" dirty="0"/>
+              <a:t>Section Header01</a:t>
+            </a:r>
+          </a:p>
+        </p:txBody>
+      </p:sp>
+      <p:sp>
+        <p:nvSpPr>
+          <p:cNvPr id="5" name="Text Placeholder 4">
+            <a:extLst>
+              <a:ext uri="{FF2B5EF4-FFF2-40B4-BE49-F238E27FC236}">
+                <a16:creationId xmlns:a16="http://schemas.microsoft.com/office/drawing/2014/main" id="{0A95F4DE-39B7-4CE2-BC1E-8B8AE662A895}"/>
+              </a:ext>
+            </a:extLst>
+          </p:cNvPr>
+          <p:cNvSpPr>
+            <a:spLocks noGrp="1"/>
+          </p:cNvSpPr>
+          <p:nvPr>
+            <p:ph type="body" idx="1"/>
+          </p:nvPr>
+        </p:nvSpPr>
+        <p:spPr/>
+        <p:txBody>
+          <a:bodyPr/>
+          <a:lstStyle/>
+          <a:p>
+            <a:r>
+              <a:rPr lang="en-US" dirty="0"/>
+              <a:t>Subtitle</a:t>
+            </a:r>
+          </a:p>
+        </p:txBody>
+      </p:sp>
+      <p:sp>
+        <p:nvSpPr>
+          <p:cNvPr id="2" name="Slide Number Placeholder 1">
+            <a:extLst>
+              <a:ext uri="{FF2B5EF4-FFF2-40B4-BE49-F238E27FC236}">
+                <a16:creationId xmlns:a16="http://schemas.microsoft.com/office/drawing/2014/main" id="{0B24BF10-2B55-43AB-9F77-F1A1410384A9}"/>
+              </a:ext>
+            </a:extLst>
+          </p:cNvPr>
+          <p:cNvSpPr>
+            <a:spLocks noGrp="1"/>
+          </p:cNvSpPr>
+          <p:nvPr>
+            <p:ph type="sldNum" sz="quarter" idx="12"/>
+          </p:nvPr>
+        </p:nvSpPr>
+        <p:spPr/>
+        <p:txBody>
+          <a:bodyPr/>
+          <a:lstStyle/>
+          <a:p>
+            <a:fld id="{C263D6C4-4840-40CC-AC84-17E24B3B7BDE}" type="slidenum">
+              <a:rPr lang="en-US" smtClean="0"/>
+              <a:pPr/>
+              <a:t>6</a:t>
+            </a:fld>
+            <a:endParaRPr lang="en-US" dirty="0"/>
+          </a:p>
+        </p:txBody>
+      </p:sp>
+    </p:spTree>
+    <p:extLst>
+      <p:ext uri="{BB962C8B-B14F-4D97-AF65-F5344CB8AC3E}">
+        <p14:creationId xmlns:p14="http://schemas.microsoft.com/office/powerpoint/2010/main" val="2902794312"/>
+      </p:ext>
+    </p:extLst>
+  </p:cSld>
+  <p:clrMapOvr>
+    <a:masterClrMapping/>
+  </p:clrMapOvr>
+  <mc:AlternateContent xmlns:mc="http://schemas.openxmlformats.org/markup-compatibility/2006" xmlns:p14="http://schemas.microsoft.com/office/powerpoint/2010/main">
+    <mc:Choice Requires="p14">
+      <p:transition spd="med" p14:dur="700">
+        <p:fade/>
+      </p:transition>
+    </mc:Choice>
+    <mc:Fallback xmlns="">
+      <p:transition spd="med">
+        <p:fade/>
+      </p:transition>
+    </mc:Fallback>
+  </mc:AlternateContent>
+</p:sld>
+</file>
+
+<file path=ppt/slides/slide7.xml><?xml version="1.0" encoding="utf-8"?>
+<p:sld xmlns:a="http://schemas.openxmlformats.org/drawingml/2006/main" xmlns:r="http://schemas.openxmlformats.org/officeDocument/2006/relationships" xmlns:p="http://schemas.openxmlformats.org/presentationml/2006/main">
+  <p:cSld>
+    <p:spTree>
+      <p:nvGrpSpPr>
+        <p:cNvPr id="1" name=""/>
+        <p:cNvGrpSpPr/>
+        <p:nvPr/>
+      </p:nvGrpSpPr>
+      <p:grpSpPr>
+        <a:xfrm>
+          <a:off x="0" y="0"/>
+          <a:ext cx="0" cy="0"/>
+          <a:chOff x="0" y="0"/>
+          <a:chExt cx="0" cy="0"/>
+        </a:xfrm>
+      </p:grpSpPr>
+      <p:sp>
+        <p:nvSpPr>
+          <p:cNvPr id="4" name="Title 3">
+            <a:extLst>
+              <a:ext uri="{FF2B5EF4-FFF2-40B4-BE49-F238E27FC236}">
+                <a16:creationId xmlns:a16="http://schemas.microsoft.com/office/drawing/2014/main" id="{BD179B88-D43C-4A31-9A52-3498E9430782}"/>
+              </a:ext>
+            </a:extLst>
+          </p:cNvPr>
+          <p:cNvSpPr>
+            <a:spLocks noGrp="1"/>
+          </p:cNvSpPr>
+          <p:nvPr>
+            <p:ph type="title"/>
+          </p:nvPr>
+        </p:nvSpPr>
+        <p:spPr/>
+        <p:txBody>
+          <a:bodyPr/>
+          <a:lstStyle/>
+          <a:p>
+            <a:r>
+              <a:rPr lang="en-US" dirty="0"/>
+              <a:t>Section Header02</a:t>
+            </a:r>
+          </a:p>
+        </p:txBody>
+      </p:sp>
+      <p:sp>
+        <p:nvSpPr>
+          <p:cNvPr id="5" name="Text Placeholder 4">
+            <a:extLst>
+              <a:ext uri="{FF2B5EF4-FFF2-40B4-BE49-F238E27FC236}">
+                <a16:creationId xmlns:a16="http://schemas.microsoft.com/office/drawing/2014/main" id="{DCDDBE65-9AB1-4989-AF86-726591A6A128}"/>
+              </a:ext>
+            </a:extLst>
+          </p:cNvPr>
+          <p:cNvSpPr>
+            <a:spLocks noGrp="1"/>
+          </p:cNvSpPr>
+          <p:nvPr>
+            <p:ph type="body" idx="1"/>
+          </p:nvPr>
+        </p:nvSpPr>
+        <p:spPr/>
+        <p:txBody>
+          <a:bodyPr/>
+          <a:lstStyle/>
+          <a:p>
+            <a:r>
+              <a:rPr lang="en-US" dirty="0"/>
+              <a:t>Subtitle</a:t>
+            </a:r>
+          </a:p>
+        </p:txBody>
+      </p:sp>
+      <p:sp>
+        <p:nvSpPr>
+          <p:cNvPr id="2" name="Slide Number Placeholder 1">
+            <a:extLst>
+              <a:ext uri="{FF2B5EF4-FFF2-40B4-BE49-F238E27FC236}">
+                <a16:creationId xmlns:a16="http://schemas.microsoft.com/office/drawing/2014/main" id="{8B065C75-272B-4BB5-BA23-D80E8654D621}"/>
+              </a:ext>
+            </a:extLst>
+          </p:cNvPr>
+          <p:cNvSpPr>
+            <a:spLocks noGrp="1"/>
+          </p:cNvSpPr>
+          <p:nvPr>
+            <p:ph type="sldNum" sz="quarter" idx="12"/>
+          </p:nvPr>
+        </p:nvSpPr>
+        <p:spPr/>
+        <p:txBody>
+          <a:bodyPr/>
+          <a:lstStyle/>
+          <a:p>
+            <a:fld id="{C263D6C4-4840-40CC-AC84-17E24B3B7BDE}" type="slidenum">
+              <a:rPr lang="en-US" smtClean="0"/>
+              <a:pPr/>
+              <a:t>7</a:t>
+            </a:fld>
+            <a:endParaRPr lang="en-US" dirty="0"/>
+          </a:p>
+        </p:txBody>
+      </p:sp>
+    </p:spTree>
+    <p:extLst>
+      <p:ext uri="{BB962C8B-B14F-4D97-AF65-F5344CB8AC3E}">
+        <p14:creationId xmlns:p14="http://schemas.microsoft.com/office/powerpoint/2010/main" val="709828751"/>
+      </p:ext>
+    </p:extLst>
+  </p:cSld>
+  <p:clrMapOvr>
+    <a:masterClrMapping/>
+  </p:clrMapOvr>
+  <mc:AlternateContent xmlns:mc="http://schemas.openxmlformats.org/markup-compatibility/2006" xmlns:p14="http://schemas.microsoft.com/office/powerpoint/2010/main">
+    <mc:Choice Requires="p14">
+      <p:transition spd="med" p14:dur="700">
+        <p:fade/>
+      </p:transition>
+    </mc:Choice>
+    <mc:Fallback xmlns="">
+      <p:transition spd="med">
+        <p:fade/>
+      </p:transition>
+    </mc:Fallback>
+  </mc:AlternateContent>
+</p:sld>
+</file>
+
+<file path=ppt/slides/slide8.xml><?xml version="1.0" encoding="utf-8"?>
 <p:sld xmlns:a="http://schemas.openxmlformats.org/drawingml/2006/main" xmlns:r="http://schemas.openxmlformats.org/officeDocument/2006/relationships" xmlns:p="http://schemas.openxmlformats.org/presentationml/2006/main">
   <p:cSld>
     <p:spTree>
@@ -29581,7 +30226,7 @@
             <a:fld id="{C263D6C4-4840-40CC-AC84-17E24B3B7BDE}" type="slidenum">
               <a:rPr lang="en-US" smtClean="0"/>
               <a:pPr/>
-              <a:t>6</a:t>
+              <a:t>8</a:t>
             </a:fld>
             <a:endParaRPr lang="en-US" dirty="0"/>
           </a:p>
@@ -29745,7 +30390,7 @@
 </p:sld>
 </file>
 
-<file path=ppt/slides/slide7.xml><?xml version="1.0" encoding="utf-8"?>
+<file path=ppt/slides/slide9.xml><?xml version="1.0" encoding="utf-8"?>
 <p:sld xmlns:a="http://schemas.openxmlformats.org/drawingml/2006/main" xmlns:r="http://schemas.openxmlformats.org/officeDocument/2006/relationships" xmlns:p="http://schemas.openxmlformats.org/presentationml/2006/main">
   <p:cSld>
     <p:spTree>
@@ -30129,7 +30774,7 @@
             <a:fld id="{C263D6C4-4840-40CC-AC84-17E24B3B7BDE}" type="slidenum">
               <a:rPr lang="en-US" smtClean="0"/>
               <a:pPr/>
-              <a:t>7</a:t>
+              <a:t>9</a:t>
             </a:fld>
             <a:endParaRPr lang="en-US" dirty="0"/>
           </a:p>
@@ -30139,389 +30784,6 @@
     <p:extLst>
       <p:ext uri="{BB962C8B-B14F-4D97-AF65-F5344CB8AC3E}">
         <p14:creationId xmlns:p14="http://schemas.microsoft.com/office/powerpoint/2010/main" val="3892131414"/>
-      </p:ext>
-    </p:extLst>
-  </p:cSld>
-  <p:clrMapOvr>
-    <a:masterClrMapping/>
-  </p:clrMapOvr>
-  <mc:AlternateContent xmlns:mc="http://schemas.openxmlformats.org/markup-compatibility/2006" xmlns:p14="http://schemas.microsoft.com/office/powerpoint/2010/main">
-    <mc:Choice Requires="p14">
-      <p:transition spd="med" p14:dur="700">
-        <p:fade/>
-      </p:transition>
-    </mc:Choice>
-    <mc:Fallback xmlns="">
-      <p:transition spd="med">
-        <p:fade/>
-      </p:transition>
-    </mc:Fallback>
-  </mc:AlternateContent>
-</p:sld>
-</file>
-
-<file path=ppt/slides/slide8.xml><?xml version="1.0" encoding="utf-8"?>
-<p:sld xmlns:a="http://schemas.openxmlformats.org/drawingml/2006/main" xmlns:r="http://schemas.openxmlformats.org/officeDocument/2006/relationships" xmlns:p="http://schemas.openxmlformats.org/presentationml/2006/main">
-  <p:cSld>
-    <p:spTree>
-      <p:nvGrpSpPr>
-        <p:cNvPr id="1" name=""/>
-        <p:cNvGrpSpPr/>
-        <p:nvPr/>
-      </p:nvGrpSpPr>
-      <p:grpSpPr>
-        <a:xfrm>
-          <a:off x="0" y="0"/>
-          <a:ext cx="0" cy="0"/>
-          <a:chOff x="0" y="0"/>
-          <a:chExt cx="0" cy="0"/>
-        </a:xfrm>
-      </p:grpSpPr>
-      <p:sp>
-        <p:nvSpPr>
-          <p:cNvPr id="4" name="Title 3">
-            <a:extLst>
-              <a:ext uri="{FF2B5EF4-FFF2-40B4-BE49-F238E27FC236}">
-                <a16:creationId xmlns:a16="http://schemas.microsoft.com/office/drawing/2014/main" id="{315E3981-F0D7-482C-A8E0-6A57700BECA7}"/>
-              </a:ext>
-            </a:extLst>
-          </p:cNvPr>
-          <p:cNvSpPr>
-            <a:spLocks noGrp="1"/>
-          </p:cNvSpPr>
-          <p:nvPr>
-            <p:ph type="title"/>
-          </p:nvPr>
-        </p:nvSpPr>
-        <p:spPr/>
-        <p:txBody>
-          <a:bodyPr/>
-          <a:lstStyle/>
-          <a:p>
-            <a:r>
-              <a:rPr lang="en-US" dirty="0"/>
-              <a:t>Content Title 03</a:t>
-            </a:r>
-          </a:p>
-        </p:txBody>
-      </p:sp>
-      <p:pic>
-        <p:nvPicPr>
-          <p:cNvPr id="20" name="Picture Placeholder 19" descr="Triangular pattern design with dimension">
-            <a:extLst>
-              <a:ext uri="{FF2B5EF4-FFF2-40B4-BE49-F238E27FC236}">
-                <a16:creationId xmlns:a16="http://schemas.microsoft.com/office/drawing/2014/main" id="{3DCA2B8E-64D3-7645-8DEB-688ED5756F52}"/>
-              </a:ext>
-            </a:extLst>
-          </p:cNvPr>
-          <p:cNvPicPr>
-            <a:picLocks noGrp="1" noChangeAspect="1"/>
-          </p:cNvPicPr>
-          <p:nvPr>
-            <p:ph type="pic" sz="quarter" idx="19"/>
-          </p:nvPr>
-        </p:nvPicPr>
-        <p:blipFill>
-          <a:blip r:embed="rId2">
-            <a:extLst>
-              <a:ext uri="{28A0092B-C50C-407E-A947-70E740481C1C}">
-                <a14:useLocalDpi xmlns:a14="http://schemas.microsoft.com/office/drawing/2010/main" val="0"/>
-              </a:ext>
-            </a:extLst>
-          </a:blip>
-          <a:srcRect/>
-          <a:stretch>
-            <a:fillRect/>
-          </a:stretch>
-        </p:blipFill>
-        <p:spPr/>
-      </p:pic>
-      <p:sp>
-        <p:nvSpPr>
-          <p:cNvPr id="19" name="Text Placeholder 18">
-            <a:extLst>
-              <a:ext uri="{FF2B5EF4-FFF2-40B4-BE49-F238E27FC236}">
-                <a16:creationId xmlns:a16="http://schemas.microsoft.com/office/drawing/2014/main" id="{782206B1-586F-4254-9B36-D06C4E294ACF}"/>
-              </a:ext>
-            </a:extLst>
-          </p:cNvPr>
-          <p:cNvSpPr>
-            <a:spLocks noGrp="1"/>
-          </p:cNvSpPr>
-          <p:nvPr>
-            <p:ph type="body" sz="quarter" idx="18"/>
-          </p:nvPr>
-        </p:nvSpPr>
-        <p:spPr/>
-        <p:txBody>
-          <a:bodyPr/>
-          <a:lstStyle/>
-          <a:p>
-            <a:r>
-              <a:rPr lang="en-US" dirty="0"/>
-              <a:t>Caption01 appears here</a:t>
-            </a:r>
-          </a:p>
-        </p:txBody>
-      </p:sp>
-      <p:sp>
-        <p:nvSpPr>
-          <p:cNvPr id="21" name="Text Placeholder 20">
-            <a:extLst>
-              <a:ext uri="{FF2B5EF4-FFF2-40B4-BE49-F238E27FC236}">
-                <a16:creationId xmlns:a16="http://schemas.microsoft.com/office/drawing/2014/main" id="{1B8F0371-4F69-4131-91BF-9AB99E6EE89B}"/>
-              </a:ext>
-            </a:extLst>
-          </p:cNvPr>
-          <p:cNvSpPr>
-            <a:spLocks noGrp="1"/>
-          </p:cNvSpPr>
-          <p:nvPr>
-            <p:ph type="body" sz="quarter" idx="20"/>
-          </p:nvPr>
-        </p:nvSpPr>
-        <p:spPr/>
-        <p:txBody>
-          <a:bodyPr/>
-          <a:lstStyle/>
-          <a:p>
-            <a:r>
-              <a:rPr lang="en-US" dirty="0"/>
-              <a:t>Caption03 appears here</a:t>
-            </a:r>
-          </a:p>
-        </p:txBody>
-      </p:sp>
-      <p:sp>
-        <p:nvSpPr>
-          <p:cNvPr id="22" name="Text Placeholder 21">
-            <a:extLst>
-              <a:ext uri="{FF2B5EF4-FFF2-40B4-BE49-F238E27FC236}">
-                <a16:creationId xmlns:a16="http://schemas.microsoft.com/office/drawing/2014/main" id="{78CACAF1-61EA-4605-A8FE-2EEE752B49FF}"/>
-              </a:ext>
-            </a:extLst>
-          </p:cNvPr>
-          <p:cNvSpPr>
-            <a:spLocks noGrp="1"/>
-          </p:cNvSpPr>
-          <p:nvPr>
-            <p:ph type="body" sz="quarter" idx="21"/>
-          </p:nvPr>
-        </p:nvSpPr>
-        <p:spPr/>
-        <p:txBody>
-          <a:bodyPr/>
-          <a:lstStyle/>
-          <a:p>
-            <a:r>
-              <a:rPr lang="en-US" dirty="0"/>
-              <a:t>Caption04 appears here</a:t>
-            </a:r>
-          </a:p>
-        </p:txBody>
-      </p:sp>
-      <p:sp>
-        <p:nvSpPr>
-          <p:cNvPr id="2" name="Slide Number Placeholder 1">
-            <a:extLst>
-              <a:ext uri="{FF2B5EF4-FFF2-40B4-BE49-F238E27FC236}">
-                <a16:creationId xmlns:a16="http://schemas.microsoft.com/office/drawing/2014/main" id="{2F478C69-0A1D-45FF-8600-ED903803FFE1}"/>
-              </a:ext>
-            </a:extLst>
-          </p:cNvPr>
-          <p:cNvSpPr>
-            <a:spLocks noGrp="1"/>
-          </p:cNvSpPr>
-          <p:nvPr>
-            <p:ph type="sldNum" sz="quarter" idx="12"/>
-          </p:nvPr>
-        </p:nvSpPr>
-        <p:spPr/>
-        <p:txBody>
-          <a:bodyPr/>
-          <a:lstStyle/>
-          <a:p>
-            <a:fld id="{C263D6C4-4840-40CC-AC84-17E24B3B7BDE}" type="slidenum">
-              <a:rPr lang="en-US" smtClean="0"/>
-              <a:pPr/>
-              <a:t>8</a:t>
-            </a:fld>
-            <a:endParaRPr lang="en-US" dirty="0"/>
-          </a:p>
-        </p:txBody>
-      </p:sp>
-    </p:spTree>
-    <p:extLst>
-      <p:ext uri="{BB962C8B-B14F-4D97-AF65-F5344CB8AC3E}">
-        <p14:creationId xmlns:p14="http://schemas.microsoft.com/office/powerpoint/2010/main" val="451187730"/>
-      </p:ext>
-    </p:extLst>
-  </p:cSld>
-  <p:clrMapOvr>
-    <a:masterClrMapping/>
-  </p:clrMapOvr>
-  <mc:AlternateContent xmlns:mc="http://schemas.openxmlformats.org/markup-compatibility/2006" xmlns:p14="http://schemas.microsoft.com/office/powerpoint/2010/main">
-    <mc:Choice Requires="p14">
-      <p:transition spd="med" p14:dur="700">
-        <p:fade/>
-      </p:transition>
-    </mc:Choice>
-    <mc:Fallback xmlns="">
-      <p:transition spd="med">
-        <p:fade/>
-      </p:transition>
-    </mc:Fallback>
-  </mc:AlternateContent>
-</p:sld>
-</file>
-
-<file path=ppt/slides/slide9.xml><?xml version="1.0" encoding="utf-8"?>
-<p:sld xmlns:a="http://schemas.openxmlformats.org/drawingml/2006/main" xmlns:r="http://schemas.openxmlformats.org/officeDocument/2006/relationships" xmlns:p="http://schemas.openxmlformats.org/presentationml/2006/main">
-  <p:cSld>
-    <p:spTree>
-      <p:nvGrpSpPr>
-        <p:cNvPr id="1" name=""/>
-        <p:cNvGrpSpPr/>
-        <p:nvPr/>
-      </p:nvGrpSpPr>
-      <p:grpSpPr>
-        <a:xfrm>
-          <a:off x="0" y="0"/>
-          <a:ext cx="0" cy="0"/>
-          <a:chOff x="0" y="0"/>
-          <a:chExt cx="0" cy="0"/>
-        </a:xfrm>
-      </p:grpSpPr>
-      <p:sp>
-        <p:nvSpPr>
-          <p:cNvPr id="4" name="Title 3">
-            <a:extLst>
-              <a:ext uri="{FF2B5EF4-FFF2-40B4-BE49-F238E27FC236}">
-                <a16:creationId xmlns:a16="http://schemas.microsoft.com/office/drawing/2014/main" id="{315E3981-F0D7-482C-A8E0-6A57700BECA7}"/>
-              </a:ext>
-            </a:extLst>
-          </p:cNvPr>
-          <p:cNvSpPr>
-            <a:spLocks noGrp="1"/>
-          </p:cNvSpPr>
-          <p:nvPr>
-            <p:ph type="title"/>
-          </p:nvPr>
-        </p:nvSpPr>
-        <p:spPr/>
-        <p:txBody>
-          <a:bodyPr/>
-          <a:lstStyle/>
-          <a:p>
-            <a:r>
-              <a:rPr lang="en-US" dirty="0"/>
-              <a:t>Content Title 04</a:t>
-            </a:r>
-          </a:p>
-        </p:txBody>
-      </p:sp>
-      <p:pic>
-        <p:nvPicPr>
-          <p:cNvPr id="8" name="Picture Placeholder 7" descr="Triangular pattern design with dimension">
-            <a:extLst>
-              <a:ext uri="{FF2B5EF4-FFF2-40B4-BE49-F238E27FC236}">
-                <a16:creationId xmlns:a16="http://schemas.microsoft.com/office/drawing/2014/main" id="{2301248D-7370-7643-9BE6-F8CDCFF4D460}"/>
-              </a:ext>
-            </a:extLst>
-          </p:cNvPr>
-          <p:cNvPicPr>
-            <a:picLocks noGrp="1" noChangeAspect="1"/>
-          </p:cNvPicPr>
-          <p:nvPr>
-            <p:ph type="pic" sz="quarter" idx="19"/>
-          </p:nvPr>
-        </p:nvPicPr>
-        <p:blipFill rotWithShape="1">
-          <a:blip r:embed="rId2">
-            <a:extLst>
-              <a:ext uri="{28A0092B-C50C-407E-A947-70E740481C1C}">
-                <a14:useLocalDpi xmlns:a14="http://schemas.microsoft.com/office/drawing/2010/main" val="0"/>
-              </a:ext>
-            </a:extLst>
-          </a:blip>
-          <a:srcRect/>
-          <a:stretch/>
-        </p:blipFill>
-        <p:spPr>
-          <a:xfrm>
-            <a:off x="-2" y="1352575"/>
-            <a:ext cx="12192002" cy="2289897"/>
-          </a:xfrm>
-        </p:spPr>
-      </p:pic>
-      <p:sp>
-        <p:nvSpPr>
-          <p:cNvPr id="19" name="Text Placeholder 18">
-            <a:extLst>
-              <a:ext uri="{FF2B5EF4-FFF2-40B4-BE49-F238E27FC236}">
-                <a16:creationId xmlns:a16="http://schemas.microsoft.com/office/drawing/2014/main" id="{782206B1-586F-4254-9B36-D06C4E294ACF}"/>
-              </a:ext>
-            </a:extLst>
-          </p:cNvPr>
-          <p:cNvSpPr>
-            <a:spLocks noGrp="1"/>
-          </p:cNvSpPr>
-          <p:nvPr>
-            <p:ph type="body" sz="quarter" idx="18"/>
-          </p:nvPr>
-        </p:nvSpPr>
-        <p:spPr/>
-        <p:txBody>
-          <a:bodyPr/>
-          <a:lstStyle/>
-          <a:p>
-            <a:r>
-              <a:rPr lang="en-US" dirty="0"/>
-              <a:t>Lorem ipsum dolor sit amet, consectetuer adipiscing elit. Maecenas porttitor congue massa. Fusce posuere, magna sed pulvinar ultricies, purus lectus malesuada libero, sit amet commodo magna eros quis urna. Nunc viverra imperdiet enim. Fusce est. Vivamus a tellus.</a:t>
-            </a:r>
-          </a:p>
-          <a:p>
-            <a:r>
-              <a:rPr lang="en-US" dirty="0"/>
-              <a:t>Pellentesque habitant morbi tristique senectus et netus et malesuada fames ac turpis egestas. Proin pharetra nonummy pede. Mauris et orci.</a:t>
-            </a:r>
-          </a:p>
-        </p:txBody>
-      </p:sp>
-      <p:sp>
-        <p:nvSpPr>
-          <p:cNvPr id="2" name="Slide Number Placeholder 1">
-            <a:extLst>
-              <a:ext uri="{FF2B5EF4-FFF2-40B4-BE49-F238E27FC236}">
-                <a16:creationId xmlns:a16="http://schemas.microsoft.com/office/drawing/2014/main" id="{FAC2D367-2A6E-41FE-A9EA-24FF17BCAA97}"/>
-              </a:ext>
-            </a:extLst>
-          </p:cNvPr>
-          <p:cNvSpPr>
-            <a:spLocks noGrp="1"/>
-          </p:cNvSpPr>
-          <p:nvPr>
-            <p:ph type="sldNum" sz="quarter" idx="12"/>
-          </p:nvPr>
-        </p:nvSpPr>
-        <p:spPr/>
-        <p:txBody>
-          <a:bodyPr/>
-          <a:lstStyle/>
-          <a:p>
-            <a:fld id="{C263D6C4-4840-40CC-AC84-17E24B3B7BDE}" type="slidenum">
-              <a:rPr lang="en-US" smtClean="0"/>
-              <a:pPr/>
-              <a:t>9</a:t>
-            </a:fld>
-            <a:endParaRPr lang="en-US" dirty="0"/>
-          </a:p>
-        </p:txBody>
-      </p:sp>
-    </p:spTree>
-    <p:extLst>
-      <p:ext uri="{BB962C8B-B14F-4D97-AF65-F5344CB8AC3E}">
-        <p14:creationId xmlns:p14="http://schemas.microsoft.com/office/powerpoint/2010/main" val="663103393"/>
       </p:ext>
     </p:extLst>
   </p:cSld>
@@ -31335,20 +31597,20 @@
 </file>
 
 <file path=customXml/item1.xml><?xml version="1.0" encoding="utf-8"?>
-<p:properties xmlns:p="http://schemas.microsoft.com/office/2006/metadata/properties" xmlns:xsi="http://www.w3.org/2001/XMLSchema-instance" xmlns:pc="http://schemas.microsoft.com/office/infopath/2007/PartnerControls">
-  <documentManagement>
-    <MediaServiceKeyPoints xmlns="71af3243-3dd4-4a8d-8c0d-dd76da1f02a5" xsi:nil="true"/>
-  </documentManagement>
-</p:properties>
-</file>
-
-<file path=customXml/item2.xml><?xml version="1.0" encoding="utf-8"?>
 <?mso-contentType ?>
 <FormTemplates xmlns="http://schemas.microsoft.com/sharepoint/v3/contenttype/forms">
   <Display>DocumentLibraryForm</Display>
   <Edit>DocumentLibraryForm</Edit>
   <New>DocumentLibraryForm</New>
 </FormTemplates>
+</file>
+
+<file path=customXml/item2.xml><?xml version="1.0" encoding="utf-8"?>
+<p:properties xmlns:p="http://schemas.microsoft.com/office/2006/metadata/properties" xmlns:xsi="http://www.w3.org/2001/XMLSchema-instance" xmlns:pc="http://schemas.microsoft.com/office/infopath/2007/PartnerControls">
+  <documentManagement>
+    <MediaServiceKeyPoints xmlns="71af3243-3dd4-4a8d-8c0d-dd76da1f02a5" xsi:nil="true"/>
+  </documentManagement>
+</p:properties>
 </file>
 
 <file path=customXml/item3.xml><?xml version="1.0" encoding="utf-8"?>
@@ -31563,19 +31825,19 @@
 </file>
 
 <file path=customXml/itemProps1.xml><?xml version="1.0" encoding="utf-8"?>
+<ds:datastoreItem xmlns:ds="http://schemas.openxmlformats.org/officeDocument/2006/customXml" ds:itemID="{5B26E0C9-B2AA-42E6-97B6-E1B7D9EAF129}">
+  <ds:schemaRefs>
+    <ds:schemaRef ds:uri="http://schemas.microsoft.com/sharepoint/v3/contenttype/forms"/>
+  </ds:schemaRefs>
+</ds:datastoreItem>
+</file>
+
+<file path=customXml/itemProps2.xml><?xml version="1.0" encoding="utf-8"?>
 <ds:datastoreItem xmlns:ds="http://schemas.openxmlformats.org/officeDocument/2006/customXml" ds:itemID="{F5757914-1161-4661-9696-421FD6935CDD}">
   <ds:schemaRefs>
     <ds:schemaRef ds:uri="http://schemas.microsoft.com/office/2006/metadata/properties"/>
     <ds:schemaRef ds:uri="http://schemas.microsoft.com/office/infopath/2007/PartnerControls"/>
     <ds:schemaRef ds:uri="71af3243-3dd4-4a8d-8c0d-dd76da1f02a5"/>
-  </ds:schemaRefs>
-</ds:datastoreItem>
-</file>
-
-<file path=customXml/itemProps2.xml><?xml version="1.0" encoding="utf-8"?>
-<ds:datastoreItem xmlns:ds="http://schemas.openxmlformats.org/officeDocument/2006/customXml" ds:itemID="{5B26E0C9-B2AA-42E6-97B6-E1B7D9EAF129}">
-  <ds:schemaRefs>
-    <ds:schemaRef ds:uri="http://schemas.microsoft.com/sharepoint/v3/contenttype/forms"/>
   </ds:schemaRefs>
 </ds:datastoreItem>
 </file>

--- a/Emotion Tracker App Project.pptx
+++ b/Emotion Tracker App Project.pptx
@@ -5,29 +5,22 @@
     <p:sldMasterId id="2147483648" r:id="rId4"/>
   </p:sldMasterIdLst>
   <p:notesMasterIdLst>
-    <p:notesMasterId r:id="rId22"/>
+    <p:notesMasterId r:id="rId15"/>
   </p:notesMasterIdLst>
   <p:handoutMasterIdLst>
-    <p:handoutMasterId r:id="rId23"/>
+    <p:handoutMasterId r:id="rId16"/>
   </p:handoutMasterIdLst>
   <p:sldIdLst>
     <p:sldId id="256" r:id="rId5"/>
     <p:sldId id="258" r:id="rId6"/>
-    <p:sldId id="286" r:id="rId7"/>
+    <p:sldId id="287" r:id="rId7"/>
     <p:sldId id="288" r:id="rId8"/>
-    <p:sldId id="287" r:id="rId9"/>
-    <p:sldId id="257" r:id="rId10"/>
-    <p:sldId id="260" r:id="rId11"/>
-    <p:sldId id="261" r:id="rId12"/>
-    <p:sldId id="262" r:id="rId13"/>
-    <p:sldId id="283" r:id="rId14"/>
-    <p:sldId id="264" r:id="rId15"/>
-    <p:sldId id="266" r:id="rId16"/>
-    <p:sldId id="284" r:id="rId17"/>
-    <p:sldId id="267" r:id="rId18"/>
-    <p:sldId id="269" r:id="rId19"/>
-    <p:sldId id="268" r:id="rId20"/>
-    <p:sldId id="285" r:id="rId21"/>
+    <p:sldId id="286" r:id="rId9"/>
+    <p:sldId id="289" r:id="rId10"/>
+    <p:sldId id="291" r:id="rId11"/>
+    <p:sldId id="290" r:id="rId12"/>
+    <p:sldId id="292" r:id="rId13"/>
+    <p:sldId id="293" r:id="rId14"/>
   </p:sldIdLst>
   <p:sldSz cx="12192000" cy="6858000"/>
   <p:notesSz cx="6858000" cy="9144000"/>
@@ -146,917 +139,6 @@
     </p:ext>
   </p:extLst>
 </p:presentation>
-</file>
-
-<file path=ppt/charts/chart1.xml><?xml version="1.0" encoding="utf-8"?>
-<c:chartSpace xmlns:c="http://schemas.openxmlformats.org/drawingml/2006/chart" xmlns:a="http://schemas.openxmlformats.org/drawingml/2006/main" xmlns:r="http://schemas.openxmlformats.org/officeDocument/2006/relationships" xmlns:c16r2="http://schemas.microsoft.com/office/drawing/2015/06/chart">
-  <c:date1904 val="0"/>
-  <c:lang val="en-US"/>
-  <c:roundedCorners val="0"/>
-  <mc:AlternateContent xmlns:mc="http://schemas.openxmlformats.org/markup-compatibility/2006">
-    <mc:Choice xmlns:c14="http://schemas.microsoft.com/office/drawing/2007/8/2/chart" Requires="c14">
-      <c14:style val="102"/>
-    </mc:Choice>
-    <mc:Fallback>
-      <c:style val="2"/>
-    </mc:Fallback>
-  </mc:AlternateContent>
-  <c:chart>
-    <c:autoTitleDeleted val="1"/>
-    <c:plotArea>
-      <c:layout/>
-      <c:barChart>
-        <c:barDir val="col"/>
-        <c:grouping val="clustered"/>
-        <c:varyColors val="0"/>
-        <c:ser>
-          <c:idx val="0"/>
-          <c:order val="0"/>
-          <c:tx>
-            <c:strRef>
-              <c:f>Sheet1!$B$1</c:f>
-              <c:strCache>
-                <c:ptCount val="1"/>
-                <c:pt idx="0">
-                  <c:v>Series 1</c:v>
-                </c:pt>
-              </c:strCache>
-            </c:strRef>
-          </c:tx>
-          <c:spPr>
-            <a:solidFill>
-              <a:schemeClr val="accent3"/>
-            </a:solidFill>
-            <a:ln>
-              <a:noFill/>
-            </a:ln>
-            <a:effectLst/>
-          </c:spPr>
-          <c:invertIfNegative val="0"/>
-          <c:dPt>
-            <c:idx val="1"/>
-            <c:invertIfNegative val="0"/>
-            <c:bubble3D val="0"/>
-            <c:spPr>
-              <a:pattFill prst="ltUpDiag">
-                <a:fgClr>
-                  <a:schemeClr val="accent1">
-                    <a:lumMod val="50000"/>
-                  </a:schemeClr>
-                </a:fgClr>
-                <a:bgClr>
-                  <a:schemeClr val="accent6"/>
-                </a:bgClr>
-              </a:pattFill>
-              <a:ln w="12700">
-                <a:solidFill>
-                  <a:schemeClr val="accent6">
-                    <a:lumMod val="60000"/>
-                    <a:lumOff val="40000"/>
-                  </a:schemeClr>
-                </a:solidFill>
-              </a:ln>
-              <a:effectLst/>
-            </c:spPr>
-            <c:extLst>
-              <c:ext xmlns:c16="http://schemas.microsoft.com/office/drawing/2014/chart" uri="{C3380CC4-5D6E-409C-BE32-E72D297353CC}">
-                <c16:uniqueId val="{00000001-73FB-9843-92B3-91A80E32B7C5}"/>
-              </c:ext>
-            </c:extLst>
-          </c:dPt>
-          <c:dPt>
-            <c:idx val="2"/>
-            <c:invertIfNegative val="0"/>
-            <c:bubble3D val="0"/>
-            <c:spPr>
-              <a:pattFill prst="ltUpDiag">
-                <a:fgClr>
-                  <a:schemeClr val="accent1">
-                    <a:lumMod val="50000"/>
-                  </a:schemeClr>
-                </a:fgClr>
-                <a:bgClr>
-                  <a:schemeClr val="accent3"/>
-                </a:bgClr>
-              </a:pattFill>
-              <a:ln w="12700">
-                <a:solidFill>
-                  <a:schemeClr val="accent3">
-                    <a:lumMod val="60000"/>
-                    <a:lumOff val="40000"/>
-                  </a:schemeClr>
-                </a:solidFill>
-              </a:ln>
-              <a:effectLst/>
-            </c:spPr>
-            <c:extLst>
-              <c:ext xmlns:c16="http://schemas.microsoft.com/office/drawing/2014/chart" uri="{C3380CC4-5D6E-409C-BE32-E72D297353CC}">
-                <c16:uniqueId val="{00000007-73FB-9843-92B3-91A80E32B7C5}"/>
-              </c:ext>
-            </c:extLst>
-          </c:dPt>
-          <c:dPt>
-            <c:idx val="3"/>
-            <c:invertIfNegative val="0"/>
-            <c:bubble3D val="0"/>
-            <c:spPr>
-              <a:pattFill prst="ltUpDiag">
-                <a:fgClr>
-                  <a:schemeClr val="accent1">
-                    <a:lumMod val="50000"/>
-                  </a:schemeClr>
-                </a:fgClr>
-                <a:bgClr>
-                  <a:schemeClr val="accent1">
-                    <a:lumMod val="60000"/>
-                    <a:lumOff val="40000"/>
-                  </a:schemeClr>
-                </a:bgClr>
-              </a:pattFill>
-              <a:ln w="12700">
-                <a:solidFill>
-                  <a:schemeClr val="accent1">
-                    <a:lumMod val="40000"/>
-                    <a:lumOff val="60000"/>
-                  </a:schemeClr>
-                </a:solidFill>
-              </a:ln>
-              <a:effectLst/>
-            </c:spPr>
-            <c:extLst>
-              <c:ext xmlns:c16="http://schemas.microsoft.com/office/drawing/2014/chart" uri="{C3380CC4-5D6E-409C-BE32-E72D297353CC}">
-                <c16:uniqueId val="{00000003-73FB-9843-92B3-91A80E32B7C5}"/>
-              </c:ext>
-            </c:extLst>
-          </c:dPt>
-          <c:dPt>
-            <c:idx val="4"/>
-            <c:invertIfNegative val="0"/>
-            <c:bubble3D val="0"/>
-            <c:spPr>
-              <a:pattFill prst="ltUpDiag">
-                <a:fgClr>
-                  <a:schemeClr val="accent1">
-                    <a:lumMod val="50000"/>
-                  </a:schemeClr>
-                </a:fgClr>
-                <a:bgClr>
-                  <a:schemeClr val="accent2"/>
-                </a:bgClr>
-              </a:pattFill>
-              <a:ln w="12700">
-                <a:solidFill>
-                  <a:schemeClr val="accent2">
-                    <a:lumMod val="60000"/>
-                    <a:lumOff val="40000"/>
-                  </a:schemeClr>
-                </a:solidFill>
-              </a:ln>
-              <a:effectLst/>
-            </c:spPr>
-            <c:extLst>
-              <c:ext xmlns:c16="http://schemas.microsoft.com/office/drawing/2014/chart" uri="{C3380CC4-5D6E-409C-BE32-E72D297353CC}">
-                <c16:uniqueId val="{00000005-73FB-9843-92B3-91A80E32B7C5}"/>
-              </c:ext>
-            </c:extLst>
-          </c:dPt>
-          <c:cat>
-            <c:strRef>
-              <c:f>Sheet1!$A$2:$A$6</c:f>
-              <c:strCache>
-                <c:ptCount val="5"/>
-                <c:pt idx="0">
-                  <c:v>20YY</c:v>
-                </c:pt>
-                <c:pt idx="1">
-                  <c:v>20YY</c:v>
-                </c:pt>
-                <c:pt idx="2">
-                  <c:v>20YY</c:v>
-                </c:pt>
-                <c:pt idx="3">
-                  <c:v>20YY</c:v>
-                </c:pt>
-                <c:pt idx="4">
-                  <c:v>20YY</c:v>
-                </c:pt>
-              </c:strCache>
-            </c:strRef>
-          </c:cat>
-          <c:val>
-            <c:numRef>
-              <c:f>Sheet1!$B$2:$B$6</c:f>
-              <c:numCache>
-                <c:formatCode>[$$-409]#,##0</c:formatCode>
-                <c:ptCount val="5"/>
-                <c:pt idx="0">
-                  <c:v>0</c:v>
-                </c:pt>
-                <c:pt idx="1">
-                  <c:v>6750</c:v>
-                </c:pt>
-                <c:pt idx="2">
-                  <c:v>33750</c:v>
-                </c:pt>
-                <c:pt idx="3">
-                  <c:v>135000</c:v>
-                </c:pt>
-                <c:pt idx="4">
-                  <c:v>270000</c:v>
-                </c:pt>
-              </c:numCache>
-            </c:numRef>
-          </c:val>
-          <c:extLst>
-            <c:ext xmlns:c16="http://schemas.microsoft.com/office/drawing/2014/chart" uri="{C3380CC4-5D6E-409C-BE32-E72D297353CC}">
-              <c16:uniqueId val="{00000006-73FB-9843-92B3-91A80E32B7C5}"/>
-            </c:ext>
-          </c:extLst>
-        </c:ser>
-        <c:dLbls>
-          <c:showLegendKey val="0"/>
-          <c:showVal val="0"/>
-          <c:showCatName val="0"/>
-          <c:showSerName val="0"/>
-          <c:showPercent val="0"/>
-          <c:showBubbleSize val="0"/>
-        </c:dLbls>
-        <c:gapWidth val="24"/>
-        <c:axId val="1000041416"/>
-        <c:axId val="1000041744"/>
-      </c:barChart>
-      <c:catAx>
-        <c:axId val="1000041416"/>
-        <c:scaling>
-          <c:orientation val="minMax"/>
-        </c:scaling>
-        <c:delete val="0"/>
-        <c:axPos val="b"/>
-        <c:numFmt formatCode="General" sourceLinked="1"/>
-        <c:majorTickMark val="none"/>
-        <c:minorTickMark val="none"/>
-        <c:tickLblPos val="nextTo"/>
-        <c:spPr>
-          <a:noFill/>
-          <a:ln w="9525" cap="flat" cmpd="sng" algn="ctr">
-            <a:solidFill>
-              <a:schemeClr val="tx1">
-                <a:lumMod val="15000"/>
-                <a:lumOff val="85000"/>
-              </a:schemeClr>
-            </a:solidFill>
-            <a:round/>
-          </a:ln>
-          <a:effectLst/>
-        </c:spPr>
-        <c:txPr>
-          <a:bodyPr rot="-60000000" spcFirstLastPara="1" vertOverflow="ellipsis" vert="horz" wrap="square" anchor="ctr" anchorCtr="1"/>
-          <a:lstStyle/>
-          <a:p>
-            <a:pPr>
-              <a:defRPr sz="1197" b="0" i="0" u="none" strike="noStrike" kern="1200" baseline="0">
-                <a:solidFill>
-                  <a:schemeClr val="bg1"/>
-                </a:solidFill>
-                <a:latin typeface="+mn-lt"/>
-                <a:ea typeface="+mn-ea"/>
-                <a:cs typeface="+mn-cs"/>
-              </a:defRPr>
-            </a:pPr>
-            <a:endParaRPr lang="en-US"/>
-          </a:p>
-        </c:txPr>
-        <c:crossAx val="1000041744"/>
-        <c:crosses val="autoZero"/>
-        <c:auto val="1"/>
-        <c:lblAlgn val="ctr"/>
-        <c:lblOffset val="100"/>
-        <c:noMultiLvlLbl val="0"/>
-      </c:catAx>
-      <c:valAx>
-        <c:axId val="1000041744"/>
-        <c:scaling>
-          <c:orientation val="minMax"/>
-        </c:scaling>
-        <c:delete val="0"/>
-        <c:axPos val="l"/>
-        <c:numFmt formatCode="[$$-409]#,##0" sourceLinked="1"/>
-        <c:majorTickMark val="none"/>
-        <c:minorTickMark val="none"/>
-        <c:tickLblPos val="nextTo"/>
-        <c:spPr>
-          <a:noFill/>
-          <a:ln>
-            <a:noFill/>
-          </a:ln>
-          <a:effectLst/>
-        </c:spPr>
-        <c:txPr>
-          <a:bodyPr rot="-60000000" spcFirstLastPara="1" vertOverflow="ellipsis" vert="horz" wrap="square" anchor="ctr" anchorCtr="1"/>
-          <a:lstStyle/>
-          <a:p>
-            <a:pPr>
-              <a:defRPr sz="1197" b="0" i="0" u="none" strike="noStrike" kern="1200" baseline="0">
-                <a:solidFill>
-                  <a:schemeClr val="bg1"/>
-                </a:solidFill>
-                <a:latin typeface="+mn-lt"/>
-                <a:ea typeface="+mn-ea"/>
-                <a:cs typeface="+mn-cs"/>
-              </a:defRPr>
-            </a:pPr>
-            <a:endParaRPr lang="en-US"/>
-          </a:p>
-        </c:txPr>
-        <c:crossAx val="1000041416"/>
-        <c:crosses val="autoZero"/>
-        <c:crossBetween val="between"/>
-      </c:valAx>
-      <c:spPr>
-        <a:noFill/>
-        <a:ln>
-          <a:noFill/>
-        </a:ln>
-        <a:effectLst/>
-      </c:spPr>
-    </c:plotArea>
-    <c:plotVisOnly val="1"/>
-    <c:dispBlanksAs val="gap"/>
-    <c:extLst>
-      <c:ext xmlns:c16r3="http://schemas.microsoft.com/office/drawing/2017/03/chart" uri="{56B9EC1D-385E-4148-901F-78D8002777C0}">
-        <c16r3:dataDisplayOptions16>
-          <c16r3:dispNaAsBlank val="1"/>
-        </c16r3:dataDisplayOptions16>
-      </c:ext>
-    </c:extLst>
-    <c:showDLblsOverMax val="0"/>
-  </c:chart>
-  <c:spPr>
-    <a:noFill/>
-    <a:ln>
-      <a:noFill/>
-    </a:ln>
-    <a:effectLst/>
-  </c:spPr>
-  <c:txPr>
-    <a:bodyPr/>
-    <a:lstStyle/>
-    <a:p>
-      <a:pPr>
-        <a:defRPr>
-          <a:latin typeface="+mn-lt"/>
-        </a:defRPr>
-      </a:pPr>
-      <a:endParaRPr lang="en-US"/>
-    </a:p>
-  </c:txPr>
-  <c:externalData r:id="rId3">
-    <c:autoUpdate val="0"/>
-  </c:externalData>
-</c:chartSpace>
-</file>
-
-<file path=ppt/charts/colors1.xml><?xml version="1.0" encoding="utf-8"?>
-<cs:colorStyle xmlns:cs="http://schemas.microsoft.com/office/drawing/2012/chartStyle" xmlns:a="http://schemas.openxmlformats.org/drawingml/2006/main" meth="cycle" id="10">
-  <a:schemeClr val="accent1"/>
-  <a:schemeClr val="accent2"/>
-  <a:schemeClr val="accent3"/>
-  <a:schemeClr val="accent4"/>
-  <a:schemeClr val="accent5"/>
-  <a:schemeClr val="accent6"/>
-  <cs:variation/>
-  <cs:variation>
-    <a:lumMod val="60000"/>
-  </cs:variation>
-  <cs:variation>
-    <a:lumMod val="80000"/>
-    <a:lumOff val="20000"/>
-  </cs:variation>
-  <cs:variation>
-    <a:lumMod val="80000"/>
-  </cs:variation>
-  <cs:variation>
-    <a:lumMod val="60000"/>
-    <a:lumOff val="40000"/>
-  </cs:variation>
-  <cs:variation>
-    <a:lumMod val="50000"/>
-  </cs:variation>
-  <cs:variation>
-    <a:lumMod val="70000"/>
-    <a:lumOff val="30000"/>
-  </cs:variation>
-  <cs:variation>
-    <a:lumMod val="70000"/>
-  </cs:variation>
-  <cs:variation>
-    <a:lumMod val="50000"/>
-    <a:lumOff val="50000"/>
-  </cs:variation>
-</cs:colorStyle>
-</file>
-
-<file path=ppt/charts/style1.xml><?xml version="1.0" encoding="utf-8"?>
-<cs:chartStyle xmlns:cs="http://schemas.microsoft.com/office/drawing/2012/chartStyle" xmlns:a="http://schemas.openxmlformats.org/drawingml/2006/main" id="201">
-  <cs:axisTitle>
-    <cs:lnRef idx="0"/>
-    <cs:fillRef idx="0"/>
-    <cs:effectRef idx="0"/>
-    <cs:fontRef idx="minor">
-      <a:schemeClr val="tx1">
-        <a:lumMod val="65000"/>
-        <a:lumOff val="35000"/>
-      </a:schemeClr>
-    </cs:fontRef>
-    <cs:defRPr sz="1330" kern="1200"/>
-  </cs:axisTitle>
-  <cs:categoryAxis>
-    <cs:lnRef idx="0"/>
-    <cs:fillRef idx="0"/>
-    <cs:effectRef idx="0"/>
-    <cs:fontRef idx="minor">
-      <a:schemeClr val="tx1">
-        <a:lumMod val="65000"/>
-        <a:lumOff val="35000"/>
-      </a:schemeClr>
-    </cs:fontRef>
-    <cs:spPr>
-      <a:ln w="9525" cap="flat" cmpd="sng" algn="ctr">
-        <a:solidFill>
-          <a:schemeClr val="tx1">
-            <a:lumMod val="15000"/>
-            <a:lumOff val="85000"/>
-          </a:schemeClr>
-        </a:solidFill>
-        <a:round/>
-      </a:ln>
-    </cs:spPr>
-    <cs:defRPr sz="1197" kern="1200"/>
-  </cs:categoryAxis>
-  <cs:chartArea mods="allowNoFillOverride allowNoLineOverride">
-    <cs:lnRef idx="0"/>
-    <cs:fillRef idx="0"/>
-    <cs:effectRef idx="0"/>
-    <cs:fontRef idx="minor">
-      <a:schemeClr val="tx1"/>
-    </cs:fontRef>
-    <cs:spPr>
-      <a:solidFill>
-        <a:schemeClr val="bg1"/>
-      </a:solidFill>
-      <a:ln w="9525" cap="flat" cmpd="sng" algn="ctr">
-        <a:solidFill>
-          <a:schemeClr val="tx1">
-            <a:lumMod val="15000"/>
-            <a:lumOff val="85000"/>
-          </a:schemeClr>
-        </a:solidFill>
-        <a:round/>
-      </a:ln>
-    </cs:spPr>
-    <cs:defRPr sz="1330" kern="1200"/>
-  </cs:chartArea>
-  <cs:dataLabel>
-    <cs:lnRef idx="0"/>
-    <cs:fillRef idx="0"/>
-    <cs:effectRef idx="0"/>
-    <cs:fontRef idx="minor">
-      <a:schemeClr val="tx1">
-        <a:lumMod val="75000"/>
-        <a:lumOff val="25000"/>
-      </a:schemeClr>
-    </cs:fontRef>
-    <cs:defRPr sz="1197" kern="1200"/>
-  </cs:dataLabel>
-  <cs:dataLabelCallout>
-    <cs:lnRef idx="0"/>
-    <cs:fillRef idx="0"/>
-    <cs:effectRef idx="0"/>
-    <cs:fontRef idx="minor">
-      <a:schemeClr val="dk1">
-        <a:lumMod val="65000"/>
-        <a:lumOff val="35000"/>
-      </a:schemeClr>
-    </cs:fontRef>
-    <cs:spPr>
-      <a:solidFill>
-        <a:schemeClr val="lt1"/>
-      </a:solidFill>
-      <a:ln>
-        <a:solidFill>
-          <a:schemeClr val="dk1">
-            <a:lumMod val="25000"/>
-            <a:lumOff val="75000"/>
-          </a:schemeClr>
-        </a:solidFill>
-      </a:ln>
-    </cs:spPr>
-    <cs:defRPr sz="1197" kern="1200"/>
-    <cs:bodyPr rot="0" spcFirstLastPara="1" vertOverflow="clip" horzOverflow="clip" vert="horz" wrap="square" lIns="36576" tIns="18288" rIns="36576" bIns="18288" anchor="ctr" anchorCtr="1">
-      <a:spAutoFit/>
-    </cs:bodyPr>
-  </cs:dataLabelCallout>
-  <cs:dataPoint>
-    <cs:lnRef idx="0"/>
-    <cs:fillRef idx="1">
-      <cs:styleClr val="auto"/>
-    </cs:fillRef>
-    <cs:effectRef idx="0"/>
-    <cs:fontRef idx="minor">
-      <a:schemeClr val="tx1"/>
-    </cs:fontRef>
-  </cs:dataPoint>
-  <cs:dataPoint3D>
-    <cs:lnRef idx="0"/>
-    <cs:fillRef idx="1">
-      <cs:styleClr val="auto"/>
-    </cs:fillRef>
-    <cs:effectRef idx="0"/>
-    <cs:fontRef idx="minor">
-      <a:schemeClr val="tx1"/>
-    </cs:fontRef>
-  </cs:dataPoint3D>
-  <cs:dataPointLine>
-    <cs:lnRef idx="0">
-      <cs:styleClr val="auto"/>
-    </cs:lnRef>
-    <cs:fillRef idx="1"/>
-    <cs:effectRef idx="0"/>
-    <cs:fontRef idx="minor">
-      <a:schemeClr val="tx1"/>
-    </cs:fontRef>
-    <cs:spPr>
-      <a:ln w="28575" cap="rnd">
-        <a:solidFill>
-          <a:schemeClr val="phClr"/>
-        </a:solidFill>
-        <a:round/>
-      </a:ln>
-    </cs:spPr>
-  </cs:dataPointLine>
-  <cs:dataPointMarker>
-    <cs:lnRef idx="0">
-      <cs:styleClr val="auto"/>
-    </cs:lnRef>
-    <cs:fillRef idx="1">
-      <cs:styleClr val="auto"/>
-    </cs:fillRef>
-    <cs:effectRef idx="0"/>
-    <cs:fontRef idx="minor">
-      <a:schemeClr val="tx1"/>
-    </cs:fontRef>
-    <cs:spPr>
-      <a:ln w="9525">
-        <a:solidFill>
-          <a:schemeClr val="phClr"/>
-        </a:solidFill>
-      </a:ln>
-    </cs:spPr>
-  </cs:dataPointMarker>
-  <cs:dataPointMarkerLayout symbol="circle" size="5"/>
-  <cs:dataPointWireframe>
-    <cs:lnRef idx="0">
-      <cs:styleClr val="auto"/>
-    </cs:lnRef>
-    <cs:fillRef idx="1"/>
-    <cs:effectRef idx="0"/>
-    <cs:fontRef idx="minor">
-      <a:schemeClr val="tx1"/>
-    </cs:fontRef>
-    <cs:spPr>
-      <a:ln w="9525" cap="rnd">
-        <a:solidFill>
-          <a:schemeClr val="phClr"/>
-        </a:solidFill>
-        <a:round/>
-      </a:ln>
-    </cs:spPr>
-  </cs:dataPointWireframe>
-  <cs:dataTable>
-    <cs:lnRef idx="0"/>
-    <cs:fillRef idx="0"/>
-    <cs:effectRef idx="0"/>
-    <cs:fontRef idx="minor">
-      <a:schemeClr val="tx1">
-        <a:lumMod val="65000"/>
-        <a:lumOff val="35000"/>
-      </a:schemeClr>
-    </cs:fontRef>
-    <cs:spPr>
-      <a:noFill/>
-      <a:ln w="9525" cap="flat" cmpd="sng" algn="ctr">
-        <a:solidFill>
-          <a:schemeClr val="tx1">
-            <a:lumMod val="15000"/>
-            <a:lumOff val="85000"/>
-          </a:schemeClr>
-        </a:solidFill>
-        <a:round/>
-      </a:ln>
-    </cs:spPr>
-    <cs:defRPr sz="1197" kern="1200"/>
-  </cs:dataTable>
-  <cs:downBar>
-    <cs:lnRef idx="0"/>
-    <cs:fillRef idx="0"/>
-    <cs:effectRef idx="0"/>
-    <cs:fontRef idx="minor">
-      <a:schemeClr val="dk1"/>
-    </cs:fontRef>
-    <cs:spPr>
-      <a:solidFill>
-        <a:schemeClr val="dk1">
-          <a:lumMod val="65000"/>
-          <a:lumOff val="35000"/>
-        </a:schemeClr>
-      </a:solidFill>
-      <a:ln w="9525">
-        <a:solidFill>
-          <a:schemeClr val="tx1">
-            <a:lumMod val="65000"/>
-            <a:lumOff val="35000"/>
-          </a:schemeClr>
-        </a:solidFill>
-      </a:ln>
-    </cs:spPr>
-  </cs:downBar>
-  <cs:dropLine>
-    <cs:lnRef idx="0"/>
-    <cs:fillRef idx="0"/>
-    <cs:effectRef idx="0"/>
-    <cs:fontRef idx="minor">
-      <a:schemeClr val="tx1"/>
-    </cs:fontRef>
-    <cs:spPr>
-      <a:ln w="9525" cap="flat" cmpd="sng" algn="ctr">
-        <a:solidFill>
-          <a:schemeClr val="tx1">
-            <a:lumMod val="35000"/>
-            <a:lumOff val="65000"/>
-          </a:schemeClr>
-        </a:solidFill>
-        <a:round/>
-      </a:ln>
-    </cs:spPr>
-  </cs:dropLine>
-  <cs:errorBar>
-    <cs:lnRef idx="0"/>
-    <cs:fillRef idx="0"/>
-    <cs:effectRef idx="0"/>
-    <cs:fontRef idx="minor">
-      <a:schemeClr val="tx1"/>
-    </cs:fontRef>
-    <cs:spPr>
-      <a:ln w="9525" cap="flat" cmpd="sng" algn="ctr">
-        <a:solidFill>
-          <a:schemeClr val="tx1">
-            <a:lumMod val="65000"/>
-            <a:lumOff val="35000"/>
-          </a:schemeClr>
-        </a:solidFill>
-        <a:round/>
-      </a:ln>
-    </cs:spPr>
-  </cs:errorBar>
-  <cs:floor>
-    <cs:lnRef idx="0"/>
-    <cs:fillRef idx="0"/>
-    <cs:effectRef idx="0"/>
-    <cs:fontRef idx="minor">
-      <a:schemeClr val="tx1"/>
-    </cs:fontRef>
-    <cs:spPr>
-      <a:noFill/>
-      <a:ln>
-        <a:noFill/>
-      </a:ln>
-    </cs:spPr>
-  </cs:floor>
-  <cs:gridlineMajor>
-    <cs:lnRef idx="0"/>
-    <cs:fillRef idx="0"/>
-    <cs:effectRef idx="0"/>
-    <cs:fontRef idx="minor">
-      <a:schemeClr val="tx1"/>
-    </cs:fontRef>
-    <cs:spPr>
-      <a:ln w="9525" cap="flat" cmpd="sng" algn="ctr">
-        <a:solidFill>
-          <a:schemeClr val="tx1">
-            <a:lumMod val="15000"/>
-            <a:lumOff val="85000"/>
-          </a:schemeClr>
-        </a:solidFill>
-        <a:round/>
-      </a:ln>
-    </cs:spPr>
-  </cs:gridlineMajor>
-  <cs:gridlineMinor>
-    <cs:lnRef idx="0"/>
-    <cs:fillRef idx="0"/>
-    <cs:effectRef idx="0"/>
-    <cs:fontRef idx="minor">
-      <a:schemeClr val="tx1"/>
-    </cs:fontRef>
-    <cs:spPr>
-      <a:ln w="9525" cap="flat" cmpd="sng" algn="ctr">
-        <a:solidFill>
-          <a:schemeClr val="tx1">
-            <a:lumMod val="5000"/>
-            <a:lumOff val="95000"/>
-          </a:schemeClr>
-        </a:solidFill>
-        <a:round/>
-      </a:ln>
-    </cs:spPr>
-  </cs:gridlineMinor>
-  <cs:hiLoLine>
-    <cs:lnRef idx="0"/>
-    <cs:fillRef idx="0"/>
-    <cs:effectRef idx="0"/>
-    <cs:fontRef idx="minor">
-      <a:schemeClr val="tx1"/>
-    </cs:fontRef>
-    <cs:spPr>
-      <a:ln w="9525" cap="flat" cmpd="sng" algn="ctr">
-        <a:solidFill>
-          <a:schemeClr val="tx1">
-            <a:lumMod val="75000"/>
-            <a:lumOff val="25000"/>
-          </a:schemeClr>
-        </a:solidFill>
-        <a:round/>
-      </a:ln>
-    </cs:spPr>
-  </cs:hiLoLine>
-  <cs:leaderLine>
-    <cs:lnRef idx="0"/>
-    <cs:fillRef idx="0"/>
-    <cs:effectRef idx="0"/>
-    <cs:fontRef idx="minor">
-      <a:schemeClr val="tx1"/>
-    </cs:fontRef>
-    <cs:spPr>
-      <a:ln w="9525" cap="flat" cmpd="sng" algn="ctr">
-        <a:solidFill>
-          <a:schemeClr val="tx1">
-            <a:lumMod val="35000"/>
-            <a:lumOff val="65000"/>
-          </a:schemeClr>
-        </a:solidFill>
-        <a:round/>
-      </a:ln>
-    </cs:spPr>
-  </cs:leaderLine>
-  <cs:legend>
-    <cs:lnRef idx="0"/>
-    <cs:fillRef idx="0"/>
-    <cs:effectRef idx="0"/>
-    <cs:fontRef idx="minor">
-      <a:schemeClr val="tx1">
-        <a:lumMod val="65000"/>
-        <a:lumOff val="35000"/>
-      </a:schemeClr>
-    </cs:fontRef>
-    <cs:defRPr sz="1197" kern="1200"/>
-  </cs:legend>
-  <cs:plotArea mods="allowNoFillOverride allowNoLineOverride">
-    <cs:lnRef idx="0"/>
-    <cs:fillRef idx="0"/>
-    <cs:effectRef idx="0"/>
-    <cs:fontRef idx="minor">
-      <a:schemeClr val="tx1"/>
-    </cs:fontRef>
-  </cs:plotArea>
-  <cs:plotArea3D mods="allowNoFillOverride allowNoLineOverride">
-    <cs:lnRef idx="0"/>
-    <cs:fillRef idx="0"/>
-    <cs:effectRef idx="0"/>
-    <cs:fontRef idx="minor">
-      <a:schemeClr val="tx1"/>
-    </cs:fontRef>
-  </cs:plotArea3D>
-  <cs:seriesAxis>
-    <cs:lnRef idx="0"/>
-    <cs:fillRef idx="0"/>
-    <cs:effectRef idx="0"/>
-    <cs:fontRef idx="minor">
-      <a:schemeClr val="tx1">
-        <a:lumMod val="65000"/>
-        <a:lumOff val="35000"/>
-      </a:schemeClr>
-    </cs:fontRef>
-    <cs:defRPr sz="1197" kern="1200"/>
-  </cs:seriesAxis>
-  <cs:seriesLine>
-    <cs:lnRef idx="0"/>
-    <cs:fillRef idx="0"/>
-    <cs:effectRef idx="0"/>
-    <cs:fontRef idx="minor">
-      <a:schemeClr val="tx1"/>
-    </cs:fontRef>
-    <cs:spPr>
-      <a:ln w="9525" cap="flat" cmpd="sng" algn="ctr">
-        <a:solidFill>
-          <a:schemeClr val="tx1">
-            <a:lumMod val="35000"/>
-            <a:lumOff val="65000"/>
-          </a:schemeClr>
-        </a:solidFill>
-        <a:round/>
-      </a:ln>
-    </cs:spPr>
-  </cs:seriesLine>
-  <cs:title>
-    <cs:lnRef idx="0"/>
-    <cs:fillRef idx="0"/>
-    <cs:effectRef idx="0"/>
-    <cs:fontRef idx="minor">
-      <a:schemeClr val="tx1">
-        <a:lumMod val="65000"/>
-        <a:lumOff val="35000"/>
-      </a:schemeClr>
-    </cs:fontRef>
-    <cs:defRPr sz="1862" b="0" kern="1200" spc="0" baseline="0"/>
-  </cs:title>
-  <cs:trendline>
-    <cs:lnRef idx="0">
-      <cs:styleClr val="auto"/>
-    </cs:lnRef>
-    <cs:fillRef idx="0"/>
-    <cs:effectRef idx="0"/>
-    <cs:fontRef idx="minor">
-      <a:schemeClr val="tx1"/>
-    </cs:fontRef>
-    <cs:spPr>
-      <a:ln w="19050" cap="rnd">
-        <a:solidFill>
-          <a:schemeClr val="phClr"/>
-        </a:solidFill>
-        <a:prstDash val="sysDot"/>
-      </a:ln>
-    </cs:spPr>
-  </cs:trendline>
-  <cs:trendlineLabel>
-    <cs:lnRef idx="0"/>
-    <cs:fillRef idx="0"/>
-    <cs:effectRef idx="0"/>
-    <cs:fontRef idx="minor">
-      <a:schemeClr val="tx1">
-        <a:lumMod val="65000"/>
-        <a:lumOff val="35000"/>
-      </a:schemeClr>
-    </cs:fontRef>
-    <cs:defRPr sz="1197" kern="1200"/>
-  </cs:trendlineLabel>
-  <cs:upBar>
-    <cs:lnRef idx="0"/>
-    <cs:fillRef idx="0"/>
-    <cs:effectRef idx="0"/>
-    <cs:fontRef idx="minor">
-      <a:schemeClr val="dk1"/>
-    </cs:fontRef>
-    <cs:spPr>
-      <a:solidFill>
-        <a:schemeClr val="lt1"/>
-      </a:solidFill>
-      <a:ln w="9525">
-        <a:solidFill>
-          <a:schemeClr val="tx1">
-            <a:lumMod val="15000"/>
-            <a:lumOff val="85000"/>
-          </a:schemeClr>
-        </a:solidFill>
-      </a:ln>
-    </cs:spPr>
-  </cs:upBar>
-  <cs:valueAxis>
-    <cs:lnRef idx="0"/>
-    <cs:fillRef idx="0"/>
-    <cs:effectRef idx="0"/>
-    <cs:fontRef idx="minor">
-      <a:schemeClr val="tx1">
-        <a:lumMod val="65000"/>
-        <a:lumOff val="35000"/>
-      </a:schemeClr>
-    </cs:fontRef>
-    <cs:defRPr sz="1197" kern="1200"/>
-  </cs:valueAxis>
-  <cs:wall>
-    <cs:lnRef idx="0"/>
-    <cs:fillRef idx="0"/>
-    <cs:effectRef idx="0"/>
-    <cs:fontRef idx="minor">
-      <a:schemeClr val="tx1"/>
-    </cs:fontRef>
-    <cs:spPr>
-      <a:noFill/>
-      <a:ln>
-        <a:noFill/>
-      </a:ln>
-    </cs:spPr>
-  </cs:wall>
-</cs:chartStyle>
 </file>
 
 <file path=ppt/handoutMasters/handoutMaster1.xml><?xml version="1.0" encoding="utf-8"?>
@@ -26422,10 +25504,15 @@
             <p:ph type="subTitle" idx="1"/>
           </p:nvPr>
         </p:nvSpPr>
-        <p:spPr/>
+        <p:spPr>
+          <a:xfrm>
+            <a:off x="2761487" y="3721607"/>
+            <a:ext cx="7971615" cy="1507341"/>
+          </a:xfrm>
+        </p:spPr>
         <p:txBody>
           <a:bodyPr>
-            <a:normAutofit fontScale="85000" lnSpcReduction="20000"/>
+            <a:normAutofit/>
           </a:bodyPr>
           <a:lstStyle/>
           <a:p>
@@ -26433,8 +25520,16 @@
               <a:buNone/>
             </a:pPr>
             <a:r>
-              <a:rPr lang="en-US" dirty="0"/>
-              <a:t>Module: CSC7084: Web Development (2231_FYR)</a:t>
+              <a:rPr lang="en-US" sz="1200" dirty="0">
+                <a:solidFill>
+                  <a:srgbClr val="FFFF00"/>
+                </a:solidFill>
+              </a:rPr>
+              <a:t>Module: </a:t>
+            </a:r>
+            <a:r>
+              <a:rPr lang="en-US" sz="1200" dirty="0"/>
+              <a:t>CSC7084: Web Development (2231_FYR)</a:t>
             </a:r>
           </a:p>
           <a:p>
@@ -26442,8 +25537,16 @@
               <a:buNone/>
             </a:pPr>
             <a:r>
-              <a:rPr lang="en-US" dirty="0"/>
-              <a:t>Student Name: Ciaran Neeson</a:t>
+              <a:rPr lang="en-US" sz="1200" dirty="0">
+                <a:solidFill>
+                  <a:srgbClr val="FFFF00"/>
+                </a:solidFill>
+              </a:rPr>
+              <a:t>Student Name: </a:t>
+            </a:r>
+            <a:r>
+              <a:rPr lang="en-US" sz="1200" dirty="0"/>
+              <a:t>Ciaran Neeson</a:t>
             </a:r>
           </a:p>
           <a:p>
@@ -26451,9 +25554,70 @@
               <a:buNone/>
             </a:pPr>
             <a:r>
-              <a:rPr lang="en-US" dirty="0"/>
-              <a:t>Student Number: 15615014</a:t>
+              <a:rPr lang="en-US" sz="1200" dirty="0">
+                <a:solidFill>
+                  <a:srgbClr val="FFFF00"/>
+                </a:solidFill>
+              </a:rPr>
+              <a:t>Student Number: </a:t>
             </a:r>
+            <a:r>
+              <a:rPr lang="en-US" sz="1200" dirty="0"/>
+              <a:t>15615014</a:t>
+            </a:r>
+          </a:p>
+          <a:p>
+            <a:pPr marL="0" indent="0">
+              <a:buNone/>
+            </a:pPr>
+            <a:r>
+              <a:rPr lang="en-US" sz="1200" dirty="0">
+                <a:solidFill>
+                  <a:srgbClr val="FFFF00"/>
+                </a:solidFill>
+              </a:rPr>
+              <a:t>Walkthrough Video: </a:t>
+            </a:r>
+          </a:p>
+          <a:p>
+            <a:pPr marL="0" indent="0">
+              <a:buNone/>
+            </a:pPr>
+            <a:r>
+              <a:rPr lang="en-US" sz="1200" dirty="0">
+                <a:solidFill>
+                  <a:srgbClr val="FFFF00"/>
+                </a:solidFill>
+              </a:rPr>
+              <a:t>GitHub repository: </a:t>
+            </a:r>
+            <a:r>
+              <a:rPr lang="en-US" sz="1200" dirty="0">
+                <a:hlinkClick r:id="rId2"/>
+              </a:rPr>
+              <a:t>https://github.com/ctneeson/emotiontracker2</a:t>
+            </a:r>
+            <a:endParaRPr lang="en-US" sz="1200" dirty="0"/>
+          </a:p>
+          <a:p>
+            <a:pPr marL="0" indent="0">
+              <a:buNone/>
+            </a:pPr>
+            <a:endParaRPr lang="en-US" sz="1200" dirty="0">
+              <a:solidFill>
+                <a:srgbClr val="FFFF00"/>
+              </a:solidFill>
+            </a:endParaRPr>
+          </a:p>
+          <a:p>
+            <a:pPr marL="0" indent="0">
+              <a:buNone/>
+            </a:pPr>
+            <a:endParaRPr lang="en-US" sz="1200" dirty="0">
+              <a:solidFill>
+                <a:srgbClr val="FFFF00"/>
+              </a:solidFill>
+            </a:endParaRPr>
           </a:p>
         </p:txBody>
       </p:sp>
@@ -26492,10 +25656,10 @@
       </p:grpSpPr>
       <p:sp>
         <p:nvSpPr>
-          <p:cNvPr id="4" name="Title 3">
+          <p:cNvPr id="3" name="Text Placeholder 2">
             <a:extLst>
               <a:ext uri="{FF2B5EF4-FFF2-40B4-BE49-F238E27FC236}">
-                <a16:creationId xmlns:a16="http://schemas.microsoft.com/office/drawing/2014/main" id="{315E3981-F0D7-482C-A8E0-6A57700BECA7}"/>
+                <a16:creationId xmlns:a16="http://schemas.microsoft.com/office/drawing/2014/main" id="{73E3EF51-53D1-CB35-30F5-2C4ACF286662}"/>
               </a:ext>
             </a:extLst>
           </p:cNvPr>
@@ -26503,170 +25667,452 @@
             <a:spLocks noGrp="1"/>
           </p:cNvSpPr>
           <p:nvPr>
-            <p:ph type="title"/>
+            <p:ph type="body" sz="quarter" idx="13"/>
           </p:nvPr>
         </p:nvSpPr>
-        <p:spPr/>
+        <p:spPr>
+          <a:xfrm>
+            <a:off x="234200" y="1160401"/>
+            <a:ext cx="4111924" cy="4714188"/>
+          </a:xfrm>
+        </p:spPr>
         <p:txBody>
           <a:bodyPr/>
           <a:lstStyle/>
           <a:p>
+            <a:pPr marL="0" indent="0">
+              <a:buNone/>
+            </a:pPr>
             <a:r>
-              <a:rPr lang="en-US" dirty="0"/>
-              <a:t>Content Title 03</a:t>
+              <a:rPr lang="en-GB" dirty="0">
+                <a:solidFill>
+                  <a:srgbClr val="FFFF00"/>
+                </a:solidFill>
+              </a:rPr>
+              <a:t>Database Design</a:t>
             </a:r>
           </a:p>
-        </p:txBody>
-      </p:sp>
-      <p:pic>
-        <p:nvPicPr>
-          <p:cNvPr id="20" name="Picture Placeholder 19" descr="Triangular pattern design with dimension">
-            <a:extLst>
-              <a:ext uri="{FF2B5EF4-FFF2-40B4-BE49-F238E27FC236}">
-                <a16:creationId xmlns:a16="http://schemas.microsoft.com/office/drawing/2014/main" id="{3DCA2B8E-64D3-7645-8DEB-688ED5756F52}"/>
-              </a:ext>
-            </a:extLst>
-          </p:cNvPr>
-          <p:cNvPicPr>
-            <a:picLocks noGrp="1" noChangeAspect="1"/>
-          </p:cNvPicPr>
-          <p:nvPr>
-            <p:ph type="pic" sz="quarter" idx="19"/>
-          </p:nvPr>
-        </p:nvPicPr>
-        <p:blipFill>
-          <a:blip r:embed="rId2">
-            <a:extLst>
-              <a:ext uri="{28A0092B-C50C-407E-A947-70E740481C1C}">
-                <a14:useLocalDpi xmlns:a14="http://schemas.microsoft.com/office/drawing/2010/main" val="0"/>
-              </a:ext>
-            </a:extLst>
-          </a:blip>
-          <a:srcRect/>
-          <a:stretch>
-            <a:fillRect/>
-          </a:stretch>
-        </p:blipFill>
-        <p:spPr/>
-      </p:pic>
-      <p:sp>
-        <p:nvSpPr>
-          <p:cNvPr id="19" name="Text Placeholder 18">
-            <a:extLst>
-              <a:ext uri="{FF2B5EF4-FFF2-40B4-BE49-F238E27FC236}">
-                <a16:creationId xmlns:a16="http://schemas.microsoft.com/office/drawing/2014/main" id="{782206B1-586F-4254-9B36-D06C4E294ACF}"/>
-              </a:ext>
-            </a:extLst>
-          </p:cNvPr>
-          <p:cNvSpPr>
-            <a:spLocks noGrp="1"/>
-          </p:cNvSpPr>
-          <p:nvPr>
-            <p:ph type="body" sz="quarter" idx="18"/>
-          </p:nvPr>
-        </p:nvSpPr>
-        <p:spPr/>
-        <p:txBody>
-          <a:bodyPr/>
-          <a:lstStyle/>
           <a:p>
             <a:r>
-              <a:rPr lang="en-US" dirty="0"/>
-              <a:t>Caption01 appears here</a:t>
+              <a:rPr lang="en-GB" dirty="0"/>
+              <a:t>Soft deletes</a:t>
+            </a:r>
+          </a:p>
+          <a:p>
+            <a:r>
+              <a:rPr lang="en-GB" dirty="0"/>
+              <a:t>Run IDs/row locking during account creation</a:t>
+            </a:r>
+          </a:p>
+          <a:p>
+            <a:r>
+              <a:rPr lang="en-GB" dirty="0"/>
+              <a:t>Naming conventions</a:t>
+            </a:r>
+          </a:p>
+          <a:p>
+            <a:r>
+              <a:rPr lang="en-GB" dirty="0"/>
+              <a:t>Encryption: storage of salt &amp; key values (adopt an industry-standard policy)</a:t>
+            </a:r>
+          </a:p>
+          <a:p>
+            <a:r>
+              <a:rPr lang="en-GB" dirty="0"/>
+              <a:t>Table indexing for query optimisation</a:t>
+            </a:r>
+          </a:p>
+          <a:p>
+            <a:pPr marL="0" indent="0">
+              <a:buNone/>
+            </a:pPr>
+            <a:endParaRPr lang="en-GB" dirty="0"/>
+          </a:p>
+          <a:p>
+            <a:pPr marL="0" indent="0">
+              <a:buNone/>
+            </a:pPr>
+            <a:r>
+              <a:rPr lang="en-GB" dirty="0">
+                <a:solidFill>
+                  <a:srgbClr val="FFFF00"/>
+                </a:solidFill>
+              </a:rPr>
+              <a:t>Code modularity</a:t>
+            </a:r>
+          </a:p>
+          <a:p>
+            <a:r>
+              <a:rPr lang="en-GB" dirty="0"/>
+              <a:t>Limited externalisation of inline scripts in EJS files (due to time constraints)</a:t>
+            </a:r>
+          </a:p>
+          <a:p>
+            <a:r>
+              <a:rPr lang="en-GB" dirty="0"/>
+              <a:t>Potential inclusion of redundant elements</a:t>
+            </a:r>
+          </a:p>
+          <a:p>
+            <a:r>
+              <a:rPr lang="en-GB" dirty="0"/>
+              <a:t>Helmet (or similar) permissions for authorised code libraries</a:t>
             </a:r>
           </a:p>
         </p:txBody>
       </p:sp>
       <p:sp>
         <p:nvSpPr>
-          <p:cNvPr id="21" name="Text Placeholder 20">
+          <p:cNvPr id="11" name="Title 6">
             <a:extLst>
               <a:ext uri="{FF2B5EF4-FFF2-40B4-BE49-F238E27FC236}">
-                <a16:creationId xmlns:a16="http://schemas.microsoft.com/office/drawing/2014/main" id="{1B8F0371-4F69-4131-91BF-9AB99E6EE89B}"/>
+                <a16:creationId xmlns:a16="http://schemas.microsoft.com/office/drawing/2014/main" id="{AECF7CE4-D236-3477-A426-BCFE1BF295E6}"/>
               </a:ext>
             </a:extLst>
           </p:cNvPr>
-          <p:cNvSpPr>
-            <a:spLocks noGrp="1"/>
+          <p:cNvSpPr txBox="1">
+            <a:spLocks/>
           </p:cNvSpPr>
-          <p:nvPr>
-            <p:ph type="body" sz="quarter" idx="20"/>
-          </p:nvPr>
+          <p:nvPr/>
         </p:nvSpPr>
-        <p:spPr/>
+        <p:spPr>
+          <a:xfrm>
+            <a:off x="329090" y="266576"/>
+            <a:ext cx="11214100" cy="535531"/>
+          </a:xfrm>
+          <a:prstGeom prst="rect">
+            <a:avLst/>
+          </a:prstGeom>
+        </p:spPr>
         <p:txBody>
-          <a:bodyPr/>
-          <a:lstStyle/>
+          <a:bodyPr vert="horz" wrap="square" lIns="91440" tIns="45720" rIns="91440" bIns="45720" rtlCol="0" anchor="t">
+            <a:spAutoFit/>
+          </a:bodyPr>
+          <a:lstStyle>
+            <a:lvl1pPr algn="l" defTabSz="914400" rtl="0" eaLnBrk="1" latinLnBrk="0" hangingPunct="1">
+              <a:lnSpc>
+                <a:spcPct val="90000"/>
+              </a:lnSpc>
+              <a:spcBef>
+                <a:spcPct val="0"/>
+              </a:spcBef>
+              <a:buNone/>
+              <a:defRPr lang="en-GB" sz="3200" b="1" kern="1200" spc="-70" baseline="0" dirty="0">
+                <a:solidFill>
+                  <a:schemeClr val="bg1"/>
+                </a:solidFill>
+                <a:latin typeface="+mj-lt"/>
+                <a:ea typeface="+mj-ea"/>
+                <a:cs typeface="+mj-cs"/>
+              </a:defRPr>
+            </a:lvl1pPr>
+          </a:lstStyle>
           <a:p>
             <a:r>
-              <a:rPr lang="en-US" dirty="0"/>
-              <a:t>Caption03 appears here</a:t>
+              <a:rPr lang="en-US" dirty="0">
+                <a:solidFill>
+                  <a:schemeClr val="accent1">
+                    <a:lumMod val="40000"/>
+                    <a:lumOff val="60000"/>
+                  </a:schemeClr>
+                </a:solidFill>
+              </a:rPr>
+              <a:t>Improvements</a:t>
             </a:r>
           </a:p>
         </p:txBody>
       </p:sp>
       <p:sp>
         <p:nvSpPr>
-          <p:cNvPr id="22" name="Text Placeholder 21">
+          <p:cNvPr id="2" name="Text Placeholder 2">
             <a:extLst>
               <a:ext uri="{FF2B5EF4-FFF2-40B4-BE49-F238E27FC236}">
-                <a16:creationId xmlns:a16="http://schemas.microsoft.com/office/drawing/2014/main" id="{78CACAF1-61EA-4605-A8FE-2EEE752B49FF}"/>
+                <a16:creationId xmlns:a16="http://schemas.microsoft.com/office/drawing/2014/main" id="{9177A33E-4F02-1A82-5DFB-14A3A3C44BFE}"/>
               </a:ext>
             </a:extLst>
           </p:cNvPr>
-          <p:cNvSpPr>
-            <a:spLocks noGrp="1"/>
+          <p:cNvSpPr txBox="1">
+            <a:spLocks/>
           </p:cNvSpPr>
-          <p:nvPr>
-            <p:ph type="body" sz="quarter" idx="21"/>
-          </p:nvPr>
+          <p:nvPr/>
         </p:nvSpPr>
-        <p:spPr/>
+        <p:spPr>
+          <a:xfrm>
+            <a:off x="4346124" y="1164862"/>
+            <a:ext cx="4620883" cy="5102376"/>
+          </a:xfrm>
+          <a:prstGeom prst="rect">
+            <a:avLst/>
+          </a:prstGeom>
+        </p:spPr>
         <p:txBody>
-          <a:bodyPr/>
-          <a:lstStyle/>
-          <a:p>
+          <a:bodyPr vert="horz" lIns="91440" tIns="45720" rIns="91440" bIns="45720" rtlCol="0">
+            <a:noAutofit/>
+          </a:bodyPr>
+          <a:lstStyle>
+            <a:lvl1pPr marL="228600" indent="-228600" algn="l" defTabSz="914400" rtl="0" eaLnBrk="1" latinLnBrk="0" hangingPunct="1">
+              <a:lnSpc>
+                <a:spcPct val="100000"/>
+              </a:lnSpc>
+              <a:spcBef>
+                <a:spcPts val="600"/>
+              </a:spcBef>
+              <a:spcAft>
+                <a:spcPts val="400"/>
+              </a:spcAft>
+              <a:buClr>
+                <a:schemeClr val="accent2"/>
+              </a:buClr>
+              <a:buFont typeface="Arial" panose="020B0604020202020204" pitchFamily="34" charset="0"/>
+              <a:buChar char="•"/>
+              <a:defRPr sz="1600" kern="1200">
+                <a:solidFill>
+                  <a:schemeClr val="bg1"/>
+                </a:solidFill>
+                <a:latin typeface="+mn-lt"/>
+                <a:ea typeface="+mn-ea"/>
+                <a:cs typeface="Arial" panose="020B0604020202020204" pitchFamily="34" charset="0"/>
+              </a:defRPr>
+            </a:lvl1pPr>
+            <a:lvl2pPr marL="685800" indent="-228600" algn="l" defTabSz="914400" rtl="0" eaLnBrk="1" latinLnBrk="0" hangingPunct="1">
+              <a:lnSpc>
+                <a:spcPct val="100000"/>
+              </a:lnSpc>
+              <a:spcBef>
+                <a:spcPts val="600"/>
+              </a:spcBef>
+              <a:spcAft>
+                <a:spcPts val="400"/>
+              </a:spcAft>
+              <a:buClr>
+                <a:schemeClr val="accent2"/>
+              </a:buClr>
+              <a:buFont typeface="Arial" panose="020B0604020202020204" pitchFamily="34" charset="0"/>
+              <a:buChar char="•"/>
+              <a:defRPr sz="1400" kern="1200">
+                <a:solidFill>
+                  <a:schemeClr val="bg1"/>
+                </a:solidFill>
+                <a:latin typeface="+mn-lt"/>
+                <a:ea typeface="+mn-ea"/>
+                <a:cs typeface="Arial" panose="020B0604020202020204" pitchFamily="34" charset="0"/>
+              </a:defRPr>
+            </a:lvl2pPr>
+            <a:lvl3pPr marL="1143000" indent="-228600" algn="l" defTabSz="914400" rtl="0" eaLnBrk="1" latinLnBrk="0" hangingPunct="1">
+              <a:lnSpc>
+                <a:spcPct val="100000"/>
+              </a:lnSpc>
+              <a:spcBef>
+                <a:spcPts val="600"/>
+              </a:spcBef>
+              <a:spcAft>
+                <a:spcPts val="400"/>
+              </a:spcAft>
+              <a:buClr>
+                <a:schemeClr val="accent2"/>
+              </a:buClr>
+              <a:buFont typeface="Arial" panose="020B0604020202020204" pitchFamily="34" charset="0"/>
+              <a:buChar char="•"/>
+              <a:defRPr sz="1200" kern="1200">
+                <a:solidFill>
+                  <a:schemeClr val="bg1"/>
+                </a:solidFill>
+                <a:latin typeface="+mn-lt"/>
+                <a:ea typeface="+mn-ea"/>
+                <a:cs typeface="Arial" panose="020B0604020202020204" pitchFamily="34" charset="0"/>
+              </a:defRPr>
+            </a:lvl3pPr>
+            <a:lvl4pPr marL="1600200" indent="-228600" algn="l" defTabSz="914400" rtl="0" eaLnBrk="1" latinLnBrk="0" hangingPunct="1">
+              <a:lnSpc>
+                <a:spcPct val="90000"/>
+              </a:lnSpc>
+              <a:spcBef>
+                <a:spcPts val="500"/>
+              </a:spcBef>
+              <a:buClr>
+                <a:schemeClr val="accent2"/>
+              </a:buClr>
+              <a:buFont typeface="Arial" panose="020B0604020202020204" pitchFamily="34" charset="0"/>
+              <a:buChar char="•"/>
+              <a:defRPr sz="1400" kern="1200">
+                <a:solidFill>
+                  <a:schemeClr val="bg1"/>
+                </a:solidFill>
+                <a:latin typeface="Arial" panose="020B0604020202020204" pitchFamily="34" charset="0"/>
+                <a:ea typeface="+mn-ea"/>
+                <a:cs typeface="Arial" panose="020B0604020202020204" pitchFamily="34" charset="0"/>
+              </a:defRPr>
+            </a:lvl4pPr>
+            <a:lvl5pPr marL="2057400" indent="-228600" algn="l" defTabSz="914400" rtl="0" eaLnBrk="1" latinLnBrk="0" hangingPunct="1">
+              <a:lnSpc>
+                <a:spcPct val="90000"/>
+              </a:lnSpc>
+              <a:spcBef>
+                <a:spcPts val="500"/>
+              </a:spcBef>
+              <a:buClr>
+                <a:schemeClr val="accent2"/>
+              </a:buClr>
+              <a:buFont typeface="Arial" panose="020B0604020202020204" pitchFamily="34" charset="0"/>
+              <a:buChar char="•"/>
+              <a:defRPr sz="1400" kern="1200">
+                <a:solidFill>
+                  <a:schemeClr val="bg1"/>
+                </a:solidFill>
+                <a:latin typeface="Arial" panose="020B0604020202020204" pitchFamily="34" charset="0"/>
+                <a:ea typeface="+mn-ea"/>
+                <a:cs typeface="Arial" panose="020B0604020202020204" pitchFamily="34" charset="0"/>
+              </a:defRPr>
+            </a:lvl5pPr>
+            <a:lvl6pPr marL="2514600" indent="-228600" algn="l" defTabSz="914400" rtl="0" eaLnBrk="1" latinLnBrk="0" hangingPunct="1">
+              <a:lnSpc>
+                <a:spcPct val="90000"/>
+              </a:lnSpc>
+              <a:spcBef>
+                <a:spcPts val="500"/>
+              </a:spcBef>
+              <a:buFont typeface="Arial" panose="020B0604020202020204" pitchFamily="34" charset="0"/>
+              <a:buChar char="•"/>
+              <a:defRPr sz="1800" kern="1200">
+                <a:solidFill>
+                  <a:schemeClr val="tx1"/>
+                </a:solidFill>
+                <a:latin typeface="+mn-lt"/>
+                <a:ea typeface="+mn-ea"/>
+                <a:cs typeface="+mn-cs"/>
+              </a:defRPr>
+            </a:lvl6pPr>
+            <a:lvl7pPr marL="2971800" indent="-228600" algn="l" defTabSz="914400" rtl="0" eaLnBrk="1" latinLnBrk="0" hangingPunct="1">
+              <a:lnSpc>
+                <a:spcPct val="90000"/>
+              </a:lnSpc>
+              <a:spcBef>
+                <a:spcPts val="500"/>
+              </a:spcBef>
+              <a:buFont typeface="Arial" panose="020B0604020202020204" pitchFamily="34" charset="0"/>
+              <a:buChar char="•"/>
+              <a:defRPr sz="1800" kern="1200">
+                <a:solidFill>
+                  <a:schemeClr val="tx1"/>
+                </a:solidFill>
+                <a:latin typeface="+mn-lt"/>
+                <a:ea typeface="+mn-ea"/>
+                <a:cs typeface="+mn-cs"/>
+              </a:defRPr>
+            </a:lvl7pPr>
+            <a:lvl8pPr marL="3429000" indent="-228600" algn="l" defTabSz="914400" rtl="0" eaLnBrk="1" latinLnBrk="0" hangingPunct="1">
+              <a:lnSpc>
+                <a:spcPct val="90000"/>
+              </a:lnSpc>
+              <a:spcBef>
+                <a:spcPts val="500"/>
+              </a:spcBef>
+              <a:buFont typeface="Arial" panose="020B0604020202020204" pitchFamily="34" charset="0"/>
+              <a:buChar char="•"/>
+              <a:defRPr sz="1800" kern="1200">
+                <a:solidFill>
+                  <a:schemeClr val="tx1"/>
+                </a:solidFill>
+                <a:latin typeface="+mn-lt"/>
+                <a:ea typeface="+mn-ea"/>
+                <a:cs typeface="+mn-cs"/>
+              </a:defRPr>
+            </a:lvl8pPr>
+            <a:lvl9pPr marL="3886200" indent="-228600" algn="l" defTabSz="914400" rtl="0" eaLnBrk="1" latinLnBrk="0" hangingPunct="1">
+              <a:lnSpc>
+                <a:spcPct val="90000"/>
+              </a:lnSpc>
+              <a:spcBef>
+                <a:spcPts val="500"/>
+              </a:spcBef>
+              <a:buFont typeface="Arial" panose="020B0604020202020204" pitchFamily="34" charset="0"/>
+              <a:buChar char="•"/>
+              <a:defRPr sz="1800" kern="1200">
+                <a:solidFill>
+                  <a:schemeClr val="tx1"/>
+                </a:solidFill>
+                <a:latin typeface="+mn-lt"/>
+                <a:ea typeface="+mn-ea"/>
+                <a:cs typeface="+mn-cs"/>
+              </a:defRPr>
+            </a:lvl9pPr>
+          </a:lstStyle>
+          <a:p>
+            <a:pPr marL="0" indent="0">
+              <a:buFont typeface="Arial" panose="020B0604020202020204" pitchFamily="34" charset="0"/>
+              <a:buNone/>
+            </a:pPr>
             <a:r>
-              <a:rPr lang="en-US" dirty="0"/>
-              <a:t>Caption04 appears here</a:t>
+              <a:rPr lang="en-GB" dirty="0">
+                <a:solidFill>
+                  <a:srgbClr val="FFFF00"/>
+                </a:solidFill>
+              </a:rPr>
+              <a:t>User Experience</a:t>
             </a:r>
           </a:p>
-        </p:txBody>
-      </p:sp>
-      <p:sp>
-        <p:nvSpPr>
-          <p:cNvPr id="2" name="Slide Number Placeholder 1">
-            <a:extLst>
-              <a:ext uri="{FF2B5EF4-FFF2-40B4-BE49-F238E27FC236}">
-                <a16:creationId xmlns:a16="http://schemas.microsoft.com/office/drawing/2014/main" id="{2F478C69-0A1D-45FF-8600-ED903803FFE1}"/>
-              </a:ext>
-            </a:extLst>
-          </p:cNvPr>
-          <p:cNvSpPr>
-            <a:spLocks noGrp="1"/>
-          </p:cNvSpPr>
-          <p:nvPr>
-            <p:ph type="sldNum" sz="quarter" idx="12"/>
-          </p:nvPr>
-        </p:nvSpPr>
-        <p:spPr/>
-        <p:txBody>
-          <a:bodyPr/>
-          <a:lstStyle/>
-          <a:p>
-            <a:fld id="{C263D6C4-4840-40CC-AC84-17E24B3B7BDE}" type="slidenum">
-              <a:rPr lang="en-US" smtClean="0"/>
-              <a:pPr/>
-              <a:t>10</a:t>
-            </a:fld>
-            <a:endParaRPr lang="en-US" dirty="0"/>
+          <a:p>
+            <a:r>
+              <a:rPr lang="en-GB" dirty="0"/>
+              <a:t>Password confirmation (enter twice to avoid typos)</a:t>
+            </a:r>
+          </a:p>
+          <a:p>
+            <a:r>
+              <a:rPr lang="en-GB" dirty="0"/>
+              <a:t>Reset password option (would probably require link with email server and/or SMS for confirmation)</a:t>
+            </a:r>
+          </a:p>
+          <a:p>
+            <a:r>
+              <a:rPr lang="en-GB" dirty="0"/>
+              <a:t>Verify account creation via email confirmation</a:t>
+            </a:r>
+          </a:p>
+          <a:p>
+            <a:r>
+              <a:rPr lang="en-GB" dirty="0"/>
+              <a:t>MFA etc…</a:t>
+            </a:r>
+          </a:p>
+          <a:p>
+            <a:pPr marL="0" indent="0">
+              <a:buNone/>
+            </a:pPr>
+            <a:endParaRPr lang="en-GB" dirty="0"/>
+          </a:p>
+          <a:p>
+            <a:pPr marL="0" indent="0">
+              <a:buFont typeface="Arial" panose="020B0604020202020204" pitchFamily="34" charset="0"/>
+              <a:buNone/>
+            </a:pPr>
+            <a:r>
+              <a:rPr lang="en-GB" dirty="0">
+                <a:solidFill>
+                  <a:srgbClr val="FFFF00"/>
+                </a:solidFill>
+              </a:rPr>
+              <a:t>Deployment/Scalability</a:t>
+            </a:r>
+          </a:p>
+          <a:p>
+            <a:r>
+              <a:rPr lang="en-GB" dirty="0"/>
+              <a:t>Negligible user numbers/data volumes in demo, so no idea about scalability</a:t>
+            </a:r>
+          </a:p>
+          <a:p>
+            <a:r>
+              <a:rPr lang="en-GB" dirty="0"/>
+              <a:t>Little time to look at deployment options</a:t>
+            </a:r>
           </a:p>
         </p:txBody>
       </p:sp>
     </p:spTree>
     <p:extLst>
       <p:ext uri="{BB962C8B-B14F-4D97-AF65-F5344CB8AC3E}">
-        <p14:creationId xmlns:p14="http://schemas.microsoft.com/office/powerpoint/2010/main" val="451187730"/>
+        <p14:creationId xmlns:p14="http://schemas.microsoft.com/office/powerpoint/2010/main" val="3048569430"/>
       </p:ext>
     </p:extLst>
   </p:cSld>
@@ -26685,2592 +26131,6 @@
       </p:transition>
     </mc:Fallback>
   </mc:AlternateContent>
-</p:sld>
-</file>
-
-<file path=ppt/slides/slide11.xml><?xml version="1.0" encoding="utf-8"?>
-<p:sld xmlns:a="http://schemas.openxmlformats.org/drawingml/2006/main" xmlns:r="http://schemas.openxmlformats.org/officeDocument/2006/relationships" xmlns:p="http://schemas.openxmlformats.org/presentationml/2006/main">
-  <p:cSld>
-    <p:spTree>
-      <p:nvGrpSpPr>
-        <p:cNvPr id="1" name=""/>
-        <p:cNvGrpSpPr/>
-        <p:nvPr/>
-      </p:nvGrpSpPr>
-      <p:grpSpPr>
-        <a:xfrm>
-          <a:off x="0" y="0"/>
-          <a:ext cx="0" cy="0"/>
-          <a:chOff x="0" y="0"/>
-          <a:chExt cx="0" cy="0"/>
-        </a:xfrm>
-      </p:grpSpPr>
-      <p:sp>
-        <p:nvSpPr>
-          <p:cNvPr id="4" name="Title 3">
-            <a:extLst>
-              <a:ext uri="{FF2B5EF4-FFF2-40B4-BE49-F238E27FC236}">
-                <a16:creationId xmlns:a16="http://schemas.microsoft.com/office/drawing/2014/main" id="{315E3981-F0D7-482C-A8E0-6A57700BECA7}"/>
-              </a:ext>
-            </a:extLst>
-          </p:cNvPr>
-          <p:cNvSpPr>
-            <a:spLocks noGrp="1"/>
-          </p:cNvSpPr>
-          <p:nvPr>
-            <p:ph type="title"/>
-          </p:nvPr>
-        </p:nvSpPr>
-        <p:spPr/>
-        <p:txBody>
-          <a:bodyPr/>
-          <a:lstStyle/>
-          <a:p>
-            <a:r>
-              <a:rPr lang="en-US" dirty="0"/>
-              <a:t>Content Title 04</a:t>
-            </a:r>
-          </a:p>
-        </p:txBody>
-      </p:sp>
-      <p:pic>
-        <p:nvPicPr>
-          <p:cNvPr id="8" name="Picture Placeholder 7" descr="Triangular pattern design with dimension">
-            <a:extLst>
-              <a:ext uri="{FF2B5EF4-FFF2-40B4-BE49-F238E27FC236}">
-                <a16:creationId xmlns:a16="http://schemas.microsoft.com/office/drawing/2014/main" id="{2301248D-7370-7643-9BE6-F8CDCFF4D460}"/>
-              </a:ext>
-            </a:extLst>
-          </p:cNvPr>
-          <p:cNvPicPr>
-            <a:picLocks noGrp="1" noChangeAspect="1"/>
-          </p:cNvPicPr>
-          <p:nvPr>
-            <p:ph type="pic" sz="quarter" idx="19"/>
-          </p:nvPr>
-        </p:nvPicPr>
-        <p:blipFill rotWithShape="1">
-          <a:blip r:embed="rId2">
-            <a:extLst>
-              <a:ext uri="{28A0092B-C50C-407E-A947-70E740481C1C}">
-                <a14:useLocalDpi xmlns:a14="http://schemas.microsoft.com/office/drawing/2010/main" val="0"/>
-              </a:ext>
-            </a:extLst>
-          </a:blip>
-          <a:srcRect/>
-          <a:stretch/>
-        </p:blipFill>
-        <p:spPr>
-          <a:xfrm>
-            <a:off x="-2" y="1352575"/>
-            <a:ext cx="12192002" cy="2289897"/>
-          </a:xfrm>
-        </p:spPr>
-      </p:pic>
-      <p:sp>
-        <p:nvSpPr>
-          <p:cNvPr id="19" name="Text Placeholder 18">
-            <a:extLst>
-              <a:ext uri="{FF2B5EF4-FFF2-40B4-BE49-F238E27FC236}">
-                <a16:creationId xmlns:a16="http://schemas.microsoft.com/office/drawing/2014/main" id="{782206B1-586F-4254-9B36-D06C4E294ACF}"/>
-              </a:ext>
-            </a:extLst>
-          </p:cNvPr>
-          <p:cNvSpPr>
-            <a:spLocks noGrp="1"/>
-          </p:cNvSpPr>
-          <p:nvPr>
-            <p:ph type="body" sz="quarter" idx="18"/>
-          </p:nvPr>
-        </p:nvSpPr>
-        <p:spPr/>
-        <p:txBody>
-          <a:bodyPr/>
-          <a:lstStyle/>
-          <a:p>
-            <a:r>
-              <a:rPr lang="en-US" dirty="0"/>
-              <a:t>Lorem ipsum dolor sit amet, consectetuer adipiscing elit. Maecenas porttitor congue massa. Fusce posuere, magna sed pulvinar ultricies, purus lectus malesuada libero, sit amet commodo magna eros quis urna. Nunc viverra imperdiet enim. Fusce est. Vivamus a tellus.</a:t>
-            </a:r>
-          </a:p>
-          <a:p>
-            <a:r>
-              <a:rPr lang="en-US" dirty="0"/>
-              <a:t>Pellentesque habitant morbi tristique senectus et netus et malesuada fames ac turpis egestas. Proin pharetra nonummy pede. Mauris et orci.</a:t>
-            </a:r>
-          </a:p>
-        </p:txBody>
-      </p:sp>
-      <p:sp>
-        <p:nvSpPr>
-          <p:cNvPr id="2" name="Slide Number Placeholder 1">
-            <a:extLst>
-              <a:ext uri="{FF2B5EF4-FFF2-40B4-BE49-F238E27FC236}">
-                <a16:creationId xmlns:a16="http://schemas.microsoft.com/office/drawing/2014/main" id="{FAC2D367-2A6E-41FE-A9EA-24FF17BCAA97}"/>
-              </a:ext>
-            </a:extLst>
-          </p:cNvPr>
-          <p:cNvSpPr>
-            <a:spLocks noGrp="1"/>
-          </p:cNvSpPr>
-          <p:nvPr>
-            <p:ph type="sldNum" sz="quarter" idx="12"/>
-          </p:nvPr>
-        </p:nvSpPr>
-        <p:spPr/>
-        <p:txBody>
-          <a:bodyPr/>
-          <a:lstStyle/>
-          <a:p>
-            <a:fld id="{C263D6C4-4840-40CC-AC84-17E24B3B7BDE}" type="slidenum">
-              <a:rPr lang="en-US" smtClean="0"/>
-              <a:pPr/>
-              <a:t>11</a:t>
-            </a:fld>
-            <a:endParaRPr lang="en-US" dirty="0"/>
-          </a:p>
-        </p:txBody>
-      </p:sp>
-    </p:spTree>
-    <p:extLst>
-      <p:ext uri="{BB962C8B-B14F-4D97-AF65-F5344CB8AC3E}">
-        <p14:creationId xmlns:p14="http://schemas.microsoft.com/office/powerpoint/2010/main" val="663103393"/>
-      </p:ext>
-    </p:extLst>
-  </p:cSld>
-  <p:clrMapOvr>
-    <a:masterClrMapping/>
-  </p:clrMapOvr>
-  <mc:AlternateContent xmlns:mc="http://schemas.openxmlformats.org/markup-compatibility/2006" xmlns:p14="http://schemas.microsoft.com/office/powerpoint/2010/main">
-    <mc:Choice Requires="p14">
-      <p:transition spd="med" p14:dur="700">
-        <p:fade/>
-      </p:transition>
-    </mc:Choice>
-    <mc:Fallback xmlns="">
-      <p:transition spd="med">
-        <p:fade/>
-      </p:transition>
-    </mc:Fallback>
-  </mc:AlternateContent>
-</p:sld>
-</file>
-
-<file path=ppt/slides/slide12.xml><?xml version="1.0" encoding="utf-8"?>
-<p:sld xmlns:a="http://schemas.openxmlformats.org/drawingml/2006/main" xmlns:r="http://schemas.openxmlformats.org/officeDocument/2006/relationships" xmlns:p="http://schemas.openxmlformats.org/presentationml/2006/main">
-  <p:cSld>
-    <p:spTree>
-      <p:nvGrpSpPr>
-        <p:cNvPr id="1" name=""/>
-        <p:cNvGrpSpPr/>
-        <p:nvPr/>
-      </p:nvGrpSpPr>
-      <p:grpSpPr>
-        <a:xfrm>
-          <a:off x="0" y="0"/>
-          <a:ext cx="0" cy="0"/>
-          <a:chOff x="0" y="0"/>
-          <a:chExt cx="0" cy="0"/>
-        </a:xfrm>
-      </p:grpSpPr>
-      <p:sp>
-        <p:nvSpPr>
-          <p:cNvPr id="5" name="Title 4">
-            <a:extLst>
-              <a:ext uri="{FF2B5EF4-FFF2-40B4-BE49-F238E27FC236}">
-                <a16:creationId xmlns:a16="http://schemas.microsoft.com/office/drawing/2014/main" id="{201323FB-427E-4A8D-B473-AB0657D8D23B}"/>
-              </a:ext>
-            </a:extLst>
-          </p:cNvPr>
-          <p:cNvSpPr>
-            <a:spLocks noGrp="1"/>
-          </p:cNvSpPr>
-          <p:nvPr>
-            <p:ph type="title"/>
-          </p:nvPr>
-        </p:nvSpPr>
-        <p:spPr/>
-        <p:txBody>
-          <a:bodyPr/>
-          <a:lstStyle/>
-          <a:p>
-            <a:r>
-              <a:rPr lang="en-US" dirty="0"/>
-              <a:t>Table</a:t>
-            </a:r>
-          </a:p>
-        </p:txBody>
-      </p:sp>
-      <p:graphicFrame>
-        <p:nvGraphicFramePr>
-          <p:cNvPr id="6" name="Table 5">
-            <a:extLst>
-              <a:ext uri="{FF2B5EF4-FFF2-40B4-BE49-F238E27FC236}">
-                <a16:creationId xmlns:a16="http://schemas.microsoft.com/office/drawing/2014/main" id="{E8EEB296-8554-4D20-B3B8-C0BBC380A58D}"/>
-              </a:ext>
-            </a:extLst>
-          </p:cNvPr>
-          <p:cNvGraphicFramePr>
-            <a:graphicFrameLocks noGrp="1"/>
-          </p:cNvGraphicFramePr>
-          <p:nvPr>
-            <p:extLst>
-              <p:ext uri="{D42A27DB-BD31-4B8C-83A1-F6EECF244321}">
-                <p14:modId xmlns:p14="http://schemas.microsoft.com/office/powerpoint/2010/main" val="2357960289"/>
-              </p:ext>
-            </p:extLst>
-          </p:nvPr>
-        </p:nvGraphicFramePr>
-        <p:xfrm>
-          <a:off x="1130300" y="1856740"/>
-          <a:ext cx="9931400" cy="3931920"/>
-        </p:xfrm>
-        <a:graphic>
-          <a:graphicData uri="http://schemas.openxmlformats.org/drawingml/2006/table">
-            <a:tbl>
-              <a:tblPr firstRow="1" bandRow="1">
-                <a:tableStyleId>{5C22544A-7EE6-4342-B048-85BDC9FD1C3A}</a:tableStyleId>
-              </a:tblPr>
-              <a:tblGrid>
-                <a:gridCol w="2482850">
-                  <a:extLst>
-                    <a:ext uri="{9D8B030D-6E8A-4147-A177-3AD203B41FA5}">
-                      <a16:colId xmlns:a16="http://schemas.microsoft.com/office/drawing/2014/main" val="3559833401"/>
-                    </a:ext>
-                  </a:extLst>
-                </a:gridCol>
-                <a:gridCol w="2482850">
-                  <a:extLst>
-                    <a:ext uri="{9D8B030D-6E8A-4147-A177-3AD203B41FA5}">
-                      <a16:colId xmlns:a16="http://schemas.microsoft.com/office/drawing/2014/main" val="82523989"/>
-                    </a:ext>
-                  </a:extLst>
-                </a:gridCol>
-                <a:gridCol w="2482850">
-                  <a:extLst>
-                    <a:ext uri="{9D8B030D-6E8A-4147-A177-3AD203B41FA5}">
-                      <a16:colId xmlns:a16="http://schemas.microsoft.com/office/drawing/2014/main" val="3211310719"/>
-                    </a:ext>
-                  </a:extLst>
-                </a:gridCol>
-                <a:gridCol w="2482850">
-                  <a:extLst>
-                    <a:ext uri="{9D8B030D-6E8A-4147-A177-3AD203B41FA5}">
-                      <a16:colId xmlns:a16="http://schemas.microsoft.com/office/drawing/2014/main" val="4160613981"/>
-                    </a:ext>
-                  </a:extLst>
-                </a:gridCol>
-              </a:tblGrid>
-              <a:tr h="640080">
-                <a:tc>
-                  <a:txBody>
-                    <a:bodyPr/>
-                    <a:lstStyle/>
-                    <a:p>
-                      <a:pPr algn="ctr"/>
-                      <a:r>
-                        <a:rPr lang="en-US" sz="1600" b="0" dirty="0">
-                          <a:latin typeface="+mn-lt"/>
-                          <a:cs typeface="Arial" panose="020B0604020202020204" pitchFamily="34" charset="0"/>
-                        </a:rPr>
-                        <a:t>Title</a:t>
-                      </a:r>
-                      <a:endParaRPr lang="en-GB" sz="1600" b="0" dirty="0">
-                        <a:latin typeface="+mn-lt"/>
-                        <a:cs typeface="Arial" panose="020B0604020202020204" pitchFamily="34" charset="0"/>
-                      </a:endParaRPr>
-                    </a:p>
-                  </a:txBody>
-                  <a:tcPr anchor="ctr">
-                    <a:lnL w="12700" cap="flat" cmpd="sng" algn="ctr">
-                      <a:noFill/>
-                      <a:prstDash val="solid"/>
-                      <a:round/>
-                      <a:headEnd type="none" w="med" len="med"/>
-                      <a:tailEnd type="none" w="med" len="med"/>
-                    </a:lnL>
-                    <a:lnR w="12700" cap="flat" cmpd="sng" algn="ctr">
-                      <a:solidFill>
-                        <a:schemeClr val="accent2">
-                          <a:lumMod val="75000"/>
-                        </a:schemeClr>
-                      </a:solidFill>
-                      <a:prstDash val="solid"/>
-                      <a:round/>
-                      <a:headEnd type="none" w="med" len="med"/>
-                      <a:tailEnd type="none" w="med" len="med"/>
-                    </a:lnR>
-                    <a:lnT w="38100" cap="flat" cmpd="sng" algn="ctr">
-                      <a:solidFill>
-                        <a:schemeClr val="accent2">
-                          <a:lumMod val="75000"/>
-                        </a:schemeClr>
-                      </a:solidFill>
-                      <a:prstDash val="solid"/>
-                      <a:round/>
-                      <a:headEnd type="none" w="med" len="med"/>
-                      <a:tailEnd type="none" w="med" len="med"/>
-                    </a:lnT>
-                    <a:lnB w="38100" cap="flat" cmpd="sng" algn="ctr">
-                      <a:solidFill>
-                        <a:schemeClr val="accent2">
-                          <a:lumMod val="75000"/>
-                        </a:schemeClr>
-                      </a:solidFill>
-                      <a:prstDash val="solid"/>
-                      <a:round/>
-                      <a:headEnd type="none" w="med" len="med"/>
-                      <a:tailEnd type="none" w="med" len="med"/>
-                    </a:lnB>
-                    <a:lnTlToBr w="12700" cmpd="sng">
-                      <a:noFill/>
-                      <a:prstDash val="solid"/>
-                    </a:lnTlToBr>
-                    <a:lnBlToTr w="12700" cmpd="sng">
-                      <a:noFill/>
-                      <a:prstDash val="solid"/>
-                    </a:lnBlToTr>
-                    <a:noFill/>
-                  </a:tcPr>
-                </a:tc>
-                <a:tc>
-                  <a:txBody>
-                    <a:bodyPr/>
-                    <a:lstStyle/>
-                    <a:p>
-                      <a:pPr marL="0" marR="0" lvl="0" indent="0" algn="ctr" defTabSz="914400" rtl="0" eaLnBrk="1" fontAlgn="auto" latinLnBrk="0" hangingPunct="1">
-                        <a:lnSpc>
-                          <a:spcPct val="100000"/>
-                        </a:lnSpc>
-                        <a:spcBef>
-                          <a:spcPts val="0"/>
-                        </a:spcBef>
-                        <a:spcAft>
-                          <a:spcPts val="0"/>
-                        </a:spcAft>
-                        <a:buClrTx/>
-                        <a:buSzTx/>
-                        <a:buFontTx/>
-                        <a:buNone/>
-                        <a:tabLst/>
-                        <a:defRPr/>
-                      </a:pPr>
-                      <a:r>
-                        <a:rPr lang="en-US" sz="1600" b="0" dirty="0">
-                          <a:latin typeface="+mn-lt"/>
-                          <a:cs typeface="Arial" panose="020B0604020202020204" pitchFamily="34" charset="0"/>
-                        </a:rPr>
-                        <a:t>Title</a:t>
-                      </a:r>
-                      <a:endParaRPr lang="en-GB" sz="1600" b="0" dirty="0">
-                        <a:latin typeface="+mn-lt"/>
-                        <a:cs typeface="Arial" panose="020B0604020202020204" pitchFamily="34" charset="0"/>
-                      </a:endParaRPr>
-                    </a:p>
-                  </a:txBody>
-                  <a:tcPr anchor="ctr">
-                    <a:lnL w="12700" cap="flat" cmpd="sng" algn="ctr">
-                      <a:solidFill>
-                        <a:schemeClr val="accent2">
-                          <a:lumMod val="75000"/>
-                        </a:schemeClr>
-                      </a:solidFill>
-                      <a:prstDash val="solid"/>
-                      <a:round/>
-                      <a:headEnd type="none" w="med" len="med"/>
-                      <a:tailEnd type="none" w="med" len="med"/>
-                    </a:lnL>
-                    <a:lnR w="12700" cap="flat" cmpd="sng" algn="ctr">
-                      <a:solidFill>
-                        <a:schemeClr val="accent2">
-                          <a:lumMod val="75000"/>
-                        </a:schemeClr>
-                      </a:solidFill>
-                      <a:prstDash val="solid"/>
-                      <a:round/>
-                      <a:headEnd type="none" w="med" len="med"/>
-                      <a:tailEnd type="none" w="med" len="med"/>
-                    </a:lnR>
-                    <a:lnT w="38100" cap="flat" cmpd="sng" algn="ctr">
-                      <a:solidFill>
-                        <a:schemeClr val="accent2">
-                          <a:lumMod val="75000"/>
-                        </a:schemeClr>
-                      </a:solidFill>
-                      <a:prstDash val="solid"/>
-                      <a:round/>
-                      <a:headEnd type="none" w="med" len="med"/>
-                      <a:tailEnd type="none" w="med" len="med"/>
-                    </a:lnT>
-                    <a:lnB w="38100" cap="flat" cmpd="sng" algn="ctr">
-                      <a:solidFill>
-                        <a:schemeClr val="accent2">
-                          <a:lumMod val="75000"/>
-                        </a:schemeClr>
-                      </a:solidFill>
-                      <a:prstDash val="solid"/>
-                      <a:round/>
-                      <a:headEnd type="none" w="med" len="med"/>
-                      <a:tailEnd type="none" w="med" len="med"/>
-                    </a:lnB>
-                    <a:lnTlToBr w="12700" cmpd="sng">
-                      <a:noFill/>
-                      <a:prstDash val="solid"/>
-                    </a:lnTlToBr>
-                    <a:lnBlToTr w="12700" cmpd="sng">
-                      <a:noFill/>
-                      <a:prstDash val="solid"/>
-                    </a:lnBlToTr>
-                    <a:noFill/>
-                  </a:tcPr>
-                </a:tc>
-                <a:tc>
-                  <a:txBody>
-                    <a:bodyPr/>
-                    <a:lstStyle/>
-                    <a:p>
-                      <a:pPr marL="0" marR="0" lvl="0" indent="0" algn="ctr" defTabSz="914400" rtl="0" eaLnBrk="1" fontAlgn="auto" latinLnBrk="0" hangingPunct="1">
-                        <a:lnSpc>
-                          <a:spcPct val="100000"/>
-                        </a:lnSpc>
-                        <a:spcBef>
-                          <a:spcPts val="0"/>
-                        </a:spcBef>
-                        <a:spcAft>
-                          <a:spcPts val="0"/>
-                        </a:spcAft>
-                        <a:buClrTx/>
-                        <a:buSzTx/>
-                        <a:buFontTx/>
-                        <a:buNone/>
-                        <a:tabLst/>
-                        <a:defRPr/>
-                      </a:pPr>
-                      <a:r>
-                        <a:rPr lang="en-US" sz="1600" b="0" dirty="0">
-                          <a:latin typeface="+mn-lt"/>
-                          <a:cs typeface="Arial" panose="020B0604020202020204" pitchFamily="34" charset="0"/>
-                        </a:rPr>
-                        <a:t>Title</a:t>
-                      </a:r>
-                      <a:endParaRPr lang="en-GB" sz="1600" b="0" dirty="0">
-                        <a:latin typeface="+mn-lt"/>
-                        <a:cs typeface="Arial" panose="020B0604020202020204" pitchFamily="34" charset="0"/>
-                      </a:endParaRPr>
-                    </a:p>
-                  </a:txBody>
-                  <a:tcPr anchor="ctr">
-                    <a:lnL w="12700" cap="flat" cmpd="sng" algn="ctr">
-                      <a:solidFill>
-                        <a:schemeClr val="accent2">
-                          <a:lumMod val="75000"/>
-                        </a:schemeClr>
-                      </a:solidFill>
-                      <a:prstDash val="solid"/>
-                      <a:round/>
-                      <a:headEnd type="none" w="med" len="med"/>
-                      <a:tailEnd type="none" w="med" len="med"/>
-                    </a:lnL>
-                    <a:lnR w="12700" cap="flat" cmpd="sng" algn="ctr">
-                      <a:solidFill>
-                        <a:schemeClr val="accent2">
-                          <a:lumMod val="75000"/>
-                        </a:schemeClr>
-                      </a:solidFill>
-                      <a:prstDash val="solid"/>
-                      <a:round/>
-                      <a:headEnd type="none" w="med" len="med"/>
-                      <a:tailEnd type="none" w="med" len="med"/>
-                    </a:lnR>
-                    <a:lnT w="38100" cap="flat" cmpd="sng" algn="ctr">
-                      <a:solidFill>
-                        <a:schemeClr val="accent2">
-                          <a:lumMod val="75000"/>
-                        </a:schemeClr>
-                      </a:solidFill>
-                      <a:prstDash val="solid"/>
-                      <a:round/>
-                      <a:headEnd type="none" w="med" len="med"/>
-                      <a:tailEnd type="none" w="med" len="med"/>
-                    </a:lnT>
-                    <a:lnB w="38100" cap="flat" cmpd="sng" algn="ctr">
-                      <a:solidFill>
-                        <a:schemeClr val="accent2">
-                          <a:lumMod val="75000"/>
-                        </a:schemeClr>
-                      </a:solidFill>
-                      <a:prstDash val="solid"/>
-                      <a:round/>
-                      <a:headEnd type="none" w="med" len="med"/>
-                      <a:tailEnd type="none" w="med" len="med"/>
-                    </a:lnB>
-                    <a:lnTlToBr w="12700" cmpd="sng">
-                      <a:noFill/>
-                      <a:prstDash val="solid"/>
-                    </a:lnTlToBr>
-                    <a:lnBlToTr w="12700" cmpd="sng">
-                      <a:noFill/>
-                      <a:prstDash val="solid"/>
-                    </a:lnBlToTr>
-                    <a:noFill/>
-                  </a:tcPr>
-                </a:tc>
-                <a:tc>
-                  <a:txBody>
-                    <a:bodyPr/>
-                    <a:lstStyle/>
-                    <a:p>
-                      <a:pPr marL="0" marR="0" lvl="0" indent="0" algn="ctr" defTabSz="914400" rtl="0" eaLnBrk="1" fontAlgn="auto" latinLnBrk="0" hangingPunct="1">
-                        <a:lnSpc>
-                          <a:spcPct val="100000"/>
-                        </a:lnSpc>
-                        <a:spcBef>
-                          <a:spcPts val="0"/>
-                        </a:spcBef>
-                        <a:spcAft>
-                          <a:spcPts val="0"/>
-                        </a:spcAft>
-                        <a:buClrTx/>
-                        <a:buSzTx/>
-                        <a:buFontTx/>
-                        <a:buNone/>
-                        <a:tabLst/>
-                        <a:defRPr/>
-                      </a:pPr>
-                      <a:r>
-                        <a:rPr lang="en-US" sz="1600" b="0" dirty="0">
-                          <a:latin typeface="+mn-lt"/>
-                          <a:cs typeface="Arial" panose="020B0604020202020204" pitchFamily="34" charset="0"/>
-                        </a:rPr>
-                        <a:t>Title</a:t>
-                      </a:r>
-                      <a:endParaRPr lang="en-GB" sz="1600" b="0" dirty="0">
-                        <a:latin typeface="+mn-lt"/>
-                        <a:cs typeface="Arial" panose="020B0604020202020204" pitchFamily="34" charset="0"/>
-                      </a:endParaRPr>
-                    </a:p>
-                  </a:txBody>
-                  <a:tcPr anchor="ctr">
-                    <a:lnL w="12700" cap="flat" cmpd="sng" algn="ctr">
-                      <a:solidFill>
-                        <a:schemeClr val="accent2">
-                          <a:lumMod val="75000"/>
-                        </a:schemeClr>
-                      </a:solidFill>
-                      <a:prstDash val="solid"/>
-                      <a:round/>
-                      <a:headEnd type="none" w="med" len="med"/>
-                      <a:tailEnd type="none" w="med" len="med"/>
-                    </a:lnL>
-                    <a:lnR w="12700" cap="flat" cmpd="sng" algn="ctr">
-                      <a:noFill/>
-                      <a:prstDash val="solid"/>
-                      <a:round/>
-                      <a:headEnd type="none" w="med" len="med"/>
-                      <a:tailEnd type="none" w="med" len="med"/>
-                    </a:lnR>
-                    <a:lnT w="38100" cap="flat" cmpd="sng" algn="ctr">
-                      <a:solidFill>
-                        <a:schemeClr val="accent2">
-                          <a:lumMod val="75000"/>
-                        </a:schemeClr>
-                      </a:solidFill>
-                      <a:prstDash val="solid"/>
-                      <a:round/>
-                      <a:headEnd type="none" w="med" len="med"/>
-                      <a:tailEnd type="none" w="med" len="med"/>
-                    </a:lnT>
-                    <a:lnB w="38100" cap="flat" cmpd="sng" algn="ctr">
-                      <a:solidFill>
-                        <a:schemeClr val="accent2">
-                          <a:lumMod val="75000"/>
-                        </a:schemeClr>
-                      </a:solidFill>
-                      <a:prstDash val="solid"/>
-                      <a:round/>
-                      <a:headEnd type="none" w="med" len="med"/>
-                      <a:tailEnd type="none" w="med" len="med"/>
-                    </a:lnB>
-                    <a:lnTlToBr w="12700" cmpd="sng">
-                      <a:noFill/>
-                      <a:prstDash val="solid"/>
-                    </a:lnTlToBr>
-                    <a:lnBlToTr w="12700" cmpd="sng">
-                      <a:noFill/>
-                      <a:prstDash val="solid"/>
-                    </a:lnBlToTr>
-                    <a:noFill/>
-                  </a:tcPr>
-                </a:tc>
-                <a:extLst>
-                  <a:ext uri="{0D108BD9-81ED-4DB2-BD59-A6C34878D82A}">
-                    <a16:rowId xmlns:a16="http://schemas.microsoft.com/office/drawing/2014/main" val="3766630617"/>
-                  </a:ext>
-                </a:extLst>
-              </a:tr>
-              <a:tr h="548640">
-                <a:tc>
-                  <a:txBody>
-                    <a:bodyPr/>
-                    <a:lstStyle/>
-                    <a:p>
-                      <a:endParaRPr lang="en-GB" sz="1400" dirty="0">
-                        <a:latin typeface="+mn-lt"/>
-                      </a:endParaRPr>
-                    </a:p>
-                  </a:txBody>
-                  <a:tcPr anchor="ctr">
-                    <a:lnL w="38100" cap="flat" cmpd="sng" algn="ctr">
-                      <a:noFill/>
-                      <a:prstDash val="solid"/>
-                      <a:round/>
-                      <a:headEnd type="none" w="med" len="med"/>
-                      <a:tailEnd type="none" w="med" len="med"/>
-                    </a:lnL>
-                    <a:lnR w="12700" cap="flat" cmpd="sng" algn="ctr">
-                      <a:solidFill>
-                        <a:schemeClr val="accent2">
-                          <a:lumMod val="75000"/>
-                        </a:schemeClr>
-                      </a:solidFill>
-                      <a:prstDash val="solid"/>
-                      <a:round/>
-                      <a:headEnd type="none" w="med" len="med"/>
-                      <a:tailEnd type="none" w="med" len="med"/>
-                    </a:lnR>
-                    <a:lnT w="38100" cap="flat" cmpd="sng" algn="ctr">
-                      <a:solidFill>
-                        <a:schemeClr val="accent2">
-                          <a:lumMod val="75000"/>
-                        </a:schemeClr>
-                      </a:solidFill>
-                      <a:prstDash val="solid"/>
-                      <a:round/>
-                      <a:headEnd type="none" w="med" len="med"/>
-                      <a:tailEnd type="none" w="med" len="med"/>
-                    </a:lnT>
-                    <a:lnB w="12700" cap="flat" cmpd="sng" algn="ctr">
-                      <a:solidFill>
-                        <a:schemeClr val="accent2">
-                          <a:lumMod val="75000"/>
-                        </a:schemeClr>
-                      </a:solidFill>
-                      <a:prstDash val="solid"/>
-                      <a:round/>
-                      <a:headEnd type="none" w="med" len="med"/>
-                      <a:tailEnd type="none" w="med" len="med"/>
-                    </a:lnB>
-                    <a:noFill/>
-                  </a:tcPr>
-                </a:tc>
-                <a:tc>
-                  <a:txBody>
-                    <a:bodyPr/>
-                    <a:lstStyle/>
-                    <a:p>
-                      <a:endParaRPr lang="en-GB" sz="1400" dirty="0">
-                        <a:latin typeface="+mn-lt"/>
-                      </a:endParaRPr>
-                    </a:p>
-                  </a:txBody>
-                  <a:tcPr anchor="ctr">
-                    <a:lnL w="12700" cap="flat" cmpd="sng" algn="ctr">
-                      <a:solidFill>
-                        <a:schemeClr val="accent2">
-                          <a:lumMod val="75000"/>
-                        </a:schemeClr>
-                      </a:solidFill>
-                      <a:prstDash val="solid"/>
-                      <a:round/>
-                      <a:headEnd type="none" w="med" len="med"/>
-                      <a:tailEnd type="none" w="med" len="med"/>
-                    </a:lnL>
-                    <a:lnR w="12700" cap="flat" cmpd="sng" algn="ctr">
-                      <a:solidFill>
-                        <a:schemeClr val="accent2">
-                          <a:lumMod val="75000"/>
-                        </a:schemeClr>
-                      </a:solidFill>
-                      <a:prstDash val="solid"/>
-                      <a:round/>
-                      <a:headEnd type="none" w="med" len="med"/>
-                      <a:tailEnd type="none" w="med" len="med"/>
-                    </a:lnR>
-                    <a:lnT w="38100" cap="flat" cmpd="sng" algn="ctr">
-                      <a:solidFill>
-                        <a:schemeClr val="accent2">
-                          <a:lumMod val="75000"/>
-                        </a:schemeClr>
-                      </a:solidFill>
-                      <a:prstDash val="solid"/>
-                      <a:round/>
-                      <a:headEnd type="none" w="med" len="med"/>
-                      <a:tailEnd type="none" w="med" len="med"/>
-                    </a:lnT>
-                    <a:lnB w="12700" cap="flat" cmpd="sng" algn="ctr">
-                      <a:solidFill>
-                        <a:schemeClr val="accent2">
-                          <a:lumMod val="75000"/>
-                        </a:schemeClr>
-                      </a:solidFill>
-                      <a:prstDash val="solid"/>
-                      <a:round/>
-                      <a:headEnd type="none" w="med" len="med"/>
-                      <a:tailEnd type="none" w="med" len="med"/>
-                    </a:lnB>
-                    <a:noFill/>
-                  </a:tcPr>
-                </a:tc>
-                <a:tc>
-                  <a:txBody>
-                    <a:bodyPr/>
-                    <a:lstStyle/>
-                    <a:p>
-                      <a:endParaRPr lang="en-GB" sz="1400" dirty="0">
-                        <a:latin typeface="+mn-lt"/>
-                      </a:endParaRPr>
-                    </a:p>
-                  </a:txBody>
-                  <a:tcPr anchor="ctr">
-                    <a:lnL w="12700" cap="flat" cmpd="sng" algn="ctr">
-                      <a:solidFill>
-                        <a:schemeClr val="accent2">
-                          <a:lumMod val="75000"/>
-                        </a:schemeClr>
-                      </a:solidFill>
-                      <a:prstDash val="solid"/>
-                      <a:round/>
-                      <a:headEnd type="none" w="med" len="med"/>
-                      <a:tailEnd type="none" w="med" len="med"/>
-                    </a:lnL>
-                    <a:lnR w="12700" cap="flat" cmpd="sng" algn="ctr">
-                      <a:solidFill>
-                        <a:schemeClr val="accent2">
-                          <a:lumMod val="75000"/>
-                        </a:schemeClr>
-                      </a:solidFill>
-                      <a:prstDash val="solid"/>
-                      <a:round/>
-                      <a:headEnd type="none" w="med" len="med"/>
-                      <a:tailEnd type="none" w="med" len="med"/>
-                    </a:lnR>
-                    <a:lnT w="38100" cap="flat" cmpd="sng" algn="ctr">
-                      <a:solidFill>
-                        <a:schemeClr val="accent2">
-                          <a:lumMod val="75000"/>
-                        </a:schemeClr>
-                      </a:solidFill>
-                      <a:prstDash val="solid"/>
-                      <a:round/>
-                      <a:headEnd type="none" w="med" len="med"/>
-                      <a:tailEnd type="none" w="med" len="med"/>
-                    </a:lnT>
-                    <a:lnB w="12700" cap="flat" cmpd="sng" algn="ctr">
-                      <a:solidFill>
-                        <a:schemeClr val="accent2">
-                          <a:lumMod val="75000"/>
-                        </a:schemeClr>
-                      </a:solidFill>
-                      <a:prstDash val="solid"/>
-                      <a:round/>
-                      <a:headEnd type="none" w="med" len="med"/>
-                      <a:tailEnd type="none" w="med" len="med"/>
-                    </a:lnB>
-                    <a:noFill/>
-                  </a:tcPr>
-                </a:tc>
-                <a:tc>
-                  <a:txBody>
-                    <a:bodyPr/>
-                    <a:lstStyle/>
-                    <a:p>
-                      <a:endParaRPr lang="en-GB" sz="1400" dirty="0">
-                        <a:latin typeface="+mn-lt"/>
-                      </a:endParaRPr>
-                    </a:p>
-                  </a:txBody>
-                  <a:tcPr anchor="ctr">
-                    <a:lnL w="12700" cap="flat" cmpd="sng" algn="ctr">
-                      <a:solidFill>
-                        <a:schemeClr val="accent2">
-                          <a:lumMod val="75000"/>
-                        </a:schemeClr>
-                      </a:solidFill>
-                      <a:prstDash val="solid"/>
-                      <a:round/>
-                      <a:headEnd type="none" w="med" len="med"/>
-                      <a:tailEnd type="none" w="med" len="med"/>
-                    </a:lnL>
-                    <a:lnR w="38100" cap="flat" cmpd="sng" algn="ctr">
-                      <a:noFill/>
-                      <a:prstDash val="solid"/>
-                      <a:round/>
-                      <a:headEnd type="none" w="med" len="med"/>
-                      <a:tailEnd type="none" w="med" len="med"/>
-                    </a:lnR>
-                    <a:lnT w="38100" cap="flat" cmpd="sng" algn="ctr">
-                      <a:solidFill>
-                        <a:schemeClr val="accent2">
-                          <a:lumMod val="75000"/>
-                        </a:schemeClr>
-                      </a:solidFill>
-                      <a:prstDash val="solid"/>
-                      <a:round/>
-                      <a:headEnd type="none" w="med" len="med"/>
-                      <a:tailEnd type="none" w="med" len="med"/>
-                    </a:lnT>
-                    <a:lnB w="12700" cap="flat" cmpd="sng" algn="ctr">
-                      <a:solidFill>
-                        <a:schemeClr val="accent2">
-                          <a:lumMod val="75000"/>
-                        </a:schemeClr>
-                      </a:solidFill>
-                      <a:prstDash val="solid"/>
-                      <a:round/>
-                      <a:headEnd type="none" w="med" len="med"/>
-                      <a:tailEnd type="none" w="med" len="med"/>
-                    </a:lnB>
-                    <a:noFill/>
-                  </a:tcPr>
-                </a:tc>
-                <a:extLst>
-                  <a:ext uri="{0D108BD9-81ED-4DB2-BD59-A6C34878D82A}">
-                    <a16:rowId xmlns:a16="http://schemas.microsoft.com/office/drawing/2014/main" val="3446274366"/>
-                  </a:ext>
-                </a:extLst>
-              </a:tr>
-              <a:tr h="548640">
-                <a:tc>
-                  <a:txBody>
-                    <a:bodyPr/>
-                    <a:lstStyle/>
-                    <a:p>
-                      <a:endParaRPr lang="en-GB" sz="1400" dirty="0">
-                        <a:latin typeface="+mn-lt"/>
-                      </a:endParaRPr>
-                    </a:p>
-                  </a:txBody>
-                  <a:tcPr anchor="ctr">
-                    <a:lnL w="38100" cap="flat" cmpd="sng" algn="ctr">
-                      <a:noFill/>
-                      <a:prstDash val="solid"/>
-                      <a:round/>
-                      <a:headEnd type="none" w="med" len="med"/>
-                      <a:tailEnd type="none" w="med" len="med"/>
-                    </a:lnL>
-                    <a:lnR w="12700" cap="flat" cmpd="sng" algn="ctr">
-                      <a:solidFill>
-                        <a:schemeClr val="accent2">
-                          <a:lumMod val="75000"/>
-                        </a:schemeClr>
-                      </a:solidFill>
-                      <a:prstDash val="solid"/>
-                      <a:round/>
-                      <a:headEnd type="none" w="med" len="med"/>
-                      <a:tailEnd type="none" w="med" len="med"/>
-                    </a:lnR>
-                    <a:lnT w="12700" cap="flat" cmpd="sng" algn="ctr">
-                      <a:solidFill>
-                        <a:schemeClr val="accent2">
-                          <a:lumMod val="75000"/>
-                        </a:schemeClr>
-                      </a:solidFill>
-                      <a:prstDash val="solid"/>
-                      <a:round/>
-                      <a:headEnd type="none" w="med" len="med"/>
-                      <a:tailEnd type="none" w="med" len="med"/>
-                    </a:lnT>
-                    <a:lnB w="12700" cap="flat" cmpd="sng" algn="ctr">
-                      <a:solidFill>
-                        <a:schemeClr val="accent2">
-                          <a:lumMod val="75000"/>
-                        </a:schemeClr>
-                      </a:solidFill>
-                      <a:prstDash val="solid"/>
-                      <a:round/>
-                      <a:headEnd type="none" w="med" len="med"/>
-                      <a:tailEnd type="none" w="med" len="med"/>
-                    </a:lnB>
-                    <a:solidFill>
-                      <a:schemeClr val="accent5"/>
-                    </a:solidFill>
-                  </a:tcPr>
-                </a:tc>
-                <a:tc>
-                  <a:txBody>
-                    <a:bodyPr/>
-                    <a:lstStyle/>
-                    <a:p>
-                      <a:endParaRPr lang="en-GB" sz="1400" dirty="0">
-                        <a:latin typeface="+mn-lt"/>
-                      </a:endParaRPr>
-                    </a:p>
-                  </a:txBody>
-                  <a:tcPr anchor="ctr">
-                    <a:lnL w="12700" cap="flat" cmpd="sng" algn="ctr">
-                      <a:solidFill>
-                        <a:schemeClr val="accent2">
-                          <a:lumMod val="75000"/>
-                        </a:schemeClr>
-                      </a:solidFill>
-                      <a:prstDash val="solid"/>
-                      <a:round/>
-                      <a:headEnd type="none" w="med" len="med"/>
-                      <a:tailEnd type="none" w="med" len="med"/>
-                    </a:lnL>
-                    <a:lnR w="12700" cap="flat" cmpd="sng" algn="ctr">
-                      <a:solidFill>
-                        <a:schemeClr val="accent2">
-                          <a:lumMod val="75000"/>
-                        </a:schemeClr>
-                      </a:solidFill>
-                      <a:prstDash val="solid"/>
-                      <a:round/>
-                      <a:headEnd type="none" w="med" len="med"/>
-                      <a:tailEnd type="none" w="med" len="med"/>
-                    </a:lnR>
-                    <a:lnT w="12700" cap="flat" cmpd="sng" algn="ctr">
-                      <a:solidFill>
-                        <a:schemeClr val="accent2">
-                          <a:lumMod val="75000"/>
-                        </a:schemeClr>
-                      </a:solidFill>
-                      <a:prstDash val="solid"/>
-                      <a:round/>
-                      <a:headEnd type="none" w="med" len="med"/>
-                      <a:tailEnd type="none" w="med" len="med"/>
-                    </a:lnT>
-                    <a:lnB w="12700" cap="flat" cmpd="sng" algn="ctr">
-                      <a:solidFill>
-                        <a:schemeClr val="accent2">
-                          <a:lumMod val="75000"/>
-                        </a:schemeClr>
-                      </a:solidFill>
-                      <a:prstDash val="solid"/>
-                      <a:round/>
-                      <a:headEnd type="none" w="med" len="med"/>
-                      <a:tailEnd type="none" w="med" len="med"/>
-                    </a:lnB>
-                    <a:solidFill>
-                      <a:schemeClr val="accent5"/>
-                    </a:solidFill>
-                  </a:tcPr>
-                </a:tc>
-                <a:tc>
-                  <a:txBody>
-                    <a:bodyPr/>
-                    <a:lstStyle/>
-                    <a:p>
-                      <a:endParaRPr lang="en-GB" sz="1400" dirty="0">
-                        <a:latin typeface="+mn-lt"/>
-                      </a:endParaRPr>
-                    </a:p>
-                  </a:txBody>
-                  <a:tcPr anchor="ctr">
-                    <a:lnL w="12700" cap="flat" cmpd="sng" algn="ctr">
-                      <a:solidFill>
-                        <a:schemeClr val="accent2">
-                          <a:lumMod val="75000"/>
-                        </a:schemeClr>
-                      </a:solidFill>
-                      <a:prstDash val="solid"/>
-                      <a:round/>
-                      <a:headEnd type="none" w="med" len="med"/>
-                      <a:tailEnd type="none" w="med" len="med"/>
-                    </a:lnL>
-                    <a:lnR w="12700" cap="flat" cmpd="sng" algn="ctr">
-                      <a:solidFill>
-                        <a:schemeClr val="accent2">
-                          <a:lumMod val="75000"/>
-                        </a:schemeClr>
-                      </a:solidFill>
-                      <a:prstDash val="solid"/>
-                      <a:round/>
-                      <a:headEnd type="none" w="med" len="med"/>
-                      <a:tailEnd type="none" w="med" len="med"/>
-                    </a:lnR>
-                    <a:lnT w="12700" cap="flat" cmpd="sng" algn="ctr">
-                      <a:solidFill>
-                        <a:schemeClr val="accent2">
-                          <a:lumMod val="75000"/>
-                        </a:schemeClr>
-                      </a:solidFill>
-                      <a:prstDash val="solid"/>
-                      <a:round/>
-                      <a:headEnd type="none" w="med" len="med"/>
-                      <a:tailEnd type="none" w="med" len="med"/>
-                    </a:lnT>
-                    <a:lnB w="12700" cap="flat" cmpd="sng" algn="ctr">
-                      <a:solidFill>
-                        <a:schemeClr val="accent2">
-                          <a:lumMod val="75000"/>
-                        </a:schemeClr>
-                      </a:solidFill>
-                      <a:prstDash val="solid"/>
-                      <a:round/>
-                      <a:headEnd type="none" w="med" len="med"/>
-                      <a:tailEnd type="none" w="med" len="med"/>
-                    </a:lnB>
-                    <a:solidFill>
-                      <a:schemeClr val="accent5"/>
-                    </a:solidFill>
-                  </a:tcPr>
-                </a:tc>
-                <a:tc>
-                  <a:txBody>
-                    <a:bodyPr/>
-                    <a:lstStyle/>
-                    <a:p>
-                      <a:endParaRPr lang="en-GB" sz="1400" dirty="0">
-                        <a:latin typeface="+mn-lt"/>
-                      </a:endParaRPr>
-                    </a:p>
-                  </a:txBody>
-                  <a:tcPr anchor="ctr">
-                    <a:lnL w="12700" cap="flat" cmpd="sng" algn="ctr">
-                      <a:solidFill>
-                        <a:schemeClr val="accent2">
-                          <a:lumMod val="75000"/>
-                        </a:schemeClr>
-                      </a:solidFill>
-                      <a:prstDash val="solid"/>
-                      <a:round/>
-                      <a:headEnd type="none" w="med" len="med"/>
-                      <a:tailEnd type="none" w="med" len="med"/>
-                    </a:lnL>
-                    <a:lnR w="38100" cap="flat" cmpd="sng" algn="ctr">
-                      <a:noFill/>
-                      <a:prstDash val="solid"/>
-                      <a:round/>
-                      <a:headEnd type="none" w="med" len="med"/>
-                      <a:tailEnd type="none" w="med" len="med"/>
-                    </a:lnR>
-                    <a:lnT w="12700" cap="flat" cmpd="sng" algn="ctr">
-                      <a:solidFill>
-                        <a:schemeClr val="accent2">
-                          <a:lumMod val="75000"/>
-                        </a:schemeClr>
-                      </a:solidFill>
-                      <a:prstDash val="solid"/>
-                      <a:round/>
-                      <a:headEnd type="none" w="med" len="med"/>
-                      <a:tailEnd type="none" w="med" len="med"/>
-                    </a:lnT>
-                    <a:lnB w="12700" cap="flat" cmpd="sng" algn="ctr">
-                      <a:solidFill>
-                        <a:schemeClr val="accent2">
-                          <a:lumMod val="75000"/>
-                        </a:schemeClr>
-                      </a:solidFill>
-                      <a:prstDash val="solid"/>
-                      <a:round/>
-                      <a:headEnd type="none" w="med" len="med"/>
-                      <a:tailEnd type="none" w="med" len="med"/>
-                    </a:lnB>
-                    <a:solidFill>
-                      <a:schemeClr val="accent5"/>
-                    </a:solidFill>
-                  </a:tcPr>
-                </a:tc>
-                <a:extLst>
-                  <a:ext uri="{0D108BD9-81ED-4DB2-BD59-A6C34878D82A}">
-                    <a16:rowId xmlns:a16="http://schemas.microsoft.com/office/drawing/2014/main" val="1758271508"/>
-                  </a:ext>
-                </a:extLst>
-              </a:tr>
-              <a:tr h="548640">
-                <a:tc>
-                  <a:txBody>
-                    <a:bodyPr/>
-                    <a:lstStyle/>
-                    <a:p>
-                      <a:endParaRPr lang="en-GB" sz="1400" dirty="0">
-                        <a:latin typeface="+mn-lt"/>
-                      </a:endParaRPr>
-                    </a:p>
-                  </a:txBody>
-                  <a:tcPr anchor="ctr">
-                    <a:lnL w="38100" cap="flat" cmpd="sng" algn="ctr">
-                      <a:noFill/>
-                      <a:prstDash val="solid"/>
-                      <a:round/>
-                      <a:headEnd type="none" w="med" len="med"/>
-                      <a:tailEnd type="none" w="med" len="med"/>
-                    </a:lnL>
-                    <a:lnR w="12700" cap="flat" cmpd="sng" algn="ctr">
-                      <a:solidFill>
-                        <a:schemeClr val="accent2">
-                          <a:lumMod val="75000"/>
-                        </a:schemeClr>
-                      </a:solidFill>
-                      <a:prstDash val="solid"/>
-                      <a:round/>
-                      <a:headEnd type="none" w="med" len="med"/>
-                      <a:tailEnd type="none" w="med" len="med"/>
-                    </a:lnR>
-                    <a:lnT w="12700" cap="flat" cmpd="sng" algn="ctr">
-                      <a:solidFill>
-                        <a:schemeClr val="accent2">
-                          <a:lumMod val="75000"/>
-                        </a:schemeClr>
-                      </a:solidFill>
-                      <a:prstDash val="solid"/>
-                      <a:round/>
-                      <a:headEnd type="none" w="med" len="med"/>
-                      <a:tailEnd type="none" w="med" len="med"/>
-                    </a:lnT>
-                    <a:lnB w="12700" cap="flat" cmpd="sng" algn="ctr">
-                      <a:solidFill>
-                        <a:schemeClr val="accent2">
-                          <a:lumMod val="75000"/>
-                        </a:schemeClr>
-                      </a:solidFill>
-                      <a:prstDash val="solid"/>
-                      <a:round/>
-                      <a:headEnd type="none" w="med" len="med"/>
-                      <a:tailEnd type="none" w="med" len="med"/>
-                    </a:lnB>
-                    <a:noFill/>
-                  </a:tcPr>
-                </a:tc>
-                <a:tc>
-                  <a:txBody>
-                    <a:bodyPr/>
-                    <a:lstStyle/>
-                    <a:p>
-                      <a:endParaRPr lang="en-GB" sz="1400" dirty="0">
-                        <a:latin typeface="+mn-lt"/>
-                      </a:endParaRPr>
-                    </a:p>
-                  </a:txBody>
-                  <a:tcPr anchor="ctr">
-                    <a:lnL w="12700" cap="flat" cmpd="sng" algn="ctr">
-                      <a:solidFill>
-                        <a:schemeClr val="accent2">
-                          <a:lumMod val="75000"/>
-                        </a:schemeClr>
-                      </a:solidFill>
-                      <a:prstDash val="solid"/>
-                      <a:round/>
-                      <a:headEnd type="none" w="med" len="med"/>
-                      <a:tailEnd type="none" w="med" len="med"/>
-                    </a:lnL>
-                    <a:lnR w="12700" cap="flat" cmpd="sng" algn="ctr">
-                      <a:solidFill>
-                        <a:schemeClr val="accent2">
-                          <a:lumMod val="75000"/>
-                        </a:schemeClr>
-                      </a:solidFill>
-                      <a:prstDash val="solid"/>
-                      <a:round/>
-                      <a:headEnd type="none" w="med" len="med"/>
-                      <a:tailEnd type="none" w="med" len="med"/>
-                    </a:lnR>
-                    <a:lnT w="12700" cap="flat" cmpd="sng" algn="ctr">
-                      <a:solidFill>
-                        <a:schemeClr val="accent2">
-                          <a:lumMod val="75000"/>
-                        </a:schemeClr>
-                      </a:solidFill>
-                      <a:prstDash val="solid"/>
-                      <a:round/>
-                      <a:headEnd type="none" w="med" len="med"/>
-                      <a:tailEnd type="none" w="med" len="med"/>
-                    </a:lnT>
-                    <a:lnB w="12700" cap="flat" cmpd="sng" algn="ctr">
-                      <a:solidFill>
-                        <a:schemeClr val="accent2">
-                          <a:lumMod val="75000"/>
-                        </a:schemeClr>
-                      </a:solidFill>
-                      <a:prstDash val="solid"/>
-                      <a:round/>
-                      <a:headEnd type="none" w="med" len="med"/>
-                      <a:tailEnd type="none" w="med" len="med"/>
-                    </a:lnB>
-                    <a:noFill/>
-                  </a:tcPr>
-                </a:tc>
-                <a:tc>
-                  <a:txBody>
-                    <a:bodyPr/>
-                    <a:lstStyle/>
-                    <a:p>
-                      <a:endParaRPr lang="en-GB" sz="1400" dirty="0">
-                        <a:latin typeface="+mn-lt"/>
-                      </a:endParaRPr>
-                    </a:p>
-                  </a:txBody>
-                  <a:tcPr anchor="ctr">
-                    <a:lnL w="12700" cap="flat" cmpd="sng" algn="ctr">
-                      <a:solidFill>
-                        <a:schemeClr val="accent2">
-                          <a:lumMod val="75000"/>
-                        </a:schemeClr>
-                      </a:solidFill>
-                      <a:prstDash val="solid"/>
-                      <a:round/>
-                      <a:headEnd type="none" w="med" len="med"/>
-                      <a:tailEnd type="none" w="med" len="med"/>
-                    </a:lnL>
-                    <a:lnR w="12700" cap="flat" cmpd="sng" algn="ctr">
-                      <a:solidFill>
-                        <a:schemeClr val="accent2">
-                          <a:lumMod val="75000"/>
-                        </a:schemeClr>
-                      </a:solidFill>
-                      <a:prstDash val="solid"/>
-                      <a:round/>
-                      <a:headEnd type="none" w="med" len="med"/>
-                      <a:tailEnd type="none" w="med" len="med"/>
-                    </a:lnR>
-                    <a:lnT w="12700" cap="flat" cmpd="sng" algn="ctr">
-                      <a:solidFill>
-                        <a:schemeClr val="accent2">
-                          <a:lumMod val="75000"/>
-                        </a:schemeClr>
-                      </a:solidFill>
-                      <a:prstDash val="solid"/>
-                      <a:round/>
-                      <a:headEnd type="none" w="med" len="med"/>
-                      <a:tailEnd type="none" w="med" len="med"/>
-                    </a:lnT>
-                    <a:lnB w="12700" cap="flat" cmpd="sng" algn="ctr">
-                      <a:solidFill>
-                        <a:schemeClr val="accent2">
-                          <a:lumMod val="75000"/>
-                        </a:schemeClr>
-                      </a:solidFill>
-                      <a:prstDash val="solid"/>
-                      <a:round/>
-                      <a:headEnd type="none" w="med" len="med"/>
-                      <a:tailEnd type="none" w="med" len="med"/>
-                    </a:lnB>
-                    <a:noFill/>
-                  </a:tcPr>
-                </a:tc>
-                <a:tc>
-                  <a:txBody>
-                    <a:bodyPr/>
-                    <a:lstStyle/>
-                    <a:p>
-                      <a:endParaRPr lang="en-GB" sz="1400" dirty="0">
-                        <a:latin typeface="+mn-lt"/>
-                      </a:endParaRPr>
-                    </a:p>
-                  </a:txBody>
-                  <a:tcPr anchor="ctr">
-                    <a:lnL w="12700" cap="flat" cmpd="sng" algn="ctr">
-                      <a:solidFill>
-                        <a:schemeClr val="accent2">
-                          <a:lumMod val="75000"/>
-                        </a:schemeClr>
-                      </a:solidFill>
-                      <a:prstDash val="solid"/>
-                      <a:round/>
-                      <a:headEnd type="none" w="med" len="med"/>
-                      <a:tailEnd type="none" w="med" len="med"/>
-                    </a:lnL>
-                    <a:lnR w="38100" cap="flat" cmpd="sng" algn="ctr">
-                      <a:noFill/>
-                      <a:prstDash val="solid"/>
-                      <a:round/>
-                      <a:headEnd type="none" w="med" len="med"/>
-                      <a:tailEnd type="none" w="med" len="med"/>
-                    </a:lnR>
-                    <a:lnT w="12700" cap="flat" cmpd="sng" algn="ctr">
-                      <a:solidFill>
-                        <a:schemeClr val="accent2">
-                          <a:lumMod val="75000"/>
-                        </a:schemeClr>
-                      </a:solidFill>
-                      <a:prstDash val="solid"/>
-                      <a:round/>
-                      <a:headEnd type="none" w="med" len="med"/>
-                      <a:tailEnd type="none" w="med" len="med"/>
-                    </a:lnT>
-                    <a:lnB w="12700" cap="flat" cmpd="sng" algn="ctr">
-                      <a:solidFill>
-                        <a:schemeClr val="accent2">
-                          <a:lumMod val="75000"/>
-                        </a:schemeClr>
-                      </a:solidFill>
-                      <a:prstDash val="solid"/>
-                      <a:round/>
-                      <a:headEnd type="none" w="med" len="med"/>
-                      <a:tailEnd type="none" w="med" len="med"/>
-                    </a:lnB>
-                    <a:noFill/>
-                  </a:tcPr>
-                </a:tc>
-                <a:extLst>
-                  <a:ext uri="{0D108BD9-81ED-4DB2-BD59-A6C34878D82A}">
-                    <a16:rowId xmlns:a16="http://schemas.microsoft.com/office/drawing/2014/main" val="3736384641"/>
-                  </a:ext>
-                </a:extLst>
-              </a:tr>
-              <a:tr h="548640">
-                <a:tc>
-                  <a:txBody>
-                    <a:bodyPr/>
-                    <a:lstStyle/>
-                    <a:p>
-                      <a:endParaRPr lang="en-GB" sz="1400" dirty="0">
-                        <a:latin typeface="+mn-lt"/>
-                      </a:endParaRPr>
-                    </a:p>
-                  </a:txBody>
-                  <a:tcPr anchor="ctr">
-                    <a:lnL w="38100" cap="flat" cmpd="sng" algn="ctr">
-                      <a:noFill/>
-                      <a:prstDash val="solid"/>
-                      <a:round/>
-                      <a:headEnd type="none" w="med" len="med"/>
-                      <a:tailEnd type="none" w="med" len="med"/>
-                    </a:lnL>
-                    <a:lnR w="12700" cap="flat" cmpd="sng" algn="ctr">
-                      <a:solidFill>
-                        <a:schemeClr val="accent2">
-                          <a:lumMod val="75000"/>
-                        </a:schemeClr>
-                      </a:solidFill>
-                      <a:prstDash val="solid"/>
-                      <a:round/>
-                      <a:headEnd type="none" w="med" len="med"/>
-                      <a:tailEnd type="none" w="med" len="med"/>
-                    </a:lnR>
-                    <a:lnT w="12700" cap="flat" cmpd="sng" algn="ctr">
-                      <a:solidFill>
-                        <a:schemeClr val="accent2">
-                          <a:lumMod val="75000"/>
-                        </a:schemeClr>
-                      </a:solidFill>
-                      <a:prstDash val="solid"/>
-                      <a:round/>
-                      <a:headEnd type="none" w="med" len="med"/>
-                      <a:tailEnd type="none" w="med" len="med"/>
-                    </a:lnT>
-                    <a:lnB w="12700" cap="flat" cmpd="sng" algn="ctr">
-                      <a:solidFill>
-                        <a:schemeClr val="accent2">
-                          <a:lumMod val="75000"/>
-                        </a:schemeClr>
-                      </a:solidFill>
-                      <a:prstDash val="solid"/>
-                      <a:round/>
-                      <a:headEnd type="none" w="med" len="med"/>
-                      <a:tailEnd type="none" w="med" len="med"/>
-                    </a:lnB>
-                    <a:solidFill>
-                      <a:schemeClr val="accent5"/>
-                    </a:solidFill>
-                  </a:tcPr>
-                </a:tc>
-                <a:tc>
-                  <a:txBody>
-                    <a:bodyPr/>
-                    <a:lstStyle/>
-                    <a:p>
-                      <a:endParaRPr lang="en-GB" sz="1400" dirty="0">
-                        <a:latin typeface="+mn-lt"/>
-                      </a:endParaRPr>
-                    </a:p>
-                  </a:txBody>
-                  <a:tcPr anchor="ctr">
-                    <a:lnL w="12700" cap="flat" cmpd="sng" algn="ctr">
-                      <a:solidFill>
-                        <a:schemeClr val="accent2">
-                          <a:lumMod val="75000"/>
-                        </a:schemeClr>
-                      </a:solidFill>
-                      <a:prstDash val="solid"/>
-                      <a:round/>
-                      <a:headEnd type="none" w="med" len="med"/>
-                      <a:tailEnd type="none" w="med" len="med"/>
-                    </a:lnL>
-                    <a:lnR w="12700" cap="flat" cmpd="sng" algn="ctr">
-                      <a:solidFill>
-                        <a:schemeClr val="accent2">
-                          <a:lumMod val="75000"/>
-                        </a:schemeClr>
-                      </a:solidFill>
-                      <a:prstDash val="solid"/>
-                      <a:round/>
-                      <a:headEnd type="none" w="med" len="med"/>
-                      <a:tailEnd type="none" w="med" len="med"/>
-                    </a:lnR>
-                    <a:lnT w="12700" cap="flat" cmpd="sng" algn="ctr">
-                      <a:solidFill>
-                        <a:schemeClr val="accent2">
-                          <a:lumMod val="75000"/>
-                        </a:schemeClr>
-                      </a:solidFill>
-                      <a:prstDash val="solid"/>
-                      <a:round/>
-                      <a:headEnd type="none" w="med" len="med"/>
-                      <a:tailEnd type="none" w="med" len="med"/>
-                    </a:lnT>
-                    <a:lnB w="12700" cap="flat" cmpd="sng" algn="ctr">
-                      <a:solidFill>
-                        <a:schemeClr val="accent2">
-                          <a:lumMod val="75000"/>
-                        </a:schemeClr>
-                      </a:solidFill>
-                      <a:prstDash val="solid"/>
-                      <a:round/>
-                      <a:headEnd type="none" w="med" len="med"/>
-                      <a:tailEnd type="none" w="med" len="med"/>
-                    </a:lnB>
-                    <a:solidFill>
-                      <a:schemeClr val="accent5"/>
-                    </a:solidFill>
-                  </a:tcPr>
-                </a:tc>
-                <a:tc>
-                  <a:txBody>
-                    <a:bodyPr/>
-                    <a:lstStyle/>
-                    <a:p>
-                      <a:endParaRPr lang="en-GB" sz="1400" dirty="0">
-                        <a:latin typeface="+mn-lt"/>
-                      </a:endParaRPr>
-                    </a:p>
-                  </a:txBody>
-                  <a:tcPr anchor="ctr">
-                    <a:lnL w="12700" cap="flat" cmpd="sng" algn="ctr">
-                      <a:solidFill>
-                        <a:schemeClr val="accent2">
-                          <a:lumMod val="75000"/>
-                        </a:schemeClr>
-                      </a:solidFill>
-                      <a:prstDash val="solid"/>
-                      <a:round/>
-                      <a:headEnd type="none" w="med" len="med"/>
-                      <a:tailEnd type="none" w="med" len="med"/>
-                    </a:lnL>
-                    <a:lnR w="12700" cap="flat" cmpd="sng" algn="ctr">
-                      <a:solidFill>
-                        <a:schemeClr val="accent2">
-                          <a:lumMod val="75000"/>
-                        </a:schemeClr>
-                      </a:solidFill>
-                      <a:prstDash val="solid"/>
-                      <a:round/>
-                      <a:headEnd type="none" w="med" len="med"/>
-                      <a:tailEnd type="none" w="med" len="med"/>
-                    </a:lnR>
-                    <a:lnT w="12700" cap="flat" cmpd="sng" algn="ctr">
-                      <a:solidFill>
-                        <a:schemeClr val="accent2">
-                          <a:lumMod val="75000"/>
-                        </a:schemeClr>
-                      </a:solidFill>
-                      <a:prstDash val="solid"/>
-                      <a:round/>
-                      <a:headEnd type="none" w="med" len="med"/>
-                      <a:tailEnd type="none" w="med" len="med"/>
-                    </a:lnT>
-                    <a:lnB w="12700" cap="flat" cmpd="sng" algn="ctr">
-                      <a:solidFill>
-                        <a:schemeClr val="accent2">
-                          <a:lumMod val="75000"/>
-                        </a:schemeClr>
-                      </a:solidFill>
-                      <a:prstDash val="solid"/>
-                      <a:round/>
-                      <a:headEnd type="none" w="med" len="med"/>
-                      <a:tailEnd type="none" w="med" len="med"/>
-                    </a:lnB>
-                    <a:solidFill>
-                      <a:schemeClr val="accent5"/>
-                    </a:solidFill>
-                  </a:tcPr>
-                </a:tc>
-                <a:tc>
-                  <a:txBody>
-                    <a:bodyPr/>
-                    <a:lstStyle/>
-                    <a:p>
-                      <a:endParaRPr lang="en-GB" sz="1400" dirty="0">
-                        <a:latin typeface="+mn-lt"/>
-                      </a:endParaRPr>
-                    </a:p>
-                  </a:txBody>
-                  <a:tcPr anchor="ctr">
-                    <a:lnL w="12700" cap="flat" cmpd="sng" algn="ctr">
-                      <a:solidFill>
-                        <a:schemeClr val="accent2">
-                          <a:lumMod val="75000"/>
-                        </a:schemeClr>
-                      </a:solidFill>
-                      <a:prstDash val="solid"/>
-                      <a:round/>
-                      <a:headEnd type="none" w="med" len="med"/>
-                      <a:tailEnd type="none" w="med" len="med"/>
-                    </a:lnL>
-                    <a:lnR w="38100" cap="flat" cmpd="sng" algn="ctr">
-                      <a:noFill/>
-                      <a:prstDash val="solid"/>
-                      <a:round/>
-                      <a:headEnd type="none" w="med" len="med"/>
-                      <a:tailEnd type="none" w="med" len="med"/>
-                    </a:lnR>
-                    <a:lnT w="12700" cap="flat" cmpd="sng" algn="ctr">
-                      <a:solidFill>
-                        <a:schemeClr val="accent2">
-                          <a:lumMod val="75000"/>
-                        </a:schemeClr>
-                      </a:solidFill>
-                      <a:prstDash val="solid"/>
-                      <a:round/>
-                      <a:headEnd type="none" w="med" len="med"/>
-                      <a:tailEnd type="none" w="med" len="med"/>
-                    </a:lnT>
-                    <a:lnB w="12700" cap="flat" cmpd="sng" algn="ctr">
-                      <a:solidFill>
-                        <a:schemeClr val="accent2">
-                          <a:lumMod val="75000"/>
-                        </a:schemeClr>
-                      </a:solidFill>
-                      <a:prstDash val="solid"/>
-                      <a:round/>
-                      <a:headEnd type="none" w="med" len="med"/>
-                      <a:tailEnd type="none" w="med" len="med"/>
-                    </a:lnB>
-                    <a:solidFill>
-                      <a:schemeClr val="accent5"/>
-                    </a:solidFill>
-                  </a:tcPr>
-                </a:tc>
-                <a:extLst>
-                  <a:ext uri="{0D108BD9-81ED-4DB2-BD59-A6C34878D82A}">
-                    <a16:rowId xmlns:a16="http://schemas.microsoft.com/office/drawing/2014/main" val="3090935587"/>
-                  </a:ext>
-                </a:extLst>
-              </a:tr>
-              <a:tr h="548640">
-                <a:tc>
-                  <a:txBody>
-                    <a:bodyPr/>
-                    <a:lstStyle/>
-                    <a:p>
-                      <a:endParaRPr lang="en-GB" sz="1400" dirty="0">
-                        <a:latin typeface="+mn-lt"/>
-                      </a:endParaRPr>
-                    </a:p>
-                  </a:txBody>
-                  <a:tcPr anchor="ctr">
-                    <a:lnL w="38100" cap="flat" cmpd="sng" algn="ctr">
-                      <a:noFill/>
-                      <a:prstDash val="solid"/>
-                      <a:round/>
-                      <a:headEnd type="none" w="med" len="med"/>
-                      <a:tailEnd type="none" w="med" len="med"/>
-                    </a:lnL>
-                    <a:lnR w="12700" cap="flat" cmpd="sng" algn="ctr">
-                      <a:solidFill>
-                        <a:schemeClr val="accent2">
-                          <a:lumMod val="75000"/>
-                        </a:schemeClr>
-                      </a:solidFill>
-                      <a:prstDash val="solid"/>
-                      <a:round/>
-                      <a:headEnd type="none" w="med" len="med"/>
-                      <a:tailEnd type="none" w="med" len="med"/>
-                    </a:lnR>
-                    <a:lnT w="12700" cap="flat" cmpd="sng" algn="ctr">
-                      <a:solidFill>
-                        <a:schemeClr val="accent2">
-                          <a:lumMod val="75000"/>
-                        </a:schemeClr>
-                      </a:solidFill>
-                      <a:prstDash val="solid"/>
-                      <a:round/>
-                      <a:headEnd type="none" w="med" len="med"/>
-                      <a:tailEnd type="none" w="med" len="med"/>
-                    </a:lnT>
-                    <a:lnB w="12700" cap="flat" cmpd="sng" algn="ctr">
-                      <a:solidFill>
-                        <a:schemeClr val="accent2">
-                          <a:lumMod val="75000"/>
-                        </a:schemeClr>
-                      </a:solidFill>
-                      <a:prstDash val="solid"/>
-                      <a:round/>
-                      <a:headEnd type="none" w="med" len="med"/>
-                      <a:tailEnd type="none" w="med" len="med"/>
-                    </a:lnB>
-                    <a:noFill/>
-                  </a:tcPr>
-                </a:tc>
-                <a:tc>
-                  <a:txBody>
-                    <a:bodyPr/>
-                    <a:lstStyle/>
-                    <a:p>
-                      <a:endParaRPr lang="en-GB" sz="1400" dirty="0">
-                        <a:latin typeface="+mn-lt"/>
-                      </a:endParaRPr>
-                    </a:p>
-                  </a:txBody>
-                  <a:tcPr anchor="ctr">
-                    <a:lnL w="12700" cap="flat" cmpd="sng" algn="ctr">
-                      <a:solidFill>
-                        <a:schemeClr val="accent2">
-                          <a:lumMod val="75000"/>
-                        </a:schemeClr>
-                      </a:solidFill>
-                      <a:prstDash val="solid"/>
-                      <a:round/>
-                      <a:headEnd type="none" w="med" len="med"/>
-                      <a:tailEnd type="none" w="med" len="med"/>
-                    </a:lnL>
-                    <a:lnR w="12700" cap="flat" cmpd="sng" algn="ctr">
-                      <a:solidFill>
-                        <a:schemeClr val="accent2">
-                          <a:lumMod val="75000"/>
-                        </a:schemeClr>
-                      </a:solidFill>
-                      <a:prstDash val="solid"/>
-                      <a:round/>
-                      <a:headEnd type="none" w="med" len="med"/>
-                      <a:tailEnd type="none" w="med" len="med"/>
-                    </a:lnR>
-                    <a:lnT w="12700" cap="flat" cmpd="sng" algn="ctr">
-                      <a:solidFill>
-                        <a:schemeClr val="accent2">
-                          <a:lumMod val="75000"/>
-                        </a:schemeClr>
-                      </a:solidFill>
-                      <a:prstDash val="solid"/>
-                      <a:round/>
-                      <a:headEnd type="none" w="med" len="med"/>
-                      <a:tailEnd type="none" w="med" len="med"/>
-                    </a:lnT>
-                    <a:lnB w="12700" cap="flat" cmpd="sng" algn="ctr">
-                      <a:solidFill>
-                        <a:schemeClr val="accent2">
-                          <a:lumMod val="75000"/>
-                        </a:schemeClr>
-                      </a:solidFill>
-                      <a:prstDash val="solid"/>
-                      <a:round/>
-                      <a:headEnd type="none" w="med" len="med"/>
-                      <a:tailEnd type="none" w="med" len="med"/>
-                    </a:lnB>
-                    <a:noFill/>
-                  </a:tcPr>
-                </a:tc>
-                <a:tc>
-                  <a:txBody>
-                    <a:bodyPr/>
-                    <a:lstStyle/>
-                    <a:p>
-                      <a:endParaRPr lang="en-GB" sz="1400" dirty="0">
-                        <a:latin typeface="+mn-lt"/>
-                      </a:endParaRPr>
-                    </a:p>
-                  </a:txBody>
-                  <a:tcPr anchor="ctr">
-                    <a:lnL w="12700" cap="flat" cmpd="sng" algn="ctr">
-                      <a:solidFill>
-                        <a:schemeClr val="accent2">
-                          <a:lumMod val="75000"/>
-                        </a:schemeClr>
-                      </a:solidFill>
-                      <a:prstDash val="solid"/>
-                      <a:round/>
-                      <a:headEnd type="none" w="med" len="med"/>
-                      <a:tailEnd type="none" w="med" len="med"/>
-                    </a:lnL>
-                    <a:lnR w="12700" cap="flat" cmpd="sng" algn="ctr">
-                      <a:solidFill>
-                        <a:schemeClr val="accent2">
-                          <a:lumMod val="75000"/>
-                        </a:schemeClr>
-                      </a:solidFill>
-                      <a:prstDash val="solid"/>
-                      <a:round/>
-                      <a:headEnd type="none" w="med" len="med"/>
-                      <a:tailEnd type="none" w="med" len="med"/>
-                    </a:lnR>
-                    <a:lnT w="12700" cap="flat" cmpd="sng" algn="ctr">
-                      <a:solidFill>
-                        <a:schemeClr val="accent2">
-                          <a:lumMod val="75000"/>
-                        </a:schemeClr>
-                      </a:solidFill>
-                      <a:prstDash val="solid"/>
-                      <a:round/>
-                      <a:headEnd type="none" w="med" len="med"/>
-                      <a:tailEnd type="none" w="med" len="med"/>
-                    </a:lnT>
-                    <a:lnB w="12700" cap="flat" cmpd="sng" algn="ctr">
-                      <a:solidFill>
-                        <a:schemeClr val="accent2">
-                          <a:lumMod val="75000"/>
-                        </a:schemeClr>
-                      </a:solidFill>
-                      <a:prstDash val="solid"/>
-                      <a:round/>
-                      <a:headEnd type="none" w="med" len="med"/>
-                      <a:tailEnd type="none" w="med" len="med"/>
-                    </a:lnB>
-                    <a:noFill/>
-                  </a:tcPr>
-                </a:tc>
-                <a:tc>
-                  <a:txBody>
-                    <a:bodyPr/>
-                    <a:lstStyle/>
-                    <a:p>
-                      <a:endParaRPr lang="en-GB" sz="1400" dirty="0">
-                        <a:latin typeface="+mn-lt"/>
-                      </a:endParaRPr>
-                    </a:p>
-                  </a:txBody>
-                  <a:tcPr anchor="ctr">
-                    <a:lnL w="12700" cap="flat" cmpd="sng" algn="ctr">
-                      <a:solidFill>
-                        <a:schemeClr val="accent2">
-                          <a:lumMod val="75000"/>
-                        </a:schemeClr>
-                      </a:solidFill>
-                      <a:prstDash val="solid"/>
-                      <a:round/>
-                      <a:headEnd type="none" w="med" len="med"/>
-                      <a:tailEnd type="none" w="med" len="med"/>
-                    </a:lnL>
-                    <a:lnR w="38100" cap="flat" cmpd="sng" algn="ctr">
-                      <a:noFill/>
-                      <a:prstDash val="solid"/>
-                      <a:round/>
-                      <a:headEnd type="none" w="med" len="med"/>
-                      <a:tailEnd type="none" w="med" len="med"/>
-                    </a:lnR>
-                    <a:lnT w="12700" cap="flat" cmpd="sng" algn="ctr">
-                      <a:solidFill>
-                        <a:schemeClr val="accent2">
-                          <a:lumMod val="75000"/>
-                        </a:schemeClr>
-                      </a:solidFill>
-                      <a:prstDash val="solid"/>
-                      <a:round/>
-                      <a:headEnd type="none" w="med" len="med"/>
-                      <a:tailEnd type="none" w="med" len="med"/>
-                    </a:lnT>
-                    <a:lnB w="12700" cap="flat" cmpd="sng" algn="ctr">
-                      <a:solidFill>
-                        <a:schemeClr val="accent2">
-                          <a:lumMod val="75000"/>
-                        </a:schemeClr>
-                      </a:solidFill>
-                      <a:prstDash val="solid"/>
-                      <a:round/>
-                      <a:headEnd type="none" w="med" len="med"/>
-                      <a:tailEnd type="none" w="med" len="med"/>
-                    </a:lnB>
-                    <a:noFill/>
-                  </a:tcPr>
-                </a:tc>
-                <a:extLst>
-                  <a:ext uri="{0D108BD9-81ED-4DB2-BD59-A6C34878D82A}">
-                    <a16:rowId xmlns:a16="http://schemas.microsoft.com/office/drawing/2014/main" val="446909641"/>
-                  </a:ext>
-                </a:extLst>
-              </a:tr>
-              <a:tr h="548640">
-                <a:tc>
-                  <a:txBody>
-                    <a:bodyPr/>
-                    <a:lstStyle/>
-                    <a:p>
-                      <a:endParaRPr lang="en-GB" sz="1400" dirty="0">
-                        <a:latin typeface="+mn-lt"/>
-                      </a:endParaRPr>
-                    </a:p>
-                  </a:txBody>
-                  <a:tcPr anchor="ctr">
-                    <a:lnL w="38100" cap="flat" cmpd="sng" algn="ctr">
-                      <a:noFill/>
-                      <a:prstDash val="solid"/>
-                      <a:round/>
-                      <a:headEnd type="none" w="med" len="med"/>
-                      <a:tailEnd type="none" w="med" len="med"/>
-                    </a:lnL>
-                    <a:lnR w="12700" cap="flat" cmpd="sng" algn="ctr">
-                      <a:solidFill>
-                        <a:schemeClr val="accent2">
-                          <a:lumMod val="75000"/>
-                        </a:schemeClr>
-                      </a:solidFill>
-                      <a:prstDash val="solid"/>
-                      <a:round/>
-                      <a:headEnd type="none" w="med" len="med"/>
-                      <a:tailEnd type="none" w="med" len="med"/>
-                    </a:lnR>
-                    <a:lnT w="12700" cap="flat" cmpd="sng" algn="ctr">
-                      <a:solidFill>
-                        <a:schemeClr val="accent2">
-                          <a:lumMod val="75000"/>
-                        </a:schemeClr>
-                      </a:solidFill>
-                      <a:prstDash val="solid"/>
-                      <a:round/>
-                      <a:headEnd type="none" w="med" len="med"/>
-                      <a:tailEnd type="none" w="med" len="med"/>
-                    </a:lnT>
-                    <a:lnB w="12700" cap="flat" cmpd="sng" algn="ctr">
-                      <a:solidFill>
-                        <a:schemeClr val="accent2">
-                          <a:lumMod val="75000"/>
-                        </a:schemeClr>
-                      </a:solidFill>
-                      <a:prstDash val="solid"/>
-                      <a:round/>
-                      <a:headEnd type="none" w="med" len="med"/>
-                      <a:tailEnd type="none" w="med" len="med"/>
-                    </a:lnB>
-                    <a:solidFill>
-                      <a:schemeClr val="accent5"/>
-                    </a:solidFill>
-                  </a:tcPr>
-                </a:tc>
-                <a:tc>
-                  <a:txBody>
-                    <a:bodyPr/>
-                    <a:lstStyle/>
-                    <a:p>
-                      <a:endParaRPr lang="en-GB" sz="1400" dirty="0">
-                        <a:latin typeface="+mn-lt"/>
-                      </a:endParaRPr>
-                    </a:p>
-                  </a:txBody>
-                  <a:tcPr anchor="ctr">
-                    <a:lnL w="12700" cap="flat" cmpd="sng" algn="ctr">
-                      <a:solidFill>
-                        <a:schemeClr val="accent2">
-                          <a:lumMod val="75000"/>
-                        </a:schemeClr>
-                      </a:solidFill>
-                      <a:prstDash val="solid"/>
-                      <a:round/>
-                      <a:headEnd type="none" w="med" len="med"/>
-                      <a:tailEnd type="none" w="med" len="med"/>
-                    </a:lnL>
-                    <a:lnR w="12700" cap="flat" cmpd="sng" algn="ctr">
-                      <a:solidFill>
-                        <a:schemeClr val="accent2">
-                          <a:lumMod val="75000"/>
-                        </a:schemeClr>
-                      </a:solidFill>
-                      <a:prstDash val="solid"/>
-                      <a:round/>
-                      <a:headEnd type="none" w="med" len="med"/>
-                      <a:tailEnd type="none" w="med" len="med"/>
-                    </a:lnR>
-                    <a:lnT w="12700" cap="flat" cmpd="sng" algn="ctr">
-                      <a:solidFill>
-                        <a:schemeClr val="accent2">
-                          <a:lumMod val="75000"/>
-                        </a:schemeClr>
-                      </a:solidFill>
-                      <a:prstDash val="solid"/>
-                      <a:round/>
-                      <a:headEnd type="none" w="med" len="med"/>
-                      <a:tailEnd type="none" w="med" len="med"/>
-                    </a:lnT>
-                    <a:lnB w="12700" cap="flat" cmpd="sng" algn="ctr">
-                      <a:solidFill>
-                        <a:schemeClr val="accent2">
-                          <a:lumMod val="75000"/>
-                        </a:schemeClr>
-                      </a:solidFill>
-                      <a:prstDash val="solid"/>
-                      <a:round/>
-                      <a:headEnd type="none" w="med" len="med"/>
-                      <a:tailEnd type="none" w="med" len="med"/>
-                    </a:lnB>
-                    <a:solidFill>
-                      <a:schemeClr val="accent5"/>
-                    </a:solidFill>
-                  </a:tcPr>
-                </a:tc>
-                <a:tc>
-                  <a:txBody>
-                    <a:bodyPr/>
-                    <a:lstStyle/>
-                    <a:p>
-                      <a:endParaRPr lang="en-GB" sz="1400" dirty="0">
-                        <a:latin typeface="+mn-lt"/>
-                      </a:endParaRPr>
-                    </a:p>
-                  </a:txBody>
-                  <a:tcPr anchor="ctr">
-                    <a:lnL w="12700" cap="flat" cmpd="sng" algn="ctr">
-                      <a:solidFill>
-                        <a:schemeClr val="accent2">
-                          <a:lumMod val="75000"/>
-                        </a:schemeClr>
-                      </a:solidFill>
-                      <a:prstDash val="solid"/>
-                      <a:round/>
-                      <a:headEnd type="none" w="med" len="med"/>
-                      <a:tailEnd type="none" w="med" len="med"/>
-                    </a:lnL>
-                    <a:lnR w="12700" cap="flat" cmpd="sng" algn="ctr">
-                      <a:solidFill>
-                        <a:schemeClr val="accent2">
-                          <a:lumMod val="75000"/>
-                        </a:schemeClr>
-                      </a:solidFill>
-                      <a:prstDash val="solid"/>
-                      <a:round/>
-                      <a:headEnd type="none" w="med" len="med"/>
-                      <a:tailEnd type="none" w="med" len="med"/>
-                    </a:lnR>
-                    <a:lnT w="12700" cap="flat" cmpd="sng" algn="ctr">
-                      <a:solidFill>
-                        <a:schemeClr val="accent2">
-                          <a:lumMod val="75000"/>
-                        </a:schemeClr>
-                      </a:solidFill>
-                      <a:prstDash val="solid"/>
-                      <a:round/>
-                      <a:headEnd type="none" w="med" len="med"/>
-                      <a:tailEnd type="none" w="med" len="med"/>
-                    </a:lnT>
-                    <a:lnB w="12700" cap="flat" cmpd="sng" algn="ctr">
-                      <a:solidFill>
-                        <a:schemeClr val="accent2">
-                          <a:lumMod val="75000"/>
-                        </a:schemeClr>
-                      </a:solidFill>
-                      <a:prstDash val="solid"/>
-                      <a:round/>
-                      <a:headEnd type="none" w="med" len="med"/>
-                      <a:tailEnd type="none" w="med" len="med"/>
-                    </a:lnB>
-                    <a:solidFill>
-                      <a:schemeClr val="accent5"/>
-                    </a:solidFill>
-                  </a:tcPr>
-                </a:tc>
-                <a:tc>
-                  <a:txBody>
-                    <a:bodyPr/>
-                    <a:lstStyle/>
-                    <a:p>
-                      <a:endParaRPr lang="en-GB" sz="1400" dirty="0">
-                        <a:latin typeface="+mn-lt"/>
-                      </a:endParaRPr>
-                    </a:p>
-                  </a:txBody>
-                  <a:tcPr anchor="ctr">
-                    <a:lnL w="12700" cap="flat" cmpd="sng" algn="ctr">
-                      <a:solidFill>
-                        <a:schemeClr val="accent2">
-                          <a:lumMod val="75000"/>
-                        </a:schemeClr>
-                      </a:solidFill>
-                      <a:prstDash val="solid"/>
-                      <a:round/>
-                      <a:headEnd type="none" w="med" len="med"/>
-                      <a:tailEnd type="none" w="med" len="med"/>
-                    </a:lnL>
-                    <a:lnR w="38100" cap="flat" cmpd="sng" algn="ctr">
-                      <a:noFill/>
-                      <a:prstDash val="solid"/>
-                      <a:round/>
-                      <a:headEnd type="none" w="med" len="med"/>
-                      <a:tailEnd type="none" w="med" len="med"/>
-                    </a:lnR>
-                    <a:lnT w="12700" cap="flat" cmpd="sng" algn="ctr">
-                      <a:solidFill>
-                        <a:schemeClr val="accent2">
-                          <a:lumMod val="75000"/>
-                        </a:schemeClr>
-                      </a:solidFill>
-                      <a:prstDash val="solid"/>
-                      <a:round/>
-                      <a:headEnd type="none" w="med" len="med"/>
-                      <a:tailEnd type="none" w="med" len="med"/>
-                    </a:lnT>
-                    <a:lnB w="12700" cap="flat" cmpd="sng" algn="ctr">
-                      <a:solidFill>
-                        <a:schemeClr val="accent2">
-                          <a:lumMod val="75000"/>
-                        </a:schemeClr>
-                      </a:solidFill>
-                      <a:prstDash val="solid"/>
-                      <a:round/>
-                      <a:headEnd type="none" w="med" len="med"/>
-                      <a:tailEnd type="none" w="med" len="med"/>
-                    </a:lnB>
-                    <a:solidFill>
-                      <a:schemeClr val="accent5"/>
-                    </a:solidFill>
-                  </a:tcPr>
-                </a:tc>
-                <a:extLst>
-                  <a:ext uri="{0D108BD9-81ED-4DB2-BD59-A6C34878D82A}">
-                    <a16:rowId xmlns:a16="http://schemas.microsoft.com/office/drawing/2014/main" val="3472044516"/>
-                  </a:ext>
-                </a:extLst>
-              </a:tr>
-            </a:tbl>
-          </a:graphicData>
-        </a:graphic>
-      </p:graphicFrame>
-      <p:sp>
-        <p:nvSpPr>
-          <p:cNvPr id="2" name="Slide Number Placeholder 1">
-            <a:extLst>
-              <a:ext uri="{FF2B5EF4-FFF2-40B4-BE49-F238E27FC236}">
-                <a16:creationId xmlns:a16="http://schemas.microsoft.com/office/drawing/2014/main" id="{E4398C1C-6656-4A73-A680-62A81CDC27FD}"/>
-              </a:ext>
-            </a:extLst>
-          </p:cNvPr>
-          <p:cNvSpPr>
-            <a:spLocks noGrp="1"/>
-          </p:cNvSpPr>
-          <p:nvPr>
-            <p:ph type="sldNum" sz="quarter" idx="12"/>
-          </p:nvPr>
-        </p:nvSpPr>
-        <p:spPr/>
-        <p:txBody>
-          <a:bodyPr/>
-          <a:lstStyle/>
-          <a:p>
-            <a:fld id="{C263D6C4-4840-40CC-AC84-17E24B3B7BDE}" type="slidenum">
-              <a:rPr lang="en-US" smtClean="0"/>
-              <a:pPr/>
-              <a:t>12</a:t>
-            </a:fld>
-            <a:endParaRPr lang="en-US" dirty="0"/>
-          </a:p>
-        </p:txBody>
-      </p:sp>
-    </p:spTree>
-    <p:extLst>
-      <p:ext uri="{BB962C8B-B14F-4D97-AF65-F5344CB8AC3E}">
-        <p14:creationId xmlns:p14="http://schemas.microsoft.com/office/powerpoint/2010/main" val="1065425595"/>
-      </p:ext>
-    </p:extLst>
-  </p:cSld>
-  <p:clrMapOvr>
-    <a:masterClrMapping/>
-  </p:clrMapOvr>
-  <mc:AlternateContent xmlns:mc="http://schemas.openxmlformats.org/markup-compatibility/2006" xmlns:p14="http://schemas.microsoft.com/office/powerpoint/2010/main">
-    <mc:Choice Requires="p14">
-      <p:transition spd="med" p14:dur="700">
-        <p:fade/>
-      </p:transition>
-    </mc:Choice>
-    <mc:Fallback xmlns="">
-      <p:transition spd="med">
-        <p:fade/>
-      </p:transition>
-    </mc:Fallback>
-  </mc:AlternateContent>
-</p:sld>
-</file>
-
-<file path=ppt/slides/slide13.xml><?xml version="1.0" encoding="utf-8"?>
-<p:sld xmlns:a="http://schemas.openxmlformats.org/drawingml/2006/main" xmlns:r="http://schemas.openxmlformats.org/officeDocument/2006/relationships" xmlns:p="http://schemas.openxmlformats.org/presentationml/2006/main">
-  <p:cSld>
-    <p:spTree>
-      <p:nvGrpSpPr>
-        <p:cNvPr id="1" name=""/>
-        <p:cNvGrpSpPr/>
-        <p:nvPr/>
-      </p:nvGrpSpPr>
-      <p:grpSpPr>
-        <a:xfrm>
-          <a:off x="0" y="0"/>
-          <a:ext cx="0" cy="0"/>
-          <a:chOff x="0" y="0"/>
-          <a:chExt cx="0" cy="0"/>
-        </a:xfrm>
-      </p:grpSpPr>
-      <p:sp>
-        <p:nvSpPr>
-          <p:cNvPr id="5" name="Title 4">
-            <a:extLst>
-              <a:ext uri="{FF2B5EF4-FFF2-40B4-BE49-F238E27FC236}">
-                <a16:creationId xmlns:a16="http://schemas.microsoft.com/office/drawing/2014/main" id="{201323FB-427E-4A8D-B473-AB0657D8D23B}"/>
-              </a:ext>
-            </a:extLst>
-          </p:cNvPr>
-          <p:cNvSpPr>
-            <a:spLocks noGrp="1"/>
-          </p:cNvSpPr>
-          <p:nvPr>
-            <p:ph type="title"/>
-          </p:nvPr>
-        </p:nvSpPr>
-        <p:spPr/>
-        <p:txBody>
-          <a:bodyPr/>
-          <a:lstStyle/>
-          <a:p>
-            <a:r>
-              <a:rPr lang="en-US" dirty="0"/>
-              <a:t>Chart</a:t>
-            </a:r>
-          </a:p>
-        </p:txBody>
-      </p:sp>
-      <p:graphicFrame>
-        <p:nvGraphicFramePr>
-          <p:cNvPr id="7" name="Chart 6" title="Gross Revenue Placeholder Chart">
-            <a:extLst>
-              <a:ext uri="{FF2B5EF4-FFF2-40B4-BE49-F238E27FC236}">
-                <a16:creationId xmlns:a16="http://schemas.microsoft.com/office/drawing/2014/main" id="{19AEAA04-4840-FB41-B910-5F3570D85F0A}"/>
-              </a:ext>
-            </a:extLst>
-          </p:cNvPr>
-          <p:cNvGraphicFramePr/>
-          <p:nvPr>
-            <p:extLst>
-              <p:ext uri="{D42A27DB-BD31-4B8C-83A1-F6EECF244321}">
-                <p14:modId xmlns:p14="http://schemas.microsoft.com/office/powerpoint/2010/main" val="654825679"/>
-              </p:ext>
-            </p:extLst>
-          </p:nvPr>
-        </p:nvGraphicFramePr>
-        <p:xfrm>
-          <a:off x="1250950" y="1712075"/>
-          <a:ext cx="9690100" cy="4444199"/>
-        </p:xfrm>
-        <a:graphic>
-          <a:graphicData uri="http://schemas.openxmlformats.org/drawingml/2006/chart">
-            <c:chart xmlns:c="http://schemas.openxmlformats.org/drawingml/2006/chart" xmlns:r="http://schemas.openxmlformats.org/officeDocument/2006/relationships" r:id="rId2"/>
-          </a:graphicData>
-        </a:graphic>
-      </p:graphicFrame>
-      <p:sp>
-        <p:nvSpPr>
-          <p:cNvPr id="2" name="Slide Number Placeholder 1">
-            <a:extLst>
-              <a:ext uri="{FF2B5EF4-FFF2-40B4-BE49-F238E27FC236}">
-                <a16:creationId xmlns:a16="http://schemas.microsoft.com/office/drawing/2014/main" id="{E4398C1C-6656-4A73-A680-62A81CDC27FD}"/>
-              </a:ext>
-            </a:extLst>
-          </p:cNvPr>
-          <p:cNvSpPr>
-            <a:spLocks noGrp="1"/>
-          </p:cNvSpPr>
-          <p:nvPr>
-            <p:ph type="sldNum" sz="quarter" idx="12"/>
-          </p:nvPr>
-        </p:nvSpPr>
-        <p:spPr/>
-        <p:txBody>
-          <a:bodyPr/>
-          <a:lstStyle/>
-          <a:p>
-            <a:fld id="{C263D6C4-4840-40CC-AC84-17E24B3B7BDE}" type="slidenum">
-              <a:rPr lang="en-US" smtClean="0"/>
-              <a:pPr/>
-              <a:t>13</a:t>
-            </a:fld>
-            <a:endParaRPr lang="en-US" dirty="0"/>
-          </a:p>
-        </p:txBody>
-      </p:sp>
-    </p:spTree>
-    <p:extLst>
-      <p:ext uri="{BB962C8B-B14F-4D97-AF65-F5344CB8AC3E}">
-        <p14:creationId xmlns:p14="http://schemas.microsoft.com/office/powerpoint/2010/main" val="3322300142"/>
-      </p:ext>
-    </p:extLst>
-  </p:cSld>
-  <p:clrMapOvr>
-    <a:masterClrMapping/>
-  </p:clrMapOvr>
-  <mc:AlternateContent xmlns:mc="http://schemas.openxmlformats.org/markup-compatibility/2006" xmlns:p14="http://schemas.microsoft.com/office/powerpoint/2010/main">
-    <mc:Choice Requires="p14">
-      <p:transition spd="med" p14:dur="700">
-        <p:fade/>
-      </p:transition>
-    </mc:Choice>
-    <mc:Fallback xmlns="">
-      <p:transition spd="med">
-        <p:fade/>
-      </p:transition>
-    </mc:Fallback>
-  </mc:AlternateContent>
-</p:sld>
-</file>
-
-<file path=ppt/slides/slide14.xml><?xml version="1.0" encoding="utf-8"?>
-<p:sld xmlns:a="http://schemas.openxmlformats.org/drawingml/2006/main" xmlns:r="http://schemas.openxmlformats.org/officeDocument/2006/relationships" xmlns:p="http://schemas.openxmlformats.org/presentationml/2006/main">
-  <p:cSld>
-    <p:spTree>
-      <p:nvGrpSpPr>
-        <p:cNvPr id="1" name=""/>
-        <p:cNvGrpSpPr/>
-        <p:nvPr/>
-      </p:nvGrpSpPr>
-      <p:grpSpPr>
-        <a:xfrm>
-          <a:off x="0" y="0"/>
-          <a:ext cx="0" cy="0"/>
-          <a:chOff x="0" y="0"/>
-          <a:chExt cx="0" cy="0"/>
-        </a:xfrm>
-      </p:grpSpPr>
-      <p:sp>
-        <p:nvSpPr>
-          <p:cNvPr id="6" name="Title 5">
-            <a:extLst>
-              <a:ext uri="{FF2B5EF4-FFF2-40B4-BE49-F238E27FC236}">
-                <a16:creationId xmlns:a16="http://schemas.microsoft.com/office/drawing/2014/main" id="{A4CD37D6-FE32-48E3-A3AD-F07BE6A19FA1}"/>
-              </a:ext>
-            </a:extLst>
-          </p:cNvPr>
-          <p:cNvSpPr>
-            <a:spLocks noGrp="1"/>
-          </p:cNvSpPr>
-          <p:nvPr>
-            <p:ph type="title"/>
-          </p:nvPr>
-        </p:nvSpPr>
-        <p:spPr>
-          <a:xfrm>
-            <a:off x="533399" y="3200400"/>
-            <a:ext cx="7551057" cy="2859313"/>
-          </a:xfrm>
-        </p:spPr>
-        <p:txBody>
-          <a:bodyPr/>
-          <a:lstStyle/>
-          <a:p>
-            <a:r>
-              <a:rPr lang="en-US" dirty="0"/>
-              <a:t>Quote appears here </a:t>
-            </a:r>
-            <a:br>
-              <a:rPr lang="en-US" dirty="0"/>
-            </a:br>
-            <a:r>
-              <a:rPr lang="en-US" dirty="0"/>
-              <a:t>Lorem ipsum dolor sit amet, consectetuer adipiscing elit.” </a:t>
-            </a:r>
-            <a:br>
-              <a:rPr lang="en-US" dirty="0"/>
-            </a:br>
-            <a:r>
-              <a:rPr lang="en-US" sz="2400" dirty="0"/>
-              <a:t>- Author</a:t>
-            </a:r>
-            <a:endParaRPr lang="en-US" dirty="0"/>
-          </a:p>
-        </p:txBody>
-      </p:sp>
-      <p:sp>
-        <p:nvSpPr>
-          <p:cNvPr id="2" name="Slide Number Placeholder 1">
-            <a:extLst>
-              <a:ext uri="{FF2B5EF4-FFF2-40B4-BE49-F238E27FC236}">
-                <a16:creationId xmlns:a16="http://schemas.microsoft.com/office/drawing/2014/main" id="{8EDC7217-2779-44E0-9E6D-3B3879516A1D}"/>
-              </a:ext>
-            </a:extLst>
-          </p:cNvPr>
-          <p:cNvSpPr>
-            <a:spLocks noGrp="1"/>
-          </p:cNvSpPr>
-          <p:nvPr>
-            <p:ph type="sldNum" sz="quarter" idx="12"/>
-          </p:nvPr>
-        </p:nvSpPr>
-        <p:spPr/>
-        <p:txBody>
-          <a:bodyPr/>
-          <a:lstStyle/>
-          <a:p>
-            <a:fld id="{C263D6C4-4840-40CC-AC84-17E24B3B7BDE}" type="slidenum">
-              <a:rPr lang="en-US" smtClean="0"/>
-              <a:pPr/>
-              <a:t>14</a:t>
-            </a:fld>
-            <a:endParaRPr lang="en-US" dirty="0"/>
-          </a:p>
-        </p:txBody>
-      </p:sp>
-    </p:spTree>
-    <p:extLst>
-      <p:ext uri="{BB962C8B-B14F-4D97-AF65-F5344CB8AC3E}">
-        <p14:creationId xmlns:p14="http://schemas.microsoft.com/office/powerpoint/2010/main" val="914134537"/>
-      </p:ext>
-    </p:extLst>
-  </p:cSld>
-  <p:clrMapOvr>
-    <a:masterClrMapping/>
-  </p:clrMapOvr>
-  <mc:AlternateContent xmlns:mc="http://schemas.openxmlformats.org/markup-compatibility/2006" xmlns:p14="http://schemas.microsoft.com/office/powerpoint/2010/main">
-    <mc:Choice Requires="p14">
-      <p:transition spd="med" p14:dur="700">
-        <p:fade/>
-      </p:transition>
-    </mc:Choice>
-    <mc:Fallback xmlns="">
-      <p:transition spd="med">
-        <p:fade/>
-      </p:transition>
-    </mc:Fallback>
-  </mc:AlternateContent>
-</p:sld>
-</file>
-
-<file path=ppt/slides/slide15.xml><?xml version="1.0" encoding="utf-8"?>
-<p:sld xmlns:a="http://schemas.openxmlformats.org/drawingml/2006/main" xmlns:r="http://schemas.openxmlformats.org/officeDocument/2006/relationships" xmlns:p="http://schemas.openxmlformats.org/presentationml/2006/main">
-  <p:cSld>
-    <p:spTree>
-      <p:nvGrpSpPr>
-        <p:cNvPr id="1" name=""/>
-        <p:cNvGrpSpPr/>
-        <p:nvPr/>
-      </p:nvGrpSpPr>
-      <p:grpSpPr>
-        <a:xfrm>
-          <a:off x="0" y="0"/>
-          <a:ext cx="0" cy="0"/>
-          <a:chOff x="0" y="0"/>
-          <a:chExt cx="0" cy="0"/>
-        </a:xfrm>
-      </p:grpSpPr>
-      <p:sp>
-        <p:nvSpPr>
-          <p:cNvPr id="2" name="Title 1">
-            <a:extLst>
-              <a:ext uri="{FF2B5EF4-FFF2-40B4-BE49-F238E27FC236}">
-                <a16:creationId xmlns:a16="http://schemas.microsoft.com/office/drawing/2014/main" id="{632BE5BF-9922-45FB-8F3F-4446D40A051B}"/>
-              </a:ext>
-            </a:extLst>
-          </p:cNvPr>
-          <p:cNvSpPr>
-            <a:spLocks noGrp="1"/>
-          </p:cNvSpPr>
-          <p:nvPr>
-            <p:ph type="ctrTitle"/>
-          </p:nvPr>
-        </p:nvSpPr>
-        <p:spPr/>
-        <p:txBody>
-          <a:bodyPr/>
-          <a:lstStyle/>
-          <a:p>
-            <a:r>
-              <a:rPr lang="en-US" dirty="0"/>
-              <a:t>Thank You 1</a:t>
-            </a:r>
-            <a:endParaRPr lang="en-GB" dirty="0"/>
-          </a:p>
-        </p:txBody>
-      </p:sp>
-    </p:spTree>
-    <p:extLst>
-      <p:ext uri="{BB962C8B-B14F-4D97-AF65-F5344CB8AC3E}">
-        <p14:creationId xmlns:p14="http://schemas.microsoft.com/office/powerpoint/2010/main" val="429771863"/>
-      </p:ext>
-    </p:extLst>
-  </p:cSld>
-  <p:clrMapOvr>
-    <a:masterClrMapping/>
-  </p:clrMapOvr>
-  <p:transition spd="slow">
-    <p:wipe/>
-  </p:transition>
-</p:sld>
-</file>
-
-<file path=ppt/slides/slide16.xml><?xml version="1.0" encoding="utf-8"?>
-<p:sld xmlns:a="http://schemas.openxmlformats.org/drawingml/2006/main" xmlns:r="http://schemas.openxmlformats.org/officeDocument/2006/relationships" xmlns:p="http://schemas.openxmlformats.org/presentationml/2006/main">
-  <p:cSld>
-    <p:spTree>
-      <p:nvGrpSpPr>
-        <p:cNvPr id="1" name=""/>
-        <p:cNvGrpSpPr/>
-        <p:nvPr/>
-      </p:nvGrpSpPr>
-      <p:grpSpPr>
-        <a:xfrm>
-          <a:off x="0" y="0"/>
-          <a:ext cx="0" cy="0"/>
-          <a:chOff x="0" y="0"/>
-          <a:chExt cx="0" cy="0"/>
-        </a:xfrm>
-      </p:grpSpPr>
-      <p:sp>
-        <p:nvSpPr>
-          <p:cNvPr id="2" name="Title 1">
-            <a:extLst>
-              <a:ext uri="{FF2B5EF4-FFF2-40B4-BE49-F238E27FC236}">
-                <a16:creationId xmlns:a16="http://schemas.microsoft.com/office/drawing/2014/main" id="{632BE5BF-9922-45FB-8F3F-4446D40A051B}"/>
-              </a:ext>
-            </a:extLst>
-          </p:cNvPr>
-          <p:cNvSpPr>
-            <a:spLocks noGrp="1"/>
-          </p:cNvSpPr>
-          <p:nvPr>
-            <p:ph type="ctrTitle"/>
-          </p:nvPr>
-        </p:nvSpPr>
-        <p:spPr/>
-        <p:txBody>
-          <a:bodyPr/>
-          <a:lstStyle/>
-          <a:p>
-            <a:r>
-              <a:rPr lang="en-US" dirty="0"/>
-              <a:t>Thank You 2</a:t>
-            </a:r>
-            <a:endParaRPr lang="en-GB" dirty="0"/>
-          </a:p>
-        </p:txBody>
-      </p:sp>
-    </p:spTree>
-    <p:extLst>
-      <p:ext uri="{BB962C8B-B14F-4D97-AF65-F5344CB8AC3E}">
-        <p14:creationId xmlns:p14="http://schemas.microsoft.com/office/powerpoint/2010/main" val="44069682"/>
-      </p:ext>
-    </p:extLst>
-  </p:cSld>
-  <p:clrMapOvr>
-    <a:masterClrMapping/>
-  </p:clrMapOvr>
-  <p:transition spd="slow">
-    <p:wipe/>
-  </p:transition>
-</p:sld>
-</file>
-
-<file path=ppt/slides/slide17.xml><?xml version="1.0" encoding="utf-8"?>
-<p:sld xmlns:a="http://schemas.openxmlformats.org/drawingml/2006/main" xmlns:r="http://schemas.openxmlformats.org/officeDocument/2006/relationships" xmlns:p="http://schemas.openxmlformats.org/presentationml/2006/main">
-  <p:cSld>
-    <p:spTree>
-      <p:nvGrpSpPr>
-        <p:cNvPr id="1" name=""/>
-        <p:cNvGrpSpPr/>
-        <p:nvPr/>
-      </p:nvGrpSpPr>
-      <p:grpSpPr>
-        <a:xfrm>
-          <a:off x="0" y="0"/>
-          <a:ext cx="0" cy="0"/>
-          <a:chOff x="0" y="0"/>
-          <a:chExt cx="0" cy="0"/>
-        </a:xfrm>
-      </p:grpSpPr>
-      <p:sp>
-        <p:nvSpPr>
-          <p:cNvPr id="4" name="Title 3">
-            <a:extLst>
-              <a:ext uri="{FF2B5EF4-FFF2-40B4-BE49-F238E27FC236}">
-                <a16:creationId xmlns:a16="http://schemas.microsoft.com/office/drawing/2014/main" id="{E98DCA46-603B-4178-8707-30E192CE6B8D}"/>
-              </a:ext>
-            </a:extLst>
-          </p:cNvPr>
-          <p:cNvSpPr>
-            <a:spLocks noGrp="1"/>
-          </p:cNvSpPr>
-          <p:nvPr>
-            <p:ph type="title"/>
-          </p:nvPr>
-        </p:nvSpPr>
-        <p:spPr/>
-        <p:txBody>
-          <a:bodyPr/>
-          <a:lstStyle/>
-          <a:p>
-            <a:r>
-              <a:rPr lang="en-US" dirty="0"/>
-              <a:t>Customize this Template</a:t>
-            </a:r>
-          </a:p>
-        </p:txBody>
-      </p:sp>
-      <p:sp>
-        <p:nvSpPr>
-          <p:cNvPr id="2" name="Slide Number Placeholder 1">
-            <a:extLst>
-              <a:ext uri="{FF2B5EF4-FFF2-40B4-BE49-F238E27FC236}">
-                <a16:creationId xmlns:a16="http://schemas.microsoft.com/office/drawing/2014/main" id="{6D90B5C6-1CB0-445E-99D1-8E2FE8C59B50}"/>
-              </a:ext>
-            </a:extLst>
-          </p:cNvPr>
-          <p:cNvSpPr>
-            <a:spLocks noGrp="1"/>
-          </p:cNvSpPr>
-          <p:nvPr>
-            <p:ph type="sldNum" sz="quarter" idx="12"/>
-          </p:nvPr>
-        </p:nvSpPr>
-        <p:spPr/>
-        <p:txBody>
-          <a:bodyPr/>
-          <a:lstStyle/>
-          <a:p>
-            <a:fld id="{C263D6C4-4840-40CC-AC84-17E24B3B7BDE}" type="slidenum">
-              <a:rPr lang="en-US" smtClean="0"/>
-              <a:pPr/>
-              <a:t>17</a:t>
-            </a:fld>
-            <a:endParaRPr lang="en-US" dirty="0"/>
-          </a:p>
-        </p:txBody>
-      </p:sp>
-      <p:sp>
-        <p:nvSpPr>
-          <p:cNvPr id="3" name="Text Placeholder 2">
-            <a:extLst>
-              <a:ext uri="{FF2B5EF4-FFF2-40B4-BE49-F238E27FC236}">
-                <a16:creationId xmlns:a16="http://schemas.microsoft.com/office/drawing/2014/main" id="{06554A61-D199-469B-AB0C-B68F82B5059F}"/>
-              </a:ext>
-            </a:extLst>
-          </p:cNvPr>
-          <p:cNvSpPr>
-            <a:spLocks noGrp="1"/>
-          </p:cNvSpPr>
-          <p:nvPr>
-            <p:ph type="body" sz="quarter" idx="13"/>
-          </p:nvPr>
-        </p:nvSpPr>
-        <p:spPr/>
-        <p:txBody>
-          <a:bodyPr/>
-          <a:lstStyle/>
-          <a:p>
-            <a:r>
-              <a:rPr lang="en-US" u="sng" dirty="0">
-                <a:hlinkClick r:id="rId2">
-                  <a:extLst>
-                    <a:ext uri="{A12FA001-AC4F-418D-AE19-62706E023703}">
-                      <ahyp:hlinkClr xmlns:ahyp="http://schemas.microsoft.com/office/drawing/2018/hyperlinkcolor" val="tx"/>
-                    </a:ext>
-                  </a:extLst>
-                </a:hlinkClick>
-              </a:rPr>
-              <a:t>Template Editing Instructions and Feedback</a:t>
-            </a:r>
-            <a:endParaRPr lang="en-US" u="sng" dirty="0"/>
-          </a:p>
-        </p:txBody>
-      </p:sp>
-    </p:spTree>
-    <p:extLst>
-      <p:ext uri="{BB962C8B-B14F-4D97-AF65-F5344CB8AC3E}">
-        <p14:creationId xmlns:p14="http://schemas.microsoft.com/office/powerpoint/2010/main" val="59582380"/>
-      </p:ext>
-    </p:extLst>
-  </p:cSld>
-  <p:clrMapOvr>
-    <a:masterClrMapping/>
-  </p:clrMapOvr>
 </p:sld>
 </file>
 
@@ -29313,7 +26173,14 @@
           <a:lstStyle/>
           <a:p>
             <a:r>
-              <a:rPr lang="en-US" dirty="0"/>
+              <a:rPr lang="en-US" dirty="0">
+                <a:solidFill>
+                  <a:schemeClr val="accent1">
+                    <a:lumMod val="40000"/>
+                    <a:lumOff val="60000"/>
+                  </a:schemeClr>
+                </a:solidFill>
+              </a:rPr>
               <a:t>Project Requirements</a:t>
             </a:r>
           </a:p>
@@ -29335,7 +26202,12 @@
             <p:ph type="body" sz="quarter" idx="13"/>
           </p:nvPr>
         </p:nvSpPr>
-        <p:spPr/>
+        <p:spPr>
+          <a:xfrm>
+            <a:off x="-12952" y="6430298"/>
+            <a:ext cx="5964926" cy="427702"/>
+          </a:xfrm>
+        </p:spPr>
         <p:txBody>
           <a:bodyPr/>
           <a:lstStyle/>
@@ -29353,22 +26225,244 @@
               </a:rPr>
               <a:t>https://github.com/ctneeson/emotiontracker2</a:t>
             </a:r>
-          </a:p>
+            <a:endParaRPr lang="en-US" u="sng" dirty="0">
+              <a:hlinkClick r:id="rId2">
+                <a:extLst>
+                  <a:ext uri="{A12FA001-AC4F-418D-AE19-62706E023703}">
+                    <ahyp:hlinkClr xmlns:ahyp="http://schemas.microsoft.com/office/drawing/2018/hyperlinkcolor" val="tx"/>
+                  </a:ext>
+                </a:extLst>
+              </a:hlinkClick>
+            </a:endParaRPr>
+          </a:p>
+        </p:txBody>
+      </p:sp>
+      <p:sp>
+        <p:nvSpPr>
+          <p:cNvPr id="3" name="Text Placeholder 9">
+            <a:extLst>
+              <a:ext uri="{FF2B5EF4-FFF2-40B4-BE49-F238E27FC236}">
+                <a16:creationId xmlns:a16="http://schemas.microsoft.com/office/drawing/2014/main" id="{8EF1CCFD-C5E6-F3B1-5D86-12E4A5E6E99B}"/>
+              </a:ext>
+            </a:extLst>
+          </p:cNvPr>
+          <p:cNvSpPr txBox="1">
+            <a:spLocks/>
+          </p:cNvSpPr>
+          <p:nvPr/>
+        </p:nvSpPr>
+        <p:spPr>
+          <a:xfrm>
+            <a:off x="308322" y="1221255"/>
+            <a:ext cx="4654298" cy="1832663"/>
+          </a:xfrm>
+          <a:prstGeom prst="rect">
+            <a:avLst/>
+          </a:prstGeom>
+        </p:spPr>
+        <p:txBody>
+          <a:bodyPr vert="horz" lIns="91440" tIns="45720" rIns="91440" bIns="45720" rtlCol="0">
+            <a:noAutofit/>
+          </a:bodyPr>
+          <a:lstStyle>
+            <a:lvl1pPr marL="228600" indent="-228600" algn="l" defTabSz="914400" rtl="0" eaLnBrk="1" latinLnBrk="0" hangingPunct="1">
+              <a:lnSpc>
+                <a:spcPct val="100000"/>
+              </a:lnSpc>
+              <a:spcBef>
+                <a:spcPts val="600"/>
+              </a:spcBef>
+              <a:spcAft>
+                <a:spcPts val="400"/>
+              </a:spcAft>
+              <a:buClr>
+                <a:schemeClr val="accent2"/>
+              </a:buClr>
+              <a:buFont typeface="Arial" panose="020B0604020202020204" pitchFamily="34" charset="0"/>
+              <a:buChar char="•"/>
+              <a:defRPr sz="1600" kern="1200">
+                <a:solidFill>
+                  <a:schemeClr val="bg1"/>
+                </a:solidFill>
+                <a:latin typeface="+mn-lt"/>
+                <a:ea typeface="+mn-ea"/>
+                <a:cs typeface="Arial" panose="020B0604020202020204" pitchFamily="34" charset="0"/>
+              </a:defRPr>
+            </a:lvl1pPr>
+            <a:lvl2pPr marL="685800" indent="-228600" algn="l" defTabSz="914400" rtl="0" eaLnBrk="1" latinLnBrk="0" hangingPunct="1">
+              <a:lnSpc>
+                <a:spcPct val="100000"/>
+              </a:lnSpc>
+              <a:spcBef>
+                <a:spcPts val="600"/>
+              </a:spcBef>
+              <a:spcAft>
+                <a:spcPts val="400"/>
+              </a:spcAft>
+              <a:buClr>
+                <a:schemeClr val="accent2"/>
+              </a:buClr>
+              <a:buFont typeface="Arial" panose="020B0604020202020204" pitchFamily="34" charset="0"/>
+              <a:buChar char="•"/>
+              <a:defRPr sz="1400" kern="1200">
+                <a:solidFill>
+                  <a:schemeClr val="bg1"/>
+                </a:solidFill>
+                <a:latin typeface="+mn-lt"/>
+                <a:ea typeface="+mn-ea"/>
+                <a:cs typeface="Arial" panose="020B0604020202020204" pitchFamily="34" charset="0"/>
+              </a:defRPr>
+            </a:lvl2pPr>
+            <a:lvl3pPr marL="1143000" indent="-228600" algn="l" defTabSz="914400" rtl="0" eaLnBrk="1" latinLnBrk="0" hangingPunct="1">
+              <a:lnSpc>
+                <a:spcPct val="100000"/>
+              </a:lnSpc>
+              <a:spcBef>
+                <a:spcPts val="600"/>
+              </a:spcBef>
+              <a:spcAft>
+                <a:spcPts val="400"/>
+              </a:spcAft>
+              <a:buClr>
+                <a:schemeClr val="accent2"/>
+              </a:buClr>
+              <a:buFont typeface="Arial" panose="020B0604020202020204" pitchFamily="34" charset="0"/>
+              <a:buChar char="•"/>
+              <a:defRPr sz="1200" kern="1200">
+                <a:solidFill>
+                  <a:schemeClr val="bg1"/>
+                </a:solidFill>
+                <a:latin typeface="+mn-lt"/>
+                <a:ea typeface="+mn-ea"/>
+                <a:cs typeface="Arial" panose="020B0604020202020204" pitchFamily="34" charset="0"/>
+              </a:defRPr>
+            </a:lvl3pPr>
+            <a:lvl4pPr marL="1600200" indent="-228600" algn="l" defTabSz="914400" rtl="0" eaLnBrk="1" latinLnBrk="0" hangingPunct="1">
+              <a:lnSpc>
+                <a:spcPct val="90000"/>
+              </a:lnSpc>
+              <a:spcBef>
+                <a:spcPts val="500"/>
+              </a:spcBef>
+              <a:buClr>
+                <a:schemeClr val="accent2"/>
+              </a:buClr>
+              <a:buFont typeface="Arial" panose="020B0604020202020204" pitchFamily="34" charset="0"/>
+              <a:buChar char="•"/>
+              <a:defRPr sz="1400" kern="1200">
+                <a:solidFill>
+                  <a:schemeClr val="bg1"/>
+                </a:solidFill>
+                <a:latin typeface="Arial" panose="020B0604020202020204" pitchFamily="34" charset="0"/>
+                <a:ea typeface="+mn-ea"/>
+                <a:cs typeface="Arial" panose="020B0604020202020204" pitchFamily="34" charset="0"/>
+              </a:defRPr>
+            </a:lvl4pPr>
+            <a:lvl5pPr marL="2057400" indent="-228600" algn="l" defTabSz="914400" rtl="0" eaLnBrk="1" latinLnBrk="0" hangingPunct="1">
+              <a:lnSpc>
+                <a:spcPct val="90000"/>
+              </a:lnSpc>
+              <a:spcBef>
+                <a:spcPts val="500"/>
+              </a:spcBef>
+              <a:buClr>
+                <a:schemeClr val="accent2"/>
+              </a:buClr>
+              <a:buFont typeface="Arial" panose="020B0604020202020204" pitchFamily="34" charset="0"/>
+              <a:buChar char="•"/>
+              <a:defRPr sz="1400" kern="1200">
+                <a:solidFill>
+                  <a:schemeClr val="bg1"/>
+                </a:solidFill>
+                <a:latin typeface="Arial" panose="020B0604020202020204" pitchFamily="34" charset="0"/>
+                <a:ea typeface="+mn-ea"/>
+                <a:cs typeface="Arial" panose="020B0604020202020204" pitchFamily="34" charset="0"/>
+              </a:defRPr>
+            </a:lvl5pPr>
+            <a:lvl6pPr marL="2514600" indent="-228600" algn="l" defTabSz="914400" rtl="0" eaLnBrk="1" latinLnBrk="0" hangingPunct="1">
+              <a:lnSpc>
+                <a:spcPct val="90000"/>
+              </a:lnSpc>
+              <a:spcBef>
+                <a:spcPts val="500"/>
+              </a:spcBef>
+              <a:buFont typeface="Arial" panose="020B0604020202020204" pitchFamily="34" charset="0"/>
+              <a:buChar char="•"/>
+              <a:defRPr sz="1800" kern="1200">
+                <a:solidFill>
+                  <a:schemeClr val="tx1"/>
+                </a:solidFill>
+                <a:latin typeface="+mn-lt"/>
+                <a:ea typeface="+mn-ea"/>
+                <a:cs typeface="+mn-cs"/>
+              </a:defRPr>
+            </a:lvl6pPr>
+            <a:lvl7pPr marL="2971800" indent="-228600" algn="l" defTabSz="914400" rtl="0" eaLnBrk="1" latinLnBrk="0" hangingPunct="1">
+              <a:lnSpc>
+                <a:spcPct val="90000"/>
+              </a:lnSpc>
+              <a:spcBef>
+                <a:spcPts val="500"/>
+              </a:spcBef>
+              <a:buFont typeface="Arial" panose="020B0604020202020204" pitchFamily="34" charset="0"/>
+              <a:buChar char="•"/>
+              <a:defRPr sz="1800" kern="1200">
+                <a:solidFill>
+                  <a:schemeClr val="tx1"/>
+                </a:solidFill>
+                <a:latin typeface="+mn-lt"/>
+                <a:ea typeface="+mn-ea"/>
+                <a:cs typeface="+mn-cs"/>
+              </a:defRPr>
+            </a:lvl7pPr>
+            <a:lvl8pPr marL="3429000" indent="-228600" algn="l" defTabSz="914400" rtl="0" eaLnBrk="1" latinLnBrk="0" hangingPunct="1">
+              <a:lnSpc>
+                <a:spcPct val="90000"/>
+              </a:lnSpc>
+              <a:spcBef>
+                <a:spcPts val="500"/>
+              </a:spcBef>
+              <a:buFont typeface="Arial" panose="020B0604020202020204" pitchFamily="34" charset="0"/>
+              <a:buChar char="•"/>
+              <a:defRPr sz="1800" kern="1200">
+                <a:solidFill>
+                  <a:schemeClr val="tx1"/>
+                </a:solidFill>
+                <a:latin typeface="+mn-lt"/>
+                <a:ea typeface="+mn-ea"/>
+                <a:cs typeface="+mn-cs"/>
+              </a:defRPr>
+            </a:lvl8pPr>
+            <a:lvl9pPr marL="3886200" indent="-228600" algn="l" defTabSz="914400" rtl="0" eaLnBrk="1" latinLnBrk="0" hangingPunct="1">
+              <a:lnSpc>
+                <a:spcPct val="90000"/>
+              </a:lnSpc>
+              <a:spcBef>
+                <a:spcPts val="500"/>
+              </a:spcBef>
+              <a:buFont typeface="Arial" panose="020B0604020202020204" pitchFamily="34" charset="0"/>
+              <a:buChar char="•"/>
+              <a:defRPr sz="1800" kern="1200">
+                <a:solidFill>
+                  <a:schemeClr val="tx1"/>
+                </a:solidFill>
+                <a:latin typeface="+mn-lt"/>
+                <a:ea typeface="+mn-ea"/>
+                <a:cs typeface="+mn-cs"/>
+              </a:defRPr>
+            </a:lvl9pPr>
+          </a:lstStyle>
           <a:p>
             <a:pPr marL="0" indent="0">
+              <a:buFont typeface="Arial" panose="020B0604020202020204" pitchFamily="34" charset="0"/>
               <a:buNone/>
             </a:pPr>
             <a:r>
-              <a:rPr lang="en-US" dirty="0"/>
-              <a:t>Readme with setup instructions</a:t>
-            </a:r>
-          </a:p>
-          <a:p>
-            <a:pPr marL="0" indent="0">
-              <a:buNone/>
-            </a:pPr>
-            <a:r>
-              <a:rPr lang="en-US" dirty="0"/>
+              <a:rPr lang="en-US" u="sng" dirty="0">
+                <a:solidFill>
+                  <a:srgbClr val="FFFF00"/>
+                </a:solidFill>
+              </a:rPr>
               <a:t>Software requirements</a:t>
             </a:r>
           </a:p>
@@ -29394,11 +26488,18 @@
           <a:p>
             <a:r>
               <a:rPr lang="en-US" dirty="0"/>
-              <a:t>Browser</a:t>
+              <a:t>Postman</a:t>
             </a:r>
           </a:p>
           <a:p>
+            <a:r>
+              <a:rPr lang="en-US" dirty="0"/>
+              <a:t>Browser (Opera in this demonstration)</a:t>
+            </a:r>
+          </a:p>
+          <a:p>
             <a:pPr marL="0" indent="0">
+              <a:buFont typeface="Arial" panose="020B0604020202020204" pitchFamily="34" charset="0"/>
               <a:buNone/>
             </a:pPr>
             <a:endParaRPr lang="en-US" u="sng" dirty="0">
@@ -29413,33 +26514,401 @@
           </a:p>
         </p:txBody>
       </p:sp>
-      <p:sp>
-        <p:nvSpPr>
-          <p:cNvPr id="2" name="Slide Number Placeholder 1">
+      <p:pic>
+        <p:nvPicPr>
+          <p:cNvPr id="5" name="Picture 4">
             <a:extLst>
               <a:ext uri="{FF2B5EF4-FFF2-40B4-BE49-F238E27FC236}">
-                <a16:creationId xmlns:a16="http://schemas.microsoft.com/office/drawing/2014/main" id="{BE9800F6-D571-48C4-8466-12AA1ADB6599}"/>
+                <a16:creationId xmlns:a16="http://schemas.microsoft.com/office/drawing/2014/main" id="{157B34AC-6BFC-0CC0-2045-BA115104F5AA}"/>
               </a:ext>
             </a:extLst>
           </p:cNvPr>
-          <p:cNvSpPr>
-            <a:spLocks noGrp="1"/>
+          <p:cNvPicPr>
+            <a:picLocks noChangeAspect="1"/>
+          </p:cNvPicPr>
+          <p:nvPr/>
+        </p:nvPicPr>
+        <p:blipFill>
+          <a:blip r:embed="rId4"/>
+          <a:stretch>
+            <a:fillRect/>
+          </a:stretch>
+        </p:blipFill>
+        <p:spPr>
+          <a:xfrm>
+            <a:off x="533400" y="3128312"/>
+            <a:ext cx="4654298" cy="3301986"/>
+          </a:xfrm>
+          <a:prstGeom prst="rect">
+            <a:avLst/>
+          </a:prstGeom>
+        </p:spPr>
+      </p:pic>
+      <p:pic>
+        <p:nvPicPr>
+          <p:cNvPr id="8" name="Picture 7">
+            <a:extLst>
+              <a:ext uri="{FF2B5EF4-FFF2-40B4-BE49-F238E27FC236}">
+                <a16:creationId xmlns:a16="http://schemas.microsoft.com/office/drawing/2014/main" id="{54609C95-0D3C-548F-9CD0-CE6EC553B83A}"/>
+              </a:ext>
+            </a:extLst>
+          </p:cNvPr>
+          <p:cNvPicPr>
+            <a:picLocks noChangeAspect="1"/>
+          </p:cNvPicPr>
+          <p:nvPr/>
+        </p:nvPicPr>
+        <p:blipFill>
+          <a:blip r:embed="rId5"/>
+          <a:stretch>
+            <a:fillRect/>
+          </a:stretch>
+        </p:blipFill>
+        <p:spPr>
+          <a:xfrm>
+            <a:off x="5559283" y="810690"/>
+            <a:ext cx="3170174" cy="2119702"/>
+          </a:xfrm>
+          <a:prstGeom prst="rect">
+            <a:avLst/>
+          </a:prstGeom>
+        </p:spPr>
+      </p:pic>
+      <p:pic>
+        <p:nvPicPr>
+          <p:cNvPr id="11" name="Picture 10">
+            <a:extLst>
+              <a:ext uri="{FF2B5EF4-FFF2-40B4-BE49-F238E27FC236}">
+                <a16:creationId xmlns:a16="http://schemas.microsoft.com/office/drawing/2014/main" id="{09FEC025-EAB0-AD05-DE7A-D953AF19DA98}"/>
+              </a:ext>
+            </a:extLst>
+          </p:cNvPr>
+          <p:cNvPicPr>
+            <a:picLocks noChangeAspect="1"/>
+          </p:cNvPicPr>
+          <p:nvPr/>
+        </p:nvPicPr>
+        <p:blipFill>
+          <a:blip r:embed="rId6"/>
+          <a:stretch>
+            <a:fillRect/>
+          </a:stretch>
+        </p:blipFill>
+        <p:spPr>
+          <a:xfrm>
+            <a:off x="8954535" y="282710"/>
+            <a:ext cx="2991109" cy="3414056"/>
+          </a:xfrm>
+          <a:prstGeom prst="rect">
+            <a:avLst/>
+          </a:prstGeom>
+        </p:spPr>
+      </p:pic>
+      <p:sp>
+        <p:nvSpPr>
+          <p:cNvPr id="12" name="Text Placeholder 9">
+            <a:extLst>
+              <a:ext uri="{FF2B5EF4-FFF2-40B4-BE49-F238E27FC236}">
+                <a16:creationId xmlns:a16="http://schemas.microsoft.com/office/drawing/2014/main" id="{FC9B20FD-7CF3-AFC1-FF2D-53DB0BE2CA11}"/>
+              </a:ext>
+            </a:extLst>
+          </p:cNvPr>
+          <p:cNvSpPr txBox="1">
+            <a:spLocks/>
           </p:cNvSpPr>
-          <p:nvPr>
-            <p:ph type="sldNum" sz="quarter" idx="12"/>
-          </p:nvPr>
+          <p:nvPr/>
         </p:nvSpPr>
-        <p:spPr/>
+        <p:spPr>
+          <a:xfrm>
+            <a:off x="5486400" y="3754681"/>
+            <a:ext cx="6551719" cy="2820609"/>
+          </a:xfrm>
+          <a:prstGeom prst="rect">
+            <a:avLst/>
+          </a:prstGeom>
+        </p:spPr>
         <p:txBody>
-          <a:bodyPr/>
-          <a:lstStyle/>
-          <a:p>
-            <a:fld id="{C263D6C4-4840-40CC-AC84-17E24B3B7BDE}" type="slidenum">
-              <a:rPr lang="en-US" smtClean="0"/>
-              <a:pPr/>
-              <a:t>2</a:t>
-            </a:fld>
-            <a:endParaRPr lang="en-US" dirty="0"/>
+          <a:bodyPr vert="horz" lIns="91440" tIns="45720" rIns="91440" bIns="45720" rtlCol="0">
+            <a:noAutofit/>
+          </a:bodyPr>
+          <a:lstStyle>
+            <a:lvl1pPr marL="228600" indent="-228600" algn="l" defTabSz="914400" rtl="0" eaLnBrk="1" latinLnBrk="0" hangingPunct="1">
+              <a:lnSpc>
+                <a:spcPct val="100000"/>
+              </a:lnSpc>
+              <a:spcBef>
+                <a:spcPts val="600"/>
+              </a:spcBef>
+              <a:spcAft>
+                <a:spcPts val="400"/>
+              </a:spcAft>
+              <a:buClr>
+                <a:schemeClr val="accent2"/>
+              </a:buClr>
+              <a:buFont typeface="Arial" panose="020B0604020202020204" pitchFamily="34" charset="0"/>
+              <a:buChar char="•"/>
+              <a:defRPr sz="1600" kern="1200">
+                <a:solidFill>
+                  <a:schemeClr val="bg1"/>
+                </a:solidFill>
+                <a:latin typeface="+mn-lt"/>
+                <a:ea typeface="+mn-ea"/>
+                <a:cs typeface="Arial" panose="020B0604020202020204" pitchFamily="34" charset="0"/>
+              </a:defRPr>
+            </a:lvl1pPr>
+            <a:lvl2pPr marL="685800" indent="-228600" algn="l" defTabSz="914400" rtl="0" eaLnBrk="1" latinLnBrk="0" hangingPunct="1">
+              <a:lnSpc>
+                <a:spcPct val="100000"/>
+              </a:lnSpc>
+              <a:spcBef>
+                <a:spcPts val="600"/>
+              </a:spcBef>
+              <a:spcAft>
+                <a:spcPts val="400"/>
+              </a:spcAft>
+              <a:buClr>
+                <a:schemeClr val="accent2"/>
+              </a:buClr>
+              <a:buFont typeface="Arial" panose="020B0604020202020204" pitchFamily="34" charset="0"/>
+              <a:buChar char="•"/>
+              <a:defRPr sz="1400" kern="1200">
+                <a:solidFill>
+                  <a:schemeClr val="bg1"/>
+                </a:solidFill>
+                <a:latin typeface="+mn-lt"/>
+                <a:ea typeface="+mn-ea"/>
+                <a:cs typeface="Arial" panose="020B0604020202020204" pitchFamily="34" charset="0"/>
+              </a:defRPr>
+            </a:lvl2pPr>
+            <a:lvl3pPr marL="1143000" indent="-228600" algn="l" defTabSz="914400" rtl="0" eaLnBrk="1" latinLnBrk="0" hangingPunct="1">
+              <a:lnSpc>
+                <a:spcPct val="100000"/>
+              </a:lnSpc>
+              <a:spcBef>
+                <a:spcPts val="600"/>
+              </a:spcBef>
+              <a:spcAft>
+                <a:spcPts val="400"/>
+              </a:spcAft>
+              <a:buClr>
+                <a:schemeClr val="accent2"/>
+              </a:buClr>
+              <a:buFont typeface="Arial" panose="020B0604020202020204" pitchFamily="34" charset="0"/>
+              <a:buChar char="•"/>
+              <a:defRPr sz="1200" kern="1200">
+                <a:solidFill>
+                  <a:schemeClr val="bg1"/>
+                </a:solidFill>
+                <a:latin typeface="+mn-lt"/>
+                <a:ea typeface="+mn-ea"/>
+                <a:cs typeface="Arial" panose="020B0604020202020204" pitchFamily="34" charset="0"/>
+              </a:defRPr>
+            </a:lvl3pPr>
+            <a:lvl4pPr marL="1600200" indent="-228600" algn="l" defTabSz="914400" rtl="0" eaLnBrk="1" latinLnBrk="0" hangingPunct="1">
+              <a:lnSpc>
+                <a:spcPct val="90000"/>
+              </a:lnSpc>
+              <a:spcBef>
+                <a:spcPts val="500"/>
+              </a:spcBef>
+              <a:buClr>
+                <a:schemeClr val="accent2"/>
+              </a:buClr>
+              <a:buFont typeface="Arial" panose="020B0604020202020204" pitchFamily="34" charset="0"/>
+              <a:buChar char="•"/>
+              <a:defRPr sz="1400" kern="1200">
+                <a:solidFill>
+                  <a:schemeClr val="bg1"/>
+                </a:solidFill>
+                <a:latin typeface="Arial" panose="020B0604020202020204" pitchFamily="34" charset="0"/>
+                <a:ea typeface="+mn-ea"/>
+                <a:cs typeface="Arial" panose="020B0604020202020204" pitchFamily="34" charset="0"/>
+              </a:defRPr>
+            </a:lvl4pPr>
+            <a:lvl5pPr marL="2057400" indent="-228600" algn="l" defTabSz="914400" rtl="0" eaLnBrk="1" latinLnBrk="0" hangingPunct="1">
+              <a:lnSpc>
+                <a:spcPct val="90000"/>
+              </a:lnSpc>
+              <a:spcBef>
+                <a:spcPts val="500"/>
+              </a:spcBef>
+              <a:buClr>
+                <a:schemeClr val="accent2"/>
+              </a:buClr>
+              <a:buFont typeface="Arial" panose="020B0604020202020204" pitchFamily="34" charset="0"/>
+              <a:buChar char="•"/>
+              <a:defRPr sz="1400" kern="1200">
+                <a:solidFill>
+                  <a:schemeClr val="bg1"/>
+                </a:solidFill>
+                <a:latin typeface="Arial" panose="020B0604020202020204" pitchFamily="34" charset="0"/>
+                <a:ea typeface="+mn-ea"/>
+                <a:cs typeface="Arial" panose="020B0604020202020204" pitchFamily="34" charset="0"/>
+              </a:defRPr>
+            </a:lvl5pPr>
+            <a:lvl6pPr marL="2514600" indent="-228600" algn="l" defTabSz="914400" rtl="0" eaLnBrk="1" latinLnBrk="0" hangingPunct="1">
+              <a:lnSpc>
+                <a:spcPct val="90000"/>
+              </a:lnSpc>
+              <a:spcBef>
+                <a:spcPts val="500"/>
+              </a:spcBef>
+              <a:buFont typeface="Arial" panose="020B0604020202020204" pitchFamily="34" charset="0"/>
+              <a:buChar char="•"/>
+              <a:defRPr sz="1800" kern="1200">
+                <a:solidFill>
+                  <a:schemeClr val="tx1"/>
+                </a:solidFill>
+                <a:latin typeface="+mn-lt"/>
+                <a:ea typeface="+mn-ea"/>
+                <a:cs typeface="+mn-cs"/>
+              </a:defRPr>
+            </a:lvl6pPr>
+            <a:lvl7pPr marL="2971800" indent="-228600" algn="l" defTabSz="914400" rtl="0" eaLnBrk="1" latinLnBrk="0" hangingPunct="1">
+              <a:lnSpc>
+                <a:spcPct val="90000"/>
+              </a:lnSpc>
+              <a:spcBef>
+                <a:spcPts val="500"/>
+              </a:spcBef>
+              <a:buFont typeface="Arial" panose="020B0604020202020204" pitchFamily="34" charset="0"/>
+              <a:buChar char="•"/>
+              <a:defRPr sz="1800" kern="1200">
+                <a:solidFill>
+                  <a:schemeClr val="tx1"/>
+                </a:solidFill>
+                <a:latin typeface="+mn-lt"/>
+                <a:ea typeface="+mn-ea"/>
+                <a:cs typeface="+mn-cs"/>
+              </a:defRPr>
+            </a:lvl7pPr>
+            <a:lvl8pPr marL="3429000" indent="-228600" algn="l" defTabSz="914400" rtl="0" eaLnBrk="1" latinLnBrk="0" hangingPunct="1">
+              <a:lnSpc>
+                <a:spcPct val="90000"/>
+              </a:lnSpc>
+              <a:spcBef>
+                <a:spcPts val="500"/>
+              </a:spcBef>
+              <a:buFont typeface="Arial" panose="020B0604020202020204" pitchFamily="34" charset="0"/>
+              <a:buChar char="•"/>
+              <a:defRPr sz="1800" kern="1200">
+                <a:solidFill>
+                  <a:schemeClr val="tx1"/>
+                </a:solidFill>
+                <a:latin typeface="+mn-lt"/>
+                <a:ea typeface="+mn-ea"/>
+                <a:cs typeface="+mn-cs"/>
+              </a:defRPr>
+            </a:lvl8pPr>
+            <a:lvl9pPr marL="3886200" indent="-228600" algn="l" defTabSz="914400" rtl="0" eaLnBrk="1" latinLnBrk="0" hangingPunct="1">
+              <a:lnSpc>
+                <a:spcPct val="90000"/>
+              </a:lnSpc>
+              <a:spcBef>
+                <a:spcPts val="500"/>
+              </a:spcBef>
+              <a:buFont typeface="Arial" panose="020B0604020202020204" pitchFamily="34" charset="0"/>
+              <a:buChar char="•"/>
+              <a:defRPr sz="1800" kern="1200">
+                <a:solidFill>
+                  <a:schemeClr val="tx1"/>
+                </a:solidFill>
+                <a:latin typeface="+mn-lt"/>
+                <a:ea typeface="+mn-ea"/>
+                <a:cs typeface="+mn-cs"/>
+              </a:defRPr>
+            </a:lvl9pPr>
+          </a:lstStyle>
+          <a:p>
+            <a:pPr marL="0" indent="0">
+              <a:buFont typeface="Arial" panose="020B0604020202020204" pitchFamily="34" charset="0"/>
+              <a:buNone/>
+            </a:pPr>
+            <a:r>
+              <a:rPr lang="en-US" u="sng" dirty="0">
+                <a:solidFill>
+                  <a:srgbClr val="FFFF00"/>
+                </a:solidFill>
+              </a:rPr>
+              <a:t>Setup instructions</a:t>
+            </a:r>
+          </a:p>
+          <a:p>
+            <a:r>
+              <a:rPr lang="en-US" dirty="0"/>
+              <a:t>SQL scripts to create tables &amp; populate sample data</a:t>
+            </a:r>
+          </a:p>
+          <a:p>
+            <a:pPr lvl="1"/>
+            <a:r>
+              <a:rPr lang="en-US" dirty="0"/>
+              <a:t>Test accounts (</a:t>
+            </a:r>
+            <a:r>
+              <a:rPr lang="en-US" b="1" dirty="0">
+                <a:solidFill>
+                  <a:schemeClr val="accent6">
+                    <a:lumMod val="60000"/>
+                    <a:lumOff val="40000"/>
+                  </a:schemeClr>
+                </a:solidFill>
+              </a:rPr>
+              <a:t>admin:admin123</a:t>
+            </a:r>
+            <a:r>
+              <a:rPr lang="en-US" dirty="0"/>
+              <a:t> &amp; </a:t>
+            </a:r>
+            <a:r>
+              <a:rPr lang="en-US" b="1" dirty="0">
+                <a:solidFill>
+                  <a:schemeClr val="accent6">
+                    <a:lumMod val="60000"/>
+                    <a:lumOff val="40000"/>
+                  </a:schemeClr>
+                </a:solidFill>
+              </a:rPr>
+              <a:t>user:user123</a:t>
+            </a:r>
+            <a:r>
+              <a:rPr lang="en-US" dirty="0"/>
+              <a:t>)</a:t>
+            </a:r>
+          </a:p>
+          <a:p>
+            <a:pPr lvl="1"/>
+            <a:r>
+              <a:rPr lang="en-US" dirty="0"/>
+              <a:t>Constraints incl. FKS</a:t>
+            </a:r>
+          </a:p>
+          <a:p>
+            <a:pPr lvl="1"/>
+            <a:r>
+              <a:rPr lang="en-US" dirty="0"/>
+              <a:t>Password encryption</a:t>
+            </a:r>
+          </a:p>
+          <a:p>
+            <a:r>
+              <a:rPr lang="en-US" dirty="0"/>
+              <a:t>Stored procedures</a:t>
+            </a:r>
+          </a:p>
+          <a:p>
+            <a:pPr lvl="1"/>
+            <a:r>
+              <a:rPr lang="en-US" dirty="0"/>
+              <a:t>Server-side validation</a:t>
+            </a:r>
+          </a:p>
+          <a:p>
+            <a:pPr lvl="1"/>
+            <a:r>
+              <a:rPr lang="en-US" dirty="0"/>
+              <a:t>More complex data manipulation</a:t>
+            </a:r>
           </a:p>
         </p:txBody>
       </p:sp>
@@ -29487,139 +26956,390 @@
       </p:grpSpPr>
       <p:sp>
         <p:nvSpPr>
-          <p:cNvPr id="7" name="Title 6">
+          <p:cNvPr id="5" name="Title 6">
             <a:extLst>
               <a:ext uri="{FF2B5EF4-FFF2-40B4-BE49-F238E27FC236}">
-                <a16:creationId xmlns:a16="http://schemas.microsoft.com/office/drawing/2014/main" id="{7875C19A-1AAE-476A-A316-A2CF92D763D3}"/>
+                <a16:creationId xmlns:a16="http://schemas.microsoft.com/office/drawing/2014/main" id="{7B121E30-65FD-5137-2043-CCD6CE33AE3E}"/>
               </a:ext>
             </a:extLst>
           </p:cNvPr>
-          <p:cNvSpPr>
-            <a:spLocks noGrp="1"/>
+          <p:cNvSpPr txBox="1">
+            <a:spLocks/>
           </p:cNvSpPr>
-          <p:nvPr>
-            <p:ph type="title"/>
-          </p:nvPr>
+          <p:nvPr/>
         </p:nvSpPr>
-        <p:spPr/>
+        <p:spPr>
+          <a:xfrm>
+            <a:off x="329090" y="266576"/>
+            <a:ext cx="11214100" cy="535531"/>
+          </a:xfrm>
+          <a:prstGeom prst="rect">
+            <a:avLst/>
+          </a:prstGeom>
+        </p:spPr>
         <p:txBody>
-          <a:bodyPr/>
-          <a:lstStyle/>
+          <a:bodyPr vert="horz" wrap="square" lIns="91440" tIns="45720" rIns="91440" bIns="45720" rtlCol="0" anchor="t">
+            <a:spAutoFit/>
+          </a:bodyPr>
+          <a:lstStyle>
+            <a:lvl1pPr algn="l" defTabSz="914400" rtl="0" eaLnBrk="1" latinLnBrk="0" hangingPunct="1">
+              <a:lnSpc>
+                <a:spcPct val="90000"/>
+              </a:lnSpc>
+              <a:spcBef>
+                <a:spcPct val="0"/>
+              </a:spcBef>
+              <a:buNone/>
+              <a:defRPr lang="en-GB" sz="3200" b="1" kern="1200" spc="-70" baseline="0" dirty="0">
+                <a:solidFill>
+                  <a:schemeClr val="bg1"/>
+                </a:solidFill>
+                <a:latin typeface="+mj-lt"/>
+                <a:ea typeface="+mj-ea"/>
+                <a:cs typeface="+mj-cs"/>
+              </a:defRPr>
+            </a:lvl1pPr>
+          </a:lstStyle>
           <a:p>
             <a:r>
-              <a:rPr lang="en-US" dirty="0"/>
-              <a:t>Project Structure</a:t>
+              <a:rPr lang="en-US" dirty="0">
+                <a:solidFill>
+                  <a:schemeClr val="accent1">
+                    <a:lumMod val="40000"/>
+                    <a:lumOff val="60000"/>
+                  </a:schemeClr>
+                </a:solidFill>
+              </a:rPr>
+              <a:t>Database Design</a:t>
             </a:r>
           </a:p>
         </p:txBody>
       </p:sp>
+      <p:pic>
+        <p:nvPicPr>
+          <p:cNvPr id="9" name="Picture 8">
+            <a:extLst>
+              <a:ext uri="{FF2B5EF4-FFF2-40B4-BE49-F238E27FC236}">
+                <a16:creationId xmlns:a16="http://schemas.microsoft.com/office/drawing/2014/main" id="{4E9DF860-1488-9968-FACD-9BE334B65A23}"/>
+              </a:ext>
+            </a:extLst>
+          </p:cNvPr>
+          <p:cNvPicPr>
+            <a:picLocks noChangeAspect="1"/>
+          </p:cNvPicPr>
+          <p:nvPr/>
+        </p:nvPicPr>
+        <p:blipFill>
+          <a:blip r:embed="rId2"/>
+          <a:stretch>
+            <a:fillRect/>
+          </a:stretch>
+        </p:blipFill>
+        <p:spPr>
+          <a:xfrm>
+            <a:off x="5675790" y="924108"/>
+            <a:ext cx="6516210" cy="5080738"/>
+          </a:xfrm>
+          <a:prstGeom prst="rect">
+            <a:avLst/>
+          </a:prstGeom>
+        </p:spPr>
+      </p:pic>
       <p:sp>
         <p:nvSpPr>
           <p:cNvPr id="10" name="Text Placeholder 9">
             <a:extLst>
               <a:ext uri="{FF2B5EF4-FFF2-40B4-BE49-F238E27FC236}">
-                <a16:creationId xmlns:a16="http://schemas.microsoft.com/office/drawing/2014/main" id="{EF2BC084-E6DB-4DE7-B309-042A85EBA700}"/>
+                <a16:creationId xmlns:a16="http://schemas.microsoft.com/office/drawing/2014/main" id="{F90C2462-4ACE-9592-7351-0EC9492067EE}"/>
               </a:ext>
             </a:extLst>
           </p:cNvPr>
-          <p:cNvSpPr>
-            <a:spLocks noGrp="1"/>
+          <p:cNvSpPr txBox="1">
+            <a:spLocks/>
           </p:cNvSpPr>
-          <p:nvPr>
-            <p:ph type="body" sz="quarter" idx="13"/>
-          </p:nvPr>
+          <p:nvPr/>
         </p:nvSpPr>
-        <p:spPr/>
+        <p:spPr>
+          <a:xfrm>
+            <a:off x="235566" y="924108"/>
+            <a:ext cx="5370990" cy="4970665"/>
+          </a:xfrm>
+          <a:prstGeom prst="rect">
+            <a:avLst/>
+          </a:prstGeom>
+        </p:spPr>
         <p:txBody>
-          <a:bodyPr/>
-          <a:lstStyle/>
+          <a:bodyPr vert="horz" lIns="91440" tIns="45720" rIns="91440" bIns="45720" rtlCol="0">
+            <a:noAutofit/>
+          </a:bodyPr>
+          <a:lstStyle>
+            <a:lvl1pPr marL="228600" indent="-228600" algn="l" defTabSz="914400" rtl="0" eaLnBrk="1" latinLnBrk="0" hangingPunct="1">
+              <a:lnSpc>
+                <a:spcPct val="100000"/>
+              </a:lnSpc>
+              <a:spcBef>
+                <a:spcPts val="600"/>
+              </a:spcBef>
+              <a:spcAft>
+                <a:spcPts val="400"/>
+              </a:spcAft>
+              <a:buClr>
+                <a:schemeClr val="accent2"/>
+              </a:buClr>
+              <a:buFont typeface="Arial" panose="020B0604020202020204" pitchFamily="34" charset="0"/>
+              <a:buChar char="•"/>
+              <a:defRPr sz="1600" kern="1200">
+                <a:solidFill>
+                  <a:schemeClr val="bg1"/>
+                </a:solidFill>
+                <a:latin typeface="+mn-lt"/>
+                <a:ea typeface="+mn-ea"/>
+                <a:cs typeface="Arial" panose="020B0604020202020204" pitchFamily="34" charset="0"/>
+              </a:defRPr>
+            </a:lvl1pPr>
+            <a:lvl2pPr marL="685800" indent="-228600" algn="l" defTabSz="914400" rtl="0" eaLnBrk="1" latinLnBrk="0" hangingPunct="1">
+              <a:lnSpc>
+                <a:spcPct val="100000"/>
+              </a:lnSpc>
+              <a:spcBef>
+                <a:spcPts val="600"/>
+              </a:spcBef>
+              <a:spcAft>
+                <a:spcPts val="400"/>
+              </a:spcAft>
+              <a:buClr>
+                <a:schemeClr val="accent2"/>
+              </a:buClr>
+              <a:buFont typeface="Arial" panose="020B0604020202020204" pitchFamily="34" charset="0"/>
+              <a:buChar char="•"/>
+              <a:defRPr sz="1400" kern="1200">
+                <a:solidFill>
+                  <a:schemeClr val="bg1"/>
+                </a:solidFill>
+                <a:latin typeface="+mn-lt"/>
+                <a:ea typeface="+mn-ea"/>
+                <a:cs typeface="Arial" panose="020B0604020202020204" pitchFamily="34" charset="0"/>
+              </a:defRPr>
+            </a:lvl2pPr>
+            <a:lvl3pPr marL="1143000" indent="-228600" algn="l" defTabSz="914400" rtl="0" eaLnBrk="1" latinLnBrk="0" hangingPunct="1">
+              <a:lnSpc>
+                <a:spcPct val="100000"/>
+              </a:lnSpc>
+              <a:spcBef>
+                <a:spcPts val="600"/>
+              </a:spcBef>
+              <a:spcAft>
+                <a:spcPts val="400"/>
+              </a:spcAft>
+              <a:buClr>
+                <a:schemeClr val="accent2"/>
+              </a:buClr>
+              <a:buFont typeface="Arial" panose="020B0604020202020204" pitchFamily="34" charset="0"/>
+              <a:buChar char="•"/>
+              <a:defRPr sz="1200" kern="1200">
+                <a:solidFill>
+                  <a:schemeClr val="bg1"/>
+                </a:solidFill>
+                <a:latin typeface="+mn-lt"/>
+                <a:ea typeface="+mn-ea"/>
+                <a:cs typeface="Arial" panose="020B0604020202020204" pitchFamily="34" charset="0"/>
+              </a:defRPr>
+            </a:lvl3pPr>
+            <a:lvl4pPr marL="1600200" indent="-228600" algn="l" defTabSz="914400" rtl="0" eaLnBrk="1" latinLnBrk="0" hangingPunct="1">
+              <a:lnSpc>
+                <a:spcPct val="90000"/>
+              </a:lnSpc>
+              <a:spcBef>
+                <a:spcPts val="500"/>
+              </a:spcBef>
+              <a:buClr>
+                <a:schemeClr val="accent2"/>
+              </a:buClr>
+              <a:buFont typeface="Arial" panose="020B0604020202020204" pitchFamily="34" charset="0"/>
+              <a:buChar char="•"/>
+              <a:defRPr sz="1400" kern="1200">
+                <a:solidFill>
+                  <a:schemeClr val="bg1"/>
+                </a:solidFill>
+                <a:latin typeface="Arial" panose="020B0604020202020204" pitchFamily="34" charset="0"/>
+                <a:ea typeface="+mn-ea"/>
+                <a:cs typeface="Arial" panose="020B0604020202020204" pitchFamily="34" charset="0"/>
+              </a:defRPr>
+            </a:lvl4pPr>
+            <a:lvl5pPr marL="2057400" indent="-228600" algn="l" defTabSz="914400" rtl="0" eaLnBrk="1" latinLnBrk="0" hangingPunct="1">
+              <a:lnSpc>
+                <a:spcPct val="90000"/>
+              </a:lnSpc>
+              <a:spcBef>
+                <a:spcPts val="500"/>
+              </a:spcBef>
+              <a:buClr>
+                <a:schemeClr val="accent2"/>
+              </a:buClr>
+              <a:buFont typeface="Arial" panose="020B0604020202020204" pitchFamily="34" charset="0"/>
+              <a:buChar char="•"/>
+              <a:defRPr sz="1400" kern="1200">
+                <a:solidFill>
+                  <a:schemeClr val="bg1"/>
+                </a:solidFill>
+                <a:latin typeface="Arial" panose="020B0604020202020204" pitchFamily="34" charset="0"/>
+                <a:ea typeface="+mn-ea"/>
+                <a:cs typeface="Arial" panose="020B0604020202020204" pitchFamily="34" charset="0"/>
+              </a:defRPr>
+            </a:lvl5pPr>
+            <a:lvl6pPr marL="2514600" indent="-228600" algn="l" defTabSz="914400" rtl="0" eaLnBrk="1" latinLnBrk="0" hangingPunct="1">
+              <a:lnSpc>
+                <a:spcPct val="90000"/>
+              </a:lnSpc>
+              <a:spcBef>
+                <a:spcPts val="500"/>
+              </a:spcBef>
+              <a:buFont typeface="Arial" panose="020B0604020202020204" pitchFamily="34" charset="0"/>
+              <a:buChar char="•"/>
+              <a:defRPr sz="1800" kern="1200">
+                <a:solidFill>
+                  <a:schemeClr val="tx1"/>
+                </a:solidFill>
+                <a:latin typeface="+mn-lt"/>
+                <a:ea typeface="+mn-ea"/>
+                <a:cs typeface="+mn-cs"/>
+              </a:defRPr>
+            </a:lvl6pPr>
+            <a:lvl7pPr marL="2971800" indent="-228600" algn="l" defTabSz="914400" rtl="0" eaLnBrk="1" latinLnBrk="0" hangingPunct="1">
+              <a:lnSpc>
+                <a:spcPct val="90000"/>
+              </a:lnSpc>
+              <a:spcBef>
+                <a:spcPts val="500"/>
+              </a:spcBef>
+              <a:buFont typeface="Arial" panose="020B0604020202020204" pitchFamily="34" charset="0"/>
+              <a:buChar char="•"/>
+              <a:defRPr sz="1800" kern="1200">
+                <a:solidFill>
+                  <a:schemeClr val="tx1"/>
+                </a:solidFill>
+                <a:latin typeface="+mn-lt"/>
+                <a:ea typeface="+mn-ea"/>
+                <a:cs typeface="+mn-cs"/>
+              </a:defRPr>
+            </a:lvl7pPr>
+            <a:lvl8pPr marL="3429000" indent="-228600" algn="l" defTabSz="914400" rtl="0" eaLnBrk="1" latinLnBrk="0" hangingPunct="1">
+              <a:lnSpc>
+                <a:spcPct val="90000"/>
+              </a:lnSpc>
+              <a:spcBef>
+                <a:spcPts val="500"/>
+              </a:spcBef>
+              <a:buFont typeface="Arial" panose="020B0604020202020204" pitchFamily="34" charset="0"/>
+              <a:buChar char="•"/>
+              <a:defRPr sz="1800" kern="1200">
+                <a:solidFill>
+                  <a:schemeClr val="tx1"/>
+                </a:solidFill>
+                <a:latin typeface="+mn-lt"/>
+                <a:ea typeface="+mn-ea"/>
+                <a:cs typeface="+mn-cs"/>
+              </a:defRPr>
+            </a:lvl8pPr>
+            <a:lvl9pPr marL="3886200" indent="-228600" algn="l" defTabSz="914400" rtl="0" eaLnBrk="1" latinLnBrk="0" hangingPunct="1">
+              <a:lnSpc>
+                <a:spcPct val="90000"/>
+              </a:lnSpc>
+              <a:spcBef>
+                <a:spcPts val="500"/>
+              </a:spcBef>
+              <a:buFont typeface="Arial" panose="020B0604020202020204" pitchFamily="34" charset="0"/>
+              <a:buChar char="•"/>
+              <a:defRPr sz="1800" kern="1200">
+                <a:solidFill>
+                  <a:schemeClr val="tx1"/>
+                </a:solidFill>
+                <a:latin typeface="+mn-lt"/>
+                <a:ea typeface="+mn-ea"/>
+                <a:cs typeface="+mn-cs"/>
+              </a:defRPr>
+            </a:lvl9pPr>
+          </a:lstStyle>
           <a:p>
             <a:pPr marL="0" indent="0">
+              <a:buFont typeface="Arial" panose="020B0604020202020204" pitchFamily="34" charset="0"/>
               <a:buNone/>
             </a:pPr>
             <a:r>
-              <a:rPr lang="en-US" dirty="0"/>
-              <a:t>2 Project Folders</a:t>
+              <a:rPr lang="en-US" u="sng" dirty="0">
+                <a:solidFill>
+                  <a:srgbClr val="FFFF00"/>
+                </a:solidFill>
+              </a:rPr>
+              <a:t>Considerations/Improvements</a:t>
             </a:r>
           </a:p>
           <a:p>
-            <a:pPr marL="0" indent="0">
-              <a:buNone/>
-            </a:pPr>
             <a:r>
               <a:rPr lang="en-US" dirty="0"/>
-              <a:t>Client-side</a:t>
+              <a:t>XAMPP: many shortcomings (</a:t>
             </a:r>
-          </a:p>
-          <a:p>
-            <a:pPr marL="0" indent="0">
-              <a:buNone/>
-            </a:pPr>
+            <a:r>
+              <a:rPr lang="en-US" dirty="0" err="1"/>
+              <a:t>Laragon</a:t>
+            </a:r>
             <a:r>
               <a:rPr lang="en-US" dirty="0"/>
-              <a:t>Server-side</a:t>
+              <a:t> used instead)</a:t>
             </a:r>
           </a:p>
           <a:p>
-            <a:pPr marL="0" indent="0">
-              <a:buNone/>
-            </a:pPr>
-            <a:endParaRPr lang="en-US" dirty="0"/>
-          </a:p>
-          <a:p>
-            <a:pPr marL="0" indent="0">
-              <a:buNone/>
-            </a:pPr>
             <a:r>
               <a:rPr lang="en-US" dirty="0"/>
-              <a:t>Setup instructions</a:t>
+              <a:t>Triggers considered on insert/delete but </a:t>
             </a:r>
           </a:p>
           <a:p>
-            <a:pPr marL="0" indent="0">
-              <a:buNone/>
-            </a:pPr>
             <a:r>
               <a:rPr lang="en-US" dirty="0"/>
-              <a:t>Sample data &amp; user/administrator accounts</a:t>
+              <a:t>Reliance on UPDATED_BY column to match user name in joins (sometimes admin can update on behalf of another user)</a:t>
             </a:r>
           </a:p>
-        </p:txBody>
-      </p:sp>
-      <p:sp>
-        <p:nvSpPr>
-          <p:cNvPr id="2" name="Slide Number Placeholder 1">
-            <a:extLst>
-              <a:ext uri="{FF2B5EF4-FFF2-40B4-BE49-F238E27FC236}">
-                <a16:creationId xmlns:a16="http://schemas.microsoft.com/office/drawing/2014/main" id="{BE9800F6-D571-48C4-8466-12AA1ADB6599}"/>
-              </a:ext>
-            </a:extLst>
-          </p:cNvPr>
-          <p:cNvSpPr>
-            <a:spLocks noGrp="1"/>
-          </p:cNvSpPr>
-          <p:nvPr>
-            <p:ph type="sldNum" sz="quarter" idx="12"/>
-          </p:nvPr>
-        </p:nvSpPr>
-        <p:spPr/>
-        <p:txBody>
-          <a:bodyPr/>
-          <a:lstStyle/>
-          <a:p>
-            <a:fld id="{C263D6C4-4840-40CC-AC84-17E24B3B7BDE}" type="slidenum">
-              <a:rPr lang="en-US" smtClean="0"/>
-              <a:pPr/>
-              <a:t>3</a:t>
-            </a:fld>
-            <a:endParaRPr lang="en-US" dirty="0"/>
+          <a:p>
+            <a:r>
+              <a:rPr lang="en-US" dirty="0"/>
+              <a:t>Selecting MAX(id) from </a:t>
+            </a:r>
+            <a:r>
+              <a:rPr lang="en-US" dirty="0" err="1"/>
+              <a:t>emotionhistory</a:t>
+            </a:r>
+            <a:r>
+              <a:rPr lang="en-US" dirty="0"/>
+              <a:t> when inserting new snapshot in order to link to other tables - using a Run ID would be more advisable</a:t>
+            </a:r>
+          </a:p>
+          <a:p>
+            <a:r>
+              <a:rPr lang="en-US" dirty="0"/>
+              <a:t>Considered soft deletions (ACTIVE column on certain tables) but this added complexity to queries</a:t>
+            </a:r>
+          </a:p>
+          <a:p>
+            <a:r>
+              <a:rPr lang="en-US" dirty="0"/>
+              <a:t>Password encryption was initially SHA-256 but changed to AES (non-</a:t>
+            </a:r>
+            <a:r>
+              <a:rPr lang="en-US" dirty="0" err="1"/>
+              <a:t>decryptability</a:t>
+            </a:r>
+            <a:r>
+              <a:rPr lang="en-US" dirty="0"/>
+              <a:t> of SHA – cannot view in ‘Account Admin’ screen)</a:t>
+            </a:r>
           </a:p>
         </p:txBody>
       </p:sp>
     </p:spTree>
     <p:extLst>
       <p:ext uri="{BB962C8B-B14F-4D97-AF65-F5344CB8AC3E}">
-        <p14:creationId xmlns:p14="http://schemas.microsoft.com/office/powerpoint/2010/main" val="3317969208"/>
+        <p14:creationId xmlns:p14="http://schemas.microsoft.com/office/powerpoint/2010/main" val="1408203661"/>
       </p:ext>
     </p:extLst>
   </p:cSld>
@@ -29660,34 +27380,6 @@
       </p:grpSpPr>
       <p:sp>
         <p:nvSpPr>
-          <p:cNvPr id="7" name="Title 6">
-            <a:extLst>
-              <a:ext uri="{FF2B5EF4-FFF2-40B4-BE49-F238E27FC236}">
-                <a16:creationId xmlns:a16="http://schemas.microsoft.com/office/drawing/2014/main" id="{7875C19A-1AAE-476A-A316-A2CF92D763D3}"/>
-              </a:ext>
-            </a:extLst>
-          </p:cNvPr>
-          <p:cNvSpPr>
-            <a:spLocks noGrp="1"/>
-          </p:cNvSpPr>
-          <p:nvPr>
-            <p:ph type="title"/>
-          </p:nvPr>
-        </p:nvSpPr>
-        <p:spPr/>
-        <p:txBody>
-          <a:bodyPr/>
-          <a:lstStyle/>
-          <a:p>
-            <a:r>
-              <a:rPr lang="en-US" dirty="0"/>
-              <a:t>Project Structure</a:t>
-            </a:r>
-          </a:p>
-        </p:txBody>
-      </p:sp>
-      <p:sp>
-        <p:nvSpPr>
           <p:cNvPr id="2" name="Slide Number Placeholder 1">
             <a:extLst>
               <a:ext uri="{FF2B5EF4-FFF2-40B4-BE49-F238E27FC236}">
@@ -29738,14 +27430,54 @@
         </p:blipFill>
         <p:spPr>
           <a:xfrm>
-            <a:off x="1433512" y="1181100"/>
-            <a:ext cx="9324975" cy="4495800"/>
+            <a:off x="1229085" y="1082540"/>
+            <a:ext cx="9733829" cy="4692919"/>
           </a:xfrm>
           <a:prstGeom prst="rect">
             <a:avLst/>
           </a:prstGeom>
         </p:spPr>
       </p:pic>
+      <p:sp>
+        <p:nvSpPr>
+          <p:cNvPr id="5" name="Title 6">
+            <a:extLst>
+              <a:ext uri="{FF2B5EF4-FFF2-40B4-BE49-F238E27FC236}">
+                <a16:creationId xmlns:a16="http://schemas.microsoft.com/office/drawing/2014/main" id="{18881220-709A-1EA7-E90E-ED8017B4820C}"/>
+              </a:ext>
+            </a:extLst>
+          </p:cNvPr>
+          <p:cNvSpPr>
+            <a:spLocks noGrp="1"/>
+          </p:cNvSpPr>
+          <p:nvPr>
+            <p:ph type="title"/>
+          </p:nvPr>
+        </p:nvSpPr>
+        <p:spPr>
+          <a:xfrm>
+            <a:off x="329090" y="266576"/>
+            <a:ext cx="11214100" cy="535531"/>
+          </a:xfrm>
+        </p:spPr>
+        <p:txBody>
+          <a:bodyPr/>
+          <a:lstStyle/>
+          <a:p>
+            <a:r>
+              <a:rPr lang="en-US" dirty="0">
+                <a:solidFill>
+                  <a:schemeClr val="accent1">
+                    <a:lumMod val="40000"/>
+                    <a:lumOff val="60000"/>
+                  </a:schemeClr>
+                </a:solidFill>
+              </a:rPr>
+              <a:t>System Implementation</a:t>
+            </a:r>
+          </a:p>
+        </p:txBody>
+      </p:sp>
     </p:spTree>
     <p:extLst>
       <p:ext uri="{BB962C8B-B14F-4D97-AF65-F5344CB8AC3E}">
@@ -29804,24 +27536,36 @@
             <p:ph type="title"/>
           </p:nvPr>
         </p:nvSpPr>
-        <p:spPr/>
+        <p:spPr>
+          <a:xfrm>
+            <a:off x="329090" y="177800"/>
+            <a:ext cx="11214100" cy="535531"/>
+          </a:xfrm>
+        </p:spPr>
         <p:txBody>
           <a:bodyPr/>
           <a:lstStyle/>
           <a:p>
             <a:r>
-              <a:rPr lang="en-US" dirty="0"/>
-              <a:t>Database Structure</a:t>
+              <a:rPr lang="en-US" dirty="0">
+                <a:solidFill>
+                  <a:schemeClr val="accent1">
+                    <a:lumMod val="40000"/>
+                    <a:lumOff val="60000"/>
+                  </a:schemeClr>
+                </a:solidFill>
+              </a:rPr>
+              <a:t>Project Structure</a:t>
             </a:r>
           </a:p>
         </p:txBody>
       </p:sp>
       <p:sp>
         <p:nvSpPr>
-          <p:cNvPr id="2" name="Slide Number Placeholder 1">
+          <p:cNvPr id="10" name="Text Placeholder 9">
             <a:extLst>
               <a:ext uri="{FF2B5EF4-FFF2-40B4-BE49-F238E27FC236}">
-                <a16:creationId xmlns:a16="http://schemas.microsoft.com/office/drawing/2014/main" id="{BE9800F6-D571-48C4-8466-12AA1ADB6599}"/>
+                <a16:creationId xmlns:a16="http://schemas.microsoft.com/office/drawing/2014/main" id="{EF2BC084-E6DB-4DE7-B309-042A85EBA700}"/>
               </a:ext>
             </a:extLst>
           </p:cNvPr>
@@ -29829,29 +27573,39 @@
             <a:spLocks noGrp="1"/>
           </p:cNvSpPr>
           <p:nvPr>
-            <p:ph type="sldNum" sz="quarter" idx="12"/>
+            <p:ph type="body" sz="quarter" idx="13"/>
           </p:nvPr>
         </p:nvSpPr>
-        <p:spPr/>
+        <p:spPr>
+          <a:xfrm>
+            <a:off x="192102" y="742648"/>
+            <a:ext cx="1215625" cy="335808"/>
+          </a:xfrm>
+        </p:spPr>
         <p:txBody>
           <a:bodyPr/>
           <a:lstStyle/>
           <a:p>
-            <a:fld id="{C263D6C4-4840-40CC-AC84-17E24B3B7BDE}" type="slidenum">
-              <a:rPr lang="en-US" smtClean="0"/>
-              <a:pPr/>
-              <a:t>5</a:t>
-            </a:fld>
-            <a:endParaRPr lang="en-US" dirty="0"/>
+            <a:pPr marL="0" indent="0">
+              <a:buNone/>
+            </a:pPr>
+            <a:r>
+              <a:rPr lang="en-US" dirty="0">
+                <a:solidFill>
+                  <a:srgbClr val="FFFF00"/>
+                </a:solidFill>
+              </a:rPr>
+              <a:t>Client-side</a:t>
+            </a:r>
           </a:p>
         </p:txBody>
       </p:sp>
       <p:pic>
         <p:nvPicPr>
-          <p:cNvPr id="6" name="Picture 5" descr="A screenshot of a computer&#10;&#10;Description automatically generated">
+          <p:cNvPr id="5" name="Picture 4">
             <a:extLst>
               <a:ext uri="{FF2B5EF4-FFF2-40B4-BE49-F238E27FC236}">
-                <a16:creationId xmlns:a16="http://schemas.microsoft.com/office/drawing/2014/main" id="{F31E0E02-733C-13E0-1D91-D7620F984A0A}"/>
+                <a16:creationId xmlns:a16="http://schemas.microsoft.com/office/drawing/2014/main" id="{EBD85714-E91A-B084-5690-41E1F1C7E6A4}"/>
               </a:ext>
             </a:extLst>
           </p:cNvPr>
@@ -29868,8 +27622,329 @@
         </p:blipFill>
         <p:spPr>
           <a:xfrm>
-            <a:off x="4868718" y="1094438"/>
-            <a:ext cx="6670128" cy="5204654"/>
+            <a:off x="1407727" y="668400"/>
+            <a:ext cx="2276506" cy="6123017"/>
+          </a:xfrm>
+          <a:prstGeom prst="rect">
+            <a:avLst/>
+          </a:prstGeom>
+        </p:spPr>
+      </p:pic>
+      <p:sp>
+        <p:nvSpPr>
+          <p:cNvPr id="6" name="Text Placeholder 9">
+            <a:extLst>
+              <a:ext uri="{FF2B5EF4-FFF2-40B4-BE49-F238E27FC236}">
+                <a16:creationId xmlns:a16="http://schemas.microsoft.com/office/drawing/2014/main" id="{C3796045-8AE8-B96D-CCC8-F89EEC6C9142}"/>
+              </a:ext>
+            </a:extLst>
+          </p:cNvPr>
+          <p:cNvSpPr txBox="1">
+            <a:spLocks/>
+          </p:cNvSpPr>
+          <p:nvPr/>
+        </p:nvSpPr>
+        <p:spPr>
+          <a:xfrm>
+            <a:off x="6976262" y="1898973"/>
+            <a:ext cx="1400331" cy="335808"/>
+          </a:xfrm>
+          <a:prstGeom prst="rect">
+            <a:avLst/>
+          </a:prstGeom>
+        </p:spPr>
+        <p:txBody>
+          <a:bodyPr vert="horz" lIns="91440" tIns="45720" rIns="91440" bIns="45720" rtlCol="0">
+            <a:noAutofit/>
+          </a:bodyPr>
+          <a:lstStyle>
+            <a:lvl1pPr marL="228600" indent="-228600" algn="l" defTabSz="914400" rtl="0" eaLnBrk="1" latinLnBrk="0" hangingPunct="1">
+              <a:lnSpc>
+                <a:spcPct val="100000"/>
+              </a:lnSpc>
+              <a:spcBef>
+                <a:spcPts val="600"/>
+              </a:spcBef>
+              <a:spcAft>
+                <a:spcPts val="400"/>
+              </a:spcAft>
+              <a:buClr>
+                <a:schemeClr val="accent2"/>
+              </a:buClr>
+              <a:buFont typeface="Arial" panose="020B0604020202020204" pitchFamily="34" charset="0"/>
+              <a:buChar char="•"/>
+              <a:defRPr sz="1600" kern="1200">
+                <a:solidFill>
+                  <a:schemeClr val="bg1"/>
+                </a:solidFill>
+                <a:latin typeface="+mn-lt"/>
+                <a:ea typeface="+mn-ea"/>
+                <a:cs typeface="Arial" panose="020B0604020202020204" pitchFamily="34" charset="0"/>
+              </a:defRPr>
+            </a:lvl1pPr>
+            <a:lvl2pPr marL="685800" indent="-228600" algn="l" defTabSz="914400" rtl="0" eaLnBrk="1" latinLnBrk="0" hangingPunct="1">
+              <a:lnSpc>
+                <a:spcPct val="100000"/>
+              </a:lnSpc>
+              <a:spcBef>
+                <a:spcPts val="600"/>
+              </a:spcBef>
+              <a:spcAft>
+                <a:spcPts val="400"/>
+              </a:spcAft>
+              <a:buClr>
+                <a:schemeClr val="accent2"/>
+              </a:buClr>
+              <a:buFont typeface="Arial" panose="020B0604020202020204" pitchFamily="34" charset="0"/>
+              <a:buChar char="•"/>
+              <a:defRPr sz="1400" kern="1200">
+                <a:solidFill>
+                  <a:schemeClr val="bg1"/>
+                </a:solidFill>
+                <a:latin typeface="+mn-lt"/>
+                <a:ea typeface="+mn-ea"/>
+                <a:cs typeface="Arial" panose="020B0604020202020204" pitchFamily="34" charset="0"/>
+              </a:defRPr>
+            </a:lvl2pPr>
+            <a:lvl3pPr marL="1143000" indent="-228600" algn="l" defTabSz="914400" rtl="0" eaLnBrk="1" latinLnBrk="0" hangingPunct="1">
+              <a:lnSpc>
+                <a:spcPct val="100000"/>
+              </a:lnSpc>
+              <a:spcBef>
+                <a:spcPts val="600"/>
+              </a:spcBef>
+              <a:spcAft>
+                <a:spcPts val="400"/>
+              </a:spcAft>
+              <a:buClr>
+                <a:schemeClr val="accent2"/>
+              </a:buClr>
+              <a:buFont typeface="Arial" panose="020B0604020202020204" pitchFamily="34" charset="0"/>
+              <a:buChar char="•"/>
+              <a:defRPr sz="1200" kern="1200">
+                <a:solidFill>
+                  <a:schemeClr val="bg1"/>
+                </a:solidFill>
+                <a:latin typeface="+mn-lt"/>
+                <a:ea typeface="+mn-ea"/>
+                <a:cs typeface="Arial" panose="020B0604020202020204" pitchFamily="34" charset="0"/>
+              </a:defRPr>
+            </a:lvl3pPr>
+            <a:lvl4pPr marL="1600200" indent="-228600" algn="l" defTabSz="914400" rtl="0" eaLnBrk="1" latinLnBrk="0" hangingPunct="1">
+              <a:lnSpc>
+                <a:spcPct val="90000"/>
+              </a:lnSpc>
+              <a:spcBef>
+                <a:spcPts val="500"/>
+              </a:spcBef>
+              <a:buClr>
+                <a:schemeClr val="accent2"/>
+              </a:buClr>
+              <a:buFont typeface="Arial" panose="020B0604020202020204" pitchFamily="34" charset="0"/>
+              <a:buChar char="•"/>
+              <a:defRPr sz="1400" kern="1200">
+                <a:solidFill>
+                  <a:schemeClr val="bg1"/>
+                </a:solidFill>
+                <a:latin typeface="Arial" panose="020B0604020202020204" pitchFamily="34" charset="0"/>
+                <a:ea typeface="+mn-ea"/>
+                <a:cs typeface="Arial" panose="020B0604020202020204" pitchFamily="34" charset="0"/>
+              </a:defRPr>
+            </a:lvl4pPr>
+            <a:lvl5pPr marL="2057400" indent="-228600" algn="l" defTabSz="914400" rtl="0" eaLnBrk="1" latinLnBrk="0" hangingPunct="1">
+              <a:lnSpc>
+                <a:spcPct val="90000"/>
+              </a:lnSpc>
+              <a:spcBef>
+                <a:spcPts val="500"/>
+              </a:spcBef>
+              <a:buClr>
+                <a:schemeClr val="accent2"/>
+              </a:buClr>
+              <a:buFont typeface="Arial" panose="020B0604020202020204" pitchFamily="34" charset="0"/>
+              <a:buChar char="•"/>
+              <a:defRPr sz="1400" kern="1200">
+                <a:solidFill>
+                  <a:schemeClr val="bg1"/>
+                </a:solidFill>
+                <a:latin typeface="Arial" panose="020B0604020202020204" pitchFamily="34" charset="0"/>
+                <a:ea typeface="+mn-ea"/>
+                <a:cs typeface="Arial" panose="020B0604020202020204" pitchFamily="34" charset="0"/>
+              </a:defRPr>
+            </a:lvl5pPr>
+            <a:lvl6pPr marL="2514600" indent="-228600" algn="l" defTabSz="914400" rtl="0" eaLnBrk="1" latinLnBrk="0" hangingPunct="1">
+              <a:lnSpc>
+                <a:spcPct val="90000"/>
+              </a:lnSpc>
+              <a:spcBef>
+                <a:spcPts val="500"/>
+              </a:spcBef>
+              <a:buFont typeface="Arial" panose="020B0604020202020204" pitchFamily="34" charset="0"/>
+              <a:buChar char="•"/>
+              <a:defRPr sz="1800" kern="1200">
+                <a:solidFill>
+                  <a:schemeClr val="tx1"/>
+                </a:solidFill>
+                <a:latin typeface="+mn-lt"/>
+                <a:ea typeface="+mn-ea"/>
+                <a:cs typeface="+mn-cs"/>
+              </a:defRPr>
+            </a:lvl6pPr>
+            <a:lvl7pPr marL="2971800" indent="-228600" algn="l" defTabSz="914400" rtl="0" eaLnBrk="1" latinLnBrk="0" hangingPunct="1">
+              <a:lnSpc>
+                <a:spcPct val="90000"/>
+              </a:lnSpc>
+              <a:spcBef>
+                <a:spcPts val="500"/>
+              </a:spcBef>
+              <a:buFont typeface="Arial" panose="020B0604020202020204" pitchFamily="34" charset="0"/>
+              <a:buChar char="•"/>
+              <a:defRPr sz="1800" kern="1200">
+                <a:solidFill>
+                  <a:schemeClr val="tx1"/>
+                </a:solidFill>
+                <a:latin typeface="+mn-lt"/>
+                <a:ea typeface="+mn-ea"/>
+                <a:cs typeface="+mn-cs"/>
+              </a:defRPr>
+            </a:lvl7pPr>
+            <a:lvl8pPr marL="3429000" indent="-228600" algn="l" defTabSz="914400" rtl="0" eaLnBrk="1" latinLnBrk="0" hangingPunct="1">
+              <a:lnSpc>
+                <a:spcPct val="90000"/>
+              </a:lnSpc>
+              <a:spcBef>
+                <a:spcPts val="500"/>
+              </a:spcBef>
+              <a:buFont typeface="Arial" panose="020B0604020202020204" pitchFamily="34" charset="0"/>
+              <a:buChar char="•"/>
+              <a:defRPr sz="1800" kern="1200">
+                <a:solidFill>
+                  <a:schemeClr val="tx1"/>
+                </a:solidFill>
+                <a:latin typeface="+mn-lt"/>
+                <a:ea typeface="+mn-ea"/>
+                <a:cs typeface="+mn-cs"/>
+              </a:defRPr>
+            </a:lvl8pPr>
+            <a:lvl9pPr marL="3886200" indent="-228600" algn="l" defTabSz="914400" rtl="0" eaLnBrk="1" latinLnBrk="0" hangingPunct="1">
+              <a:lnSpc>
+                <a:spcPct val="90000"/>
+              </a:lnSpc>
+              <a:spcBef>
+                <a:spcPts val="500"/>
+              </a:spcBef>
+              <a:buFont typeface="Arial" panose="020B0604020202020204" pitchFamily="34" charset="0"/>
+              <a:buChar char="•"/>
+              <a:defRPr sz="1800" kern="1200">
+                <a:solidFill>
+                  <a:schemeClr val="tx1"/>
+                </a:solidFill>
+                <a:latin typeface="+mn-lt"/>
+                <a:ea typeface="+mn-ea"/>
+                <a:cs typeface="+mn-cs"/>
+              </a:defRPr>
+            </a:lvl9pPr>
+          </a:lstStyle>
+          <a:p>
+            <a:pPr marL="0" indent="0">
+              <a:buFont typeface="Arial" panose="020B0604020202020204" pitchFamily="34" charset="0"/>
+              <a:buNone/>
+            </a:pPr>
+            <a:r>
+              <a:rPr lang="en-US" dirty="0">
+                <a:solidFill>
+                  <a:srgbClr val="FFFF00"/>
+                </a:solidFill>
+              </a:rPr>
+              <a:t>Server-side</a:t>
+            </a:r>
+          </a:p>
+        </p:txBody>
+      </p:sp>
+      <p:pic>
+        <p:nvPicPr>
+          <p:cNvPr id="9" name="Picture 8">
+            <a:extLst>
+              <a:ext uri="{FF2B5EF4-FFF2-40B4-BE49-F238E27FC236}">
+                <a16:creationId xmlns:a16="http://schemas.microsoft.com/office/drawing/2014/main" id="{F5898CD8-3E6E-EC30-7828-D714E48015F5}"/>
+              </a:ext>
+            </a:extLst>
+          </p:cNvPr>
+          <p:cNvPicPr>
+            <a:picLocks noChangeAspect="1"/>
+          </p:cNvPicPr>
+          <p:nvPr/>
+        </p:nvPicPr>
+        <p:blipFill>
+          <a:blip r:embed="rId3"/>
+          <a:stretch>
+            <a:fillRect/>
+          </a:stretch>
+        </p:blipFill>
+        <p:spPr>
+          <a:xfrm>
+            <a:off x="6351664" y="2273902"/>
+            <a:ext cx="2649528" cy="2643035"/>
+          </a:xfrm>
+          <a:prstGeom prst="rect">
+            <a:avLst/>
+          </a:prstGeom>
+        </p:spPr>
+      </p:pic>
+      <p:pic>
+        <p:nvPicPr>
+          <p:cNvPr id="12" name="Picture 11">
+            <a:extLst>
+              <a:ext uri="{FF2B5EF4-FFF2-40B4-BE49-F238E27FC236}">
+                <a16:creationId xmlns:a16="http://schemas.microsoft.com/office/drawing/2014/main" id="{34975E23-3AFB-3B3D-932C-34689106C0BF}"/>
+              </a:ext>
+            </a:extLst>
+          </p:cNvPr>
+          <p:cNvPicPr>
+            <a:picLocks noChangeAspect="1"/>
+          </p:cNvPicPr>
+          <p:nvPr/>
+        </p:nvPicPr>
+        <p:blipFill>
+          <a:blip r:embed="rId4"/>
+          <a:stretch>
+            <a:fillRect/>
+          </a:stretch>
+        </p:blipFill>
+        <p:spPr>
+          <a:xfrm>
+            <a:off x="8248971" y="2531468"/>
+            <a:ext cx="3825572" cy="4259949"/>
+          </a:xfrm>
+          <a:prstGeom prst="rect">
+            <a:avLst/>
+          </a:prstGeom>
+        </p:spPr>
+      </p:pic>
+      <p:pic>
+        <p:nvPicPr>
+          <p:cNvPr id="14" name="Picture 13">
+            <a:extLst>
+              <a:ext uri="{FF2B5EF4-FFF2-40B4-BE49-F238E27FC236}">
+                <a16:creationId xmlns:a16="http://schemas.microsoft.com/office/drawing/2014/main" id="{8C9C43FB-C483-FD45-E10F-B53E0D9B595C}"/>
+              </a:ext>
+            </a:extLst>
+          </p:cNvPr>
+          <p:cNvPicPr>
+            <a:picLocks noChangeAspect="1"/>
+          </p:cNvPicPr>
+          <p:nvPr/>
+        </p:nvPicPr>
+        <p:blipFill>
+          <a:blip r:embed="rId5"/>
+          <a:stretch>
+            <a:fillRect/>
+          </a:stretch>
+        </p:blipFill>
+        <p:spPr>
+          <a:xfrm>
+            <a:off x="3128068" y="910552"/>
+            <a:ext cx="3073134" cy="3394670"/>
           </a:xfrm>
           <a:prstGeom prst="rect">
             <a:avLst/>
@@ -29879,7 +27954,7 @@
     </p:spTree>
     <p:extLst>
       <p:ext uri="{BB962C8B-B14F-4D97-AF65-F5344CB8AC3E}">
-        <p14:creationId xmlns:p14="http://schemas.microsoft.com/office/powerpoint/2010/main" val="1408203661"/>
+        <p14:creationId xmlns:p14="http://schemas.microsoft.com/office/powerpoint/2010/main" val="3317969208"/>
       </p:ext>
     </p:extLst>
   </p:cSld>
@@ -29920,10 +27995,10 @@
       </p:grpSpPr>
       <p:sp>
         <p:nvSpPr>
-          <p:cNvPr id="4" name="Title 3">
+          <p:cNvPr id="3" name="Text Placeholder 2">
             <a:extLst>
               <a:ext uri="{FF2B5EF4-FFF2-40B4-BE49-F238E27FC236}">
-                <a16:creationId xmlns:a16="http://schemas.microsoft.com/office/drawing/2014/main" id="{E3BD8413-C238-49D7-A4E1-E8FEF1811A0E}"/>
+                <a16:creationId xmlns:a16="http://schemas.microsoft.com/office/drawing/2014/main" id="{73E3EF51-53D1-CB35-30F5-2C4ACF286662}"/>
               </a:ext>
             </a:extLst>
           </p:cNvPr>
@@ -29931,83 +28006,729 @@
             <a:spLocks noGrp="1"/>
           </p:cNvSpPr>
           <p:nvPr>
-            <p:ph type="title"/>
+            <p:ph type="body" sz="quarter" idx="13"/>
           </p:nvPr>
         </p:nvSpPr>
-        <p:spPr/>
+        <p:spPr>
+          <a:xfrm>
+            <a:off x="131820" y="802107"/>
+            <a:ext cx="6718300" cy="4093243"/>
+          </a:xfrm>
+        </p:spPr>
         <p:txBody>
           <a:bodyPr/>
           <a:lstStyle/>
           <a:p>
             <a:r>
-              <a:rPr lang="en-US" dirty="0"/>
-              <a:t>Section Header01</a:t>
+              <a:rPr lang="en-GB" dirty="0"/>
+              <a:t>Developing while learning &amp; a lot of rework required as new considerations</a:t>
+            </a:r>
+          </a:p>
+          <a:p>
+            <a:r>
+              <a:rPr lang="en-GB" dirty="0"/>
+              <a:t>Slow pace in early days, often getting stuck &amp; unable to find help / unaware of resources</a:t>
+            </a:r>
+          </a:p>
+          <a:p>
+            <a:r>
+              <a:rPr lang="en-GB" dirty="0"/>
+              <a:t>Discovery of most important resources - some happened by accident</a:t>
+            </a:r>
+          </a:p>
+          <a:p>
+            <a:r>
+              <a:rPr lang="en-GB" dirty="0"/>
+              <a:t>Project got on track late on</a:t>
+            </a:r>
+          </a:p>
+          <a:p>
+            <a:r>
+              <a:rPr lang="en-GB" dirty="0"/>
+              <a:t>Heavy leveraging of SQL for server-side manipulation &amp; validations to speed up progress</a:t>
+            </a:r>
+          </a:p>
+          <a:p>
+            <a:r>
+              <a:rPr lang="en-GB" dirty="0"/>
+              <a:t>Time constraints vs. code modularity</a:t>
+            </a:r>
+          </a:p>
+          <a:p>
+            <a:r>
+              <a:rPr lang="en-GB" dirty="0"/>
+              <a:t>JavaScript libraries: </a:t>
+            </a:r>
+            <a:r>
+              <a:rPr lang="en-GB" dirty="0" err="1"/>
+              <a:t>UIKit</a:t>
+            </a:r>
+            <a:r>
+              <a:rPr lang="en-GB" dirty="0"/>
+              <a:t>, Semantic UI (dropdown), Chart JS (radar charts), jQuery (API requests - $.post &amp; $.ajax)</a:t>
             </a:r>
           </a:p>
         </p:txBody>
       </p:sp>
       <p:sp>
         <p:nvSpPr>
-          <p:cNvPr id="5" name="Text Placeholder 4">
+          <p:cNvPr id="11" name="Title 6">
             <a:extLst>
               <a:ext uri="{FF2B5EF4-FFF2-40B4-BE49-F238E27FC236}">
-                <a16:creationId xmlns:a16="http://schemas.microsoft.com/office/drawing/2014/main" id="{0A95F4DE-39B7-4CE2-BC1E-8B8AE662A895}"/>
+                <a16:creationId xmlns:a16="http://schemas.microsoft.com/office/drawing/2014/main" id="{AECF7CE4-D236-3477-A426-BCFE1BF295E6}"/>
               </a:ext>
             </a:extLst>
           </p:cNvPr>
-          <p:cNvSpPr>
-            <a:spLocks noGrp="1"/>
+          <p:cNvSpPr txBox="1">
+            <a:spLocks/>
           </p:cNvSpPr>
-          <p:nvPr>
-            <p:ph type="body" idx="1"/>
-          </p:nvPr>
+          <p:nvPr/>
         </p:nvSpPr>
-        <p:spPr/>
+        <p:spPr>
+          <a:xfrm>
+            <a:off x="329090" y="266576"/>
+            <a:ext cx="11214100" cy="535531"/>
+          </a:xfrm>
+          <a:prstGeom prst="rect">
+            <a:avLst/>
+          </a:prstGeom>
+        </p:spPr>
         <p:txBody>
-          <a:bodyPr/>
-          <a:lstStyle/>
+          <a:bodyPr vert="horz" wrap="square" lIns="91440" tIns="45720" rIns="91440" bIns="45720" rtlCol="0" anchor="t">
+            <a:spAutoFit/>
+          </a:bodyPr>
+          <a:lstStyle>
+            <a:lvl1pPr algn="l" defTabSz="914400" rtl="0" eaLnBrk="1" latinLnBrk="0" hangingPunct="1">
+              <a:lnSpc>
+                <a:spcPct val="90000"/>
+              </a:lnSpc>
+              <a:spcBef>
+                <a:spcPct val="0"/>
+              </a:spcBef>
+              <a:buNone/>
+              <a:defRPr lang="en-GB" sz="3200" b="1" kern="1200" spc="-70" baseline="0" dirty="0">
+                <a:solidFill>
+                  <a:schemeClr val="bg1"/>
+                </a:solidFill>
+                <a:latin typeface="+mj-lt"/>
+                <a:ea typeface="+mj-ea"/>
+                <a:cs typeface="+mj-cs"/>
+              </a:defRPr>
+            </a:lvl1pPr>
+          </a:lstStyle>
           <a:p>
             <a:r>
-              <a:rPr lang="en-US" dirty="0"/>
-              <a:t>Subtitle</a:t>
+              <a:rPr lang="en-US" dirty="0">
+                <a:solidFill>
+                  <a:schemeClr val="accent1">
+                    <a:lumMod val="40000"/>
+                    <a:lumOff val="60000"/>
+                  </a:schemeClr>
+                </a:solidFill>
+              </a:rPr>
+              <a:t>Development Approach</a:t>
             </a:r>
           </a:p>
         </p:txBody>
       </p:sp>
-      <p:sp>
-        <p:nvSpPr>
-          <p:cNvPr id="2" name="Slide Number Placeholder 1">
+      <p:pic>
+        <p:nvPicPr>
+          <p:cNvPr id="1026" name="Picture 2">
             <a:extLst>
               <a:ext uri="{FF2B5EF4-FFF2-40B4-BE49-F238E27FC236}">
-                <a16:creationId xmlns:a16="http://schemas.microsoft.com/office/drawing/2014/main" id="{0B24BF10-2B55-43AB-9F77-F1A1410384A9}"/>
+                <a16:creationId xmlns:a16="http://schemas.microsoft.com/office/drawing/2014/main" id="{9A2D4FC8-4DCD-EF61-BFDE-FB18449EC23F}"/>
               </a:ext>
             </a:extLst>
           </p:cNvPr>
-          <p:cNvSpPr>
-            <a:spLocks noGrp="1"/>
-          </p:cNvSpPr>
-          <p:nvPr>
-            <p:ph type="sldNum" sz="quarter" idx="12"/>
-          </p:nvPr>
-        </p:nvSpPr>
-        <p:spPr/>
-        <p:txBody>
-          <a:bodyPr/>
-          <a:lstStyle/>
-          <a:p>
-            <a:fld id="{C263D6C4-4840-40CC-AC84-17E24B3B7BDE}" type="slidenum">
-              <a:rPr lang="en-US" smtClean="0"/>
-              <a:pPr/>
-              <a:t>6</a:t>
-            </a:fld>
-            <a:endParaRPr lang="en-US" dirty="0"/>
-          </a:p>
-        </p:txBody>
-      </p:sp>
+          <p:cNvPicPr>
+            <a:picLocks noChangeAspect="1" noChangeArrowheads="1"/>
+          </p:cNvPicPr>
+          <p:nvPr/>
+        </p:nvPicPr>
+        <p:blipFill>
+          <a:blip r:embed="rId2">
+            <a:extLst>
+              <a:ext uri="{28A0092B-C50C-407E-A947-70E740481C1C}">
+                <a14:useLocalDpi xmlns:a14="http://schemas.microsoft.com/office/drawing/2010/main" val="0"/>
+              </a:ext>
+            </a:extLst>
+          </a:blip>
+          <a:srcRect/>
+          <a:stretch>
+            <a:fillRect/>
+          </a:stretch>
+        </p:blipFill>
+        <p:spPr bwMode="auto">
+          <a:xfrm>
+            <a:off x="10092358" y="4945146"/>
+            <a:ext cx="1853938" cy="545077"/>
+          </a:xfrm>
+          <a:prstGeom prst="rect">
+            <a:avLst/>
+          </a:prstGeom>
+          <a:noFill/>
+          <a:extLst>
+            <a:ext uri="{909E8E84-426E-40DD-AFC4-6F175D3DCCD1}">
+              <a14:hiddenFill xmlns:a14="http://schemas.microsoft.com/office/drawing/2010/main">
+                <a:solidFill>
+                  <a:srgbClr val="FFFFFF"/>
+                </a:solidFill>
+              </a14:hiddenFill>
+            </a:ext>
+          </a:extLst>
+        </p:spPr>
+      </p:pic>
+      <p:pic>
+        <p:nvPicPr>
+          <p:cNvPr id="1030" name="Picture 6" descr="Thumbs Down Circle by j4p4n | Thumbs down, Clip art, Sticker template">
+            <a:extLst>
+              <a:ext uri="{FF2B5EF4-FFF2-40B4-BE49-F238E27FC236}">
+                <a16:creationId xmlns:a16="http://schemas.microsoft.com/office/drawing/2014/main" id="{6BA0660D-C39B-A602-574B-6FA47DD721FA}"/>
+              </a:ext>
+            </a:extLst>
+          </p:cNvPr>
+          <p:cNvPicPr>
+            <a:picLocks noChangeAspect="1" noChangeArrowheads="1"/>
+          </p:cNvPicPr>
+          <p:nvPr/>
+        </p:nvPicPr>
+        <p:blipFill>
+          <a:blip r:embed="rId3">
+            <a:extLst>
+              <a:ext uri="{28A0092B-C50C-407E-A947-70E740481C1C}">
+                <a14:useLocalDpi xmlns:a14="http://schemas.microsoft.com/office/drawing/2010/main" val="0"/>
+              </a:ext>
+            </a:extLst>
+          </a:blip>
+          <a:srcRect/>
+          <a:stretch>
+            <a:fillRect/>
+          </a:stretch>
+        </p:blipFill>
+        <p:spPr bwMode="auto">
+          <a:xfrm>
+            <a:off x="9044406" y="4730484"/>
+            <a:ext cx="981838" cy="981838"/>
+          </a:xfrm>
+          <a:prstGeom prst="rect">
+            <a:avLst/>
+          </a:prstGeom>
+          <a:noFill/>
+          <a:extLst>
+            <a:ext uri="{909E8E84-426E-40DD-AFC4-6F175D3DCCD1}">
+              <a14:hiddenFill xmlns:a14="http://schemas.microsoft.com/office/drawing/2010/main">
+                <a:solidFill>
+                  <a:srgbClr val="FFFFFF"/>
+                </a:solidFill>
+              </a14:hiddenFill>
+            </a:ext>
+          </a:extLst>
+        </p:spPr>
+      </p:pic>
+      <p:pic>
+        <p:nvPicPr>
+          <p:cNvPr id="1032" name="Picture 8" descr="Free Thumbs Up Clipart Pictures - Clipartix">
+            <a:extLst>
+              <a:ext uri="{FF2B5EF4-FFF2-40B4-BE49-F238E27FC236}">
+                <a16:creationId xmlns:a16="http://schemas.microsoft.com/office/drawing/2014/main" id="{12FBC585-2276-F2B5-170B-FB5040DAAF8A}"/>
+              </a:ext>
+            </a:extLst>
+          </p:cNvPr>
+          <p:cNvPicPr>
+            <a:picLocks noChangeAspect="1" noChangeArrowheads="1"/>
+          </p:cNvPicPr>
+          <p:nvPr/>
+        </p:nvPicPr>
+        <p:blipFill>
+          <a:blip r:embed="rId4">
+            <a:extLst>
+              <a:ext uri="{28A0092B-C50C-407E-A947-70E740481C1C}">
+                <a14:useLocalDpi xmlns:a14="http://schemas.microsoft.com/office/drawing/2010/main" val="0"/>
+              </a:ext>
+            </a:extLst>
+          </a:blip>
+          <a:srcRect/>
+          <a:stretch>
+            <a:fillRect/>
+          </a:stretch>
+        </p:blipFill>
+        <p:spPr bwMode="auto">
+          <a:xfrm>
+            <a:off x="9040543" y="5761464"/>
+            <a:ext cx="985701" cy="981838"/>
+          </a:xfrm>
+          <a:prstGeom prst="rect">
+            <a:avLst/>
+          </a:prstGeom>
+          <a:noFill/>
+          <a:extLst>
+            <a:ext uri="{909E8E84-426E-40DD-AFC4-6F175D3DCCD1}">
+              <a14:hiddenFill xmlns:a14="http://schemas.microsoft.com/office/drawing/2010/main">
+                <a:solidFill>
+                  <a:srgbClr val="FFFFFF"/>
+                </a:solidFill>
+              </a14:hiddenFill>
+            </a:ext>
+          </a:extLst>
+        </p:spPr>
+      </p:pic>
+      <p:pic>
+        <p:nvPicPr>
+          <p:cNvPr id="1034" name="Picture 10" descr="Responsible AI pair programming with GitHub Copilot - The GitHub Blog">
+            <a:extLst>
+              <a:ext uri="{FF2B5EF4-FFF2-40B4-BE49-F238E27FC236}">
+                <a16:creationId xmlns:a16="http://schemas.microsoft.com/office/drawing/2014/main" id="{2F441EBE-5A7B-E336-CB38-3FB229723BED}"/>
+              </a:ext>
+            </a:extLst>
+          </p:cNvPr>
+          <p:cNvPicPr>
+            <a:picLocks noChangeAspect="1" noChangeArrowheads="1"/>
+          </p:cNvPicPr>
+          <p:nvPr/>
+        </p:nvPicPr>
+        <p:blipFill>
+          <a:blip r:embed="rId5">
+            <a:extLst>
+              <a:ext uri="{28A0092B-C50C-407E-A947-70E740481C1C}">
+                <a14:useLocalDpi xmlns:a14="http://schemas.microsoft.com/office/drawing/2010/main" val="0"/>
+              </a:ext>
+            </a:extLst>
+          </a:blip>
+          <a:srcRect/>
+          <a:stretch>
+            <a:fillRect/>
+          </a:stretch>
+        </p:blipFill>
+        <p:spPr bwMode="auto">
+          <a:xfrm>
+            <a:off x="10217423" y="5824627"/>
+            <a:ext cx="1645487" cy="863881"/>
+          </a:xfrm>
+          <a:prstGeom prst="rect">
+            <a:avLst/>
+          </a:prstGeom>
+          <a:noFill/>
+          <a:extLst>
+            <a:ext uri="{909E8E84-426E-40DD-AFC4-6F175D3DCCD1}">
+              <a14:hiddenFill xmlns:a14="http://schemas.microsoft.com/office/drawing/2010/main">
+                <a:solidFill>
+                  <a:srgbClr val="FFFFFF"/>
+                </a:solidFill>
+              </a14:hiddenFill>
+            </a:ext>
+          </a:extLst>
+        </p:spPr>
+      </p:pic>
+      <p:pic>
+        <p:nvPicPr>
+          <p:cNvPr id="1036" name="Picture 12" descr="UIkit">
+            <a:extLst>
+              <a:ext uri="{FF2B5EF4-FFF2-40B4-BE49-F238E27FC236}">
+                <a16:creationId xmlns:a16="http://schemas.microsoft.com/office/drawing/2014/main" id="{392ED1D7-1DA9-4366-81F7-681AAE1BB2FE}"/>
+              </a:ext>
+            </a:extLst>
+          </p:cNvPr>
+          <p:cNvPicPr>
+            <a:picLocks noChangeAspect="1" noChangeArrowheads="1"/>
+          </p:cNvPicPr>
+          <p:nvPr/>
+        </p:nvPicPr>
+        <p:blipFill>
+          <a:blip r:embed="rId6">
+            <a:extLst>
+              <a:ext uri="{28A0092B-C50C-407E-A947-70E740481C1C}">
+                <a14:useLocalDpi xmlns:a14="http://schemas.microsoft.com/office/drawing/2010/main" val="0"/>
+              </a:ext>
+            </a:extLst>
+          </a:blip>
+          <a:srcRect/>
+          <a:stretch>
+            <a:fillRect/>
+          </a:stretch>
+        </p:blipFill>
+        <p:spPr bwMode="auto">
+          <a:xfrm>
+            <a:off x="10113197" y="3663858"/>
+            <a:ext cx="1853938" cy="946884"/>
+          </a:xfrm>
+          <a:prstGeom prst="rect">
+            <a:avLst/>
+          </a:prstGeom>
+          <a:noFill/>
+          <a:extLst>
+            <a:ext uri="{909E8E84-426E-40DD-AFC4-6F175D3DCCD1}">
+              <a14:hiddenFill xmlns:a14="http://schemas.microsoft.com/office/drawing/2010/main">
+                <a:solidFill>
+                  <a:srgbClr val="FFFFFF"/>
+                </a:solidFill>
+              </a14:hiddenFill>
+            </a:ext>
+          </a:extLst>
+        </p:spPr>
+      </p:pic>
+      <p:pic>
+        <p:nvPicPr>
+          <p:cNvPr id="17" name="Picture 8" descr="Free Thumbs Up Clipart Pictures - Clipartix">
+            <a:extLst>
+              <a:ext uri="{FF2B5EF4-FFF2-40B4-BE49-F238E27FC236}">
+                <a16:creationId xmlns:a16="http://schemas.microsoft.com/office/drawing/2014/main" id="{BF0516DB-343F-5F51-666E-0887361F4470}"/>
+              </a:ext>
+            </a:extLst>
+          </p:cNvPr>
+          <p:cNvPicPr>
+            <a:picLocks noChangeAspect="1" noChangeArrowheads="1"/>
+          </p:cNvPicPr>
+          <p:nvPr/>
+        </p:nvPicPr>
+        <p:blipFill>
+          <a:blip r:embed="rId4">
+            <a:extLst>
+              <a:ext uri="{28A0092B-C50C-407E-A947-70E740481C1C}">
+                <a14:useLocalDpi xmlns:a14="http://schemas.microsoft.com/office/drawing/2010/main" val="0"/>
+              </a:ext>
+            </a:extLst>
+          </a:blip>
+          <a:srcRect/>
+          <a:stretch>
+            <a:fillRect/>
+          </a:stretch>
+        </p:blipFill>
+        <p:spPr bwMode="auto">
+          <a:xfrm>
+            <a:off x="8997047" y="3646381"/>
+            <a:ext cx="985701" cy="981838"/>
+          </a:xfrm>
+          <a:prstGeom prst="rect">
+            <a:avLst/>
+          </a:prstGeom>
+          <a:noFill/>
+          <a:extLst>
+            <a:ext uri="{909E8E84-426E-40DD-AFC4-6F175D3DCCD1}">
+              <a14:hiddenFill xmlns:a14="http://schemas.microsoft.com/office/drawing/2010/main">
+                <a:solidFill>
+                  <a:srgbClr val="FFFFFF"/>
+                </a:solidFill>
+              </a14:hiddenFill>
+            </a:ext>
+          </a:extLst>
+        </p:spPr>
+      </p:pic>
+      <p:pic>
+        <p:nvPicPr>
+          <p:cNvPr id="1040" name="Picture 16" descr="Stack Overflow Logo">
+            <a:extLst>
+              <a:ext uri="{FF2B5EF4-FFF2-40B4-BE49-F238E27FC236}">
+                <a16:creationId xmlns:a16="http://schemas.microsoft.com/office/drawing/2014/main" id="{8B76661A-7EC2-D555-5713-C0B7A1322612}"/>
+              </a:ext>
+            </a:extLst>
+          </p:cNvPr>
+          <p:cNvPicPr>
+            <a:picLocks noChangeAspect="1" noChangeArrowheads="1"/>
+          </p:cNvPicPr>
+          <p:nvPr/>
+        </p:nvPicPr>
+        <p:blipFill>
+          <a:blip r:embed="rId7">
+            <a:extLst>
+              <a:ext uri="{28A0092B-C50C-407E-A947-70E740481C1C}">
+                <a14:useLocalDpi xmlns:a14="http://schemas.microsoft.com/office/drawing/2010/main" val="0"/>
+              </a:ext>
+            </a:extLst>
+          </a:blip>
+          <a:srcRect/>
+          <a:stretch>
+            <a:fillRect/>
+          </a:stretch>
+        </p:blipFill>
+        <p:spPr bwMode="auto">
+          <a:xfrm>
+            <a:off x="10026244" y="2746060"/>
+            <a:ext cx="2059719" cy="667395"/>
+          </a:xfrm>
+          <a:prstGeom prst="rect">
+            <a:avLst/>
+          </a:prstGeom>
+          <a:noFill/>
+          <a:extLst>
+            <a:ext uri="{909E8E84-426E-40DD-AFC4-6F175D3DCCD1}">
+              <a14:hiddenFill xmlns:a14="http://schemas.microsoft.com/office/drawing/2010/main">
+                <a:solidFill>
+                  <a:srgbClr val="FFFFFF"/>
+                </a:solidFill>
+              </a14:hiddenFill>
+            </a:ext>
+          </a:extLst>
+        </p:spPr>
+      </p:pic>
+      <p:pic>
+        <p:nvPicPr>
+          <p:cNvPr id="1044" name="Picture 20" descr="So So icon in Office XS Style">
+            <a:extLst>
+              <a:ext uri="{FF2B5EF4-FFF2-40B4-BE49-F238E27FC236}">
+                <a16:creationId xmlns:a16="http://schemas.microsoft.com/office/drawing/2014/main" id="{452286E3-ADCC-DA33-DA1A-F332610E5AE5}"/>
+              </a:ext>
+            </a:extLst>
+          </p:cNvPr>
+          <p:cNvPicPr>
+            <a:picLocks noChangeAspect="1" noChangeArrowheads="1"/>
+          </p:cNvPicPr>
+          <p:nvPr/>
+        </p:nvPicPr>
+        <p:blipFill>
+          <a:blip r:embed="rId8">
+            <a:extLst>
+              <a:ext uri="{28A0092B-C50C-407E-A947-70E740481C1C}">
+                <a14:useLocalDpi xmlns:a14="http://schemas.microsoft.com/office/drawing/2010/main" val="0"/>
+              </a:ext>
+            </a:extLst>
+          </a:blip>
+          <a:srcRect/>
+          <a:stretch>
+            <a:fillRect/>
+          </a:stretch>
+        </p:blipFill>
+        <p:spPr bwMode="auto">
+          <a:xfrm>
+            <a:off x="8997046" y="2586908"/>
+            <a:ext cx="985701" cy="985701"/>
+          </a:xfrm>
+          <a:prstGeom prst="rect">
+            <a:avLst/>
+          </a:prstGeom>
+          <a:noFill/>
+          <a:extLst>
+            <a:ext uri="{909E8E84-426E-40DD-AFC4-6F175D3DCCD1}">
+              <a14:hiddenFill xmlns:a14="http://schemas.microsoft.com/office/drawing/2010/main">
+                <a:solidFill>
+                  <a:srgbClr val="FFFFFF"/>
+                </a:solidFill>
+              </a14:hiddenFill>
+            </a:ext>
+          </a:extLst>
+        </p:spPr>
+      </p:pic>
+      <p:pic>
+        <p:nvPicPr>
+          <p:cNvPr id="1046" name="Picture 22" descr="meh (MEH). información de precios, capitalización de mercado, gráficos ...">
+            <a:extLst>
+              <a:ext uri="{FF2B5EF4-FFF2-40B4-BE49-F238E27FC236}">
+                <a16:creationId xmlns:a16="http://schemas.microsoft.com/office/drawing/2014/main" id="{1C5D3C39-B8C6-A6B8-985A-AC443527D19A}"/>
+              </a:ext>
+            </a:extLst>
+          </p:cNvPr>
+          <p:cNvPicPr>
+            <a:picLocks noChangeAspect="1" noChangeArrowheads="1"/>
+          </p:cNvPicPr>
+          <p:nvPr/>
+        </p:nvPicPr>
+        <p:blipFill>
+          <a:blip r:embed="rId9">
+            <a:extLst>
+              <a:ext uri="{28A0092B-C50C-407E-A947-70E740481C1C}">
+                <a14:useLocalDpi xmlns:a14="http://schemas.microsoft.com/office/drawing/2010/main" val="0"/>
+              </a:ext>
+            </a:extLst>
+          </a:blip>
+          <a:srcRect/>
+          <a:stretch>
+            <a:fillRect/>
+          </a:stretch>
+        </p:blipFill>
+        <p:spPr bwMode="auto">
+          <a:xfrm>
+            <a:off x="9040543" y="1542440"/>
+            <a:ext cx="942204" cy="942204"/>
+          </a:xfrm>
+          <a:prstGeom prst="rect">
+            <a:avLst/>
+          </a:prstGeom>
+          <a:noFill/>
+          <a:extLst>
+            <a:ext uri="{909E8E84-426E-40DD-AFC4-6F175D3DCCD1}">
+              <a14:hiddenFill xmlns:a14="http://schemas.microsoft.com/office/drawing/2010/main">
+                <a:solidFill>
+                  <a:srgbClr val="FFFFFF"/>
+                </a:solidFill>
+              </a14:hiddenFill>
+            </a:ext>
+          </a:extLst>
+        </p:spPr>
+      </p:pic>
+      <p:pic>
+        <p:nvPicPr>
+          <p:cNvPr id="1048" name="Picture 24" descr="QUB logo | 英國升學專家 - HKIES 海升國際教育服務中心">
+            <a:extLst>
+              <a:ext uri="{FF2B5EF4-FFF2-40B4-BE49-F238E27FC236}">
+                <a16:creationId xmlns:a16="http://schemas.microsoft.com/office/drawing/2014/main" id="{90A23162-282B-C0A4-AB4C-A55A8B716D67}"/>
+              </a:ext>
+            </a:extLst>
+          </p:cNvPr>
+          <p:cNvPicPr>
+            <a:picLocks noChangeAspect="1" noChangeArrowheads="1"/>
+          </p:cNvPicPr>
+          <p:nvPr/>
+        </p:nvPicPr>
+        <p:blipFill>
+          <a:blip r:embed="rId10">
+            <a:extLst>
+              <a:ext uri="{28A0092B-C50C-407E-A947-70E740481C1C}">
+                <a14:useLocalDpi xmlns:a14="http://schemas.microsoft.com/office/drawing/2010/main" val="0"/>
+              </a:ext>
+            </a:extLst>
+          </a:blip>
+          <a:srcRect/>
+          <a:stretch>
+            <a:fillRect/>
+          </a:stretch>
+        </p:blipFill>
+        <p:spPr bwMode="auto">
+          <a:xfrm>
+            <a:off x="10026244" y="1648346"/>
+            <a:ext cx="2078803" cy="763310"/>
+          </a:xfrm>
+          <a:prstGeom prst="rect">
+            <a:avLst/>
+          </a:prstGeom>
+          <a:noFill/>
+          <a:extLst>
+            <a:ext uri="{909E8E84-426E-40DD-AFC4-6F175D3DCCD1}">
+              <a14:hiddenFill xmlns:a14="http://schemas.microsoft.com/office/drawing/2010/main">
+                <a:solidFill>
+                  <a:srgbClr val="FFFFFF"/>
+                </a:solidFill>
+              </a14:hiddenFill>
+            </a:ext>
+          </a:extLst>
+        </p:spPr>
+      </p:pic>
+      <p:pic>
+        <p:nvPicPr>
+          <p:cNvPr id="1050" name="Picture 26" descr="GitHub - ngx-semantic/ngx-semantic: A new take on an Angular ...">
+            <a:extLst>
+              <a:ext uri="{FF2B5EF4-FFF2-40B4-BE49-F238E27FC236}">
+                <a16:creationId xmlns:a16="http://schemas.microsoft.com/office/drawing/2014/main" id="{EC1FB8A2-50B2-1A90-69C6-199A938D8DA6}"/>
+              </a:ext>
+            </a:extLst>
+          </p:cNvPr>
+          <p:cNvPicPr>
+            <a:picLocks noChangeAspect="1" noChangeArrowheads="1"/>
+          </p:cNvPicPr>
+          <p:nvPr/>
+        </p:nvPicPr>
+        <p:blipFill>
+          <a:blip r:embed="rId11">
+            <a:extLst>
+              <a:ext uri="{28A0092B-C50C-407E-A947-70E740481C1C}">
+                <a14:useLocalDpi xmlns:a14="http://schemas.microsoft.com/office/drawing/2010/main" val="0"/>
+              </a:ext>
+            </a:extLst>
+          </a:blip>
+          <a:srcRect/>
+          <a:stretch>
+            <a:fillRect/>
+          </a:stretch>
+        </p:blipFill>
+        <p:spPr bwMode="auto">
+          <a:xfrm>
+            <a:off x="10414045" y="271371"/>
+            <a:ext cx="1129145" cy="1129145"/>
+          </a:xfrm>
+          <a:prstGeom prst="rect">
+            <a:avLst/>
+          </a:prstGeom>
+          <a:noFill/>
+          <a:extLst>
+            <a:ext uri="{909E8E84-426E-40DD-AFC4-6F175D3DCCD1}">
+              <a14:hiddenFill xmlns:a14="http://schemas.microsoft.com/office/drawing/2010/main">
+                <a:solidFill>
+                  <a:srgbClr val="FFFFFF"/>
+                </a:solidFill>
+              </a14:hiddenFill>
+            </a:ext>
+          </a:extLst>
+        </p:spPr>
+      </p:pic>
+      <p:pic>
+        <p:nvPicPr>
+          <p:cNvPr id="18" name="Picture 20" descr="So So icon in Office XS Style">
+            <a:extLst>
+              <a:ext uri="{FF2B5EF4-FFF2-40B4-BE49-F238E27FC236}">
+                <a16:creationId xmlns:a16="http://schemas.microsoft.com/office/drawing/2014/main" id="{DF61D1D9-C98F-B7CC-C184-218BB6F0B10C}"/>
+              </a:ext>
+            </a:extLst>
+          </p:cNvPr>
+          <p:cNvPicPr>
+            <a:picLocks noChangeAspect="1" noChangeArrowheads="1"/>
+          </p:cNvPicPr>
+          <p:nvPr/>
+        </p:nvPicPr>
+        <p:blipFill>
+          <a:blip r:embed="rId8">
+            <a:extLst>
+              <a:ext uri="{28A0092B-C50C-407E-A947-70E740481C1C}">
+                <a14:useLocalDpi xmlns:a14="http://schemas.microsoft.com/office/drawing/2010/main" val="0"/>
+              </a:ext>
+            </a:extLst>
+          </a:blip>
+          <a:srcRect/>
+          <a:stretch>
+            <a:fillRect/>
+          </a:stretch>
+        </p:blipFill>
+        <p:spPr bwMode="auto">
+          <a:xfrm>
+            <a:off x="9018794" y="346143"/>
+            <a:ext cx="985701" cy="985701"/>
+          </a:xfrm>
+          <a:prstGeom prst="rect">
+            <a:avLst/>
+          </a:prstGeom>
+          <a:noFill/>
+          <a:extLst>
+            <a:ext uri="{909E8E84-426E-40DD-AFC4-6F175D3DCCD1}">
+              <a14:hiddenFill xmlns:a14="http://schemas.microsoft.com/office/drawing/2010/main">
+                <a:solidFill>
+                  <a:srgbClr val="FFFFFF"/>
+                </a:solidFill>
+              </a14:hiddenFill>
+            </a:ext>
+          </a:extLst>
+        </p:spPr>
+      </p:pic>
+      <p:pic>
+        <p:nvPicPr>
+          <p:cNvPr id="22" name="Picture 21">
+            <a:extLst>
+              <a:ext uri="{FF2B5EF4-FFF2-40B4-BE49-F238E27FC236}">
+                <a16:creationId xmlns:a16="http://schemas.microsoft.com/office/drawing/2014/main" id="{AC6F1E09-3E65-4B0E-4094-FF7A53BCEDFC}"/>
+              </a:ext>
+            </a:extLst>
+          </p:cNvPr>
+          <p:cNvPicPr>
+            <a:picLocks noChangeAspect="1"/>
+          </p:cNvPicPr>
+          <p:nvPr/>
+        </p:nvPicPr>
+        <p:blipFill>
+          <a:blip r:embed="rId12"/>
+          <a:stretch>
+            <a:fillRect/>
+          </a:stretch>
+        </p:blipFill>
+        <p:spPr>
+          <a:xfrm>
+            <a:off x="1235547" y="4371996"/>
+            <a:ext cx="4510846" cy="2316512"/>
+          </a:xfrm>
+          <a:prstGeom prst="rect">
+            <a:avLst/>
+          </a:prstGeom>
+        </p:spPr>
+      </p:pic>
     </p:spTree>
     <p:extLst>
       <p:ext uri="{BB962C8B-B14F-4D97-AF65-F5344CB8AC3E}">
-        <p14:creationId xmlns:p14="http://schemas.microsoft.com/office/powerpoint/2010/main" val="2902794312"/>
+        <p14:creationId xmlns:p14="http://schemas.microsoft.com/office/powerpoint/2010/main" val="2673102243"/>
       </p:ext>
     </p:extLst>
   </p:cSld>
@@ -30048,10 +28769,10 @@
       </p:grpSpPr>
       <p:sp>
         <p:nvSpPr>
-          <p:cNvPr id="4" name="Title 3">
+          <p:cNvPr id="3" name="Text Placeholder 2">
             <a:extLst>
               <a:ext uri="{FF2B5EF4-FFF2-40B4-BE49-F238E27FC236}">
-                <a16:creationId xmlns:a16="http://schemas.microsoft.com/office/drawing/2014/main" id="{BD179B88-D43C-4A31-9A52-3498E9430782}"/>
+                <a16:creationId xmlns:a16="http://schemas.microsoft.com/office/drawing/2014/main" id="{73E3EF51-53D1-CB35-30F5-2C4ACF286662}"/>
               </a:ext>
             </a:extLst>
           </p:cNvPr>
@@ -30059,83 +28780,521 @@
             <a:spLocks noGrp="1"/>
           </p:cNvSpPr>
           <p:nvPr>
-            <p:ph type="title"/>
+            <p:ph type="body" sz="quarter" idx="13"/>
           </p:nvPr>
         </p:nvSpPr>
-        <p:spPr/>
+        <p:spPr>
+          <a:xfrm>
+            <a:off x="225573" y="802107"/>
+            <a:ext cx="4620883" cy="1203237"/>
+          </a:xfrm>
+        </p:spPr>
         <p:txBody>
           <a:bodyPr/>
           <a:lstStyle/>
           <a:p>
+            <a:pPr marL="0" indent="0">
+              <a:buNone/>
+            </a:pPr>
             <a:r>
-              <a:rPr lang="en-US" dirty="0"/>
-              <a:t>Section Header02</a:t>
+              <a:rPr lang="en-GB" dirty="0">
+                <a:solidFill>
+                  <a:srgbClr val="FFFF00"/>
+                </a:solidFill>
+              </a:rPr>
+              <a:t>Database Setup</a:t>
             </a:r>
+          </a:p>
+          <a:p>
+            <a:r>
+              <a:rPr lang="en-GB" dirty="0" err="1"/>
+              <a:t>HeidiSQL</a:t>
+            </a:r>
+            <a:r>
+              <a:rPr lang="en-GB" dirty="0"/>
+              <a:t> via </a:t>
+            </a:r>
+            <a:r>
+              <a:rPr lang="en-GB" dirty="0" err="1"/>
+              <a:t>Laragon</a:t>
+            </a:r>
+            <a:endParaRPr lang="en-GB" dirty="0"/>
+          </a:p>
+          <a:p>
+            <a:r>
+              <a:rPr lang="en-GB" dirty="0" err="1"/>
+              <a:t>emotiontracker_setup_tables.sql</a:t>
+            </a:r>
+            <a:endParaRPr lang="en-GB" dirty="0"/>
           </a:p>
         </p:txBody>
       </p:sp>
       <p:sp>
         <p:nvSpPr>
-          <p:cNvPr id="5" name="Text Placeholder 4">
+          <p:cNvPr id="11" name="Title 6">
             <a:extLst>
               <a:ext uri="{FF2B5EF4-FFF2-40B4-BE49-F238E27FC236}">
-                <a16:creationId xmlns:a16="http://schemas.microsoft.com/office/drawing/2014/main" id="{DCDDBE65-9AB1-4989-AF86-726591A6A128}"/>
+                <a16:creationId xmlns:a16="http://schemas.microsoft.com/office/drawing/2014/main" id="{AECF7CE4-D236-3477-A426-BCFE1BF295E6}"/>
               </a:ext>
             </a:extLst>
           </p:cNvPr>
-          <p:cNvSpPr>
-            <a:spLocks noGrp="1"/>
+          <p:cNvSpPr txBox="1">
+            <a:spLocks/>
           </p:cNvSpPr>
-          <p:nvPr>
-            <p:ph type="body" idx="1"/>
-          </p:nvPr>
+          <p:nvPr/>
         </p:nvSpPr>
-        <p:spPr/>
+        <p:spPr>
+          <a:xfrm>
+            <a:off x="329090" y="266576"/>
+            <a:ext cx="11214100" cy="535531"/>
+          </a:xfrm>
+          <a:prstGeom prst="rect">
+            <a:avLst/>
+          </a:prstGeom>
+        </p:spPr>
         <p:txBody>
-          <a:bodyPr/>
-          <a:lstStyle/>
+          <a:bodyPr vert="horz" wrap="square" lIns="91440" tIns="45720" rIns="91440" bIns="45720" rtlCol="0" anchor="t">
+            <a:spAutoFit/>
+          </a:bodyPr>
+          <a:lstStyle>
+            <a:lvl1pPr algn="l" defTabSz="914400" rtl="0" eaLnBrk="1" latinLnBrk="0" hangingPunct="1">
+              <a:lnSpc>
+                <a:spcPct val="90000"/>
+              </a:lnSpc>
+              <a:spcBef>
+                <a:spcPct val="0"/>
+              </a:spcBef>
+              <a:buNone/>
+              <a:defRPr lang="en-GB" sz="3200" b="1" kern="1200" spc="-70" baseline="0" dirty="0">
+                <a:solidFill>
+                  <a:schemeClr val="bg1"/>
+                </a:solidFill>
+                <a:latin typeface="+mj-lt"/>
+                <a:ea typeface="+mj-ea"/>
+                <a:cs typeface="+mj-cs"/>
+              </a:defRPr>
+            </a:lvl1pPr>
+          </a:lstStyle>
           <a:p>
             <a:r>
-              <a:rPr lang="en-US" dirty="0"/>
-              <a:t>Subtitle</a:t>
+              <a:rPr lang="en-US" dirty="0">
+                <a:solidFill>
+                  <a:schemeClr val="accent1">
+                    <a:lumMod val="40000"/>
+                    <a:lumOff val="60000"/>
+                  </a:schemeClr>
+                </a:solidFill>
+              </a:rPr>
+              <a:t>MySQL/API Walkthrough</a:t>
             </a:r>
           </a:p>
         </p:txBody>
       </p:sp>
       <p:sp>
         <p:nvSpPr>
-          <p:cNvPr id="2" name="Slide Number Placeholder 1">
+          <p:cNvPr id="4" name="Text Placeholder 2">
             <a:extLst>
               <a:ext uri="{FF2B5EF4-FFF2-40B4-BE49-F238E27FC236}">
-                <a16:creationId xmlns:a16="http://schemas.microsoft.com/office/drawing/2014/main" id="{8B065C75-272B-4BB5-BA23-D80E8654D621}"/>
+                <a16:creationId xmlns:a16="http://schemas.microsoft.com/office/drawing/2014/main" id="{D5CB60A9-B392-5E1F-E86D-BDCDE1ABF093}"/>
               </a:ext>
             </a:extLst>
           </p:cNvPr>
-          <p:cNvSpPr>
-            <a:spLocks noGrp="1"/>
+          <p:cNvSpPr txBox="1">
+            <a:spLocks/>
           </p:cNvSpPr>
-          <p:nvPr>
-            <p:ph type="sldNum" sz="quarter" idx="12"/>
-          </p:nvPr>
+          <p:nvPr/>
         </p:nvSpPr>
-        <p:spPr/>
+        <p:spPr>
+          <a:xfrm>
+            <a:off x="225573" y="1906438"/>
+            <a:ext cx="6546163" cy="4787660"/>
+          </a:xfrm>
+          <a:prstGeom prst="rect">
+            <a:avLst/>
+          </a:prstGeom>
+        </p:spPr>
         <p:txBody>
-          <a:bodyPr/>
-          <a:lstStyle/>
-          <a:p>
-            <a:fld id="{C263D6C4-4840-40CC-AC84-17E24B3B7BDE}" type="slidenum">
-              <a:rPr lang="en-US" smtClean="0"/>
-              <a:pPr/>
-              <a:t>7</a:t>
-            </a:fld>
-            <a:endParaRPr lang="en-US" dirty="0"/>
+          <a:bodyPr vert="horz" lIns="91440" tIns="45720" rIns="91440" bIns="45720" rtlCol="0">
+            <a:noAutofit/>
+          </a:bodyPr>
+          <a:lstStyle>
+            <a:lvl1pPr marL="228600" indent="-228600" algn="l" defTabSz="914400" rtl="0" eaLnBrk="1" latinLnBrk="0" hangingPunct="1">
+              <a:lnSpc>
+                <a:spcPct val="100000"/>
+              </a:lnSpc>
+              <a:spcBef>
+                <a:spcPts val="600"/>
+              </a:spcBef>
+              <a:spcAft>
+                <a:spcPts val="400"/>
+              </a:spcAft>
+              <a:buClr>
+                <a:schemeClr val="accent2"/>
+              </a:buClr>
+              <a:buFont typeface="Arial" panose="020B0604020202020204" pitchFamily="34" charset="0"/>
+              <a:buChar char="•"/>
+              <a:defRPr sz="1600" kern="1200">
+                <a:solidFill>
+                  <a:schemeClr val="bg1"/>
+                </a:solidFill>
+                <a:latin typeface="+mn-lt"/>
+                <a:ea typeface="+mn-ea"/>
+                <a:cs typeface="Arial" panose="020B0604020202020204" pitchFamily="34" charset="0"/>
+              </a:defRPr>
+            </a:lvl1pPr>
+            <a:lvl2pPr marL="685800" indent="-228600" algn="l" defTabSz="914400" rtl="0" eaLnBrk="1" latinLnBrk="0" hangingPunct="1">
+              <a:lnSpc>
+                <a:spcPct val="100000"/>
+              </a:lnSpc>
+              <a:spcBef>
+                <a:spcPts val="600"/>
+              </a:spcBef>
+              <a:spcAft>
+                <a:spcPts val="400"/>
+              </a:spcAft>
+              <a:buClr>
+                <a:schemeClr val="accent2"/>
+              </a:buClr>
+              <a:buFont typeface="Arial" panose="020B0604020202020204" pitchFamily="34" charset="0"/>
+              <a:buChar char="•"/>
+              <a:defRPr sz="1400" kern="1200">
+                <a:solidFill>
+                  <a:schemeClr val="bg1"/>
+                </a:solidFill>
+                <a:latin typeface="+mn-lt"/>
+                <a:ea typeface="+mn-ea"/>
+                <a:cs typeface="Arial" panose="020B0604020202020204" pitchFamily="34" charset="0"/>
+              </a:defRPr>
+            </a:lvl2pPr>
+            <a:lvl3pPr marL="1143000" indent="-228600" algn="l" defTabSz="914400" rtl="0" eaLnBrk="1" latinLnBrk="0" hangingPunct="1">
+              <a:lnSpc>
+                <a:spcPct val="100000"/>
+              </a:lnSpc>
+              <a:spcBef>
+                <a:spcPts val="600"/>
+              </a:spcBef>
+              <a:spcAft>
+                <a:spcPts val="400"/>
+              </a:spcAft>
+              <a:buClr>
+                <a:schemeClr val="accent2"/>
+              </a:buClr>
+              <a:buFont typeface="Arial" panose="020B0604020202020204" pitchFamily="34" charset="0"/>
+              <a:buChar char="•"/>
+              <a:defRPr sz="1200" kern="1200">
+                <a:solidFill>
+                  <a:schemeClr val="bg1"/>
+                </a:solidFill>
+                <a:latin typeface="+mn-lt"/>
+                <a:ea typeface="+mn-ea"/>
+                <a:cs typeface="Arial" panose="020B0604020202020204" pitchFamily="34" charset="0"/>
+              </a:defRPr>
+            </a:lvl3pPr>
+            <a:lvl4pPr marL="1600200" indent="-228600" algn="l" defTabSz="914400" rtl="0" eaLnBrk="1" latinLnBrk="0" hangingPunct="1">
+              <a:lnSpc>
+                <a:spcPct val="90000"/>
+              </a:lnSpc>
+              <a:spcBef>
+                <a:spcPts val="500"/>
+              </a:spcBef>
+              <a:buClr>
+                <a:schemeClr val="accent2"/>
+              </a:buClr>
+              <a:buFont typeface="Arial" panose="020B0604020202020204" pitchFamily="34" charset="0"/>
+              <a:buChar char="•"/>
+              <a:defRPr sz="1400" kern="1200">
+                <a:solidFill>
+                  <a:schemeClr val="bg1"/>
+                </a:solidFill>
+                <a:latin typeface="Arial" panose="020B0604020202020204" pitchFamily="34" charset="0"/>
+                <a:ea typeface="+mn-ea"/>
+                <a:cs typeface="Arial" panose="020B0604020202020204" pitchFamily="34" charset="0"/>
+              </a:defRPr>
+            </a:lvl4pPr>
+            <a:lvl5pPr marL="2057400" indent="-228600" algn="l" defTabSz="914400" rtl="0" eaLnBrk="1" latinLnBrk="0" hangingPunct="1">
+              <a:lnSpc>
+                <a:spcPct val="90000"/>
+              </a:lnSpc>
+              <a:spcBef>
+                <a:spcPts val="500"/>
+              </a:spcBef>
+              <a:buClr>
+                <a:schemeClr val="accent2"/>
+              </a:buClr>
+              <a:buFont typeface="Arial" panose="020B0604020202020204" pitchFamily="34" charset="0"/>
+              <a:buChar char="•"/>
+              <a:defRPr sz="1400" kern="1200">
+                <a:solidFill>
+                  <a:schemeClr val="bg1"/>
+                </a:solidFill>
+                <a:latin typeface="Arial" panose="020B0604020202020204" pitchFamily="34" charset="0"/>
+                <a:ea typeface="+mn-ea"/>
+                <a:cs typeface="Arial" panose="020B0604020202020204" pitchFamily="34" charset="0"/>
+              </a:defRPr>
+            </a:lvl5pPr>
+            <a:lvl6pPr marL="2514600" indent="-228600" algn="l" defTabSz="914400" rtl="0" eaLnBrk="1" latinLnBrk="0" hangingPunct="1">
+              <a:lnSpc>
+                <a:spcPct val="90000"/>
+              </a:lnSpc>
+              <a:spcBef>
+                <a:spcPts val="500"/>
+              </a:spcBef>
+              <a:buFont typeface="Arial" panose="020B0604020202020204" pitchFamily="34" charset="0"/>
+              <a:buChar char="•"/>
+              <a:defRPr sz="1800" kern="1200">
+                <a:solidFill>
+                  <a:schemeClr val="tx1"/>
+                </a:solidFill>
+                <a:latin typeface="+mn-lt"/>
+                <a:ea typeface="+mn-ea"/>
+                <a:cs typeface="+mn-cs"/>
+              </a:defRPr>
+            </a:lvl6pPr>
+            <a:lvl7pPr marL="2971800" indent="-228600" algn="l" defTabSz="914400" rtl="0" eaLnBrk="1" latinLnBrk="0" hangingPunct="1">
+              <a:lnSpc>
+                <a:spcPct val="90000"/>
+              </a:lnSpc>
+              <a:spcBef>
+                <a:spcPts val="500"/>
+              </a:spcBef>
+              <a:buFont typeface="Arial" panose="020B0604020202020204" pitchFamily="34" charset="0"/>
+              <a:buChar char="•"/>
+              <a:defRPr sz="1800" kern="1200">
+                <a:solidFill>
+                  <a:schemeClr val="tx1"/>
+                </a:solidFill>
+                <a:latin typeface="+mn-lt"/>
+                <a:ea typeface="+mn-ea"/>
+                <a:cs typeface="+mn-cs"/>
+              </a:defRPr>
+            </a:lvl7pPr>
+            <a:lvl8pPr marL="3429000" indent="-228600" algn="l" defTabSz="914400" rtl="0" eaLnBrk="1" latinLnBrk="0" hangingPunct="1">
+              <a:lnSpc>
+                <a:spcPct val="90000"/>
+              </a:lnSpc>
+              <a:spcBef>
+                <a:spcPts val="500"/>
+              </a:spcBef>
+              <a:buFont typeface="Arial" panose="020B0604020202020204" pitchFamily="34" charset="0"/>
+              <a:buChar char="•"/>
+              <a:defRPr sz="1800" kern="1200">
+                <a:solidFill>
+                  <a:schemeClr val="tx1"/>
+                </a:solidFill>
+                <a:latin typeface="+mn-lt"/>
+                <a:ea typeface="+mn-ea"/>
+                <a:cs typeface="+mn-cs"/>
+              </a:defRPr>
+            </a:lvl8pPr>
+            <a:lvl9pPr marL="3886200" indent="-228600" algn="l" defTabSz="914400" rtl="0" eaLnBrk="1" latinLnBrk="0" hangingPunct="1">
+              <a:lnSpc>
+                <a:spcPct val="90000"/>
+              </a:lnSpc>
+              <a:spcBef>
+                <a:spcPts val="500"/>
+              </a:spcBef>
+              <a:buFont typeface="Arial" panose="020B0604020202020204" pitchFamily="34" charset="0"/>
+              <a:buChar char="•"/>
+              <a:defRPr sz="1800" kern="1200">
+                <a:solidFill>
+                  <a:schemeClr val="tx1"/>
+                </a:solidFill>
+                <a:latin typeface="+mn-lt"/>
+                <a:ea typeface="+mn-ea"/>
+                <a:cs typeface="+mn-cs"/>
+              </a:defRPr>
+            </a:lvl9pPr>
+          </a:lstStyle>
+          <a:p>
+            <a:pPr marL="0" indent="0">
+              <a:buFont typeface="Arial" panose="020B0604020202020204" pitchFamily="34" charset="0"/>
+              <a:buNone/>
+            </a:pPr>
+            <a:r>
+              <a:rPr lang="en-GB" dirty="0">
+                <a:solidFill>
+                  <a:srgbClr val="FFFF00"/>
+                </a:solidFill>
+              </a:rPr>
+              <a:t>Stored Procedures</a:t>
+            </a:r>
+          </a:p>
+          <a:p>
+            <a:r>
+              <a:rPr lang="en-GB" dirty="0" err="1"/>
+              <a:t>sp_postNewUser</a:t>
+            </a:r>
+            <a:r>
+              <a:rPr lang="en-GB" dirty="0"/>
+              <a:t>: Create new account (PW encryption)</a:t>
+            </a:r>
+          </a:p>
+          <a:p>
+            <a:r>
+              <a:rPr lang="en-GB" dirty="0" err="1"/>
+              <a:t>sp_getUserPostLogin</a:t>
+            </a:r>
+            <a:r>
+              <a:rPr lang="en-GB" dirty="0"/>
+              <a:t>: Login validation</a:t>
+            </a:r>
+          </a:p>
+          <a:p>
+            <a:r>
+              <a:rPr lang="en-GB" dirty="0" err="1"/>
+              <a:t>sp_postNewEmotionHist</a:t>
+            </a:r>
+            <a:r>
+              <a:rPr lang="en-GB" dirty="0"/>
+              <a:t>: Create snapshot</a:t>
+            </a:r>
+          </a:p>
+          <a:p>
+            <a:r>
+              <a:rPr lang="en-GB" dirty="0" err="1"/>
+              <a:t>sp_getTriggers</a:t>
+            </a:r>
+            <a:r>
+              <a:rPr lang="en-GB" dirty="0"/>
+              <a:t>: used in Create/Edit snapshot</a:t>
+            </a:r>
+          </a:p>
+          <a:p>
+            <a:r>
+              <a:rPr lang="en-GB" dirty="0" err="1"/>
+              <a:t>sp_getEmotionHist</a:t>
+            </a:r>
+            <a:r>
+              <a:rPr lang="en-GB" dirty="0"/>
+              <a:t>: snapshots overview</a:t>
+            </a:r>
+          </a:p>
+          <a:p>
+            <a:r>
+              <a:rPr lang="en-GB" dirty="0" err="1"/>
+              <a:t>sp_getEmotionHistByID</a:t>
+            </a:r>
+            <a:r>
+              <a:rPr lang="en-GB" dirty="0"/>
+              <a:t>: Edit snapshot – view</a:t>
+            </a:r>
+          </a:p>
+          <a:p>
+            <a:r>
+              <a:rPr lang="en-GB" dirty="0" err="1"/>
+              <a:t>sp_updateEmotionHistByID</a:t>
+            </a:r>
+            <a:r>
+              <a:rPr lang="en-GB" dirty="0"/>
+              <a:t>: Edit snapshot - update</a:t>
+            </a:r>
+          </a:p>
+          <a:p>
+            <a:r>
+              <a:rPr lang="en-GB" dirty="0" err="1"/>
+              <a:t>sp_deleteEmotionHistByID</a:t>
+            </a:r>
+            <a:r>
+              <a:rPr lang="en-GB" dirty="0"/>
+              <a:t>: Delete snapshot</a:t>
+            </a:r>
+          </a:p>
+          <a:p>
+            <a:r>
+              <a:rPr lang="en-GB" dirty="0" err="1"/>
+              <a:t>sp_getUsers</a:t>
+            </a:r>
+            <a:r>
+              <a:rPr lang="en-GB" dirty="0"/>
+              <a:t>: Account Admin</a:t>
+            </a:r>
+          </a:p>
+          <a:p>
+            <a:r>
+              <a:rPr lang="en-GB" dirty="0" err="1"/>
+              <a:t>sp_updateUser</a:t>
+            </a:r>
+            <a:r>
+              <a:rPr lang="en-GB" dirty="0"/>
+              <a:t>: Update user details</a:t>
+            </a:r>
+          </a:p>
+          <a:p>
+            <a:r>
+              <a:rPr lang="en-GB" dirty="0" err="1"/>
+              <a:t>sp_deleteUser</a:t>
+            </a:r>
+            <a:r>
+              <a:rPr lang="en-GB" dirty="0"/>
+              <a:t>: Delete user account &amp; associated records</a:t>
+            </a:r>
           </a:p>
         </p:txBody>
       </p:sp>
+      <p:pic>
+        <p:nvPicPr>
+          <p:cNvPr id="6" name="Picture 5">
+            <a:extLst>
+              <a:ext uri="{FF2B5EF4-FFF2-40B4-BE49-F238E27FC236}">
+                <a16:creationId xmlns:a16="http://schemas.microsoft.com/office/drawing/2014/main" id="{BDF9EBC5-7281-547D-05F0-D51DFD70FA17}"/>
+              </a:ext>
+            </a:extLst>
+          </p:cNvPr>
+          <p:cNvPicPr>
+            <a:picLocks noChangeAspect="1"/>
+          </p:cNvPicPr>
+          <p:nvPr/>
+        </p:nvPicPr>
+        <p:blipFill>
+          <a:blip r:embed="rId2"/>
+          <a:stretch>
+            <a:fillRect/>
+          </a:stretch>
+        </p:blipFill>
+        <p:spPr>
+          <a:xfrm>
+            <a:off x="6892617" y="495993"/>
+            <a:ext cx="4620884" cy="2820889"/>
+          </a:xfrm>
+          <a:prstGeom prst="rect">
+            <a:avLst/>
+          </a:prstGeom>
+        </p:spPr>
+      </p:pic>
+      <p:pic>
+        <p:nvPicPr>
+          <p:cNvPr id="8" name="Picture 7">
+            <a:extLst>
+              <a:ext uri="{FF2B5EF4-FFF2-40B4-BE49-F238E27FC236}">
+                <a16:creationId xmlns:a16="http://schemas.microsoft.com/office/drawing/2014/main" id="{C3DC9EDD-5221-7D80-1F28-4B1F718D9364}"/>
+              </a:ext>
+            </a:extLst>
+          </p:cNvPr>
+          <p:cNvPicPr>
+            <a:picLocks noChangeAspect="1"/>
+          </p:cNvPicPr>
+          <p:nvPr/>
+        </p:nvPicPr>
+        <p:blipFill>
+          <a:blip r:embed="rId3"/>
+          <a:stretch>
+            <a:fillRect/>
+          </a:stretch>
+        </p:blipFill>
+        <p:spPr>
+          <a:xfrm>
+            <a:off x="6892617" y="3398660"/>
+            <a:ext cx="4620884" cy="2183095"/>
+          </a:xfrm>
+          <a:prstGeom prst="rect">
+            <a:avLst/>
+          </a:prstGeom>
+        </p:spPr>
+      </p:pic>
     </p:spTree>
     <p:extLst>
       <p:ext uri="{BB962C8B-B14F-4D97-AF65-F5344CB8AC3E}">
-        <p14:creationId xmlns:p14="http://schemas.microsoft.com/office/powerpoint/2010/main" val="709828751"/>
+        <p14:creationId xmlns:p14="http://schemas.microsoft.com/office/powerpoint/2010/main" val="4270775191"/>
       </p:ext>
     </p:extLst>
   </p:cSld>
@@ -30176,10 +29335,10 @@
       </p:grpSpPr>
       <p:sp>
         <p:nvSpPr>
-          <p:cNvPr id="4" name="Title 3">
+          <p:cNvPr id="3" name="Text Placeholder 2">
             <a:extLst>
               <a:ext uri="{FF2B5EF4-FFF2-40B4-BE49-F238E27FC236}">
-                <a16:creationId xmlns:a16="http://schemas.microsoft.com/office/drawing/2014/main" id="{315E3981-F0D7-482C-A8E0-6A57700BECA7}"/>
+                <a16:creationId xmlns:a16="http://schemas.microsoft.com/office/drawing/2014/main" id="{73E3EF51-53D1-CB35-30F5-2C4ACF286662}"/>
               </a:ext>
             </a:extLst>
           </p:cNvPr>
@@ -30187,188 +29346,444 @@
             <a:spLocks noGrp="1"/>
           </p:cNvSpPr>
           <p:nvPr>
-            <p:ph type="title"/>
+            <p:ph type="body" sz="quarter" idx="13"/>
           </p:nvPr>
         </p:nvSpPr>
-        <p:spPr/>
+        <p:spPr>
+          <a:xfrm>
+            <a:off x="234200" y="1160401"/>
+            <a:ext cx="3749613" cy="4714188"/>
+          </a:xfrm>
+        </p:spPr>
         <p:txBody>
           <a:bodyPr/>
           <a:lstStyle/>
           <a:p>
+            <a:pPr marL="0" indent="0">
+              <a:buNone/>
+            </a:pPr>
             <a:r>
-              <a:rPr lang="en-US" dirty="0"/>
-              <a:t>Content Title 02</a:t>
+              <a:rPr lang="en-GB" dirty="0">
+                <a:solidFill>
+                  <a:srgbClr val="FFFF00"/>
+                </a:solidFill>
+              </a:rPr>
+              <a:t>Test User</a:t>
+            </a:r>
+          </a:p>
+          <a:p>
+            <a:r>
+              <a:rPr lang="en-GB" dirty="0"/>
+              <a:t>Login &amp; view snapshots</a:t>
+            </a:r>
+          </a:p>
+          <a:p>
+            <a:pPr marL="0" indent="0">
+              <a:buNone/>
+            </a:pPr>
+            <a:endParaRPr lang="en-GB" dirty="0"/>
+          </a:p>
+          <a:p>
+            <a:pPr marL="0" indent="0">
+              <a:buNone/>
+            </a:pPr>
+            <a:r>
+              <a:rPr lang="en-GB" dirty="0">
+                <a:solidFill>
+                  <a:srgbClr val="FFFF00"/>
+                </a:solidFill>
+              </a:rPr>
+              <a:t>New User</a:t>
+            </a:r>
+          </a:p>
+          <a:p>
+            <a:r>
+              <a:rPr lang="en-GB" dirty="0"/>
+              <a:t>Create account (data validations)</a:t>
+            </a:r>
+          </a:p>
+          <a:p>
+            <a:r>
+              <a:rPr lang="en-GB" dirty="0"/>
+              <a:t>Login</a:t>
+            </a:r>
+          </a:p>
+          <a:p>
+            <a:r>
+              <a:rPr lang="en-GB" dirty="0"/>
+              <a:t>Add snapshot (date validation)</a:t>
+            </a:r>
+          </a:p>
+          <a:p>
+            <a:r>
+              <a:rPr lang="en-GB" dirty="0"/>
+              <a:t>Snapshots overview</a:t>
+            </a:r>
+          </a:p>
+          <a:p>
+            <a:r>
+              <a:rPr lang="en-GB" dirty="0"/>
+              <a:t>Edit snapshot (triggers dropdown)</a:t>
+            </a:r>
+          </a:p>
+          <a:p>
+            <a:r>
+              <a:rPr lang="en-GB" dirty="0"/>
+              <a:t>Delete snapshot</a:t>
+            </a:r>
+          </a:p>
+          <a:p>
+            <a:r>
+              <a:rPr lang="en-GB" dirty="0"/>
+              <a:t>Account Admin</a:t>
             </a:r>
           </a:p>
         </p:txBody>
       </p:sp>
       <p:sp>
         <p:nvSpPr>
-          <p:cNvPr id="2" name="Slide Number Placeholder 1">
+          <p:cNvPr id="11" name="Title 6">
             <a:extLst>
               <a:ext uri="{FF2B5EF4-FFF2-40B4-BE49-F238E27FC236}">
-                <a16:creationId xmlns:a16="http://schemas.microsoft.com/office/drawing/2014/main" id="{520FC4EE-F318-4344-9E3C-B950ADB63865}"/>
+                <a16:creationId xmlns:a16="http://schemas.microsoft.com/office/drawing/2014/main" id="{AECF7CE4-D236-3477-A426-BCFE1BF295E6}"/>
               </a:ext>
             </a:extLst>
           </p:cNvPr>
-          <p:cNvSpPr>
-            <a:spLocks noGrp="1"/>
+          <p:cNvSpPr txBox="1">
+            <a:spLocks/>
           </p:cNvSpPr>
-          <p:nvPr>
-            <p:ph type="sldNum" sz="quarter" idx="12"/>
-          </p:nvPr>
+          <p:nvPr/>
         </p:nvSpPr>
-        <p:spPr/>
+        <p:spPr>
+          <a:xfrm>
+            <a:off x="329090" y="266576"/>
+            <a:ext cx="11214100" cy="535531"/>
+          </a:xfrm>
+          <a:prstGeom prst="rect">
+            <a:avLst/>
+          </a:prstGeom>
+        </p:spPr>
         <p:txBody>
-          <a:bodyPr/>
-          <a:lstStyle/>
-          <a:p>
-            <a:fld id="{C263D6C4-4840-40CC-AC84-17E24B3B7BDE}" type="slidenum">
-              <a:rPr lang="en-US" smtClean="0"/>
-              <a:pPr/>
-              <a:t>8</a:t>
-            </a:fld>
-            <a:endParaRPr lang="en-US" dirty="0"/>
+          <a:bodyPr vert="horz" wrap="square" lIns="91440" tIns="45720" rIns="91440" bIns="45720" rtlCol="0" anchor="t">
+            <a:spAutoFit/>
+          </a:bodyPr>
+          <a:lstStyle>
+            <a:lvl1pPr algn="l" defTabSz="914400" rtl="0" eaLnBrk="1" latinLnBrk="0" hangingPunct="1">
+              <a:lnSpc>
+                <a:spcPct val="90000"/>
+              </a:lnSpc>
+              <a:spcBef>
+                <a:spcPct val="0"/>
+              </a:spcBef>
+              <a:buNone/>
+              <a:defRPr lang="en-GB" sz="3200" b="1" kern="1200" spc="-70" baseline="0" dirty="0">
+                <a:solidFill>
+                  <a:schemeClr val="bg1"/>
+                </a:solidFill>
+                <a:latin typeface="+mj-lt"/>
+                <a:ea typeface="+mj-ea"/>
+                <a:cs typeface="+mj-cs"/>
+              </a:defRPr>
+            </a:lvl1pPr>
+          </a:lstStyle>
+          <a:p>
+            <a:r>
+              <a:rPr lang="en-US" dirty="0">
+                <a:solidFill>
+                  <a:schemeClr val="accent1">
+                    <a:lumMod val="40000"/>
+                    <a:lumOff val="60000"/>
+                  </a:schemeClr>
+                </a:solidFill>
+              </a:rPr>
+              <a:t>User Interface Walkthrough</a:t>
+            </a:r>
           </a:p>
         </p:txBody>
       </p:sp>
       <p:sp>
         <p:nvSpPr>
-          <p:cNvPr id="7" name="Text Placeholder 6">
+          <p:cNvPr id="2" name="Text Placeholder 2">
             <a:extLst>
               <a:ext uri="{FF2B5EF4-FFF2-40B4-BE49-F238E27FC236}">
-                <a16:creationId xmlns:a16="http://schemas.microsoft.com/office/drawing/2014/main" id="{B74126B4-1E6C-4FFF-9282-40E18A85A07F}"/>
+                <a16:creationId xmlns:a16="http://schemas.microsoft.com/office/drawing/2014/main" id="{9177A33E-4F02-1A82-5DFB-14A3A3C44BFE}"/>
               </a:ext>
             </a:extLst>
           </p:cNvPr>
-          <p:cNvSpPr>
-            <a:spLocks noGrp="1"/>
+          <p:cNvSpPr txBox="1">
+            <a:spLocks/>
           </p:cNvSpPr>
-          <p:nvPr>
-            <p:ph type="body" sz="quarter" idx="1"/>
-          </p:nvPr>
+          <p:nvPr/>
         </p:nvSpPr>
-        <p:spPr/>
+        <p:spPr>
+          <a:xfrm>
+            <a:off x="3983815" y="1160401"/>
+            <a:ext cx="4620883" cy="2472162"/>
+          </a:xfrm>
+          <a:prstGeom prst="rect">
+            <a:avLst/>
+          </a:prstGeom>
+        </p:spPr>
         <p:txBody>
-          <a:bodyPr/>
-          <a:lstStyle/>
-          <a:p>
+          <a:bodyPr vert="horz" lIns="91440" tIns="45720" rIns="91440" bIns="45720" rtlCol="0">
+            <a:noAutofit/>
+          </a:bodyPr>
+          <a:lstStyle>
+            <a:lvl1pPr marL="228600" indent="-228600" algn="l" defTabSz="914400" rtl="0" eaLnBrk="1" latinLnBrk="0" hangingPunct="1">
+              <a:lnSpc>
+                <a:spcPct val="100000"/>
+              </a:lnSpc>
+              <a:spcBef>
+                <a:spcPts val="600"/>
+              </a:spcBef>
+              <a:spcAft>
+                <a:spcPts val="400"/>
+              </a:spcAft>
+              <a:buClr>
+                <a:schemeClr val="accent2"/>
+              </a:buClr>
+              <a:buFont typeface="Arial" panose="020B0604020202020204" pitchFamily="34" charset="0"/>
+              <a:buChar char="•"/>
+              <a:defRPr sz="1600" kern="1200">
+                <a:solidFill>
+                  <a:schemeClr val="bg1"/>
+                </a:solidFill>
+                <a:latin typeface="+mn-lt"/>
+                <a:ea typeface="+mn-ea"/>
+                <a:cs typeface="Arial" panose="020B0604020202020204" pitchFamily="34" charset="0"/>
+              </a:defRPr>
+            </a:lvl1pPr>
+            <a:lvl2pPr marL="685800" indent="-228600" algn="l" defTabSz="914400" rtl="0" eaLnBrk="1" latinLnBrk="0" hangingPunct="1">
+              <a:lnSpc>
+                <a:spcPct val="100000"/>
+              </a:lnSpc>
+              <a:spcBef>
+                <a:spcPts val="600"/>
+              </a:spcBef>
+              <a:spcAft>
+                <a:spcPts val="400"/>
+              </a:spcAft>
+              <a:buClr>
+                <a:schemeClr val="accent2"/>
+              </a:buClr>
+              <a:buFont typeface="Arial" panose="020B0604020202020204" pitchFamily="34" charset="0"/>
+              <a:buChar char="•"/>
+              <a:defRPr sz="1400" kern="1200">
+                <a:solidFill>
+                  <a:schemeClr val="bg1"/>
+                </a:solidFill>
+                <a:latin typeface="+mn-lt"/>
+                <a:ea typeface="+mn-ea"/>
+                <a:cs typeface="Arial" panose="020B0604020202020204" pitchFamily="34" charset="0"/>
+              </a:defRPr>
+            </a:lvl2pPr>
+            <a:lvl3pPr marL="1143000" indent="-228600" algn="l" defTabSz="914400" rtl="0" eaLnBrk="1" latinLnBrk="0" hangingPunct="1">
+              <a:lnSpc>
+                <a:spcPct val="100000"/>
+              </a:lnSpc>
+              <a:spcBef>
+                <a:spcPts val="600"/>
+              </a:spcBef>
+              <a:spcAft>
+                <a:spcPts val="400"/>
+              </a:spcAft>
+              <a:buClr>
+                <a:schemeClr val="accent2"/>
+              </a:buClr>
+              <a:buFont typeface="Arial" panose="020B0604020202020204" pitchFamily="34" charset="0"/>
+              <a:buChar char="•"/>
+              <a:defRPr sz="1200" kern="1200">
+                <a:solidFill>
+                  <a:schemeClr val="bg1"/>
+                </a:solidFill>
+                <a:latin typeface="+mn-lt"/>
+                <a:ea typeface="+mn-ea"/>
+                <a:cs typeface="Arial" panose="020B0604020202020204" pitchFamily="34" charset="0"/>
+              </a:defRPr>
+            </a:lvl3pPr>
+            <a:lvl4pPr marL="1600200" indent="-228600" algn="l" defTabSz="914400" rtl="0" eaLnBrk="1" latinLnBrk="0" hangingPunct="1">
+              <a:lnSpc>
+                <a:spcPct val="90000"/>
+              </a:lnSpc>
+              <a:spcBef>
+                <a:spcPts val="500"/>
+              </a:spcBef>
+              <a:buClr>
+                <a:schemeClr val="accent2"/>
+              </a:buClr>
+              <a:buFont typeface="Arial" panose="020B0604020202020204" pitchFamily="34" charset="0"/>
+              <a:buChar char="•"/>
+              <a:defRPr sz="1400" kern="1200">
+                <a:solidFill>
+                  <a:schemeClr val="bg1"/>
+                </a:solidFill>
+                <a:latin typeface="Arial" panose="020B0604020202020204" pitchFamily="34" charset="0"/>
+                <a:ea typeface="+mn-ea"/>
+                <a:cs typeface="Arial" panose="020B0604020202020204" pitchFamily="34" charset="0"/>
+              </a:defRPr>
+            </a:lvl4pPr>
+            <a:lvl5pPr marL="2057400" indent="-228600" algn="l" defTabSz="914400" rtl="0" eaLnBrk="1" latinLnBrk="0" hangingPunct="1">
+              <a:lnSpc>
+                <a:spcPct val="90000"/>
+              </a:lnSpc>
+              <a:spcBef>
+                <a:spcPts val="500"/>
+              </a:spcBef>
+              <a:buClr>
+                <a:schemeClr val="accent2"/>
+              </a:buClr>
+              <a:buFont typeface="Arial" panose="020B0604020202020204" pitchFamily="34" charset="0"/>
+              <a:buChar char="•"/>
+              <a:defRPr sz="1400" kern="1200">
+                <a:solidFill>
+                  <a:schemeClr val="bg1"/>
+                </a:solidFill>
+                <a:latin typeface="Arial" panose="020B0604020202020204" pitchFamily="34" charset="0"/>
+                <a:ea typeface="+mn-ea"/>
+                <a:cs typeface="Arial" panose="020B0604020202020204" pitchFamily="34" charset="0"/>
+              </a:defRPr>
+            </a:lvl5pPr>
+            <a:lvl6pPr marL="2514600" indent="-228600" algn="l" defTabSz="914400" rtl="0" eaLnBrk="1" latinLnBrk="0" hangingPunct="1">
+              <a:lnSpc>
+                <a:spcPct val="90000"/>
+              </a:lnSpc>
+              <a:spcBef>
+                <a:spcPts val="500"/>
+              </a:spcBef>
+              <a:buFont typeface="Arial" panose="020B0604020202020204" pitchFamily="34" charset="0"/>
+              <a:buChar char="•"/>
+              <a:defRPr sz="1800" kern="1200">
+                <a:solidFill>
+                  <a:schemeClr val="tx1"/>
+                </a:solidFill>
+                <a:latin typeface="+mn-lt"/>
+                <a:ea typeface="+mn-ea"/>
+                <a:cs typeface="+mn-cs"/>
+              </a:defRPr>
+            </a:lvl6pPr>
+            <a:lvl7pPr marL="2971800" indent="-228600" algn="l" defTabSz="914400" rtl="0" eaLnBrk="1" latinLnBrk="0" hangingPunct="1">
+              <a:lnSpc>
+                <a:spcPct val="90000"/>
+              </a:lnSpc>
+              <a:spcBef>
+                <a:spcPts val="500"/>
+              </a:spcBef>
+              <a:buFont typeface="Arial" panose="020B0604020202020204" pitchFamily="34" charset="0"/>
+              <a:buChar char="•"/>
+              <a:defRPr sz="1800" kern="1200">
+                <a:solidFill>
+                  <a:schemeClr val="tx1"/>
+                </a:solidFill>
+                <a:latin typeface="+mn-lt"/>
+                <a:ea typeface="+mn-ea"/>
+                <a:cs typeface="+mn-cs"/>
+              </a:defRPr>
+            </a:lvl7pPr>
+            <a:lvl8pPr marL="3429000" indent="-228600" algn="l" defTabSz="914400" rtl="0" eaLnBrk="1" latinLnBrk="0" hangingPunct="1">
+              <a:lnSpc>
+                <a:spcPct val="90000"/>
+              </a:lnSpc>
+              <a:spcBef>
+                <a:spcPts val="500"/>
+              </a:spcBef>
+              <a:buFont typeface="Arial" panose="020B0604020202020204" pitchFamily="34" charset="0"/>
+              <a:buChar char="•"/>
+              <a:defRPr sz="1800" kern="1200">
+                <a:solidFill>
+                  <a:schemeClr val="tx1"/>
+                </a:solidFill>
+                <a:latin typeface="+mn-lt"/>
+                <a:ea typeface="+mn-ea"/>
+                <a:cs typeface="+mn-cs"/>
+              </a:defRPr>
+            </a:lvl8pPr>
+            <a:lvl9pPr marL="3886200" indent="-228600" algn="l" defTabSz="914400" rtl="0" eaLnBrk="1" latinLnBrk="0" hangingPunct="1">
+              <a:lnSpc>
+                <a:spcPct val="90000"/>
+              </a:lnSpc>
+              <a:spcBef>
+                <a:spcPts val="500"/>
+              </a:spcBef>
+              <a:buFont typeface="Arial" panose="020B0604020202020204" pitchFamily="34" charset="0"/>
+              <a:buChar char="•"/>
+              <a:defRPr sz="1800" kern="1200">
+                <a:solidFill>
+                  <a:schemeClr val="tx1"/>
+                </a:solidFill>
+                <a:latin typeface="+mn-lt"/>
+                <a:ea typeface="+mn-ea"/>
+                <a:cs typeface="+mn-cs"/>
+              </a:defRPr>
+            </a:lvl9pPr>
+          </a:lstStyle>
+          <a:p>
+            <a:pPr marL="0" indent="0">
+              <a:buFont typeface="Arial" panose="020B0604020202020204" pitchFamily="34" charset="0"/>
+              <a:buNone/>
+            </a:pPr>
             <a:r>
-              <a:rPr lang="en-US" dirty="0"/>
-              <a:t>Lorem ipsum dolor sit amet</a:t>
+              <a:rPr lang="en-GB" dirty="0">
+                <a:solidFill>
+                  <a:srgbClr val="FFFF00"/>
+                </a:solidFill>
+              </a:rPr>
+              <a:t>Admin User</a:t>
+            </a:r>
+          </a:p>
+          <a:p>
+            <a:r>
+              <a:rPr lang="en-GB" dirty="0"/>
+              <a:t>Login &amp; view different users’ snapshots</a:t>
+            </a:r>
+          </a:p>
+          <a:p>
+            <a:r>
+              <a:rPr lang="en-GB" dirty="0"/>
+              <a:t>Edit/Delete snapshot of other user</a:t>
+            </a:r>
+          </a:p>
+          <a:p>
+            <a:r>
+              <a:rPr lang="en-GB" dirty="0"/>
+              <a:t>Account Admin for other user (incl. assign new role / delete account)</a:t>
             </a:r>
           </a:p>
         </p:txBody>
       </p:sp>
-      <p:sp>
-        <p:nvSpPr>
-          <p:cNvPr id="5" name="Text Placeholder 4">
+      <p:pic>
+        <p:nvPicPr>
+          <p:cNvPr id="5" name="Picture 4">
             <a:extLst>
               <a:ext uri="{FF2B5EF4-FFF2-40B4-BE49-F238E27FC236}">
-                <a16:creationId xmlns:a16="http://schemas.microsoft.com/office/drawing/2014/main" id="{E0C87788-476B-4620-8002-A5C1177AD6C1}"/>
+                <a16:creationId xmlns:a16="http://schemas.microsoft.com/office/drawing/2014/main" id="{499EEAA8-EDAA-4EF9-104D-D66E92AFA45E}"/>
               </a:ext>
             </a:extLst>
           </p:cNvPr>
-          <p:cNvSpPr>
-            <a:spLocks noGrp="1"/>
-          </p:cNvSpPr>
-          <p:nvPr>
-            <p:ph type="body" sz="quarter" idx="3"/>
-          </p:nvPr>
-        </p:nvSpPr>
-        <p:spPr/>
-        <p:txBody>
-          <a:bodyPr/>
-          <a:lstStyle/>
-          <a:p>
-            <a:r>
-              <a:rPr lang="en-US" dirty="0"/>
-              <a:t>Lorem ipsum dolor sit amet</a:t>
-            </a:r>
-          </a:p>
-        </p:txBody>
-      </p:sp>
-      <p:sp>
-        <p:nvSpPr>
-          <p:cNvPr id="8" name="Text Placeholder 7">
-            <a:extLst>
-              <a:ext uri="{FF2B5EF4-FFF2-40B4-BE49-F238E27FC236}">
-                <a16:creationId xmlns:a16="http://schemas.microsoft.com/office/drawing/2014/main" id="{47DC4E62-1A34-4F98-A451-214F1808519C}"/>
-              </a:ext>
-            </a:extLst>
-          </p:cNvPr>
-          <p:cNvSpPr>
-            <a:spLocks noGrp="1"/>
-          </p:cNvSpPr>
-          <p:nvPr>
-            <p:ph type="body" sz="quarter" idx="2"/>
-          </p:nvPr>
-        </p:nvSpPr>
-        <p:spPr/>
-        <p:txBody>
-          <a:bodyPr/>
-          <a:lstStyle/>
-          <a:p>
-            <a:r>
-              <a:rPr lang="en-US" dirty="0"/>
-              <a:t>Lorem ipsum dolor sit amet, consectetuer adipiscing elit. Maecenas porttitor congue massa. Fusce posuere, magna sed pulvinar ultricies, purus lectus malesuada libero, sit amet commodo magna eros quis urna. Nunc viverra imperdiet enim. Fusce est. Vivamus a tellus.</a:t>
-            </a:r>
-          </a:p>
-          <a:p>
-            <a:r>
-              <a:rPr lang="en-US" dirty="0"/>
-              <a:t>Pellentesque habitant morbi tristique senectus et netus et malesuada fames ac turpis egestas. Proin pharetra nonummy pede. Mauris et orci.</a:t>
-            </a:r>
-          </a:p>
-          <a:p>
-            <a:endParaRPr lang="en-US" dirty="0"/>
-          </a:p>
-          <a:p>
-            <a:endParaRPr lang="en-US" dirty="0"/>
-          </a:p>
-        </p:txBody>
-      </p:sp>
-      <p:sp>
-        <p:nvSpPr>
-          <p:cNvPr id="6" name="Text Placeholder 5">
-            <a:extLst>
-              <a:ext uri="{FF2B5EF4-FFF2-40B4-BE49-F238E27FC236}">
-                <a16:creationId xmlns:a16="http://schemas.microsoft.com/office/drawing/2014/main" id="{000A9570-5EF6-4AFB-9FCA-7C8998E3FEB1}"/>
-              </a:ext>
-            </a:extLst>
-          </p:cNvPr>
-          <p:cNvSpPr>
-            <a:spLocks noGrp="1"/>
-          </p:cNvSpPr>
-          <p:nvPr>
-            <p:ph type="body" sz="quarter" idx="4"/>
-          </p:nvPr>
-        </p:nvSpPr>
-        <p:spPr/>
-        <p:txBody>
-          <a:bodyPr/>
-          <a:lstStyle/>
-          <a:p>
-            <a:r>
-              <a:rPr lang="en-US" dirty="0"/>
-              <a:t>Lorem ipsum dolor sit amet, consectetuer adipiscing elit. Maecenas porttitor congue massa. Fusce posuere, magna sed pulvinar ultricies, purus lectus malesuada libero, sit amet commodo magna eros quis urna. Nunc viverra imperdiet enim. Fusce est. Vivamus a tellus.</a:t>
-            </a:r>
-          </a:p>
-          <a:p>
-            <a:r>
-              <a:rPr lang="en-US" dirty="0"/>
-              <a:t>Pellentesque habitant morbi tristique senectus et netus et malesuada fames ac turpis egestas. Proin pharetra nonummy pede. Mauris et orci.</a:t>
-            </a:r>
-          </a:p>
-          <a:p>
-            <a:endParaRPr lang="en-US" dirty="0"/>
-          </a:p>
-        </p:txBody>
-      </p:sp>
+          <p:cNvPicPr>
+            <a:picLocks noChangeAspect="1"/>
+          </p:cNvPicPr>
+          <p:nvPr/>
+        </p:nvPicPr>
+        <p:blipFill>
+          <a:blip r:embed="rId2"/>
+          <a:stretch>
+            <a:fillRect/>
+          </a:stretch>
+        </p:blipFill>
+        <p:spPr>
+          <a:xfrm>
+            <a:off x="4062328" y="3057774"/>
+            <a:ext cx="4463855" cy="3218231"/>
+          </a:xfrm>
+          <a:prstGeom prst="rect">
+            <a:avLst/>
+          </a:prstGeom>
+        </p:spPr>
+      </p:pic>
     </p:spTree>
     <p:extLst>
       <p:ext uri="{BB962C8B-B14F-4D97-AF65-F5344CB8AC3E}">
-        <p14:creationId xmlns:p14="http://schemas.microsoft.com/office/powerpoint/2010/main" val="3607270498"/>
+        <p14:creationId xmlns:p14="http://schemas.microsoft.com/office/powerpoint/2010/main" val="2261443199"/>
       </p:ext>
     </p:extLst>
   </p:cSld>
@@ -30409,10 +29824,10 @@
       </p:grpSpPr>
       <p:sp>
         <p:nvSpPr>
-          <p:cNvPr id="4" name="Title 3">
+          <p:cNvPr id="3" name="Text Placeholder 2">
             <a:extLst>
               <a:ext uri="{FF2B5EF4-FFF2-40B4-BE49-F238E27FC236}">
-                <a16:creationId xmlns:a16="http://schemas.microsoft.com/office/drawing/2014/main" id="{315E3981-F0D7-482C-A8E0-6A57700BECA7}"/>
+                <a16:creationId xmlns:a16="http://schemas.microsoft.com/office/drawing/2014/main" id="{73E3EF51-53D1-CB35-30F5-2C4ACF286662}"/>
               </a:ext>
             </a:extLst>
           </p:cNvPr>
@@ -30420,370 +29835,573 @@
             <a:spLocks noGrp="1"/>
           </p:cNvSpPr>
           <p:nvPr>
-            <p:ph type="title"/>
+            <p:ph type="body" sz="quarter" idx="13"/>
           </p:nvPr>
         </p:nvSpPr>
-        <p:spPr/>
+        <p:spPr>
+          <a:xfrm>
+            <a:off x="249374" y="832448"/>
+            <a:ext cx="3749613" cy="4714188"/>
+          </a:xfrm>
+        </p:spPr>
         <p:txBody>
           <a:bodyPr/>
           <a:lstStyle/>
           <a:p>
+            <a:pPr marL="0" indent="0">
+              <a:buNone/>
+            </a:pPr>
             <a:r>
-              <a:rPr lang="en-US" dirty="0"/>
-              <a:t>Content Title</a:t>
+              <a:rPr lang="en-GB" dirty="0">
+                <a:solidFill>
+                  <a:srgbClr val="FFFF00"/>
+                </a:solidFill>
+              </a:rPr>
+              <a:t>Password Encryption</a:t>
+            </a:r>
+          </a:p>
+          <a:p>
+            <a:r>
+              <a:rPr lang="en-GB" dirty="0"/>
+              <a:t>AES has been used for demo purposes but SHA-256 is preferred (although neither are 100% secure). Account Admin process would require revision to properly handle SHA-256</a:t>
+            </a:r>
+          </a:p>
+          <a:p>
+            <a:pPr marL="0" indent="0">
+              <a:buNone/>
+            </a:pPr>
+            <a:endParaRPr lang="en-GB" dirty="0"/>
+          </a:p>
+          <a:p>
+            <a:pPr marL="0" indent="0">
+              <a:buNone/>
+            </a:pPr>
+            <a:r>
+              <a:rPr lang="en-GB" dirty="0">
+                <a:solidFill>
+                  <a:srgbClr val="FFFF00"/>
+                </a:solidFill>
+              </a:rPr>
+              <a:t>Session validation</a:t>
+            </a:r>
+          </a:p>
+          <a:p>
+            <a:r>
+              <a:rPr lang="en-GB" dirty="0"/>
+              <a:t>Use of </a:t>
+            </a:r>
+            <a:r>
+              <a:rPr lang="en-GB" dirty="0" err="1"/>
+              <a:t>isAuth</a:t>
+            </a:r>
+            <a:r>
+              <a:rPr lang="en-GB" dirty="0"/>
+              <a:t> (auth.js) middleware &amp; setting </a:t>
+            </a:r>
+            <a:r>
+              <a:rPr lang="en-GB" dirty="0" err="1"/>
+              <a:t>sessionUserName</a:t>
+            </a:r>
+            <a:r>
+              <a:rPr lang="en-GB" dirty="0"/>
+              <a:t> limiting user’s access to only what is permitted</a:t>
+            </a:r>
+            <a:endParaRPr lang="en-GB" dirty="0">
+              <a:solidFill>
+                <a:srgbClr val="FFFF00"/>
+              </a:solidFill>
+            </a:endParaRPr>
+          </a:p>
+        </p:txBody>
+      </p:sp>
+      <p:sp>
+        <p:nvSpPr>
+          <p:cNvPr id="11" name="Title 6">
+            <a:extLst>
+              <a:ext uri="{FF2B5EF4-FFF2-40B4-BE49-F238E27FC236}">
+                <a16:creationId xmlns:a16="http://schemas.microsoft.com/office/drawing/2014/main" id="{AECF7CE4-D236-3477-A426-BCFE1BF295E6}"/>
+              </a:ext>
+            </a:extLst>
+          </p:cNvPr>
+          <p:cNvSpPr txBox="1">
+            <a:spLocks/>
+          </p:cNvSpPr>
+          <p:nvPr/>
+        </p:nvSpPr>
+        <p:spPr>
+          <a:xfrm>
+            <a:off x="329090" y="266576"/>
+            <a:ext cx="11214100" cy="535531"/>
+          </a:xfrm>
+          <a:prstGeom prst="rect">
+            <a:avLst/>
+          </a:prstGeom>
+        </p:spPr>
+        <p:txBody>
+          <a:bodyPr vert="horz" wrap="square" lIns="91440" tIns="45720" rIns="91440" bIns="45720" rtlCol="0" anchor="t">
+            <a:spAutoFit/>
+          </a:bodyPr>
+          <a:lstStyle>
+            <a:lvl1pPr algn="l" defTabSz="914400" rtl="0" eaLnBrk="1" latinLnBrk="0" hangingPunct="1">
+              <a:lnSpc>
+                <a:spcPct val="90000"/>
+              </a:lnSpc>
+              <a:spcBef>
+                <a:spcPct val="0"/>
+              </a:spcBef>
+              <a:buNone/>
+              <a:defRPr lang="en-GB" sz="3200" b="1" kern="1200" spc="-70" baseline="0" dirty="0">
+                <a:solidFill>
+                  <a:schemeClr val="bg1"/>
+                </a:solidFill>
+                <a:latin typeface="+mj-lt"/>
+                <a:ea typeface="+mj-ea"/>
+                <a:cs typeface="+mj-cs"/>
+              </a:defRPr>
+            </a:lvl1pPr>
+          </a:lstStyle>
+          <a:p>
+            <a:r>
+              <a:rPr lang="en-US" dirty="0">
+                <a:solidFill>
+                  <a:schemeClr val="accent1">
+                    <a:lumMod val="40000"/>
+                    <a:lumOff val="60000"/>
+                  </a:schemeClr>
+                </a:solidFill>
+              </a:rPr>
+              <a:t>Security</a:t>
+            </a:r>
+          </a:p>
+        </p:txBody>
+      </p:sp>
+      <p:sp>
+        <p:nvSpPr>
+          <p:cNvPr id="2" name="Text Placeholder 2">
+            <a:extLst>
+              <a:ext uri="{FF2B5EF4-FFF2-40B4-BE49-F238E27FC236}">
+                <a16:creationId xmlns:a16="http://schemas.microsoft.com/office/drawing/2014/main" id="{9177A33E-4F02-1A82-5DFB-14A3A3C44BFE}"/>
+              </a:ext>
+            </a:extLst>
+          </p:cNvPr>
+          <p:cNvSpPr txBox="1">
+            <a:spLocks/>
+          </p:cNvSpPr>
+          <p:nvPr/>
+        </p:nvSpPr>
+        <p:spPr>
+          <a:xfrm>
+            <a:off x="5189433" y="832298"/>
+            <a:ext cx="4620883" cy="5180014"/>
+          </a:xfrm>
+          <a:prstGeom prst="rect">
+            <a:avLst/>
+          </a:prstGeom>
+        </p:spPr>
+        <p:txBody>
+          <a:bodyPr vert="horz" lIns="91440" tIns="45720" rIns="91440" bIns="45720" rtlCol="0">
+            <a:noAutofit/>
+          </a:bodyPr>
+          <a:lstStyle>
+            <a:lvl1pPr marL="228600" indent="-228600" algn="l" defTabSz="914400" rtl="0" eaLnBrk="1" latinLnBrk="0" hangingPunct="1">
+              <a:lnSpc>
+                <a:spcPct val="100000"/>
+              </a:lnSpc>
+              <a:spcBef>
+                <a:spcPts val="600"/>
+              </a:spcBef>
+              <a:spcAft>
+                <a:spcPts val="400"/>
+              </a:spcAft>
+              <a:buClr>
+                <a:schemeClr val="accent2"/>
+              </a:buClr>
+              <a:buFont typeface="Arial" panose="020B0604020202020204" pitchFamily="34" charset="0"/>
+              <a:buChar char="•"/>
+              <a:defRPr sz="1600" kern="1200">
+                <a:solidFill>
+                  <a:schemeClr val="bg1"/>
+                </a:solidFill>
+                <a:latin typeface="+mn-lt"/>
+                <a:ea typeface="+mn-ea"/>
+                <a:cs typeface="Arial" panose="020B0604020202020204" pitchFamily="34" charset="0"/>
+              </a:defRPr>
+            </a:lvl1pPr>
+            <a:lvl2pPr marL="685800" indent="-228600" algn="l" defTabSz="914400" rtl="0" eaLnBrk="1" latinLnBrk="0" hangingPunct="1">
+              <a:lnSpc>
+                <a:spcPct val="100000"/>
+              </a:lnSpc>
+              <a:spcBef>
+                <a:spcPts val="600"/>
+              </a:spcBef>
+              <a:spcAft>
+                <a:spcPts val="400"/>
+              </a:spcAft>
+              <a:buClr>
+                <a:schemeClr val="accent2"/>
+              </a:buClr>
+              <a:buFont typeface="Arial" panose="020B0604020202020204" pitchFamily="34" charset="0"/>
+              <a:buChar char="•"/>
+              <a:defRPr sz="1400" kern="1200">
+                <a:solidFill>
+                  <a:schemeClr val="bg1"/>
+                </a:solidFill>
+                <a:latin typeface="+mn-lt"/>
+                <a:ea typeface="+mn-ea"/>
+                <a:cs typeface="Arial" panose="020B0604020202020204" pitchFamily="34" charset="0"/>
+              </a:defRPr>
+            </a:lvl2pPr>
+            <a:lvl3pPr marL="1143000" indent="-228600" algn="l" defTabSz="914400" rtl="0" eaLnBrk="1" latinLnBrk="0" hangingPunct="1">
+              <a:lnSpc>
+                <a:spcPct val="100000"/>
+              </a:lnSpc>
+              <a:spcBef>
+                <a:spcPts val="600"/>
+              </a:spcBef>
+              <a:spcAft>
+                <a:spcPts val="400"/>
+              </a:spcAft>
+              <a:buClr>
+                <a:schemeClr val="accent2"/>
+              </a:buClr>
+              <a:buFont typeface="Arial" panose="020B0604020202020204" pitchFamily="34" charset="0"/>
+              <a:buChar char="•"/>
+              <a:defRPr sz="1200" kern="1200">
+                <a:solidFill>
+                  <a:schemeClr val="bg1"/>
+                </a:solidFill>
+                <a:latin typeface="+mn-lt"/>
+                <a:ea typeface="+mn-ea"/>
+                <a:cs typeface="Arial" panose="020B0604020202020204" pitchFamily="34" charset="0"/>
+              </a:defRPr>
+            </a:lvl3pPr>
+            <a:lvl4pPr marL="1600200" indent="-228600" algn="l" defTabSz="914400" rtl="0" eaLnBrk="1" latinLnBrk="0" hangingPunct="1">
+              <a:lnSpc>
+                <a:spcPct val="90000"/>
+              </a:lnSpc>
+              <a:spcBef>
+                <a:spcPts val="500"/>
+              </a:spcBef>
+              <a:buClr>
+                <a:schemeClr val="accent2"/>
+              </a:buClr>
+              <a:buFont typeface="Arial" panose="020B0604020202020204" pitchFamily="34" charset="0"/>
+              <a:buChar char="•"/>
+              <a:defRPr sz="1400" kern="1200">
+                <a:solidFill>
+                  <a:schemeClr val="bg1"/>
+                </a:solidFill>
+                <a:latin typeface="Arial" panose="020B0604020202020204" pitchFamily="34" charset="0"/>
+                <a:ea typeface="+mn-ea"/>
+                <a:cs typeface="Arial" panose="020B0604020202020204" pitchFamily="34" charset="0"/>
+              </a:defRPr>
+            </a:lvl4pPr>
+            <a:lvl5pPr marL="2057400" indent="-228600" algn="l" defTabSz="914400" rtl="0" eaLnBrk="1" latinLnBrk="0" hangingPunct="1">
+              <a:lnSpc>
+                <a:spcPct val="90000"/>
+              </a:lnSpc>
+              <a:spcBef>
+                <a:spcPts val="500"/>
+              </a:spcBef>
+              <a:buClr>
+                <a:schemeClr val="accent2"/>
+              </a:buClr>
+              <a:buFont typeface="Arial" panose="020B0604020202020204" pitchFamily="34" charset="0"/>
+              <a:buChar char="•"/>
+              <a:defRPr sz="1400" kern="1200">
+                <a:solidFill>
+                  <a:schemeClr val="bg1"/>
+                </a:solidFill>
+                <a:latin typeface="Arial" panose="020B0604020202020204" pitchFamily="34" charset="0"/>
+                <a:ea typeface="+mn-ea"/>
+                <a:cs typeface="Arial" panose="020B0604020202020204" pitchFamily="34" charset="0"/>
+              </a:defRPr>
+            </a:lvl5pPr>
+            <a:lvl6pPr marL="2514600" indent="-228600" algn="l" defTabSz="914400" rtl="0" eaLnBrk="1" latinLnBrk="0" hangingPunct="1">
+              <a:lnSpc>
+                <a:spcPct val="90000"/>
+              </a:lnSpc>
+              <a:spcBef>
+                <a:spcPts val="500"/>
+              </a:spcBef>
+              <a:buFont typeface="Arial" panose="020B0604020202020204" pitchFamily="34" charset="0"/>
+              <a:buChar char="•"/>
+              <a:defRPr sz="1800" kern="1200">
+                <a:solidFill>
+                  <a:schemeClr val="tx1"/>
+                </a:solidFill>
+                <a:latin typeface="+mn-lt"/>
+                <a:ea typeface="+mn-ea"/>
+                <a:cs typeface="+mn-cs"/>
+              </a:defRPr>
+            </a:lvl6pPr>
+            <a:lvl7pPr marL="2971800" indent="-228600" algn="l" defTabSz="914400" rtl="0" eaLnBrk="1" latinLnBrk="0" hangingPunct="1">
+              <a:lnSpc>
+                <a:spcPct val="90000"/>
+              </a:lnSpc>
+              <a:spcBef>
+                <a:spcPts val="500"/>
+              </a:spcBef>
+              <a:buFont typeface="Arial" panose="020B0604020202020204" pitchFamily="34" charset="0"/>
+              <a:buChar char="•"/>
+              <a:defRPr sz="1800" kern="1200">
+                <a:solidFill>
+                  <a:schemeClr val="tx1"/>
+                </a:solidFill>
+                <a:latin typeface="+mn-lt"/>
+                <a:ea typeface="+mn-ea"/>
+                <a:cs typeface="+mn-cs"/>
+              </a:defRPr>
+            </a:lvl7pPr>
+            <a:lvl8pPr marL="3429000" indent="-228600" algn="l" defTabSz="914400" rtl="0" eaLnBrk="1" latinLnBrk="0" hangingPunct="1">
+              <a:lnSpc>
+                <a:spcPct val="90000"/>
+              </a:lnSpc>
+              <a:spcBef>
+                <a:spcPts val="500"/>
+              </a:spcBef>
+              <a:buFont typeface="Arial" panose="020B0604020202020204" pitchFamily="34" charset="0"/>
+              <a:buChar char="•"/>
+              <a:defRPr sz="1800" kern="1200">
+                <a:solidFill>
+                  <a:schemeClr val="tx1"/>
+                </a:solidFill>
+                <a:latin typeface="+mn-lt"/>
+                <a:ea typeface="+mn-ea"/>
+                <a:cs typeface="+mn-cs"/>
+              </a:defRPr>
+            </a:lvl8pPr>
+            <a:lvl9pPr marL="3886200" indent="-228600" algn="l" defTabSz="914400" rtl="0" eaLnBrk="1" latinLnBrk="0" hangingPunct="1">
+              <a:lnSpc>
+                <a:spcPct val="90000"/>
+              </a:lnSpc>
+              <a:spcBef>
+                <a:spcPts val="500"/>
+              </a:spcBef>
+              <a:buFont typeface="Arial" panose="020B0604020202020204" pitchFamily="34" charset="0"/>
+              <a:buChar char="•"/>
+              <a:defRPr sz="1800" kern="1200">
+                <a:solidFill>
+                  <a:schemeClr val="tx1"/>
+                </a:solidFill>
+                <a:latin typeface="+mn-lt"/>
+                <a:ea typeface="+mn-ea"/>
+                <a:cs typeface="+mn-cs"/>
+              </a:defRPr>
+            </a:lvl9pPr>
+          </a:lstStyle>
+          <a:p>
+            <a:pPr marL="0" indent="0">
+              <a:buFont typeface="Arial" panose="020B0604020202020204" pitchFamily="34" charset="0"/>
+              <a:buNone/>
+            </a:pPr>
+            <a:r>
+              <a:rPr lang="en-GB" dirty="0">
+                <a:solidFill>
+                  <a:srgbClr val="FFFF00"/>
+                </a:solidFill>
+              </a:rPr>
+              <a:t>Validations</a:t>
+            </a:r>
+          </a:p>
+          <a:p>
+            <a:r>
+              <a:rPr lang="en-GB" dirty="0"/>
+              <a:t>Greater focus on server-side (due to the possibility of disabling JavaScript in browser)</a:t>
+            </a:r>
+          </a:p>
+          <a:p>
+            <a:r>
+              <a:rPr lang="en-GB" dirty="0"/>
+              <a:t>Duplication of some checks on client-side</a:t>
+            </a:r>
+          </a:p>
+          <a:p>
+            <a:r>
+              <a:rPr lang="en-GB" dirty="0"/>
+              <a:t>Disable buttons by default on client-side unless valid inputs are provided</a:t>
+            </a:r>
+          </a:p>
+          <a:p>
+            <a:pPr marL="0" indent="0">
+              <a:buNone/>
+            </a:pPr>
+            <a:endParaRPr lang="en-GB" dirty="0"/>
+          </a:p>
+          <a:p>
+            <a:pPr marL="0" indent="0">
+              <a:buNone/>
+            </a:pPr>
+            <a:r>
+              <a:rPr lang="en-GB" dirty="0">
+                <a:solidFill>
+                  <a:srgbClr val="FFFF00"/>
+                </a:solidFill>
+              </a:rPr>
+              <a:t>Caching</a:t>
+            </a:r>
+          </a:p>
+          <a:p>
+            <a:r>
+              <a:rPr lang="en-GB" dirty="0"/>
+              <a:t>Cache-Control in app.js on client side</a:t>
+            </a:r>
+          </a:p>
+          <a:p>
+            <a:pPr marL="0" indent="0">
+              <a:buNone/>
+            </a:pPr>
+            <a:endParaRPr lang="en-GB" dirty="0"/>
+          </a:p>
+          <a:p>
+            <a:pPr marL="0" indent="0">
+              <a:buNone/>
+            </a:pPr>
+            <a:r>
+              <a:rPr lang="en-GB" dirty="0">
+                <a:solidFill>
+                  <a:srgbClr val="FFFF00"/>
+                </a:solidFill>
+              </a:rPr>
+              <a:t>SQL injection</a:t>
+            </a:r>
+          </a:p>
+          <a:p>
+            <a:r>
+              <a:rPr lang="en-GB" dirty="0" err="1"/>
+              <a:t>mysql.escape</a:t>
+            </a:r>
+            <a:r>
+              <a:rPr lang="en-GB" dirty="0"/>
+              <a:t>(input) on server side</a:t>
             </a:r>
           </a:p>
         </p:txBody>
       </p:sp>
       <p:pic>
         <p:nvPicPr>
-          <p:cNvPr id="25" name="Picture Placeholder 24" descr="Bar chart">
+          <p:cNvPr id="6" name="Picture 5">
             <a:extLst>
               <a:ext uri="{FF2B5EF4-FFF2-40B4-BE49-F238E27FC236}">
-                <a16:creationId xmlns:a16="http://schemas.microsoft.com/office/drawing/2014/main" id="{C03AAFA7-022A-47F8-9DA1-7DC3897D1E52}"/>
+                <a16:creationId xmlns:a16="http://schemas.microsoft.com/office/drawing/2014/main" id="{CB8C0C41-7FE9-7F02-A692-EDADF80BB30F}"/>
               </a:ext>
             </a:extLst>
           </p:cNvPr>
           <p:cNvPicPr>
-            <a:picLocks noGrp="1" noChangeAspect="1"/>
+            <a:picLocks noChangeAspect="1"/>
           </p:cNvPicPr>
-          <p:nvPr>
-            <p:ph type="pic" sz="quarter" idx="13"/>
-          </p:nvPr>
+          <p:nvPr/>
         </p:nvPicPr>
         <p:blipFill>
-          <a:blip r:embed="rId2">
-            <a:extLst>
-              <a:ext uri="{28A0092B-C50C-407E-A947-70E740481C1C}">
-                <a14:useLocalDpi xmlns:a14="http://schemas.microsoft.com/office/drawing/2010/main"/>
-              </a:ext>
-              <a:ext uri="{96DAC541-7B7A-43D3-8B79-37D633B846F1}">
-                <asvg:svgBlip xmlns:asvg="http://schemas.microsoft.com/office/drawing/2016/SVG/main" r:embed="rId3"/>
-              </a:ext>
-            </a:extLst>
-          </a:blip>
-          <a:srcRect t="63" b="63"/>
+          <a:blip r:embed="rId2"/>
           <a:stretch>
             <a:fillRect/>
           </a:stretch>
         </p:blipFill>
         <p:spPr>
           <a:xfrm>
-            <a:off x="978212" y="2096716"/>
-            <a:ext cx="1259505" cy="1259505"/>
+            <a:off x="9299274" y="2013448"/>
+            <a:ext cx="2515656" cy="2619039"/>
           </a:xfrm>
+          <a:prstGeom prst="rect">
+            <a:avLst/>
+          </a:prstGeom>
         </p:spPr>
       </p:pic>
-      <p:sp>
-        <p:nvSpPr>
-          <p:cNvPr id="19" name="Text Placeholder 18">
+      <p:pic>
+        <p:nvPicPr>
+          <p:cNvPr id="8" name="Picture 7">
             <a:extLst>
               <a:ext uri="{FF2B5EF4-FFF2-40B4-BE49-F238E27FC236}">
-                <a16:creationId xmlns:a16="http://schemas.microsoft.com/office/drawing/2014/main" id="{782206B1-586F-4254-9B36-D06C4E294ACF}"/>
-              </a:ext>
-            </a:extLst>
-          </p:cNvPr>
-          <p:cNvSpPr>
-            <a:spLocks noGrp="1"/>
-          </p:cNvSpPr>
-          <p:nvPr>
-            <p:ph type="body" sz="quarter" idx="18"/>
-          </p:nvPr>
-        </p:nvSpPr>
-        <p:spPr/>
-        <p:txBody>
-          <a:bodyPr/>
-          <a:lstStyle/>
-          <a:p>
-            <a:r>
-              <a:rPr lang="en-US" dirty="0"/>
-              <a:t>Caption01 appears here</a:t>
-            </a:r>
-          </a:p>
-        </p:txBody>
-      </p:sp>
-      <p:pic>
-        <p:nvPicPr>
-          <p:cNvPr id="27" name="Picture Placeholder 26" descr="Clock">
-            <a:extLst>
-              <a:ext uri="{FF2B5EF4-FFF2-40B4-BE49-F238E27FC236}">
-                <a16:creationId xmlns:a16="http://schemas.microsoft.com/office/drawing/2014/main" id="{6F737161-FE67-434D-A781-59EDB9EDCB23}"/>
+                <a16:creationId xmlns:a16="http://schemas.microsoft.com/office/drawing/2014/main" id="{7698CC3C-F4E7-4C19-8EBF-4130AADBA361}"/>
               </a:ext>
             </a:extLst>
           </p:cNvPr>
           <p:cNvPicPr>
-            <a:picLocks noGrp="1" noChangeAspect="1"/>
+            <a:picLocks noChangeAspect="1"/>
           </p:cNvPicPr>
-          <p:nvPr>
-            <p:ph type="pic" sz="quarter" idx="14"/>
-          </p:nvPr>
+          <p:nvPr/>
         </p:nvPicPr>
         <p:blipFill>
-          <a:blip r:embed="rId4">
-            <a:extLst>
-              <a:ext uri="{28A0092B-C50C-407E-A947-70E740481C1C}">
-                <a14:useLocalDpi xmlns:a14="http://schemas.microsoft.com/office/drawing/2010/main"/>
-              </a:ext>
-              <a:ext uri="{96DAC541-7B7A-43D3-8B79-37D633B846F1}">
-                <asvg:svgBlip xmlns:asvg="http://schemas.microsoft.com/office/drawing/2016/SVG/main" r:embed="rId5"/>
-              </a:ext>
-            </a:extLst>
-          </a:blip>
-          <a:srcRect/>
+          <a:blip r:embed="rId3"/>
           <a:stretch>
             <a:fillRect/>
           </a:stretch>
         </p:blipFill>
-        <p:spPr/>
+        <p:spPr>
+          <a:xfrm>
+            <a:off x="9299274" y="4716351"/>
+            <a:ext cx="2332547" cy="1985874"/>
+          </a:xfrm>
+          <a:prstGeom prst="rect">
+            <a:avLst/>
+          </a:prstGeom>
+        </p:spPr>
       </p:pic>
-      <p:sp>
-        <p:nvSpPr>
-          <p:cNvPr id="20" name="Text Placeholder 19">
+      <p:pic>
+        <p:nvPicPr>
+          <p:cNvPr id="10" name="Picture 9">
             <a:extLst>
               <a:ext uri="{FF2B5EF4-FFF2-40B4-BE49-F238E27FC236}">
-                <a16:creationId xmlns:a16="http://schemas.microsoft.com/office/drawing/2014/main" id="{CB924A29-3538-4A3F-82A6-D2A7538C2111}"/>
-              </a:ext>
-            </a:extLst>
-          </p:cNvPr>
-          <p:cNvSpPr>
-            <a:spLocks noGrp="1"/>
-          </p:cNvSpPr>
-          <p:nvPr>
-            <p:ph type="body" sz="quarter" idx="19"/>
-          </p:nvPr>
-        </p:nvSpPr>
-        <p:spPr/>
-        <p:txBody>
-          <a:bodyPr/>
-          <a:lstStyle/>
-          <a:p>
-            <a:r>
-              <a:rPr lang="en-US" dirty="0"/>
-              <a:t>Caption02 appears here</a:t>
-            </a:r>
-          </a:p>
-        </p:txBody>
-      </p:sp>
-      <p:pic>
-        <p:nvPicPr>
-          <p:cNvPr id="29" name="Picture Placeholder 28" descr="Microscope">
-            <a:extLst>
-              <a:ext uri="{FF2B5EF4-FFF2-40B4-BE49-F238E27FC236}">
-                <a16:creationId xmlns:a16="http://schemas.microsoft.com/office/drawing/2014/main" id="{9E5BF01B-21D6-4D43-9CAE-0298685C1A7B}"/>
+                <a16:creationId xmlns:a16="http://schemas.microsoft.com/office/drawing/2014/main" id="{F073ED24-AD5A-E491-51C8-748CD25A2708}"/>
               </a:ext>
             </a:extLst>
           </p:cNvPr>
           <p:cNvPicPr>
-            <a:picLocks noGrp="1" noChangeAspect="1"/>
+            <a:picLocks noChangeAspect="1"/>
           </p:cNvPicPr>
-          <p:nvPr>
-            <p:ph type="pic" sz="quarter" idx="15"/>
-          </p:nvPr>
+          <p:nvPr/>
         </p:nvPicPr>
         <p:blipFill>
-          <a:blip r:embed="rId6">
-            <a:extLst>
-              <a:ext uri="{28A0092B-C50C-407E-A947-70E740481C1C}">
-                <a14:useLocalDpi xmlns:a14="http://schemas.microsoft.com/office/drawing/2010/main"/>
-              </a:ext>
-              <a:ext uri="{96DAC541-7B7A-43D3-8B79-37D633B846F1}">
-                <asvg:svgBlip xmlns:asvg="http://schemas.microsoft.com/office/drawing/2016/SVG/main" r:embed="rId7"/>
-              </a:ext>
-            </a:extLst>
-          </a:blip>
-          <a:srcRect t="63" b="63"/>
+          <a:blip r:embed="rId4"/>
           <a:stretch>
             <a:fillRect/>
           </a:stretch>
         </p:blipFill>
-        <p:spPr/>
+        <p:spPr>
+          <a:xfrm>
+            <a:off x="79336" y="4632487"/>
+            <a:ext cx="2949611" cy="1479891"/>
+          </a:xfrm>
+          <a:prstGeom prst="rect">
+            <a:avLst/>
+          </a:prstGeom>
+        </p:spPr>
       </p:pic>
-      <p:sp>
-        <p:nvSpPr>
-          <p:cNvPr id="21" name="Text Placeholder 20">
+      <p:pic>
+        <p:nvPicPr>
+          <p:cNvPr id="13" name="Picture 12">
             <a:extLst>
               <a:ext uri="{FF2B5EF4-FFF2-40B4-BE49-F238E27FC236}">
-                <a16:creationId xmlns:a16="http://schemas.microsoft.com/office/drawing/2014/main" id="{1B8F0371-4F69-4131-91BF-9AB99E6EE89B}"/>
-              </a:ext>
-            </a:extLst>
-          </p:cNvPr>
-          <p:cNvSpPr>
-            <a:spLocks noGrp="1"/>
-          </p:cNvSpPr>
-          <p:nvPr>
-            <p:ph type="body" sz="quarter" idx="20"/>
-          </p:nvPr>
-        </p:nvSpPr>
-        <p:spPr/>
-        <p:txBody>
-          <a:bodyPr/>
-          <a:lstStyle/>
-          <a:p>
-            <a:r>
-              <a:rPr lang="en-US" dirty="0"/>
-              <a:t>Caption03 appears here</a:t>
-            </a:r>
-          </a:p>
-        </p:txBody>
-      </p:sp>
-      <p:pic>
-        <p:nvPicPr>
-          <p:cNvPr id="31" name="Picture Placeholder 30" descr="Magnifying glass">
-            <a:extLst>
-              <a:ext uri="{FF2B5EF4-FFF2-40B4-BE49-F238E27FC236}">
-                <a16:creationId xmlns:a16="http://schemas.microsoft.com/office/drawing/2014/main" id="{089E8AB6-C16E-4752-810F-8F98DB929DB5}"/>
+                <a16:creationId xmlns:a16="http://schemas.microsoft.com/office/drawing/2014/main" id="{1181D3DE-2C13-0A1A-96FC-E61FB70A8FC4}"/>
               </a:ext>
             </a:extLst>
           </p:cNvPr>
           <p:cNvPicPr>
-            <a:picLocks noGrp="1" noChangeAspect="1"/>
+            <a:picLocks noChangeAspect="1"/>
           </p:cNvPicPr>
-          <p:nvPr>
-            <p:ph type="pic" sz="quarter" idx="16"/>
-          </p:nvPr>
+          <p:nvPr/>
         </p:nvPicPr>
         <p:blipFill>
-          <a:blip r:embed="rId8">
-            <a:extLst>
-              <a:ext uri="{28A0092B-C50C-407E-A947-70E740481C1C}">
-                <a14:useLocalDpi xmlns:a14="http://schemas.microsoft.com/office/drawing/2010/main"/>
-              </a:ext>
-              <a:ext uri="{96DAC541-7B7A-43D3-8B79-37D633B846F1}">
-                <asvg:svgBlip xmlns:asvg="http://schemas.microsoft.com/office/drawing/2016/SVG/main" r:embed="rId9"/>
-              </a:ext>
-            </a:extLst>
-          </a:blip>
-          <a:srcRect/>
+          <a:blip r:embed="rId5"/>
           <a:stretch>
             <a:fillRect/>
           </a:stretch>
         </p:blipFill>
-        <p:spPr/>
+        <p:spPr>
+          <a:xfrm>
+            <a:off x="2851362" y="5068736"/>
+            <a:ext cx="2515657" cy="1633489"/>
+          </a:xfrm>
+          <a:prstGeom prst="rect">
+            <a:avLst/>
+          </a:prstGeom>
+        </p:spPr>
       </p:pic>
-      <p:sp>
-        <p:nvSpPr>
-          <p:cNvPr id="22" name="Text Placeholder 21">
-            <a:extLst>
-              <a:ext uri="{FF2B5EF4-FFF2-40B4-BE49-F238E27FC236}">
-                <a16:creationId xmlns:a16="http://schemas.microsoft.com/office/drawing/2014/main" id="{78CACAF1-61EA-4605-A8FE-2EEE752B49FF}"/>
-              </a:ext>
-            </a:extLst>
-          </p:cNvPr>
-          <p:cNvSpPr>
-            <a:spLocks noGrp="1"/>
-          </p:cNvSpPr>
-          <p:nvPr>
-            <p:ph type="body" sz="quarter" idx="21"/>
-          </p:nvPr>
-        </p:nvSpPr>
-        <p:spPr/>
-        <p:txBody>
-          <a:bodyPr/>
-          <a:lstStyle/>
-          <a:p>
-            <a:r>
-              <a:rPr lang="en-US" dirty="0"/>
-              <a:t>Caption04 appears here</a:t>
-            </a:r>
-          </a:p>
-        </p:txBody>
-      </p:sp>
-      <p:pic>
-        <p:nvPicPr>
-          <p:cNvPr id="33" name="Picture Placeholder 32" descr="Head with Gears">
-            <a:extLst>
-              <a:ext uri="{FF2B5EF4-FFF2-40B4-BE49-F238E27FC236}">
-                <a16:creationId xmlns:a16="http://schemas.microsoft.com/office/drawing/2014/main" id="{CC9DBBE5-5AD0-41E8-A719-84509E5D9F9E}"/>
-              </a:ext>
-            </a:extLst>
-          </p:cNvPr>
-          <p:cNvPicPr>
-            <a:picLocks noGrp="1" noChangeAspect="1"/>
-          </p:cNvPicPr>
-          <p:nvPr>
-            <p:ph type="pic" sz="quarter" idx="17"/>
-          </p:nvPr>
-        </p:nvPicPr>
-        <p:blipFill>
-          <a:blip r:embed="rId10">
-            <a:extLst>
-              <a:ext uri="{28A0092B-C50C-407E-A947-70E740481C1C}">
-                <a14:useLocalDpi xmlns:a14="http://schemas.microsoft.com/office/drawing/2010/main"/>
-              </a:ext>
-              <a:ext uri="{96DAC541-7B7A-43D3-8B79-37D633B846F1}">
-                <asvg:svgBlip xmlns:asvg="http://schemas.microsoft.com/office/drawing/2016/SVG/main" r:embed="rId11"/>
-              </a:ext>
-            </a:extLst>
-          </a:blip>
-          <a:srcRect t="63" b="63"/>
-          <a:stretch>
-            <a:fillRect/>
-          </a:stretch>
-        </p:blipFill>
-        <p:spPr/>
-      </p:pic>
-      <p:sp>
-        <p:nvSpPr>
-          <p:cNvPr id="23" name="Text Placeholder 22">
-            <a:extLst>
-              <a:ext uri="{FF2B5EF4-FFF2-40B4-BE49-F238E27FC236}">
-                <a16:creationId xmlns:a16="http://schemas.microsoft.com/office/drawing/2014/main" id="{8D05A34F-7712-46DB-AB5B-272E294B62EE}"/>
-              </a:ext>
-            </a:extLst>
-          </p:cNvPr>
-          <p:cNvSpPr>
-            <a:spLocks noGrp="1"/>
-          </p:cNvSpPr>
-          <p:nvPr>
-            <p:ph type="body" sz="quarter" idx="22"/>
-          </p:nvPr>
-        </p:nvSpPr>
-        <p:spPr/>
-        <p:txBody>
-          <a:bodyPr/>
-          <a:lstStyle/>
-          <a:p>
-            <a:r>
-              <a:rPr lang="en-US" dirty="0"/>
-              <a:t>Caption05 appears here</a:t>
-            </a:r>
-          </a:p>
-        </p:txBody>
-      </p:sp>
-      <p:sp>
-        <p:nvSpPr>
-          <p:cNvPr id="2" name="Slide Number Placeholder 1">
-            <a:extLst>
-              <a:ext uri="{FF2B5EF4-FFF2-40B4-BE49-F238E27FC236}">
-                <a16:creationId xmlns:a16="http://schemas.microsoft.com/office/drawing/2014/main" id="{CC1F11E7-EDE5-4119-BA64-4FC57C285D19}"/>
-              </a:ext>
-            </a:extLst>
-          </p:cNvPr>
-          <p:cNvSpPr>
-            <a:spLocks noGrp="1"/>
-          </p:cNvSpPr>
-          <p:nvPr>
-            <p:ph type="sldNum" sz="quarter" idx="12"/>
-          </p:nvPr>
-        </p:nvSpPr>
-        <p:spPr/>
-        <p:txBody>
-          <a:bodyPr/>
-          <a:lstStyle/>
-          <a:p>
-            <a:fld id="{C263D6C4-4840-40CC-AC84-17E24B3B7BDE}" type="slidenum">
-              <a:rPr lang="en-US" smtClean="0"/>
-              <a:pPr/>
-              <a:t>9</a:t>
-            </a:fld>
-            <a:endParaRPr lang="en-US" dirty="0"/>
-          </a:p>
-        </p:txBody>
-      </p:sp>
     </p:spTree>
     <p:extLst>
       <p:ext uri="{BB962C8B-B14F-4D97-AF65-F5344CB8AC3E}">
-        <p14:creationId xmlns:p14="http://schemas.microsoft.com/office/powerpoint/2010/main" val="3892131414"/>
+        <p14:creationId xmlns:p14="http://schemas.microsoft.com/office/powerpoint/2010/main" val="964162129"/>
       </p:ext>
     </p:extLst>
   </p:cSld>
@@ -31597,20 +31215,20 @@
 </file>
 
 <file path=customXml/item1.xml><?xml version="1.0" encoding="utf-8"?>
+<p:properties xmlns:p="http://schemas.microsoft.com/office/2006/metadata/properties" xmlns:xsi="http://www.w3.org/2001/XMLSchema-instance" xmlns:pc="http://schemas.microsoft.com/office/infopath/2007/PartnerControls">
+  <documentManagement>
+    <MediaServiceKeyPoints xmlns="71af3243-3dd4-4a8d-8c0d-dd76da1f02a5" xsi:nil="true"/>
+  </documentManagement>
+</p:properties>
+</file>
+
+<file path=customXml/item2.xml><?xml version="1.0" encoding="utf-8"?>
 <?mso-contentType ?>
 <FormTemplates xmlns="http://schemas.microsoft.com/sharepoint/v3/contenttype/forms">
   <Display>DocumentLibraryForm</Display>
   <Edit>DocumentLibraryForm</Edit>
   <New>DocumentLibraryForm</New>
 </FormTemplates>
-</file>
-
-<file path=customXml/item2.xml><?xml version="1.0" encoding="utf-8"?>
-<p:properties xmlns:p="http://schemas.microsoft.com/office/2006/metadata/properties" xmlns:xsi="http://www.w3.org/2001/XMLSchema-instance" xmlns:pc="http://schemas.microsoft.com/office/infopath/2007/PartnerControls">
-  <documentManagement>
-    <MediaServiceKeyPoints xmlns="71af3243-3dd4-4a8d-8c0d-dd76da1f02a5" xsi:nil="true"/>
-  </documentManagement>
-</p:properties>
 </file>
 
 <file path=customXml/item3.xml><?xml version="1.0" encoding="utf-8"?>
@@ -31825,19 +31443,19 @@
 </file>
 
 <file path=customXml/itemProps1.xml><?xml version="1.0" encoding="utf-8"?>
-<ds:datastoreItem xmlns:ds="http://schemas.openxmlformats.org/officeDocument/2006/customXml" ds:itemID="{5B26E0C9-B2AA-42E6-97B6-E1B7D9EAF129}">
+<ds:datastoreItem xmlns:ds="http://schemas.openxmlformats.org/officeDocument/2006/customXml" ds:itemID="{F5757914-1161-4661-9696-421FD6935CDD}">
   <ds:schemaRefs>
-    <ds:schemaRef ds:uri="http://schemas.microsoft.com/sharepoint/v3/contenttype/forms"/>
+    <ds:schemaRef ds:uri="http://schemas.microsoft.com/office/2006/metadata/properties"/>
+    <ds:schemaRef ds:uri="http://schemas.microsoft.com/office/infopath/2007/PartnerControls"/>
+    <ds:schemaRef ds:uri="71af3243-3dd4-4a8d-8c0d-dd76da1f02a5"/>
   </ds:schemaRefs>
 </ds:datastoreItem>
 </file>
 
 <file path=customXml/itemProps2.xml><?xml version="1.0" encoding="utf-8"?>
-<ds:datastoreItem xmlns:ds="http://schemas.openxmlformats.org/officeDocument/2006/customXml" ds:itemID="{F5757914-1161-4661-9696-421FD6935CDD}">
+<ds:datastoreItem xmlns:ds="http://schemas.openxmlformats.org/officeDocument/2006/customXml" ds:itemID="{5B26E0C9-B2AA-42E6-97B6-E1B7D9EAF129}">
   <ds:schemaRefs>
-    <ds:schemaRef ds:uri="http://schemas.microsoft.com/office/2006/metadata/properties"/>
-    <ds:schemaRef ds:uri="http://schemas.microsoft.com/office/infopath/2007/PartnerControls"/>
-    <ds:schemaRef ds:uri="71af3243-3dd4-4a8d-8c0d-dd76da1f02a5"/>
+    <ds:schemaRef ds:uri="http://schemas.microsoft.com/sharepoint/v3/contenttype/forms"/>
   </ds:schemaRefs>
 </ds:datastoreItem>
 </file>

--- a/Emotion Tracker App Project.pptx
+++ b/Emotion Tracker App Project.pptx
@@ -5,22 +5,23 @@
     <p:sldMasterId id="2147483648" r:id="rId4"/>
   </p:sldMasterIdLst>
   <p:notesMasterIdLst>
-    <p:notesMasterId r:id="rId15"/>
+    <p:notesMasterId r:id="rId16"/>
   </p:notesMasterIdLst>
   <p:handoutMasterIdLst>
-    <p:handoutMasterId r:id="rId16"/>
+    <p:handoutMasterId r:id="rId17"/>
   </p:handoutMasterIdLst>
   <p:sldIdLst>
     <p:sldId id="256" r:id="rId5"/>
-    <p:sldId id="258" r:id="rId6"/>
-    <p:sldId id="287" r:id="rId7"/>
-    <p:sldId id="288" r:id="rId8"/>
-    <p:sldId id="286" r:id="rId9"/>
-    <p:sldId id="289" r:id="rId10"/>
-    <p:sldId id="291" r:id="rId11"/>
-    <p:sldId id="290" r:id="rId12"/>
-    <p:sldId id="292" r:id="rId13"/>
-    <p:sldId id="293" r:id="rId14"/>
+    <p:sldId id="294" r:id="rId6"/>
+    <p:sldId id="258" r:id="rId7"/>
+    <p:sldId id="287" r:id="rId8"/>
+    <p:sldId id="288" r:id="rId9"/>
+    <p:sldId id="286" r:id="rId10"/>
+    <p:sldId id="289" r:id="rId11"/>
+    <p:sldId id="291" r:id="rId12"/>
+    <p:sldId id="290" r:id="rId13"/>
+    <p:sldId id="292" r:id="rId14"/>
+    <p:sldId id="293" r:id="rId15"/>
   </p:sldIdLst>
   <p:sldSz cx="12192000" cy="6858000"/>
   <p:notesSz cx="6858000" cy="9144000"/>
@@ -235,7 +236,7 @@
           <a:p>
             <a:fld id="{1CA5457B-CDAE-4DEB-AEC8-C82DE2312E37}" type="datetimeFigureOut">
               <a:rPr lang="en-US" smtClean="0"/>
-              <a:t>3/21/2024</a:t>
+              <a:t>3/22/2024</a:t>
             </a:fld>
             <a:endParaRPr lang="en-US" dirty="0"/>
           </a:p>
@@ -412,7 +413,7 @@
           <a:p>
             <a:fld id="{090B78EA-28CE-41D8-9043-90E391E5F567}" type="datetimeFigureOut">
               <a:rPr lang="en-US" noProof="0" smtClean="0"/>
-              <a:t>3/21/2024</a:t>
+              <a:t>3/22/2024</a:t>
             </a:fld>
             <a:endParaRPr lang="en-US" noProof="0" dirty="0"/>
           </a:p>
@@ -25507,7 +25508,7 @@
         <p:spPr>
           <a:xfrm>
             <a:off x="2761487" y="3721607"/>
-            <a:ext cx="7971615" cy="1507341"/>
+            <a:ext cx="7971615" cy="2092597"/>
           </a:xfrm>
         </p:spPr>
         <p:txBody>
@@ -25576,8 +25577,20 @@
                   <a:srgbClr val="FFFF00"/>
                 </a:solidFill>
               </a:rPr>
-              <a:t>Walkthrough Video: </a:t>
+              <a:t>Walkthrough Video:</a:t>
             </a:r>
+          </a:p>
+          <a:p>
+            <a:pPr marL="0" indent="0">
+              <a:buNone/>
+            </a:pPr>
+            <a:r>
+              <a:rPr lang="en-US" sz="1200" dirty="0">
+                <a:hlinkClick r:id="rId2"/>
+              </a:rPr>
+              <a:t>https://qubstudentcloud-my.sharepoint.com/:v:/g/personal/15615014_ads_qub_ac_uk/EdAQUchXBENCpxcTy4EiAtoBxTvBt5NJngY5uxl0stuFAw?e=qkgLr9</a:t>
+            </a:r>
+            <a:endParaRPr lang="en-US" sz="1200" dirty="0"/>
           </a:p>
           <a:p>
             <a:pPr marL="0" indent="0">
@@ -25593,7 +25606,7 @@
             </a:r>
             <a:r>
               <a:rPr lang="en-US" sz="1200" dirty="0">
-                <a:hlinkClick r:id="rId2"/>
+                <a:hlinkClick r:id="rId3"/>
               </a:rPr>
               <a:t>https://github.com/ctneeson/emotiontracker2</a:t>
             </a:r>
@@ -25638,6 +25651,624 @@
 </file>
 
 <file path=ppt/slides/slide10.xml><?xml version="1.0" encoding="utf-8"?>
+<p:sld xmlns:a="http://schemas.openxmlformats.org/drawingml/2006/main" xmlns:r="http://schemas.openxmlformats.org/officeDocument/2006/relationships" xmlns:p="http://schemas.openxmlformats.org/presentationml/2006/main">
+  <p:cSld>
+    <p:spTree>
+      <p:nvGrpSpPr>
+        <p:cNvPr id="1" name=""/>
+        <p:cNvGrpSpPr/>
+        <p:nvPr/>
+      </p:nvGrpSpPr>
+      <p:grpSpPr>
+        <a:xfrm>
+          <a:off x="0" y="0"/>
+          <a:ext cx="0" cy="0"/>
+          <a:chOff x="0" y="0"/>
+          <a:chExt cx="0" cy="0"/>
+        </a:xfrm>
+      </p:grpSpPr>
+      <p:sp>
+        <p:nvSpPr>
+          <p:cNvPr id="3" name="Text Placeholder 2">
+            <a:extLst>
+              <a:ext uri="{FF2B5EF4-FFF2-40B4-BE49-F238E27FC236}">
+                <a16:creationId xmlns:a16="http://schemas.microsoft.com/office/drawing/2014/main" id="{73E3EF51-53D1-CB35-30F5-2C4ACF286662}"/>
+              </a:ext>
+            </a:extLst>
+          </p:cNvPr>
+          <p:cNvSpPr>
+            <a:spLocks noGrp="1"/>
+          </p:cNvSpPr>
+          <p:nvPr>
+            <p:ph type="body" sz="quarter" idx="13"/>
+          </p:nvPr>
+        </p:nvSpPr>
+        <p:spPr>
+          <a:xfrm>
+            <a:off x="249374" y="832448"/>
+            <a:ext cx="3749613" cy="4714188"/>
+          </a:xfrm>
+        </p:spPr>
+        <p:txBody>
+          <a:bodyPr/>
+          <a:lstStyle/>
+          <a:p>
+            <a:pPr marL="0" indent="0">
+              <a:buNone/>
+            </a:pPr>
+            <a:r>
+              <a:rPr lang="en-GB" dirty="0">
+                <a:solidFill>
+                  <a:srgbClr val="FFFF00"/>
+                </a:solidFill>
+              </a:rPr>
+              <a:t>Password Encryption</a:t>
+            </a:r>
+          </a:p>
+          <a:p>
+            <a:r>
+              <a:rPr lang="en-GB" dirty="0"/>
+              <a:t>AES has been used for demo purposes but SHA-256 is preferred (although neither are 100% secure). Account Admin process would require revision to properly handle SHA-256</a:t>
+            </a:r>
+          </a:p>
+          <a:p>
+            <a:pPr marL="0" indent="0">
+              <a:buNone/>
+            </a:pPr>
+            <a:endParaRPr lang="en-GB" dirty="0"/>
+          </a:p>
+          <a:p>
+            <a:pPr marL="0" indent="0">
+              <a:buNone/>
+            </a:pPr>
+            <a:r>
+              <a:rPr lang="en-GB" dirty="0">
+                <a:solidFill>
+                  <a:srgbClr val="FFFF00"/>
+                </a:solidFill>
+              </a:rPr>
+              <a:t>Session validation</a:t>
+            </a:r>
+          </a:p>
+          <a:p>
+            <a:r>
+              <a:rPr lang="en-GB" dirty="0"/>
+              <a:t>Use of </a:t>
+            </a:r>
+            <a:r>
+              <a:rPr lang="en-GB" dirty="0" err="1"/>
+              <a:t>isAuth</a:t>
+            </a:r>
+            <a:r>
+              <a:rPr lang="en-GB" dirty="0"/>
+              <a:t> (auth.js) middleware &amp; setting </a:t>
+            </a:r>
+            <a:r>
+              <a:rPr lang="en-GB" dirty="0" err="1"/>
+              <a:t>sessionUserName</a:t>
+            </a:r>
+            <a:r>
+              <a:rPr lang="en-GB" dirty="0"/>
+              <a:t> limiting user’s access to only what is permitted</a:t>
+            </a:r>
+            <a:endParaRPr lang="en-GB" dirty="0">
+              <a:solidFill>
+                <a:srgbClr val="FFFF00"/>
+              </a:solidFill>
+            </a:endParaRPr>
+          </a:p>
+        </p:txBody>
+      </p:sp>
+      <p:sp>
+        <p:nvSpPr>
+          <p:cNvPr id="11" name="Title 6">
+            <a:extLst>
+              <a:ext uri="{FF2B5EF4-FFF2-40B4-BE49-F238E27FC236}">
+                <a16:creationId xmlns:a16="http://schemas.microsoft.com/office/drawing/2014/main" id="{AECF7CE4-D236-3477-A426-BCFE1BF295E6}"/>
+              </a:ext>
+            </a:extLst>
+          </p:cNvPr>
+          <p:cNvSpPr txBox="1">
+            <a:spLocks/>
+          </p:cNvSpPr>
+          <p:nvPr/>
+        </p:nvSpPr>
+        <p:spPr>
+          <a:xfrm>
+            <a:off x="329090" y="266576"/>
+            <a:ext cx="11214100" cy="535531"/>
+          </a:xfrm>
+          <a:prstGeom prst="rect">
+            <a:avLst/>
+          </a:prstGeom>
+        </p:spPr>
+        <p:txBody>
+          <a:bodyPr vert="horz" wrap="square" lIns="91440" tIns="45720" rIns="91440" bIns="45720" rtlCol="0" anchor="t">
+            <a:spAutoFit/>
+          </a:bodyPr>
+          <a:lstStyle>
+            <a:lvl1pPr algn="l" defTabSz="914400" rtl="0" eaLnBrk="1" latinLnBrk="0" hangingPunct="1">
+              <a:lnSpc>
+                <a:spcPct val="90000"/>
+              </a:lnSpc>
+              <a:spcBef>
+                <a:spcPct val="0"/>
+              </a:spcBef>
+              <a:buNone/>
+              <a:defRPr lang="en-GB" sz="3200" b="1" kern="1200" spc="-70" baseline="0" dirty="0">
+                <a:solidFill>
+                  <a:schemeClr val="bg1"/>
+                </a:solidFill>
+                <a:latin typeface="+mj-lt"/>
+                <a:ea typeface="+mj-ea"/>
+                <a:cs typeface="+mj-cs"/>
+              </a:defRPr>
+            </a:lvl1pPr>
+          </a:lstStyle>
+          <a:p>
+            <a:r>
+              <a:rPr lang="en-US" dirty="0">
+                <a:solidFill>
+                  <a:schemeClr val="accent1">
+                    <a:lumMod val="40000"/>
+                    <a:lumOff val="60000"/>
+                  </a:schemeClr>
+                </a:solidFill>
+              </a:rPr>
+              <a:t>Security</a:t>
+            </a:r>
+          </a:p>
+        </p:txBody>
+      </p:sp>
+      <p:sp>
+        <p:nvSpPr>
+          <p:cNvPr id="2" name="Text Placeholder 2">
+            <a:extLst>
+              <a:ext uri="{FF2B5EF4-FFF2-40B4-BE49-F238E27FC236}">
+                <a16:creationId xmlns:a16="http://schemas.microsoft.com/office/drawing/2014/main" id="{9177A33E-4F02-1A82-5DFB-14A3A3C44BFE}"/>
+              </a:ext>
+            </a:extLst>
+          </p:cNvPr>
+          <p:cNvSpPr txBox="1">
+            <a:spLocks/>
+          </p:cNvSpPr>
+          <p:nvPr/>
+        </p:nvSpPr>
+        <p:spPr>
+          <a:xfrm>
+            <a:off x="5189433" y="832298"/>
+            <a:ext cx="4620883" cy="5180014"/>
+          </a:xfrm>
+          <a:prstGeom prst="rect">
+            <a:avLst/>
+          </a:prstGeom>
+        </p:spPr>
+        <p:txBody>
+          <a:bodyPr vert="horz" lIns="91440" tIns="45720" rIns="91440" bIns="45720" rtlCol="0">
+            <a:noAutofit/>
+          </a:bodyPr>
+          <a:lstStyle>
+            <a:lvl1pPr marL="228600" indent="-228600" algn="l" defTabSz="914400" rtl="0" eaLnBrk="1" latinLnBrk="0" hangingPunct="1">
+              <a:lnSpc>
+                <a:spcPct val="100000"/>
+              </a:lnSpc>
+              <a:spcBef>
+                <a:spcPts val="600"/>
+              </a:spcBef>
+              <a:spcAft>
+                <a:spcPts val="400"/>
+              </a:spcAft>
+              <a:buClr>
+                <a:schemeClr val="accent2"/>
+              </a:buClr>
+              <a:buFont typeface="Arial" panose="020B0604020202020204" pitchFamily="34" charset="0"/>
+              <a:buChar char="•"/>
+              <a:defRPr sz="1600" kern="1200">
+                <a:solidFill>
+                  <a:schemeClr val="bg1"/>
+                </a:solidFill>
+                <a:latin typeface="+mn-lt"/>
+                <a:ea typeface="+mn-ea"/>
+                <a:cs typeface="Arial" panose="020B0604020202020204" pitchFamily="34" charset="0"/>
+              </a:defRPr>
+            </a:lvl1pPr>
+            <a:lvl2pPr marL="685800" indent="-228600" algn="l" defTabSz="914400" rtl="0" eaLnBrk="1" latinLnBrk="0" hangingPunct="1">
+              <a:lnSpc>
+                <a:spcPct val="100000"/>
+              </a:lnSpc>
+              <a:spcBef>
+                <a:spcPts val="600"/>
+              </a:spcBef>
+              <a:spcAft>
+                <a:spcPts val="400"/>
+              </a:spcAft>
+              <a:buClr>
+                <a:schemeClr val="accent2"/>
+              </a:buClr>
+              <a:buFont typeface="Arial" panose="020B0604020202020204" pitchFamily="34" charset="0"/>
+              <a:buChar char="•"/>
+              <a:defRPr sz="1400" kern="1200">
+                <a:solidFill>
+                  <a:schemeClr val="bg1"/>
+                </a:solidFill>
+                <a:latin typeface="+mn-lt"/>
+                <a:ea typeface="+mn-ea"/>
+                <a:cs typeface="Arial" panose="020B0604020202020204" pitchFamily="34" charset="0"/>
+              </a:defRPr>
+            </a:lvl2pPr>
+            <a:lvl3pPr marL="1143000" indent="-228600" algn="l" defTabSz="914400" rtl="0" eaLnBrk="1" latinLnBrk="0" hangingPunct="1">
+              <a:lnSpc>
+                <a:spcPct val="100000"/>
+              </a:lnSpc>
+              <a:spcBef>
+                <a:spcPts val="600"/>
+              </a:spcBef>
+              <a:spcAft>
+                <a:spcPts val="400"/>
+              </a:spcAft>
+              <a:buClr>
+                <a:schemeClr val="accent2"/>
+              </a:buClr>
+              <a:buFont typeface="Arial" panose="020B0604020202020204" pitchFamily="34" charset="0"/>
+              <a:buChar char="•"/>
+              <a:defRPr sz="1200" kern="1200">
+                <a:solidFill>
+                  <a:schemeClr val="bg1"/>
+                </a:solidFill>
+                <a:latin typeface="+mn-lt"/>
+                <a:ea typeface="+mn-ea"/>
+                <a:cs typeface="Arial" panose="020B0604020202020204" pitchFamily="34" charset="0"/>
+              </a:defRPr>
+            </a:lvl3pPr>
+            <a:lvl4pPr marL="1600200" indent="-228600" algn="l" defTabSz="914400" rtl="0" eaLnBrk="1" latinLnBrk="0" hangingPunct="1">
+              <a:lnSpc>
+                <a:spcPct val="90000"/>
+              </a:lnSpc>
+              <a:spcBef>
+                <a:spcPts val="500"/>
+              </a:spcBef>
+              <a:buClr>
+                <a:schemeClr val="accent2"/>
+              </a:buClr>
+              <a:buFont typeface="Arial" panose="020B0604020202020204" pitchFamily="34" charset="0"/>
+              <a:buChar char="•"/>
+              <a:defRPr sz="1400" kern="1200">
+                <a:solidFill>
+                  <a:schemeClr val="bg1"/>
+                </a:solidFill>
+                <a:latin typeface="Arial" panose="020B0604020202020204" pitchFamily="34" charset="0"/>
+                <a:ea typeface="+mn-ea"/>
+                <a:cs typeface="Arial" panose="020B0604020202020204" pitchFamily="34" charset="0"/>
+              </a:defRPr>
+            </a:lvl4pPr>
+            <a:lvl5pPr marL="2057400" indent="-228600" algn="l" defTabSz="914400" rtl="0" eaLnBrk="1" latinLnBrk="0" hangingPunct="1">
+              <a:lnSpc>
+                <a:spcPct val="90000"/>
+              </a:lnSpc>
+              <a:spcBef>
+                <a:spcPts val="500"/>
+              </a:spcBef>
+              <a:buClr>
+                <a:schemeClr val="accent2"/>
+              </a:buClr>
+              <a:buFont typeface="Arial" panose="020B0604020202020204" pitchFamily="34" charset="0"/>
+              <a:buChar char="•"/>
+              <a:defRPr sz="1400" kern="1200">
+                <a:solidFill>
+                  <a:schemeClr val="bg1"/>
+                </a:solidFill>
+                <a:latin typeface="Arial" panose="020B0604020202020204" pitchFamily="34" charset="0"/>
+                <a:ea typeface="+mn-ea"/>
+                <a:cs typeface="Arial" panose="020B0604020202020204" pitchFamily="34" charset="0"/>
+              </a:defRPr>
+            </a:lvl5pPr>
+            <a:lvl6pPr marL="2514600" indent="-228600" algn="l" defTabSz="914400" rtl="0" eaLnBrk="1" latinLnBrk="0" hangingPunct="1">
+              <a:lnSpc>
+                <a:spcPct val="90000"/>
+              </a:lnSpc>
+              <a:spcBef>
+                <a:spcPts val="500"/>
+              </a:spcBef>
+              <a:buFont typeface="Arial" panose="020B0604020202020204" pitchFamily="34" charset="0"/>
+              <a:buChar char="•"/>
+              <a:defRPr sz="1800" kern="1200">
+                <a:solidFill>
+                  <a:schemeClr val="tx1"/>
+                </a:solidFill>
+                <a:latin typeface="+mn-lt"/>
+                <a:ea typeface="+mn-ea"/>
+                <a:cs typeface="+mn-cs"/>
+              </a:defRPr>
+            </a:lvl6pPr>
+            <a:lvl7pPr marL="2971800" indent="-228600" algn="l" defTabSz="914400" rtl="0" eaLnBrk="1" latinLnBrk="0" hangingPunct="1">
+              <a:lnSpc>
+                <a:spcPct val="90000"/>
+              </a:lnSpc>
+              <a:spcBef>
+                <a:spcPts val="500"/>
+              </a:spcBef>
+              <a:buFont typeface="Arial" panose="020B0604020202020204" pitchFamily="34" charset="0"/>
+              <a:buChar char="•"/>
+              <a:defRPr sz="1800" kern="1200">
+                <a:solidFill>
+                  <a:schemeClr val="tx1"/>
+                </a:solidFill>
+                <a:latin typeface="+mn-lt"/>
+                <a:ea typeface="+mn-ea"/>
+                <a:cs typeface="+mn-cs"/>
+              </a:defRPr>
+            </a:lvl7pPr>
+            <a:lvl8pPr marL="3429000" indent="-228600" algn="l" defTabSz="914400" rtl="0" eaLnBrk="1" latinLnBrk="0" hangingPunct="1">
+              <a:lnSpc>
+                <a:spcPct val="90000"/>
+              </a:lnSpc>
+              <a:spcBef>
+                <a:spcPts val="500"/>
+              </a:spcBef>
+              <a:buFont typeface="Arial" panose="020B0604020202020204" pitchFamily="34" charset="0"/>
+              <a:buChar char="•"/>
+              <a:defRPr sz="1800" kern="1200">
+                <a:solidFill>
+                  <a:schemeClr val="tx1"/>
+                </a:solidFill>
+                <a:latin typeface="+mn-lt"/>
+                <a:ea typeface="+mn-ea"/>
+                <a:cs typeface="+mn-cs"/>
+              </a:defRPr>
+            </a:lvl8pPr>
+            <a:lvl9pPr marL="3886200" indent="-228600" algn="l" defTabSz="914400" rtl="0" eaLnBrk="1" latinLnBrk="0" hangingPunct="1">
+              <a:lnSpc>
+                <a:spcPct val="90000"/>
+              </a:lnSpc>
+              <a:spcBef>
+                <a:spcPts val="500"/>
+              </a:spcBef>
+              <a:buFont typeface="Arial" panose="020B0604020202020204" pitchFamily="34" charset="0"/>
+              <a:buChar char="•"/>
+              <a:defRPr sz="1800" kern="1200">
+                <a:solidFill>
+                  <a:schemeClr val="tx1"/>
+                </a:solidFill>
+                <a:latin typeface="+mn-lt"/>
+                <a:ea typeface="+mn-ea"/>
+                <a:cs typeface="+mn-cs"/>
+              </a:defRPr>
+            </a:lvl9pPr>
+          </a:lstStyle>
+          <a:p>
+            <a:pPr marL="0" indent="0">
+              <a:buFont typeface="Arial" panose="020B0604020202020204" pitchFamily="34" charset="0"/>
+              <a:buNone/>
+            </a:pPr>
+            <a:r>
+              <a:rPr lang="en-GB" dirty="0">
+                <a:solidFill>
+                  <a:srgbClr val="FFFF00"/>
+                </a:solidFill>
+              </a:rPr>
+              <a:t>Validations</a:t>
+            </a:r>
+          </a:p>
+          <a:p>
+            <a:r>
+              <a:rPr lang="en-GB" dirty="0"/>
+              <a:t>Greater focus on server-side (due to the possibility of disabling JavaScript in browser)</a:t>
+            </a:r>
+          </a:p>
+          <a:p>
+            <a:r>
+              <a:rPr lang="en-GB" dirty="0"/>
+              <a:t>Duplication of some checks on client-side</a:t>
+            </a:r>
+          </a:p>
+          <a:p>
+            <a:r>
+              <a:rPr lang="en-GB" dirty="0"/>
+              <a:t>Disable buttons by default on client-side unless valid inputs are provided</a:t>
+            </a:r>
+          </a:p>
+          <a:p>
+            <a:pPr marL="0" indent="0">
+              <a:buNone/>
+            </a:pPr>
+            <a:endParaRPr lang="en-GB" dirty="0"/>
+          </a:p>
+          <a:p>
+            <a:pPr marL="0" indent="0">
+              <a:buNone/>
+            </a:pPr>
+            <a:r>
+              <a:rPr lang="en-GB" dirty="0">
+                <a:solidFill>
+                  <a:srgbClr val="FFFF00"/>
+                </a:solidFill>
+              </a:rPr>
+              <a:t>Caching</a:t>
+            </a:r>
+          </a:p>
+          <a:p>
+            <a:r>
+              <a:rPr lang="en-GB" dirty="0"/>
+              <a:t>Cache-Control in app.js on client side</a:t>
+            </a:r>
+          </a:p>
+          <a:p>
+            <a:pPr marL="0" indent="0">
+              <a:buNone/>
+            </a:pPr>
+            <a:endParaRPr lang="en-GB" dirty="0"/>
+          </a:p>
+          <a:p>
+            <a:pPr marL="0" indent="0">
+              <a:buNone/>
+            </a:pPr>
+            <a:r>
+              <a:rPr lang="en-GB" dirty="0">
+                <a:solidFill>
+                  <a:srgbClr val="FFFF00"/>
+                </a:solidFill>
+              </a:rPr>
+              <a:t>SQL injection</a:t>
+            </a:r>
+          </a:p>
+          <a:p>
+            <a:r>
+              <a:rPr lang="en-GB" dirty="0" err="1"/>
+              <a:t>mysql.escape</a:t>
+            </a:r>
+            <a:r>
+              <a:rPr lang="en-GB" dirty="0"/>
+              <a:t>(input) on server side</a:t>
+            </a:r>
+          </a:p>
+        </p:txBody>
+      </p:sp>
+      <p:pic>
+        <p:nvPicPr>
+          <p:cNvPr id="6" name="Picture 5">
+            <a:extLst>
+              <a:ext uri="{FF2B5EF4-FFF2-40B4-BE49-F238E27FC236}">
+                <a16:creationId xmlns:a16="http://schemas.microsoft.com/office/drawing/2014/main" id="{CB8C0C41-7FE9-7F02-A692-EDADF80BB30F}"/>
+              </a:ext>
+            </a:extLst>
+          </p:cNvPr>
+          <p:cNvPicPr>
+            <a:picLocks noChangeAspect="1"/>
+          </p:cNvPicPr>
+          <p:nvPr/>
+        </p:nvPicPr>
+        <p:blipFill>
+          <a:blip r:embed="rId2"/>
+          <a:stretch>
+            <a:fillRect/>
+          </a:stretch>
+        </p:blipFill>
+        <p:spPr>
+          <a:xfrm>
+            <a:off x="9299274" y="2013448"/>
+            <a:ext cx="2515656" cy="2619039"/>
+          </a:xfrm>
+          <a:prstGeom prst="rect">
+            <a:avLst/>
+          </a:prstGeom>
+        </p:spPr>
+      </p:pic>
+      <p:pic>
+        <p:nvPicPr>
+          <p:cNvPr id="8" name="Picture 7">
+            <a:extLst>
+              <a:ext uri="{FF2B5EF4-FFF2-40B4-BE49-F238E27FC236}">
+                <a16:creationId xmlns:a16="http://schemas.microsoft.com/office/drawing/2014/main" id="{7698CC3C-F4E7-4C19-8EBF-4130AADBA361}"/>
+              </a:ext>
+            </a:extLst>
+          </p:cNvPr>
+          <p:cNvPicPr>
+            <a:picLocks noChangeAspect="1"/>
+          </p:cNvPicPr>
+          <p:nvPr/>
+        </p:nvPicPr>
+        <p:blipFill>
+          <a:blip r:embed="rId3"/>
+          <a:stretch>
+            <a:fillRect/>
+          </a:stretch>
+        </p:blipFill>
+        <p:spPr>
+          <a:xfrm>
+            <a:off x="9299274" y="4716351"/>
+            <a:ext cx="2332547" cy="1985874"/>
+          </a:xfrm>
+          <a:prstGeom prst="rect">
+            <a:avLst/>
+          </a:prstGeom>
+        </p:spPr>
+      </p:pic>
+      <p:pic>
+        <p:nvPicPr>
+          <p:cNvPr id="10" name="Picture 9">
+            <a:extLst>
+              <a:ext uri="{FF2B5EF4-FFF2-40B4-BE49-F238E27FC236}">
+                <a16:creationId xmlns:a16="http://schemas.microsoft.com/office/drawing/2014/main" id="{F073ED24-AD5A-E491-51C8-748CD25A2708}"/>
+              </a:ext>
+            </a:extLst>
+          </p:cNvPr>
+          <p:cNvPicPr>
+            <a:picLocks noChangeAspect="1"/>
+          </p:cNvPicPr>
+          <p:nvPr/>
+        </p:nvPicPr>
+        <p:blipFill>
+          <a:blip r:embed="rId4"/>
+          <a:stretch>
+            <a:fillRect/>
+          </a:stretch>
+        </p:blipFill>
+        <p:spPr>
+          <a:xfrm>
+            <a:off x="79336" y="4632487"/>
+            <a:ext cx="2949611" cy="1479891"/>
+          </a:xfrm>
+          <a:prstGeom prst="rect">
+            <a:avLst/>
+          </a:prstGeom>
+        </p:spPr>
+      </p:pic>
+      <p:pic>
+        <p:nvPicPr>
+          <p:cNvPr id="13" name="Picture 12">
+            <a:extLst>
+              <a:ext uri="{FF2B5EF4-FFF2-40B4-BE49-F238E27FC236}">
+                <a16:creationId xmlns:a16="http://schemas.microsoft.com/office/drawing/2014/main" id="{1181D3DE-2C13-0A1A-96FC-E61FB70A8FC4}"/>
+              </a:ext>
+            </a:extLst>
+          </p:cNvPr>
+          <p:cNvPicPr>
+            <a:picLocks noChangeAspect="1"/>
+          </p:cNvPicPr>
+          <p:nvPr/>
+        </p:nvPicPr>
+        <p:blipFill>
+          <a:blip r:embed="rId5"/>
+          <a:stretch>
+            <a:fillRect/>
+          </a:stretch>
+        </p:blipFill>
+        <p:spPr>
+          <a:xfrm>
+            <a:off x="2851362" y="5068736"/>
+            <a:ext cx="2515657" cy="1633489"/>
+          </a:xfrm>
+          <a:prstGeom prst="rect">
+            <a:avLst/>
+          </a:prstGeom>
+        </p:spPr>
+      </p:pic>
+    </p:spTree>
+    <p:extLst>
+      <p:ext uri="{BB962C8B-B14F-4D97-AF65-F5344CB8AC3E}">
+        <p14:creationId xmlns:p14="http://schemas.microsoft.com/office/powerpoint/2010/main" val="964162129"/>
+      </p:ext>
+    </p:extLst>
+  </p:cSld>
+  <p:clrMapOvr>
+    <a:masterClrMapping/>
+  </p:clrMapOvr>
+  <mc:AlternateContent xmlns:mc="http://schemas.openxmlformats.org/markup-compatibility/2006" xmlns:p14="http://schemas.microsoft.com/office/powerpoint/2010/main">
+    <mc:Choice Requires="p14">
+      <p:transition spd="med" p14:dur="700">
+        <p:fade/>
+      </p:transition>
+    </mc:Choice>
+    <mc:Fallback xmlns="">
+      <p:transition spd="med">
+        <p:fade/>
+      </p:transition>
+    </mc:Fallback>
+  </mc:AlternateContent>
+</p:sld>
+</file>
+
+<file path=ppt/slides/slide11.xml><?xml version="1.0" encoding="utf-8"?>
 <p:sld xmlns:a="http://schemas.openxmlformats.org/drawingml/2006/main" xmlns:r="http://schemas.openxmlformats.org/officeDocument/2006/relationships" xmlns:p="http://schemas.openxmlformats.org/presentationml/2006/main">
   <p:cSld>
     <p:spTree>
@@ -26135,6 +26766,382 @@
 </file>
 
 <file path=ppt/slides/slide2.xml><?xml version="1.0" encoding="utf-8"?>
+<p:sld xmlns:a="http://schemas.openxmlformats.org/drawingml/2006/main" xmlns:r="http://schemas.openxmlformats.org/officeDocument/2006/relationships" xmlns:p="http://schemas.openxmlformats.org/presentationml/2006/main">
+  <p:cSld>
+    <p:spTree>
+      <p:nvGrpSpPr>
+        <p:cNvPr id="1" name=""/>
+        <p:cNvGrpSpPr/>
+        <p:nvPr/>
+      </p:nvGrpSpPr>
+      <p:grpSpPr>
+        <a:xfrm>
+          <a:off x="0" y="0"/>
+          <a:ext cx="0" cy="0"/>
+          <a:chOff x="0" y="0"/>
+          <a:chExt cx="0" cy="0"/>
+        </a:xfrm>
+      </p:grpSpPr>
+      <p:sp>
+        <p:nvSpPr>
+          <p:cNvPr id="7" name="Title 6">
+            <a:extLst>
+              <a:ext uri="{FF2B5EF4-FFF2-40B4-BE49-F238E27FC236}">
+                <a16:creationId xmlns:a16="http://schemas.microsoft.com/office/drawing/2014/main" id="{7875C19A-1AAE-476A-A316-A2CF92D763D3}"/>
+              </a:ext>
+            </a:extLst>
+          </p:cNvPr>
+          <p:cNvSpPr>
+            <a:spLocks noGrp="1"/>
+          </p:cNvSpPr>
+          <p:nvPr>
+            <p:ph type="title"/>
+          </p:nvPr>
+        </p:nvSpPr>
+        <p:spPr>
+          <a:xfrm>
+            <a:off x="358236" y="396276"/>
+            <a:ext cx="11214100" cy="535531"/>
+          </a:xfrm>
+        </p:spPr>
+        <p:txBody>
+          <a:bodyPr/>
+          <a:lstStyle/>
+          <a:p>
+            <a:r>
+              <a:rPr lang="en-US" dirty="0">
+                <a:solidFill>
+                  <a:schemeClr val="accent1">
+                    <a:lumMod val="40000"/>
+                    <a:lumOff val="60000"/>
+                  </a:schemeClr>
+                </a:solidFill>
+              </a:rPr>
+              <a:t>Specification</a:t>
+            </a:r>
+          </a:p>
+        </p:txBody>
+      </p:sp>
+      <p:sp>
+        <p:nvSpPr>
+          <p:cNvPr id="3" name="Text Placeholder 9">
+            <a:extLst>
+              <a:ext uri="{FF2B5EF4-FFF2-40B4-BE49-F238E27FC236}">
+                <a16:creationId xmlns:a16="http://schemas.microsoft.com/office/drawing/2014/main" id="{8EF1CCFD-C5E6-F3B1-5D86-12E4A5E6E99B}"/>
+              </a:ext>
+            </a:extLst>
+          </p:cNvPr>
+          <p:cNvSpPr txBox="1">
+            <a:spLocks/>
+          </p:cNvSpPr>
+          <p:nvPr/>
+        </p:nvSpPr>
+        <p:spPr>
+          <a:xfrm>
+            <a:off x="291069" y="992192"/>
+            <a:ext cx="9336010" cy="5624268"/>
+          </a:xfrm>
+          <a:prstGeom prst="rect">
+            <a:avLst/>
+          </a:prstGeom>
+        </p:spPr>
+        <p:txBody>
+          <a:bodyPr vert="horz" lIns="91440" tIns="45720" rIns="91440" bIns="45720" rtlCol="0">
+            <a:noAutofit/>
+          </a:bodyPr>
+          <a:lstStyle>
+            <a:lvl1pPr marL="228600" indent="-228600" algn="l" defTabSz="914400" rtl="0" eaLnBrk="1" latinLnBrk="0" hangingPunct="1">
+              <a:lnSpc>
+                <a:spcPct val="100000"/>
+              </a:lnSpc>
+              <a:spcBef>
+                <a:spcPts val="600"/>
+              </a:spcBef>
+              <a:spcAft>
+                <a:spcPts val="400"/>
+              </a:spcAft>
+              <a:buClr>
+                <a:schemeClr val="accent2"/>
+              </a:buClr>
+              <a:buFont typeface="Arial" panose="020B0604020202020204" pitchFamily="34" charset="0"/>
+              <a:buChar char="•"/>
+              <a:defRPr sz="1600" kern="1200">
+                <a:solidFill>
+                  <a:schemeClr val="bg1"/>
+                </a:solidFill>
+                <a:latin typeface="+mn-lt"/>
+                <a:ea typeface="+mn-ea"/>
+                <a:cs typeface="Arial" panose="020B0604020202020204" pitchFamily="34" charset="0"/>
+              </a:defRPr>
+            </a:lvl1pPr>
+            <a:lvl2pPr marL="685800" indent="-228600" algn="l" defTabSz="914400" rtl="0" eaLnBrk="1" latinLnBrk="0" hangingPunct="1">
+              <a:lnSpc>
+                <a:spcPct val="100000"/>
+              </a:lnSpc>
+              <a:spcBef>
+                <a:spcPts val="600"/>
+              </a:spcBef>
+              <a:spcAft>
+                <a:spcPts val="400"/>
+              </a:spcAft>
+              <a:buClr>
+                <a:schemeClr val="accent2"/>
+              </a:buClr>
+              <a:buFont typeface="Arial" panose="020B0604020202020204" pitchFamily="34" charset="0"/>
+              <a:buChar char="•"/>
+              <a:defRPr sz="1400" kern="1200">
+                <a:solidFill>
+                  <a:schemeClr val="bg1"/>
+                </a:solidFill>
+                <a:latin typeface="+mn-lt"/>
+                <a:ea typeface="+mn-ea"/>
+                <a:cs typeface="Arial" panose="020B0604020202020204" pitchFamily="34" charset="0"/>
+              </a:defRPr>
+            </a:lvl2pPr>
+            <a:lvl3pPr marL="1143000" indent="-228600" algn="l" defTabSz="914400" rtl="0" eaLnBrk="1" latinLnBrk="0" hangingPunct="1">
+              <a:lnSpc>
+                <a:spcPct val="100000"/>
+              </a:lnSpc>
+              <a:spcBef>
+                <a:spcPts val="600"/>
+              </a:spcBef>
+              <a:spcAft>
+                <a:spcPts val="400"/>
+              </a:spcAft>
+              <a:buClr>
+                <a:schemeClr val="accent2"/>
+              </a:buClr>
+              <a:buFont typeface="Arial" panose="020B0604020202020204" pitchFamily="34" charset="0"/>
+              <a:buChar char="•"/>
+              <a:defRPr sz="1200" kern="1200">
+                <a:solidFill>
+                  <a:schemeClr val="bg1"/>
+                </a:solidFill>
+                <a:latin typeface="+mn-lt"/>
+                <a:ea typeface="+mn-ea"/>
+                <a:cs typeface="Arial" panose="020B0604020202020204" pitchFamily="34" charset="0"/>
+              </a:defRPr>
+            </a:lvl3pPr>
+            <a:lvl4pPr marL="1600200" indent="-228600" algn="l" defTabSz="914400" rtl="0" eaLnBrk="1" latinLnBrk="0" hangingPunct="1">
+              <a:lnSpc>
+                <a:spcPct val="90000"/>
+              </a:lnSpc>
+              <a:spcBef>
+                <a:spcPts val="500"/>
+              </a:spcBef>
+              <a:buClr>
+                <a:schemeClr val="accent2"/>
+              </a:buClr>
+              <a:buFont typeface="Arial" panose="020B0604020202020204" pitchFamily="34" charset="0"/>
+              <a:buChar char="•"/>
+              <a:defRPr sz="1400" kern="1200">
+                <a:solidFill>
+                  <a:schemeClr val="bg1"/>
+                </a:solidFill>
+                <a:latin typeface="Arial" panose="020B0604020202020204" pitchFamily="34" charset="0"/>
+                <a:ea typeface="+mn-ea"/>
+                <a:cs typeface="Arial" panose="020B0604020202020204" pitchFamily="34" charset="0"/>
+              </a:defRPr>
+            </a:lvl4pPr>
+            <a:lvl5pPr marL="2057400" indent="-228600" algn="l" defTabSz="914400" rtl="0" eaLnBrk="1" latinLnBrk="0" hangingPunct="1">
+              <a:lnSpc>
+                <a:spcPct val="90000"/>
+              </a:lnSpc>
+              <a:spcBef>
+                <a:spcPts val="500"/>
+              </a:spcBef>
+              <a:buClr>
+                <a:schemeClr val="accent2"/>
+              </a:buClr>
+              <a:buFont typeface="Arial" panose="020B0604020202020204" pitchFamily="34" charset="0"/>
+              <a:buChar char="•"/>
+              <a:defRPr sz="1400" kern="1200">
+                <a:solidFill>
+                  <a:schemeClr val="bg1"/>
+                </a:solidFill>
+                <a:latin typeface="Arial" panose="020B0604020202020204" pitchFamily="34" charset="0"/>
+                <a:ea typeface="+mn-ea"/>
+                <a:cs typeface="Arial" panose="020B0604020202020204" pitchFamily="34" charset="0"/>
+              </a:defRPr>
+            </a:lvl5pPr>
+            <a:lvl6pPr marL="2514600" indent="-228600" algn="l" defTabSz="914400" rtl="0" eaLnBrk="1" latinLnBrk="0" hangingPunct="1">
+              <a:lnSpc>
+                <a:spcPct val="90000"/>
+              </a:lnSpc>
+              <a:spcBef>
+                <a:spcPts val="500"/>
+              </a:spcBef>
+              <a:buFont typeface="Arial" panose="020B0604020202020204" pitchFamily="34" charset="0"/>
+              <a:buChar char="•"/>
+              <a:defRPr sz="1800" kern="1200">
+                <a:solidFill>
+                  <a:schemeClr val="tx1"/>
+                </a:solidFill>
+                <a:latin typeface="+mn-lt"/>
+                <a:ea typeface="+mn-ea"/>
+                <a:cs typeface="+mn-cs"/>
+              </a:defRPr>
+            </a:lvl6pPr>
+            <a:lvl7pPr marL="2971800" indent="-228600" algn="l" defTabSz="914400" rtl="0" eaLnBrk="1" latinLnBrk="0" hangingPunct="1">
+              <a:lnSpc>
+                <a:spcPct val="90000"/>
+              </a:lnSpc>
+              <a:spcBef>
+                <a:spcPts val="500"/>
+              </a:spcBef>
+              <a:buFont typeface="Arial" panose="020B0604020202020204" pitchFamily="34" charset="0"/>
+              <a:buChar char="•"/>
+              <a:defRPr sz="1800" kern="1200">
+                <a:solidFill>
+                  <a:schemeClr val="tx1"/>
+                </a:solidFill>
+                <a:latin typeface="+mn-lt"/>
+                <a:ea typeface="+mn-ea"/>
+                <a:cs typeface="+mn-cs"/>
+              </a:defRPr>
+            </a:lvl7pPr>
+            <a:lvl8pPr marL="3429000" indent="-228600" algn="l" defTabSz="914400" rtl="0" eaLnBrk="1" latinLnBrk="0" hangingPunct="1">
+              <a:lnSpc>
+                <a:spcPct val="90000"/>
+              </a:lnSpc>
+              <a:spcBef>
+                <a:spcPts val="500"/>
+              </a:spcBef>
+              <a:buFont typeface="Arial" panose="020B0604020202020204" pitchFamily="34" charset="0"/>
+              <a:buChar char="•"/>
+              <a:defRPr sz="1800" kern="1200">
+                <a:solidFill>
+                  <a:schemeClr val="tx1"/>
+                </a:solidFill>
+                <a:latin typeface="+mn-lt"/>
+                <a:ea typeface="+mn-ea"/>
+                <a:cs typeface="+mn-cs"/>
+              </a:defRPr>
+            </a:lvl8pPr>
+            <a:lvl9pPr marL="3886200" indent="-228600" algn="l" defTabSz="914400" rtl="0" eaLnBrk="1" latinLnBrk="0" hangingPunct="1">
+              <a:lnSpc>
+                <a:spcPct val="90000"/>
+              </a:lnSpc>
+              <a:spcBef>
+                <a:spcPts val="500"/>
+              </a:spcBef>
+              <a:buFont typeface="Arial" panose="020B0604020202020204" pitchFamily="34" charset="0"/>
+              <a:buChar char="•"/>
+              <a:defRPr sz="1800" kern="1200">
+                <a:solidFill>
+                  <a:schemeClr val="tx1"/>
+                </a:solidFill>
+                <a:latin typeface="+mn-lt"/>
+                <a:ea typeface="+mn-ea"/>
+                <a:cs typeface="+mn-cs"/>
+              </a:defRPr>
+            </a:lvl9pPr>
+          </a:lstStyle>
+          <a:p>
+            <a:pPr marL="0" indent="0">
+              <a:buNone/>
+            </a:pPr>
+            <a:r>
+              <a:rPr lang="en-GB" b="0" i="0" dirty="0">
+                <a:effectLst/>
+                <a:latin typeface="Arial" panose="020B0604020202020204" pitchFamily="34" charset="0"/>
+              </a:rPr>
+              <a:t>A modern, responsive data-driven web app should be designed, developed and tested that provides the following functionality</a:t>
+            </a:r>
+            <a:endParaRPr lang="en-US" dirty="0"/>
+          </a:p>
+          <a:p>
+            <a:r>
+              <a:rPr lang="en-GB" b="0" i="0" dirty="0">
+                <a:effectLst/>
+                <a:latin typeface="Arial" panose="020B0604020202020204" pitchFamily="34" charset="0"/>
+              </a:rPr>
+              <a:t>Facilitate multiple users such that individual users should be able to register, login and logout. Data specific to an individual user should only be accessible to the corresponding user</a:t>
+            </a:r>
+            <a:endParaRPr lang="en-US" dirty="0"/>
+          </a:p>
+          <a:p>
+            <a:r>
+              <a:rPr lang="en-GB" b="0" i="0" dirty="0">
+                <a:effectLst/>
+                <a:latin typeface="Arial" panose="020B0604020202020204" pitchFamily="34" charset="0"/>
+              </a:rPr>
+              <a:t>Provide appropriate validation of any user input where necessary, along with appropriate user authentication and address potential security vulnerabilities</a:t>
+            </a:r>
+          </a:p>
+          <a:p>
+            <a:r>
+              <a:rPr lang="en-GB" b="0" i="0" dirty="0">
+                <a:effectLst/>
+                <a:latin typeface="Arial" panose="020B0604020202020204" pitchFamily="34" charset="0"/>
+              </a:rPr>
+              <a:t>When logged in, a user should be able to record a snapshot of their current emotional state. The information recorded by the snapshot should include values for the user’s current levels of enjoyment, sadness, anger, contempt, disgust, fear, and surprise, along with the current date and time. The snapshot should also include an optional set of contextual triggers</a:t>
+            </a:r>
+          </a:p>
+          <a:p>
+            <a:r>
+              <a:rPr lang="en-GB" b="0" i="0" dirty="0">
+                <a:effectLst/>
+                <a:latin typeface="Arial" panose="020B0604020202020204" pitchFamily="34" charset="0"/>
+              </a:rPr>
+              <a:t>When logged in, a user should be able to view a list of all previously recorded snapshots</a:t>
+            </a:r>
+          </a:p>
+          <a:p>
+            <a:r>
+              <a:rPr lang="en-GB" b="0" i="0" dirty="0">
+                <a:effectLst/>
+                <a:latin typeface="Arial" panose="020B0604020202020204" pitchFamily="34" charset="0"/>
+              </a:rPr>
+              <a:t>The user should be able to select an individual snapshot from the list and change (e.g., add or modify) contextual triggers associated with recorded levels of emotion, or delete the snapshot</a:t>
+            </a:r>
+          </a:p>
+          <a:p>
+            <a:r>
+              <a:rPr lang="en-GB" b="0" i="0" dirty="0">
+                <a:effectLst/>
+                <a:latin typeface="Arial" panose="020B0604020202020204" pitchFamily="34" charset="0"/>
+              </a:rPr>
+              <a:t>When logged in, a user should be able to view a summary visualisation of previously recorded emotional states over time, along with related, relevant statistics or information</a:t>
+            </a:r>
+            <a:endParaRPr lang="en-US" u="sng" dirty="0">
+              <a:hlinkClick r:id="rId2">
+                <a:extLst>
+                  <a:ext uri="{A12FA001-AC4F-418D-AE19-62706E023703}">
+                    <ahyp:hlinkClr xmlns:ahyp="http://schemas.microsoft.com/office/drawing/2018/hyperlinkcolor" val="tx"/>
+                  </a:ext>
+                </a:extLst>
+              </a:hlinkClick>
+            </a:endParaRPr>
+          </a:p>
+        </p:txBody>
+      </p:sp>
+    </p:spTree>
+    <p:extLst>
+      <p:ext uri="{BB962C8B-B14F-4D97-AF65-F5344CB8AC3E}">
+        <p14:creationId xmlns:p14="http://schemas.microsoft.com/office/powerpoint/2010/main" val="3075648528"/>
+      </p:ext>
+    </p:extLst>
+  </p:cSld>
+  <p:clrMapOvr>
+    <a:masterClrMapping/>
+  </p:clrMapOvr>
+  <mc:AlternateContent xmlns:mc="http://schemas.openxmlformats.org/markup-compatibility/2006" xmlns:p14="http://schemas.microsoft.com/office/powerpoint/2010/main">
+    <mc:Choice Requires="p14">
+      <p:transition spd="med" p14:dur="700">
+        <p:fade/>
+      </p:transition>
+    </mc:Choice>
+    <mc:Fallback xmlns="">
+      <p:transition spd="med">
+        <p:fade/>
+      </p:transition>
+    </mc:Fallback>
+  </mc:AlternateContent>
+</p:sld>
+</file>
+
+<file path=ppt/slides/slide3.xml><?xml version="1.0" encoding="utf-8"?>
 <p:sld xmlns:a="http://schemas.openxmlformats.org/drawingml/2006/main" xmlns:r="http://schemas.openxmlformats.org/officeDocument/2006/relationships" xmlns:p="http://schemas.openxmlformats.org/presentationml/2006/main">
   <p:cSld>
     <p:spTree>
@@ -26900,14 +27907,7 @@
             <a:pPr lvl="1"/>
             <a:r>
               <a:rPr lang="en-US" dirty="0"/>
-              <a:t>Server-side validation</a:t>
-            </a:r>
-          </a:p>
-          <a:p>
-            <a:pPr lvl="1"/>
-            <a:r>
-              <a:rPr lang="en-US" dirty="0"/>
-              <a:t>More complex data manipulation</a:t>
+              <a:t>11 SPs to be created – see slide 8 for individual details</a:t>
             </a:r>
           </a:p>
         </p:txBody>
@@ -26937,7 +27937,7 @@
 </p:sld>
 </file>
 
-<file path=ppt/slides/slide3.xml><?xml version="1.0" encoding="utf-8"?>
+<file path=ppt/slides/slide4.xml><?xml version="1.0" encoding="utf-8"?>
 <p:sld xmlns:a="http://schemas.openxmlformats.org/drawingml/2006/main" xmlns:r="http://schemas.openxmlformats.org/officeDocument/2006/relationships" xmlns:p="http://schemas.openxmlformats.org/presentationml/2006/main">
   <p:cSld>
     <p:spTree>
@@ -27271,7 +28271,7 @@
                   <a:srgbClr val="FFFF00"/>
                 </a:solidFill>
               </a:rPr>
-              <a:t>Considerations/Improvements</a:t>
+              <a:t>Considerations</a:t>
             </a:r>
           </a:p>
           <a:p>
@@ -27291,7 +28291,7 @@
           <a:p>
             <a:r>
               <a:rPr lang="en-US" dirty="0"/>
-              <a:t>Triggers considered on insert/delete but </a:t>
+              <a:t>Triggers considered on insert/delete but avoided due to complexity</a:t>
             </a:r>
           </a:p>
           <a:p>
@@ -27323,15 +28323,7 @@
           <a:p>
             <a:r>
               <a:rPr lang="en-US" dirty="0"/>
-              <a:t>Password encryption was initially SHA-256 but changed to AES (non-</a:t>
-            </a:r>
-            <a:r>
-              <a:rPr lang="en-US" dirty="0" err="1"/>
-              <a:t>decryptability</a:t>
-            </a:r>
-            <a:r>
-              <a:rPr lang="en-US" dirty="0"/>
-              <a:t> of SHA – cannot view in ‘Account Admin’ screen)</a:t>
+              <a:t>Password datatype</a:t>
             </a:r>
           </a:p>
         </p:txBody>
@@ -27361,7 +28353,7 @@
 </p:sld>
 </file>
 
-<file path=ppt/slides/slide4.xml><?xml version="1.0" encoding="utf-8"?>
+<file path=ppt/slides/slide5.xml><?xml version="1.0" encoding="utf-8"?>
 <p:sld xmlns:a="http://schemas.openxmlformats.org/drawingml/2006/main" xmlns:r="http://schemas.openxmlformats.org/officeDocument/2006/relationships" xmlns:p="http://schemas.openxmlformats.org/presentationml/2006/main">
   <p:cSld>
     <p:spTree>
@@ -27402,7 +28394,7 @@
             <a:fld id="{C263D6C4-4840-40CC-AC84-17E24B3B7BDE}" type="slidenum">
               <a:rPr lang="en-US" smtClean="0"/>
               <a:pPr/>
-              <a:t>4</a:t>
+              <a:t>5</a:t>
             </a:fld>
             <a:endParaRPr lang="en-US" dirty="0"/>
           </a:p>
@@ -27503,7 +28495,7 @@
 </p:sld>
 </file>
 
-<file path=ppt/slides/slide5.xml><?xml version="1.0" encoding="utf-8"?>
+<file path=ppt/slides/slide6.xml><?xml version="1.0" encoding="utf-8"?>
 <p:sld xmlns:a="http://schemas.openxmlformats.org/drawingml/2006/main" xmlns:r="http://schemas.openxmlformats.org/officeDocument/2006/relationships" xmlns:p="http://schemas.openxmlformats.org/presentationml/2006/main">
   <p:cSld>
     <p:spTree>
@@ -27976,7 +28968,7 @@
 </p:sld>
 </file>
 
-<file path=ppt/slides/slide6.xml><?xml version="1.0" encoding="utf-8"?>
+<file path=ppt/slides/slide7.xml><?xml version="1.0" encoding="utf-8"?>
 <p:sld xmlns:a="http://schemas.openxmlformats.org/drawingml/2006/main" xmlns:r="http://schemas.openxmlformats.org/officeDocument/2006/relationships" xmlns:p="http://schemas.openxmlformats.org/presentationml/2006/main">
   <p:cSld>
     <p:spTree>
@@ -28011,8 +29003,8 @@
         </p:nvSpPr>
         <p:spPr>
           <a:xfrm>
-            <a:off x="131820" y="802107"/>
-            <a:ext cx="6718300" cy="4093243"/>
+            <a:off x="131819" y="802107"/>
+            <a:ext cx="8734777" cy="4093243"/>
           </a:xfrm>
         </p:spPr>
         <p:txBody>
@@ -28039,7 +29031,7 @@
           <a:p>
             <a:r>
               <a:rPr lang="en-GB" dirty="0"/>
-              <a:t>Project got on track late on</a:t>
+              <a:t>GitHub sync added when a basic working prototype was achieved</a:t>
             </a:r>
           </a:p>
           <a:p>
@@ -28717,7 +29709,7 @@
         </p:blipFill>
         <p:spPr>
           <a:xfrm>
-            <a:off x="1235547" y="4371996"/>
+            <a:off x="1295932" y="3854411"/>
             <a:ext cx="4510846" cy="2316512"/>
           </a:xfrm>
           <a:prstGeom prst="rect">
@@ -28750,7 +29742,7 @@
 </p:sld>
 </file>
 
-<file path=ppt/slides/slide7.xml><?xml version="1.0" encoding="utf-8"?>
+<file path=ppt/slides/slide8.xml><?xml version="1.0" encoding="utf-8"?>
 <p:sld xmlns:a="http://schemas.openxmlformats.org/drawingml/2006/main" xmlns:r="http://schemas.openxmlformats.org/officeDocument/2006/relationships" xmlns:p="http://schemas.openxmlformats.org/presentationml/2006/main">
   <p:cSld>
     <p:spTree>
@@ -29316,7 +30308,7 @@
 </p:sld>
 </file>
 
-<file path=ppt/slides/slide8.xml><?xml version="1.0" encoding="utf-8"?>
+<file path=ppt/slides/slide9.xml><?xml version="1.0" encoding="utf-8"?>
 <p:sld xmlns:a="http://schemas.openxmlformats.org/drawingml/2006/main" xmlns:r="http://schemas.openxmlformats.org/officeDocument/2006/relationships" xmlns:p="http://schemas.openxmlformats.org/presentationml/2006/main">
   <p:cSld>
     <p:spTree>
@@ -29784,624 +30776,6 @@
     <p:extLst>
       <p:ext uri="{BB962C8B-B14F-4D97-AF65-F5344CB8AC3E}">
         <p14:creationId xmlns:p14="http://schemas.microsoft.com/office/powerpoint/2010/main" val="2261443199"/>
-      </p:ext>
-    </p:extLst>
-  </p:cSld>
-  <p:clrMapOvr>
-    <a:masterClrMapping/>
-  </p:clrMapOvr>
-  <mc:AlternateContent xmlns:mc="http://schemas.openxmlformats.org/markup-compatibility/2006" xmlns:p14="http://schemas.microsoft.com/office/powerpoint/2010/main">
-    <mc:Choice Requires="p14">
-      <p:transition spd="med" p14:dur="700">
-        <p:fade/>
-      </p:transition>
-    </mc:Choice>
-    <mc:Fallback xmlns="">
-      <p:transition spd="med">
-        <p:fade/>
-      </p:transition>
-    </mc:Fallback>
-  </mc:AlternateContent>
-</p:sld>
-</file>
-
-<file path=ppt/slides/slide9.xml><?xml version="1.0" encoding="utf-8"?>
-<p:sld xmlns:a="http://schemas.openxmlformats.org/drawingml/2006/main" xmlns:r="http://schemas.openxmlformats.org/officeDocument/2006/relationships" xmlns:p="http://schemas.openxmlformats.org/presentationml/2006/main">
-  <p:cSld>
-    <p:spTree>
-      <p:nvGrpSpPr>
-        <p:cNvPr id="1" name=""/>
-        <p:cNvGrpSpPr/>
-        <p:nvPr/>
-      </p:nvGrpSpPr>
-      <p:grpSpPr>
-        <a:xfrm>
-          <a:off x="0" y="0"/>
-          <a:ext cx="0" cy="0"/>
-          <a:chOff x="0" y="0"/>
-          <a:chExt cx="0" cy="0"/>
-        </a:xfrm>
-      </p:grpSpPr>
-      <p:sp>
-        <p:nvSpPr>
-          <p:cNvPr id="3" name="Text Placeholder 2">
-            <a:extLst>
-              <a:ext uri="{FF2B5EF4-FFF2-40B4-BE49-F238E27FC236}">
-                <a16:creationId xmlns:a16="http://schemas.microsoft.com/office/drawing/2014/main" id="{73E3EF51-53D1-CB35-30F5-2C4ACF286662}"/>
-              </a:ext>
-            </a:extLst>
-          </p:cNvPr>
-          <p:cNvSpPr>
-            <a:spLocks noGrp="1"/>
-          </p:cNvSpPr>
-          <p:nvPr>
-            <p:ph type="body" sz="quarter" idx="13"/>
-          </p:nvPr>
-        </p:nvSpPr>
-        <p:spPr>
-          <a:xfrm>
-            <a:off x="249374" y="832448"/>
-            <a:ext cx="3749613" cy="4714188"/>
-          </a:xfrm>
-        </p:spPr>
-        <p:txBody>
-          <a:bodyPr/>
-          <a:lstStyle/>
-          <a:p>
-            <a:pPr marL="0" indent="0">
-              <a:buNone/>
-            </a:pPr>
-            <a:r>
-              <a:rPr lang="en-GB" dirty="0">
-                <a:solidFill>
-                  <a:srgbClr val="FFFF00"/>
-                </a:solidFill>
-              </a:rPr>
-              <a:t>Password Encryption</a:t>
-            </a:r>
-          </a:p>
-          <a:p>
-            <a:r>
-              <a:rPr lang="en-GB" dirty="0"/>
-              <a:t>AES has been used for demo purposes but SHA-256 is preferred (although neither are 100% secure). Account Admin process would require revision to properly handle SHA-256</a:t>
-            </a:r>
-          </a:p>
-          <a:p>
-            <a:pPr marL="0" indent="0">
-              <a:buNone/>
-            </a:pPr>
-            <a:endParaRPr lang="en-GB" dirty="0"/>
-          </a:p>
-          <a:p>
-            <a:pPr marL="0" indent="0">
-              <a:buNone/>
-            </a:pPr>
-            <a:r>
-              <a:rPr lang="en-GB" dirty="0">
-                <a:solidFill>
-                  <a:srgbClr val="FFFF00"/>
-                </a:solidFill>
-              </a:rPr>
-              <a:t>Session validation</a:t>
-            </a:r>
-          </a:p>
-          <a:p>
-            <a:r>
-              <a:rPr lang="en-GB" dirty="0"/>
-              <a:t>Use of </a:t>
-            </a:r>
-            <a:r>
-              <a:rPr lang="en-GB" dirty="0" err="1"/>
-              <a:t>isAuth</a:t>
-            </a:r>
-            <a:r>
-              <a:rPr lang="en-GB" dirty="0"/>
-              <a:t> (auth.js) middleware &amp; setting </a:t>
-            </a:r>
-            <a:r>
-              <a:rPr lang="en-GB" dirty="0" err="1"/>
-              <a:t>sessionUserName</a:t>
-            </a:r>
-            <a:r>
-              <a:rPr lang="en-GB" dirty="0"/>
-              <a:t> limiting user’s access to only what is permitted</a:t>
-            </a:r>
-            <a:endParaRPr lang="en-GB" dirty="0">
-              <a:solidFill>
-                <a:srgbClr val="FFFF00"/>
-              </a:solidFill>
-            </a:endParaRPr>
-          </a:p>
-        </p:txBody>
-      </p:sp>
-      <p:sp>
-        <p:nvSpPr>
-          <p:cNvPr id="11" name="Title 6">
-            <a:extLst>
-              <a:ext uri="{FF2B5EF4-FFF2-40B4-BE49-F238E27FC236}">
-                <a16:creationId xmlns:a16="http://schemas.microsoft.com/office/drawing/2014/main" id="{AECF7CE4-D236-3477-A426-BCFE1BF295E6}"/>
-              </a:ext>
-            </a:extLst>
-          </p:cNvPr>
-          <p:cNvSpPr txBox="1">
-            <a:spLocks/>
-          </p:cNvSpPr>
-          <p:nvPr/>
-        </p:nvSpPr>
-        <p:spPr>
-          <a:xfrm>
-            <a:off x="329090" y="266576"/>
-            <a:ext cx="11214100" cy="535531"/>
-          </a:xfrm>
-          <a:prstGeom prst="rect">
-            <a:avLst/>
-          </a:prstGeom>
-        </p:spPr>
-        <p:txBody>
-          <a:bodyPr vert="horz" wrap="square" lIns="91440" tIns="45720" rIns="91440" bIns="45720" rtlCol="0" anchor="t">
-            <a:spAutoFit/>
-          </a:bodyPr>
-          <a:lstStyle>
-            <a:lvl1pPr algn="l" defTabSz="914400" rtl="0" eaLnBrk="1" latinLnBrk="0" hangingPunct="1">
-              <a:lnSpc>
-                <a:spcPct val="90000"/>
-              </a:lnSpc>
-              <a:spcBef>
-                <a:spcPct val="0"/>
-              </a:spcBef>
-              <a:buNone/>
-              <a:defRPr lang="en-GB" sz="3200" b="1" kern="1200" spc="-70" baseline="0" dirty="0">
-                <a:solidFill>
-                  <a:schemeClr val="bg1"/>
-                </a:solidFill>
-                <a:latin typeface="+mj-lt"/>
-                <a:ea typeface="+mj-ea"/>
-                <a:cs typeface="+mj-cs"/>
-              </a:defRPr>
-            </a:lvl1pPr>
-          </a:lstStyle>
-          <a:p>
-            <a:r>
-              <a:rPr lang="en-US" dirty="0">
-                <a:solidFill>
-                  <a:schemeClr val="accent1">
-                    <a:lumMod val="40000"/>
-                    <a:lumOff val="60000"/>
-                  </a:schemeClr>
-                </a:solidFill>
-              </a:rPr>
-              <a:t>Security</a:t>
-            </a:r>
-          </a:p>
-        </p:txBody>
-      </p:sp>
-      <p:sp>
-        <p:nvSpPr>
-          <p:cNvPr id="2" name="Text Placeholder 2">
-            <a:extLst>
-              <a:ext uri="{FF2B5EF4-FFF2-40B4-BE49-F238E27FC236}">
-                <a16:creationId xmlns:a16="http://schemas.microsoft.com/office/drawing/2014/main" id="{9177A33E-4F02-1A82-5DFB-14A3A3C44BFE}"/>
-              </a:ext>
-            </a:extLst>
-          </p:cNvPr>
-          <p:cNvSpPr txBox="1">
-            <a:spLocks/>
-          </p:cNvSpPr>
-          <p:nvPr/>
-        </p:nvSpPr>
-        <p:spPr>
-          <a:xfrm>
-            <a:off x="5189433" y="832298"/>
-            <a:ext cx="4620883" cy="5180014"/>
-          </a:xfrm>
-          <a:prstGeom prst="rect">
-            <a:avLst/>
-          </a:prstGeom>
-        </p:spPr>
-        <p:txBody>
-          <a:bodyPr vert="horz" lIns="91440" tIns="45720" rIns="91440" bIns="45720" rtlCol="0">
-            <a:noAutofit/>
-          </a:bodyPr>
-          <a:lstStyle>
-            <a:lvl1pPr marL="228600" indent="-228600" algn="l" defTabSz="914400" rtl="0" eaLnBrk="1" latinLnBrk="0" hangingPunct="1">
-              <a:lnSpc>
-                <a:spcPct val="100000"/>
-              </a:lnSpc>
-              <a:spcBef>
-                <a:spcPts val="600"/>
-              </a:spcBef>
-              <a:spcAft>
-                <a:spcPts val="400"/>
-              </a:spcAft>
-              <a:buClr>
-                <a:schemeClr val="accent2"/>
-              </a:buClr>
-              <a:buFont typeface="Arial" panose="020B0604020202020204" pitchFamily="34" charset="0"/>
-              <a:buChar char="•"/>
-              <a:defRPr sz="1600" kern="1200">
-                <a:solidFill>
-                  <a:schemeClr val="bg1"/>
-                </a:solidFill>
-                <a:latin typeface="+mn-lt"/>
-                <a:ea typeface="+mn-ea"/>
-                <a:cs typeface="Arial" panose="020B0604020202020204" pitchFamily="34" charset="0"/>
-              </a:defRPr>
-            </a:lvl1pPr>
-            <a:lvl2pPr marL="685800" indent="-228600" algn="l" defTabSz="914400" rtl="0" eaLnBrk="1" latinLnBrk="0" hangingPunct="1">
-              <a:lnSpc>
-                <a:spcPct val="100000"/>
-              </a:lnSpc>
-              <a:spcBef>
-                <a:spcPts val="600"/>
-              </a:spcBef>
-              <a:spcAft>
-                <a:spcPts val="400"/>
-              </a:spcAft>
-              <a:buClr>
-                <a:schemeClr val="accent2"/>
-              </a:buClr>
-              <a:buFont typeface="Arial" panose="020B0604020202020204" pitchFamily="34" charset="0"/>
-              <a:buChar char="•"/>
-              <a:defRPr sz="1400" kern="1200">
-                <a:solidFill>
-                  <a:schemeClr val="bg1"/>
-                </a:solidFill>
-                <a:latin typeface="+mn-lt"/>
-                <a:ea typeface="+mn-ea"/>
-                <a:cs typeface="Arial" panose="020B0604020202020204" pitchFamily="34" charset="0"/>
-              </a:defRPr>
-            </a:lvl2pPr>
-            <a:lvl3pPr marL="1143000" indent="-228600" algn="l" defTabSz="914400" rtl="0" eaLnBrk="1" latinLnBrk="0" hangingPunct="1">
-              <a:lnSpc>
-                <a:spcPct val="100000"/>
-              </a:lnSpc>
-              <a:spcBef>
-                <a:spcPts val="600"/>
-              </a:spcBef>
-              <a:spcAft>
-                <a:spcPts val="400"/>
-              </a:spcAft>
-              <a:buClr>
-                <a:schemeClr val="accent2"/>
-              </a:buClr>
-              <a:buFont typeface="Arial" panose="020B0604020202020204" pitchFamily="34" charset="0"/>
-              <a:buChar char="•"/>
-              <a:defRPr sz="1200" kern="1200">
-                <a:solidFill>
-                  <a:schemeClr val="bg1"/>
-                </a:solidFill>
-                <a:latin typeface="+mn-lt"/>
-                <a:ea typeface="+mn-ea"/>
-                <a:cs typeface="Arial" panose="020B0604020202020204" pitchFamily="34" charset="0"/>
-              </a:defRPr>
-            </a:lvl3pPr>
-            <a:lvl4pPr marL="1600200" indent="-228600" algn="l" defTabSz="914400" rtl="0" eaLnBrk="1" latinLnBrk="0" hangingPunct="1">
-              <a:lnSpc>
-                <a:spcPct val="90000"/>
-              </a:lnSpc>
-              <a:spcBef>
-                <a:spcPts val="500"/>
-              </a:spcBef>
-              <a:buClr>
-                <a:schemeClr val="accent2"/>
-              </a:buClr>
-              <a:buFont typeface="Arial" panose="020B0604020202020204" pitchFamily="34" charset="0"/>
-              <a:buChar char="•"/>
-              <a:defRPr sz="1400" kern="1200">
-                <a:solidFill>
-                  <a:schemeClr val="bg1"/>
-                </a:solidFill>
-                <a:latin typeface="Arial" panose="020B0604020202020204" pitchFamily="34" charset="0"/>
-                <a:ea typeface="+mn-ea"/>
-                <a:cs typeface="Arial" panose="020B0604020202020204" pitchFamily="34" charset="0"/>
-              </a:defRPr>
-            </a:lvl4pPr>
-            <a:lvl5pPr marL="2057400" indent="-228600" algn="l" defTabSz="914400" rtl="0" eaLnBrk="1" latinLnBrk="0" hangingPunct="1">
-              <a:lnSpc>
-                <a:spcPct val="90000"/>
-              </a:lnSpc>
-              <a:spcBef>
-                <a:spcPts val="500"/>
-              </a:spcBef>
-              <a:buClr>
-                <a:schemeClr val="accent2"/>
-              </a:buClr>
-              <a:buFont typeface="Arial" panose="020B0604020202020204" pitchFamily="34" charset="0"/>
-              <a:buChar char="•"/>
-              <a:defRPr sz="1400" kern="1200">
-                <a:solidFill>
-                  <a:schemeClr val="bg1"/>
-                </a:solidFill>
-                <a:latin typeface="Arial" panose="020B0604020202020204" pitchFamily="34" charset="0"/>
-                <a:ea typeface="+mn-ea"/>
-                <a:cs typeface="Arial" panose="020B0604020202020204" pitchFamily="34" charset="0"/>
-              </a:defRPr>
-            </a:lvl5pPr>
-            <a:lvl6pPr marL="2514600" indent="-228600" algn="l" defTabSz="914400" rtl="0" eaLnBrk="1" latinLnBrk="0" hangingPunct="1">
-              <a:lnSpc>
-                <a:spcPct val="90000"/>
-              </a:lnSpc>
-              <a:spcBef>
-                <a:spcPts val="500"/>
-              </a:spcBef>
-              <a:buFont typeface="Arial" panose="020B0604020202020204" pitchFamily="34" charset="0"/>
-              <a:buChar char="•"/>
-              <a:defRPr sz="1800" kern="1200">
-                <a:solidFill>
-                  <a:schemeClr val="tx1"/>
-                </a:solidFill>
-                <a:latin typeface="+mn-lt"/>
-                <a:ea typeface="+mn-ea"/>
-                <a:cs typeface="+mn-cs"/>
-              </a:defRPr>
-            </a:lvl6pPr>
-            <a:lvl7pPr marL="2971800" indent="-228600" algn="l" defTabSz="914400" rtl="0" eaLnBrk="1" latinLnBrk="0" hangingPunct="1">
-              <a:lnSpc>
-                <a:spcPct val="90000"/>
-              </a:lnSpc>
-              <a:spcBef>
-                <a:spcPts val="500"/>
-              </a:spcBef>
-              <a:buFont typeface="Arial" panose="020B0604020202020204" pitchFamily="34" charset="0"/>
-              <a:buChar char="•"/>
-              <a:defRPr sz="1800" kern="1200">
-                <a:solidFill>
-                  <a:schemeClr val="tx1"/>
-                </a:solidFill>
-                <a:latin typeface="+mn-lt"/>
-                <a:ea typeface="+mn-ea"/>
-                <a:cs typeface="+mn-cs"/>
-              </a:defRPr>
-            </a:lvl7pPr>
-            <a:lvl8pPr marL="3429000" indent="-228600" algn="l" defTabSz="914400" rtl="0" eaLnBrk="1" latinLnBrk="0" hangingPunct="1">
-              <a:lnSpc>
-                <a:spcPct val="90000"/>
-              </a:lnSpc>
-              <a:spcBef>
-                <a:spcPts val="500"/>
-              </a:spcBef>
-              <a:buFont typeface="Arial" panose="020B0604020202020204" pitchFamily="34" charset="0"/>
-              <a:buChar char="•"/>
-              <a:defRPr sz="1800" kern="1200">
-                <a:solidFill>
-                  <a:schemeClr val="tx1"/>
-                </a:solidFill>
-                <a:latin typeface="+mn-lt"/>
-                <a:ea typeface="+mn-ea"/>
-                <a:cs typeface="+mn-cs"/>
-              </a:defRPr>
-            </a:lvl8pPr>
-            <a:lvl9pPr marL="3886200" indent="-228600" algn="l" defTabSz="914400" rtl="0" eaLnBrk="1" latinLnBrk="0" hangingPunct="1">
-              <a:lnSpc>
-                <a:spcPct val="90000"/>
-              </a:lnSpc>
-              <a:spcBef>
-                <a:spcPts val="500"/>
-              </a:spcBef>
-              <a:buFont typeface="Arial" panose="020B0604020202020204" pitchFamily="34" charset="0"/>
-              <a:buChar char="•"/>
-              <a:defRPr sz="1800" kern="1200">
-                <a:solidFill>
-                  <a:schemeClr val="tx1"/>
-                </a:solidFill>
-                <a:latin typeface="+mn-lt"/>
-                <a:ea typeface="+mn-ea"/>
-                <a:cs typeface="+mn-cs"/>
-              </a:defRPr>
-            </a:lvl9pPr>
-          </a:lstStyle>
-          <a:p>
-            <a:pPr marL="0" indent="0">
-              <a:buFont typeface="Arial" panose="020B0604020202020204" pitchFamily="34" charset="0"/>
-              <a:buNone/>
-            </a:pPr>
-            <a:r>
-              <a:rPr lang="en-GB" dirty="0">
-                <a:solidFill>
-                  <a:srgbClr val="FFFF00"/>
-                </a:solidFill>
-              </a:rPr>
-              <a:t>Validations</a:t>
-            </a:r>
-          </a:p>
-          <a:p>
-            <a:r>
-              <a:rPr lang="en-GB" dirty="0"/>
-              <a:t>Greater focus on server-side (due to the possibility of disabling JavaScript in browser)</a:t>
-            </a:r>
-          </a:p>
-          <a:p>
-            <a:r>
-              <a:rPr lang="en-GB" dirty="0"/>
-              <a:t>Duplication of some checks on client-side</a:t>
-            </a:r>
-          </a:p>
-          <a:p>
-            <a:r>
-              <a:rPr lang="en-GB" dirty="0"/>
-              <a:t>Disable buttons by default on client-side unless valid inputs are provided</a:t>
-            </a:r>
-          </a:p>
-          <a:p>
-            <a:pPr marL="0" indent="0">
-              <a:buNone/>
-            </a:pPr>
-            <a:endParaRPr lang="en-GB" dirty="0"/>
-          </a:p>
-          <a:p>
-            <a:pPr marL="0" indent="0">
-              <a:buNone/>
-            </a:pPr>
-            <a:r>
-              <a:rPr lang="en-GB" dirty="0">
-                <a:solidFill>
-                  <a:srgbClr val="FFFF00"/>
-                </a:solidFill>
-              </a:rPr>
-              <a:t>Caching</a:t>
-            </a:r>
-          </a:p>
-          <a:p>
-            <a:r>
-              <a:rPr lang="en-GB" dirty="0"/>
-              <a:t>Cache-Control in app.js on client side</a:t>
-            </a:r>
-          </a:p>
-          <a:p>
-            <a:pPr marL="0" indent="0">
-              <a:buNone/>
-            </a:pPr>
-            <a:endParaRPr lang="en-GB" dirty="0"/>
-          </a:p>
-          <a:p>
-            <a:pPr marL="0" indent="0">
-              <a:buNone/>
-            </a:pPr>
-            <a:r>
-              <a:rPr lang="en-GB" dirty="0">
-                <a:solidFill>
-                  <a:srgbClr val="FFFF00"/>
-                </a:solidFill>
-              </a:rPr>
-              <a:t>SQL injection</a:t>
-            </a:r>
-          </a:p>
-          <a:p>
-            <a:r>
-              <a:rPr lang="en-GB" dirty="0" err="1"/>
-              <a:t>mysql.escape</a:t>
-            </a:r>
-            <a:r>
-              <a:rPr lang="en-GB" dirty="0"/>
-              <a:t>(input) on server side</a:t>
-            </a:r>
-          </a:p>
-        </p:txBody>
-      </p:sp>
-      <p:pic>
-        <p:nvPicPr>
-          <p:cNvPr id="6" name="Picture 5">
-            <a:extLst>
-              <a:ext uri="{FF2B5EF4-FFF2-40B4-BE49-F238E27FC236}">
-                <a16:creationId xmlns:a16="http://schemas.microsoft.com/office/drawing/2014/main" id="{CB8C0C41-7FE9-7F02-A692-EDADF80BB30F}"/>
-              </a:ext>
-            </a:extLst>
-          </p:cNvPr>
-          <p:cNvPicPr>
-            <a:picLocks noChangeAspect="1"/>
-          </p:cNvPicPr>
-          <p:nvPr/>
-        </p:nvPicPr>
-        <p:blipFill>
-          <a:blip r:embed="rId2"/>
-          <a:stretch>
-            <a:fillRect/>
-          </a:stretch>
-        </p:blipFill>
-        <p:spPr>
-          <a:xfrm>
-            <a:off x="9299274" y="2013448"/>
-            <a:ext cx="2515656" cy="2619039"/>
-          </a:xfrm>
-          <a:prstGeom prst="rect">
-            <a:avLst/>
-          </a:prstGeom>
-        </p:spPr>
-      </p:pic>
-      <p:pic>
-        <p:nvPicPr>
-          <p:cNvPr id="8" name="Picture 7">
-            <a:extLst>
-              <a:ext uri="{FF2B5EF4-FFF2-40B4-BE49-F238E27FC236}">
-                <a16:creationId xmlns:a16="http://schemas.microsoft.com/office/drawing/2014/main" id="{7698CC3C-F4E7-4C19-8EBF-4130AADBA361}"/>
-              </a:ext>
-            </a:extLst>
-          </p:cNvPr>
-          <p:cNvPicPr>
-            <a:picLocks noChangeAspect="1"/>
-          </p:cNvPicPr>
-          <p:nvPr/>
-        </p:nvPicPr>
-        <p:blipFill>
-          <a:blip r:embed="rId3"/>
-          <a:stretch>
-            <a:fillRect/>
-          </a:stretch>
-        </p:blipFill>
-        <p:spPr>
-          <a:xfrm>
-            <a:off x="9299274" y="4716351"/>
-            <a:ext cx="2332547" cy="1985874"/>
-          </a:xfrm>
-          <a:prstGeom prst="rect">
-            <a:avLst/>
-          </a:prstGeom>
-        </p:spPr>
-      </p:pic>
-      <p:pic>
-        <p:nvPicPr>
-          <p:cNvPr id="10" name="Picture 9">
-            <a:extLst>
-              <a:ext uri="{FF2B5EF4-FFF2-40B4-BE49-F238E27FC236}">
-                <a16:creationId xmlns:a16="http://schemas.microsoft.com/office/drawing/2014/main" id="{F073ED24-AD5A-E491-51C8-748CD25A2708}"/>
-              </a:ext>
-            </a:extLst>
-          </p:cNvPr>
-          <p:cNvPicPr>
-            <a:picLocks noChangeAspect="1"/>
-          </p:cNvPicPr>
-          <p:nvPr/>
-        </p:nvPicPr>
-        <p:blipFill>
-          <a:blip r:embed="rId4"/>
-          <a:stretch>
-            <a:fillRect/>
-          </a:stretch>
-        </p:blipFill>
-        <p:spPr>
-          <a:xfrm>
-            <a:off x="79336" y="4632487"/>
-            <a:ext cx="2949611" cy="1479891"/>
-          </a:xfrm>
-          <a:prstGeom prst="rect">
-            <a:avLst/>
-          </a:prstGeom>
-        </p:spPr>
-      </p:pic>
-      <p:pic>
-        <p:nvPicPr>
-          <p:cNvPr id="13" name="Picture 12">
-            <a:extLst>
-              <a:ext uri="{FF2B5EF4-FFF2-40B4-BE49-F238E27FC236}">
-                <a16:creationId xmlns:a16="http://schemas.microsoft.com/office/drawing/2014/main" id="{1181D3DE-2C13-0A1A-96FC-E61FB70A8FC4}"/>
-              </a:ext>
-            </a:extLst>
-          </p:cNvPr>
-          <p:cNvPicPr>
-            <a:picLocks noChangeAspect="1"/>
-          </p:cNvPicPr>
-          <p:nvPr/>
-        </p:nvPicPr>
-        <p:blipFill>
-          <a:blip r:embed="rId5"/>
-          <a:stretch>
-            <a:fillRect/>
-          </a:stretch>
-        </p:blipFill>
-        <p:spPr>
-          <a:xfrm>
-            <a:off x="2851362" y="5068736"/>
-            <a:ext cx="2515657" cy="1633489"/>
-          </a:xfrm>
-          <a:prstGeom prst="rect">
-            <a:avLst/>
-          </a:prstGeom>
-        </p:spPr>
-      </p:pic>
-    </p:spTree>
-    <p:extLst>
-      <p:ext uri="{BB962C8B-B14F-4D97-AF65-F5344CB8AC3E}">
-        <p14:creationId xmlns:p14="http://schemas.microsoft.com/office/powerpoint/2010/main" val="964162129"/>
       </p:ext>
     </p:extLst>
   </p:cSld>
@@ -31215,20 +31589,20 @@
 </file>
 
 <file path=customXml/item1.xml><?xml version="1.0" encoding="utf-8"?>
-<p:properties xmlns:p="http://schemas.microsoft.com/office/2006/metadata/properties" xmlns:xsi="http://www.w3.org/2001/XMLSchema-instance" xmlns:pc="http://schemas.microsoft.com/office/infopath/2007/PartnerControls">
-  <documentManagement>
-    <MediaServiceKeyPoints xmlns="71af3243-3dd4-4a8d-8c0d-dd76da1f02a5" xsi:nil="true"/>
-  </documentManagement>
-</p:properties>
-</file>
-
-<file path=customXml/item2.xml><?xml version="1.0" encoding="utf-8"?>
 <?mso-contentType ?>
 <FormTemplates xmlns="http://schemas.microsoft.com/sharepoint/v3/contenttype/forms">
   <Display>DocumentLibraryForm</Display>
   <Edit>DocumentLibraryForm</Edit>
   <New>DocumentLibraryForm</New>
 </FormTemplates>
+</file>
+
+<file path=customXml/item2.xml><?xml version="1.0" encoding="utf-8"?>
+<p:properties xmlns:p="http://schemas.microsoft.com/office/2006/metadata/properties" xmlns:xsi="http://www.w3.org/2001/XMLSchema-instance" xmlns:pc="http://schemas.microsoft.com/office/infopath/2007/PartnerControls">
+  <documentManagement>
+    <MediaServiceKeyPoints xmlns="71af3243-3dd4-4a8d-8c0d-dd76da1f02a5" xsi:nil="true"/>
+  </documentManagement>
+</p:properties>
 </file>
 
 <file path=customXml/item3.xml><?xml version="1.0" encoding="utf-8"?>
@@ -31443,19 +31817,19 @@
 </file>
 
 <file path=customXml/itemProps1.xml><?xml version="1.0" encoding="utf-8"?>
+<ds:datastoreItem xmlns:ds="http://schemas.openxmlformats.org/officeDocument/2006/customXml" ds:itemID="{5B26E0C9-B2AA-42E6-97B6-E1B7D9EAF129}">
+  <ds:schemaRefs>
+    <ds:schemaRef ds:uri="http://schemas.microsoft.com/sharepoint/v3/contenttype/forms"/>
+  </ds:schemaRefs>
+</ds:datastoreItem>
+</file>
+
+<file path=customXml/itemProps2.xml><?xml version="1.0" encoding="utf-8"?>
 <ds:datastoreItem xmlns:ds="http://schemas.openxmlformats.org/officeDocument/2006/customXml" ds:itemID="{F5757914-1161-4661-9696-421FD6935CDD}">
   <ds:schemaRefs>
     <ds:schemaRef ds:uri="http://schemas.microsoft.com/office/2006/metadata/properties"/>
     <ds:schemaRef ds:uri="http://schemas.microsoft.com/office/infopath/2007/PartnerControls"/>
     <ds:schemaRef ds:uri="71af3243-3dd4-4a8d-8c0d-dd76da1f02a5"/>
-  </ds:schemaRefs>
-</ds:datastoreItem>
-</file>
-
-<file path=customXml/itemProps2.xml><?xml version="1.0" encoding="utf-8"?>
-<ds:datastoreItem xmlns:ds="http://schemas.openxmlformats.org/officeDocument/2006/customXml" ds:itemID="{5B26E0C9-B2AA-42E6-97B6-E1B7D9EAF129}">
-  <ds:schemaRefs>
-    <ds:schemaRef ds:uri="http://schemas.microsoft.com/sharepoint/v3/contenttype/forms"/>
   </ds:schemaRefs>
 </ds:datastoreItem>
 </file>
